--- a/Prezentare licenta.pptx
+++ b/Prezentare licenta.pptx
@@ -5,7 +5,7 @@
     <p:sldMasterId id="2147483648" r:id="rId1"/>
   </p:sldMasterIdLst>
   <p:notesMasterIdLst>
-    <p:notesMasterId r:id="rId15"/>
+    <p:notesMasterId r:id="rId22"/>
   </p:notesMasterIdLst>
   <p:sldIdLst>
     <p:sldId id="256" r:id="rId2"/>
@@ -13,14 +13,21 @@
     <p:sldId id="258" r:id="rId4"/>
     <p:sldId id="260" r:id="rId5"/>
     <p:sldId id="261" r:id="rId6"/>
-    <p:sldId id="262" r:id="rId7"/>
-    <p:sldId id="263" r:id="rId8"/>
-    <p:sldId id="264" r:id="rId9"/>
-    <p:sldId id="265" r:id="rId10"/>
-    <p:sldId id="266" r:id="rId11"/>
-    <p:sldId id="268" r:id="rId12"/>
-    <p:sldId id="269" r:id="rId13"/>
-    <p:sldId id="267" r:id="rId14"/>
+    <p:sldId id="270" r:id="rId7"/>
+    <p:sldId id="262" r:id="rId8"/>
+    <p:sldId id="271" r:id="rId9"/>
+    <p:sldId id="276" r:id="rId10"/>
+    <p:sldId id="263" r:id="rId11"/>
+    <p:sldId id="264" r:id="rId12"/>
+    <p:sldId id="272" r:id="rId13"/>
+    <p:sldId id="265" r:id="rId14"/>
+    <p:sldId id="273" r:id="rId15"/>
+    <p:sldId id="266" r:id="rId16"/>
+    <p:sldId id="274" r:id="rId17"/>
+    <p:sldId id="268" r:id="rId18"/>
+    <p:sldId id="269" r:id="rId19"/>
+    <p:sldId id="267" r:id="rId20"/>
+    <p:sldId id="275" r:id="rId21"/>
   </p:sldIdLst>
   <p:sldSz cx="12192000" cy="6858000"/>
   <p:notesSz cx="6858000" cy="9144000"/>
@@ -209,7 +216,7 @@
           <a:p>
             <a:fld id="{322C17D7-6076-44DD-ACAD-8F556AE35154}" type="datetimeFigureOut">
               <a:rPr lang="ro-RO" smtClean="0"/>
-              <a:t>28.06.2019</a:t>
+              <a:t>30.06.2019</a:t>
             </a:fld>
             <a:endParaRPr lang="ro-RO"/>
           </a:p>
@@ -626,7 +633,7 @@
           <a:p>
             <a:fld id="{A928935D-A742-4938-A71C-FBA1F819090A}" type="datetime1">
               <a:rPr lang="ro-RO" smtClean="0"/>
-              <a:t>28.06.2019</a:t>
+              <a:t>30.06.2019</a:t>
             </a:fld>
             <a:endParaRPr lang="ro-RO"/>
           </a:p>
@@ -826,7 +833,7 @@
           <a:p>
             <a:fld id="{8F0EA1C3-5DDC-4169-814E-02DCDC690817}" type="datetime1">
               <a:rPr lang="ro-RO" smtClean="0"/>
-              <a:t>28.06.2019</a:t>
+              <a:t>30.06.2019</a:t>
             </a:fld>
             <a:endParaRPr lang="ro-RO"/>
           </a:p>
@@ -1036,7 +1043,7 @@
           <a:p>
             <a:fld id="{85565A63-E739-4B72-A13B-C4FCB39E8FB8}" type="datetime1">
               <a:rPr lang="ro-RO" smtClean="0"/>
-              <a:t>28.06.2019</a:t>
+              <a:t>30.06.2019</a:t>
             </a:fld>
             <a:endParaRPr lang="ro-RO"/>
           </a:p>
@@ -1236,7 +1243,7 @@
           <a:p>
             <a:fld id="{8FAAB8EF-E27E-41EE-9010-A67D851EA1C7}" type="datetime1">
               <a:rPr lang="ro-RO" smtClean="0"/>
-              <a:t>28.06.2019</a:t>
+              <a:t>30.06.2019</a:t>
             </a:fld>
             <a:endParaRPr lang="ro-RO"/>
           </a:p>
@@ -1512,7 +1519,7 @@
           <a:p>
             <a:fld id="{CD95EDC3-7D5D-4FD3-B12B-D3F16BEB7DC7}" type="datetime1">
               <a:rPr lang="ro-RO" smtClean="0"/>
-              <a:t>28.06.2019</a:t>
+              <a:t>30.06.2019</a:t>
             </a:fld>
             <a:endParaRPr lang="ro-RO"/>
           </a:p>
@@ -1780,7 +1787,7 @@
           <a:p>
             <a:fld id="{523FB8FC-9C0F-4BE4-99A4-3C0B2BA31B3D}" type="datetime1">
               <a:rPr lang="ro-RO" smtClean="0"/>
-              <a:t>28.06.2019</a:t>
+              <a:t>30.06.2019</a:t>
             </a:fld>
             <a:endParaRPr lang="ro-RO"/>
           </a:p>
@@ -2195,7 +2202,7 @@
           <a:p>
             <a:fld id="{CFF389D8-F18A-4D68-BCFC-2BE5954F14E0}" type="datetime1">
               <a:rPr lang="ro-RO" smtClean="0"/>
-              <a:t>28.06.2019</a:t>
+              <a:t>30.06.2019</a:t>
             </a:fld>
             <a:endParaRPr lang="ro-RO"/>
           </a:p>
@@ -2337,7 +2344,7 @@
           <a:p>
             <a:fld id="{25C35B28-83EE-403F-92EE-9B3BABDA39DD}" type="datetime1">
               <a:rPr lang="ro-RO" smtClean="0"/>
-              <a:t>28.06.2019</a:t>
+              <a:t>30.06.2019</a:t>
             </a:fld>
             <a:endParaRPr lang="ro-RO"/>
           </a:p>
@@ -2450,7 +2457,7 @@
           <a:p>
             <a:fld id="{168D45F0-F0E5-4FEF-8745-07273F7FD556}" type="datetime1">
               <a:rPr lang="ro-RO" smtClean="0"/>
-              <a:t>28.06.2019</a:t>
+              <a:t>30.06.2019</a:t>
             </a:fld>
             <a:endParaRPr lang="ro-RO"/>
           </a:p>
@@ -2763,7 +2770,7 @@
           <a:p>
             <a:fld id="{70DAB188-8C4E-46A0-A25A-E1A543BB1F38}" type="datetime1">
               <a:rPr lang="ro-RO" smtClean="0"/>
-              <a:t>28.06.2019</a:t>
+              <a:t>30.06.2019</a:t>
             </a:fld>
             <a:endParaRPr lang="ro-RO"/>
           </a:p>
@@ -3052,7 +3059,7 @@
           <a:p>
             <a:fld id="{B7478133-5D3F-43AD-893C-D0CAA8EB74BD}" type="datetime1">
               <a:rPr lang="ro-RO" smtClean="0"/>
-              <a:t>28.06.2019</a:t>
+              <a:t>30.06.2019</a:t>
             </a:fld>
             <a:endParaRPr lang="ro-RO"/>
           </a:p>
@@ -3295,7 +3302,7 @@
           <a:p>
             <a:fld id="{DDFCE4E0-6CFA-4193-8AD3-1447AB074F25}" type="datetime1">
               <a:rPr lang="ro-RO" smtClean="0"/>
-              <a:t>28.06.2019</a:t>
+              <a:t>30.06.2019</a:t>
             </a:fld>
             <a:endParaRPr lang="ro-RO"/>
           </a:p>
@@ -3743,7 +3750,15 @@
           <a:p>
             <a:r>
               <a:rPr lang="ro-RO" dirty="0"/>
-              <a:t>Detectarea automată efectelor adverse a medicamentelor</a:t>
+              <a:t>Detectarea automată </a:t>
+            </a:r>
+            <a:r>
+              <a:rPr lang="en-US" dirty="0"/>
+              <a:t>a </a:t>
+            </a:r>
+            <a:r>
+              <a:rPr lang="ro-RO" dirty="0"/>
+              <a:t>efectelor adverse a medicamentelor</a:t>
             </a:r>
           </a:p>
         </p:txBody>
@@ -4035,13 +4050,13 @@
   <p:clrMapOvr>
     <a:masterClrMapping/>
   </p:clrMapOvr>
-  <mc:AlternateContent xmlns:mc="http://schemas.openxmlformats.org/markup-compatibility/2006">
-    <mc:Choice xmlns:p14="http://schemas.microsoft.com/office/powerpoint/2010/main" Requires="p14">
+  <mc:AlternateContent xmlns:mc="http://schemas.openxmlformats.org/markup-compatibility/2006" xmlns:p14="http://schemas.microsoft.com/office/powerpoint/2010/main">
+    <mc:Choice Requires="p14">
       <p:transition spd="med" p14:dur="700">
         <p:fade/>
       </p:transition>
     </mc:Choice>
-    <mc:Fallback>
+    <mc:Fallback xmlns="">
       <p:transition spd="med">
         <p:fade/>
       </p:transition>
@@ -4072,7 +4087,7 @@
           <p:cNvPr id="2" name="Title 1">
             <a:extLst>
               <a:ext uri="{FF2B5EF4-FFF2-40B4-BE49-F238E27FC236}">
-                <a16:creationId xmlns:a16="http://schemas.microsoft.com/office/drawing/2014/main" id="{B277F373-797F-49BB-A12C-21B853972F05}"/>
+                <a16:creationId xmlns:a16="http://schemas.microsoft.com/office/drawing/2014/main" id="{0D23696F-E4D1-4AAF-8959-789974EE5771}"/>
               </a:ext>
             </a:extLst>
           </p:cNvPr>
@@ -4090,7 +4105,78 @@
           <a:p>
             <a:r>
               <a:rPr lang="ro-RO" dirty="0"/>
-              <a:t>Rezultate SVM</a:t>
+              <a:t>Date nebalansate</a:t>
+            </a:r>
+          </a:p>
+        </p:txBody>
+      </p:sp>
+      <p:sp>
+        <p:nvSpPr>
+          <p:cNvPr id="3" name="Content Placeholder 2">
+            <a:extLst>
+              <a:ext uri="{FF2B5EF4-FFF2-40B4-BE49-F238E27FC236}">
+                <a16:creationId xmlns:a16="http://schemas.microsoft.com/office/drawing/2014/main" id="{7834F65C-A475-4FD2-AD00-EE4363845380}"/>
+              </a:ext>
+            </a:extLst>
+          </p:cNvPr>
+          <p:cNvSpPr>
+            <a:spLocks noGrp="1"/>
+          </p:cNvSpPr>
+          <p:nvPr>
+            <p:ph idx="1"/>
+          </p:nvPr>
+        </p:nvSpPr>
+        <p:spPr>
+          <a:xfrm>
+            <a:off x="838200" y="1825624"/>
+            <a:ext cx="4008120" cy="4351655"/>
+          </a:xfrm>
+        </p:spPr>
+        <p:txBody>
+          <a:bodyPr/>
+          <a:lstStyle/>
+          <a:p>
+            <a:r>
+              <a:rPr lang="ro-RO" dirty="0"/>
+              <a:t>Corpus: 29% pozitive și 71% negative</a:t>
+            </a:r>
+          </a:p>
+          <a:p>
+            <a:r>
+              <a:rPr lang="ro-RO" dirty="0"/>
+              <a:t>Pentru rezolvarea acestei probleme a fost folosit SMOTE (</a:t>
+            </a:r>
+            <a:r>
+              <a:rPr lang="ro-RO" dirty="0" err="1"/>
+              <a:t>Synthetic</a:t>
+            </a:r>
+            <a:r>
+              <a:rPr lang="ro-RO" dirty="0"/>
+              <a:t> </a:t>
+            </a:r>
+            <a:r>
+              <a:rPr lang="ro-RO" dirty="0" err="1"/>
+              <a:t>Minority</a:t>
+            </a:r>
+            <a:r>
+              <a:rPr lang="ro-RO" dirty="0"/>
+              <a:t> Over-</a:t>
+            </a:r>
+            <a:r>
+              <a:rPr lang="ro-RO" dirty="0" err="1"/>
+              <a:t>sampling</a:t>
+            </a:r>
+            <a:r>
+              <a:rPr lang="ro-RO" dirty="0"/>
+              <a:t> </a:t>
+            </a:r>
+            <a:r>
+              <a:rPr lang="ro-RO" dirty="0" err="1"/>
+              <a:t>Technique</a:t>
+            </a:r>
+            <a:r>
+              <a:rPr lang="ro-RO" dirty="0"/>
+              <a:t>)</a:t>
             </a:r>
           </a:p>
         </p:txBody>
@@ -4100,7 +4186,7 @@
           <p:cNvPr id="4" name="Slide Number Placeholder 3">
             <a:extLst>
               <a:ext uri="{FF2B5EF4-FFF2-40B4-BE49-F238E27FC236}">
-                <a16:creationId xmlns:a16="http://schemas.microsoft.com/office/drawing/2014/main" id="{0E0792D1-9A55-4DDF-9D12-BCAAF7305F00}"/>
+                <a16:creationId xmlns:a16="http://schemas.microsoft.com/office/drawing/2014/main" id="{F6A44C6B-9A18-4E13-BD50-00CA5190F338}"/>
               </a:ext>
             </a:extLst>
           </p:cNvPr>
@@ -4124,12 +4210,1273 @@
           </a:p>
         </p:txBody>
       </p:sp>
+      <p:pic>
+        <p:nvPicPr>
+          <p:cNvPr id="5" name="Picture 4" descr="https://cdn-images-1.medium.com/max/1000/1*6UFpLFl59O9e3e38ffTXJQ.png">
+            <a:extLst>
+              <a:ext uri="{FF2B5EF4-FFF2-40B4-BE49-F238E27FC236}">
+                <a16:creationId xmlns:a16="http://schemas.microsoft.com/office/drawing/2014/main" id="{61DD07B7-F4E2-46A5-8B4D-EBE7668D56EF}"/>
+              </a:ext>
+            </a:extLst>
+          </p:cNvPr>
+          <p:cNvPicPr/>
+          <p:nvPr/>
+        </p:nvPicPr>
+        <p:blipFill>
+          <a:blip r:embed="rId2">
+            <a:extLst>
+              <a:ext uri="{28A0092B-C50C-407E-A947-70E740481C1C}">
+                <a14:useLocalDpi xmlns:a14="http://schemas.microsoft.com/office/drawing/2010/main" val="0"/>
+              </a:ext>
+            </a:extLst>
+          </a:blip>
+          <a:srcRect/>
+          <a:stretch>
+            <a:fillRect/>
+          </a:stretch>
+        </p:blipFill>
+        <p:spPr bwMode="auto">
+          <a:xfrm>
+            <a:off x="6883400" y="1213167"/>
+            <a:ext cx="3870960" cy="4431665"/>
+          </a:xfrm>
+          <a:prstGeom prst="rect">
+            <a:avLst/>
+          </a:prstGeom>
+          <a:noFill/>
+          <a:ln>
+            <a:noFill/>
+          </a:ln>
+        </p:spPr>
+      </p:pic>
+    </p:spTree>
+    <p:extLst>
+      <p:ext uri="{BB962C8B-B14F-4D97-AF65-F5344CB8AC3E}">
+        <p14:creationId xmlns:p14="http://schemas.microsoft.com/office/powerpoint/2010/main" val="1546677738"/>
+      </p:ext>
+    </p:extLst>
+  </p:cSld>
+  <p:clrMapOvr>
+    <a:masterClrMapping/>
+  </p:clrMapOvr>
+  <mc:AlternateContent xmlns:mc="http://schemas.openxmlformats.org/markup-compatibility/2006" xmlns:p14="http://schemas.microsoft.com/office/powerpoint/2010/main">
+    <mc:Choice Requires="p14">
+      <p:transition spd="med" p14:dur="700">
+        <p:fade/>
+      </p:transition>
+    </mc:Choice>
+    <mc:Fallback xmlns="">
+      <p:transition spd="med">
+        <p:fade/>
+      </p:transition>
+    </mc:Fallback>
+  </mc:AlternateContent>
+</p:sld>
+</file>
+
+<file path=ppt/slides/slide11.xml><?xml version="1.0" encoding="utf-8"?>
+<p:sld xmlns:a="http://schemas.openxmlformats.org/drawingml/2006/main" xmlns:r="http://schemas.openxmlformats.org/officeDocument/2006/relationships" xmlns:p="http://schemas.openxmlformats.org/presentationml/2006/main">
+  <p:cSld>
+    <p:spTree>
+      <p:nvGrpSpPr>
+        <p:cNvPr id="1" name=""/>
+        <p:cNvGrpSpPr/>
+        <p:nvPr/>
+      </p:nvGrpSpPr>
+      <p:grpSpPr>
+        <a:xfrm>
+          <a:off x="0" y="0"/>
+          <a:ext cx="0" cy="0"/>
+          <a:chOff x="0" y="0"/>
+          <a:chExt cx="0" cy="0"/>
+        </a:xfrm>
+      </p:grpSpPr>
+      <p:sp>
+        <p:nvSpPr>
+          <p:cNvPr id="2" name="Title 1">
+            <a:extLst>
+              <a:ext uri="{FF2B5EF4-FFF2-40B4-BE49-F238E27FC236}">
+                <a16:creationId xmlns:a16="http://schemas.microsoft.com/office/drawing/2014/main" id="{223A2A6B-2400-42AD-9A19-1C073D717EA6}"/>
+              </a:ext>
+            </a:extLst>
+          </p:cNvPr>
+          <p:cNvSpPr>
+            <a:spLocks noGrp="1"/>
+          </p:cNvSpPr>
+          <p:nvPr>
+            <p:ph type="title"/>
+          </p:nvPr>
+        </p:nvSpPr>
+        <p:spPr/>
+        <p:txBody>
+          <a:bodyPr/>
+          <a:lstStyle/>
+          <a:p>
+            <a:r>
+              <a:rPr lang="ro-RO" dirty="0"/>
+              <a:t>Metode de clasificare a datelor</a:t>
+            </a:r>
+          </a:p>
+        </p:txBody>
+      </p:sp>
+      <p:sp>
+        <p:nvSpPr>
+          <p:cNvPr id="3" name="Content Placeholder 2">
+            <a:extLst>
+              <a:ext uri="{FF2B5EF4-FFF2-40B4-BE49-F238E27FC236}">
+                <a16:creationId xmlns:a16="http://schemas.microsoft.com/office/drawing/2014/main" id="{46ACBC97-E2AD-413B-AE4F-F94FF144C157}"/>
+              </a:ext>
+            </a:extLst>
+          </p:cNvPr>
+          <p:cNvSpPr>
+            <a:spLocks noGrp="1"/>
+          </p:cNvSpPr>
+          <p:nvPr>
+            <p:ph idx="1"/>
+          </p:nvPr>
+        </p:nvSpPr>
+        <p:spPr>
+          <a:xfrm>
+            <a:off x="767080" y="2211705"/>
+            <a:ext cx="5257800" cy="3985895"/>
+          </a:xfrm>
+        </p:spPr>
+        <p:txBody>
+          <a:bodyPr/>
+          <a:lstStyle/>
+          <a:p>
+            <a:r>
+              <a:rPr lang="ro-RO" dirty="0" err="1"/>
+              <a:t>Bayes</a:t>
+            </a:r>
+            <a:r>
+              <a:rPr lang="ro-RO" dirty="0"/>
+              <a:t> Naiv</a:t>
+            </a:r>
+          </a:p>
+          <a:p>
+            <a:r>
+              <a:rPr lang="ro-RO" dirty="0"/>
+              <a:t>SVM (</a:t>
+            </a:r>
+            <a:r>
+              <a:rPr lang="ro-RO" dirty="0" err="1"/>
+              <a:t>Support</a:t>
+            </a:r>
+            <a:r>
+              <a:rPr lang="ro-RO" dirty="0"/>
+              <a:t> Vector </a:t>
+            </a:r>
+            <a:r>
+              <a:rPr lang="ro-RO" dirty="0" err="1"/>
+              <a:t>Machine</a:t>
+            </a:r>
+            <a:r>
+              <a:rPr lang="ro-RO" dirty="0"/>
+              <a:t>) cu </a:t>
+            </a:r>
+            <a:r>
+              <a:rPr lang="ro-RO" dirty="0" err="1"/>
+              <a:t>kernel</a:t>
+            </a:r>
+            <a:r>
+              <a:rPr lang="ro-RO" dirty="0"/>
+              <a:t> liniar </a:t>
+            </a:r>
+          </a:p>
+          <a:p>
+            <a:r>
+              <a:rPr lang="ro-RO" dirty="0"/>
+              <a:t>Rețele neuronale </a:t>
+            </a:r>
+          </a:p>
+        </p:txBody>
+      </p:sp>
+      <p:sp>
+        <p:nvSpPr>
+          <p:cNvPr id="4" name="Slide Number Placeholder 3">
+            <a:extLst>
+              <a:ext uri="{FF2B5EF4-FFF2-40B4-BE49-F238E27FC236}">
+                <a16:creationId xmlns:a16="http://schemas.microsoft.com/office/drawing/2014/main" id="{F3E15E6B-684F-4795-9134-D92DB441B355}"/>
+              </a:ext>
+            </a:extLst>
+          </p:cNvPr>
+          <p:cNvSpPr>
+            <a:spLocks noGrp="1"/>
+          </p:cNvSpPr>
+          <p:nvPr>
+            <p:ph type="sldNum" sz="quarter" idx="12"/>
+          </p:nvPr>
+        </p:nvSpPr>
+        <p:spPr/>
+        <p:txBody>
+          <a:bodyPr/>
+          <a:lstStyle/>
+          <a:p>
+            <a:fld id="{1913962F-8FD5-44E8-BFBA-6E9B0BAD2192}" type="slidenum">
+              <a:rPr lang="ro-RO" smtClean="0"/>
+              <a:t>11</a:t>
+            </a:fld>
+            <a:endParaRPr lang="ro-RO"/>
+          </a:p>
+        </p:txBody>
+      </p:sp>
+      <p:pic>
+        <p:nvPicPr>
+          <p:cNvPr id="5" name="Picture 4">
+            <a:extLst>
+              <a:ext uri="{FF2B5EF4-FFF2-40B4-BE49-F238E27FC236}">
+                <a16:creationId xmlns:a16="http://schemas.microsoft.com/office/drawing/2014/main" id="{D4FA6C8B-DEA6-4BEC-A744-3EB0CFFB6F8F}"/>
+              </a:ext>
+            </a:extLst>
+          </p:cNvPr>
+          <p:cNvPicPr>
+            <a:picLocks noChangeAspect="1"/>
+          </p:cNvPicPr>
+          <p:nvPr/>
+        </p:nvPicPr>
+        <p:blipFill>
+          <a:blip r:embed="rId2"/>
+          <a:stretch>
+            <a:fillRect/>
+          </a:stretch>
+        </p:blipFill>
+        <p:spPr>
+          <a:xfrm>
+            <a:off x="6600825" y="1690688"/>
+            <a:ext cx="4019550" cy="3476625"/>
+          </a:xfrm>
+          <a:prstGeom prst="rect">
+            <a:avLst/>
+          </a:prstGeom>
+        </p:spPr>
+      </p:pic>
+    </p:spTree>
+    <p:extLst>
+      <p:ext uri="{BB962C8B-B14F-4D97-AF65-F5344CB8AC3E}">
+        <p14:creationId xmlns:p14="http://schemas.microsoft.com/office/powerpoint/2010/main" val="1339908207"/>
+      </p:ext>
+    </p:extLst>
+  </p:cSld>
+  <p:clrMapOvr>
+    <a:masterClrMapping/>
+  </p:clrMapOvr>
+  <mc:AlternateContent xmlns:mc="http://schemas.openxmlformats.org/markup-compatibility/2006" xmlns:p14="http://schemas.microsoft.com/office/powerpoint/2010/main">
+    <mc:Choice Requires="p14">
+      <p:transition spd="med" p14:dur="700">
+        <p:fade/>
+      </p:transition>
+    </mc:Choice>
+    <mc:Fallback xmlns="">
+      <p:transition spd="med">
+        <p:fade/>
+      </p:transition>
+    </mc:Fallback>
+  </mc:AlternateContent>
+</p:sld>
+</file>
+
+<file path=ppt/slides/slide12.xml><?xml version="1.0" encoding="utf-8"?>
+<p:sld xmlns:a="http://schemas.openxmlformats.org/drawingml/2006/main" xmlns:r="http://schemas.openxmlformats.org/officeDocument/2006/relationships" xmlns:p="http://schemas.openxmlformats.org/presentationml/2006/main">
+  <p:cSld>
+    <p:spTree>
+      <p:nvGrpSpPr>
+        <p:cNvPr id="1" name=""/>
+        <p:cNvGrpSpPr/>
+        <p:nvPr/>
+      </p:nvGrpSpPr>
+      <p:grpSpPr>
+        <a:xfrm>
+          <a:off x="0" y="0"/>
+          <a:ext cx="0" cy="0"/>
+          <a:chOff x="0" y="0"/>
+          <a:chExt cx="0" cy="0"/>
+        </a:xfrm>
+      </p:grpSpPr>
+      <p:sp>
+        <p:nvSpPr>
+          <p:cNvPr id="2" name="Title 1">
+            <a:extLst>
+              <a:ext uri="{FF2B5EF4-FFF2-40B4-BE49-F238E27FC236}">
+                <a16:creationId xmlns:a16="http://schemas.microsoft.com/office/drawing/2014/main" id="{F239064A-4C6A-46F0-8D6F-92A4859FEB14}"/>
+              </a:ext>
+            </a:extLst>
+          </p:cNvPr>
+          <p:cNvSpPr>
+            <a:spLocks noGrp="1"/>
+          </p:cNvSpPr>
+          <p:nvPr>
+            <p:ph type="title"/>
+          </p:nvPr>
+        </p:nvSpPr>
+        <p:spPr/>
+        <p:txBody>
+          <a:bodyPr/>
+          <a:lstStyle/>
+          <a:p>
+            <a:r>
+              <a:rPr lang="ro-RO" dirty="0"/>
+              <a:t>Clasificatorul </a:t>
+            </a:r>
+            <a:r>
+              <a:rPr lang="ro-RO" i="1" dirty="0" err="1"/>
+              <a:t>Bayes</a:t>
+            </a:r>
+            <a:r>
+              <a:rPr lang="ro-RO" dirty="0"/>
+              <a:t> Naiv</a:t>
+            </a:r>
+          </a:p>
+        </p:txBody>
+      </p:sp>
+      <mc:AlternateContent xmlns:mc="http://schemas.openxmlformats.org/markup-compatibility/2006">
+        <mc:Choice xmlns:a14="http://schemas.microsoft.com/office/drawing/2010/main" Requires="a14">
+          <p:sp>
+            <p:nvSpPr>
+              <p:cNvPr id="3" name="Content Placeholder 2">
+                <a:extLst>
+                  <a:ext uri="{FF2B5EF4-FFF2-40B4-BE49-F238E27FC236}">
+                    <a16:creationId xmlns:a16="http://schemas.microsoft.com/office/drawing/2014/main" id="{7B98003D-FD7B-4265-AC53-C4C97934595F}"/>
+                  </a:ext>
+                </a:extLst>
+              </p:cNvPr>
+              <p:cNvSpPr>
+                <a:spLocks noGrp="1"/>
+              </p:cNvSpPr>
+              <p:nvPr>
+                <p:ph idx="1"/>
+              </p:nvPr>
+            </p:nvSpPr>
+            <p:spPr/>
+            <p:txBody>
+              <a:bodyPr>
+                <a:normAutofit lnSpcReduction="10000"/>
+              </a:bodyPr>
+              <a:lstStyle/>
+              <a:p>
+                <a:r>
+                  <a:rPr lang="ro-RO" dirty="0"/>
+                  <a:t>Model probabilistic</a:t>
+                </a:r>
+              </a:p>
+              <a:p>
+                <a:r>
+                  <a:rPr lang="ro-RO" dirty="0"/>
+                  <a:t>Formula lui </a:t>
+                </a:r>
+                <a:r>
+                  <a:rPr lang="ro-RO" i="1" dirty="0" err="1"/>
+                  <a:t>Bayes</a:t>
+                </a:r>
+                <a:r>
+                  <a:rPr lang="ro-RO" dirty="0"/>
+                  <a:t>: </a:t>
+                </a:r>
+                <a14:m>
+                  <m:oMath xmlns:m="http://schemas.openxmlformats.org/officeDocument/2006/math">
+                    <m:r>
+                      <a:rPr lang="ro-RO" i="1"/>
+                      <m:t>𝑝</m:t>
+                    </m:r>
+                    <m:d>
+                      <m:dPr>
+                        <m:endChr m:val="|"/>
+                        <m:ctrlPr>
+                          <a:rPr lang="ro-RO" i="1"/>
+                        </m:ctrlPr>
+                      </m:dPr>
+                      <m:e>
+                        <m:r>
+                          <a:rPr lang="ro-RO" i="1"/>
+                          <m:t>𝑥</m:t>
+                        </m:r>
+                        <m:r>
+                          <a:rPr lang="ro-RO" i="1"/>
+                          <m:t> </m:t>
+                        </m:r>
+                      </m:e>
+                    </m:d>
+                    <m:r>
+                      <a:rPr lang="ro-RO" i="1"/>
+                      <m:t> </m:t>
+                    </m:r>
+                    <m:r>
+                      <a:rPr lang="ro-RO" i="1"/>
+                      <m:t>𝑦</m:t>
+                    </m:r>
+                    <m:r>
+                      <a:rPr lang="ro-RO" i="1"/>
+                      <m:t>)= </m:t>
+                    </m:r>
+                    <m:f>
+                      <m:fPr>
+                        <m:ctrlPr>
+                          <a:rPr lang="ro-RO" i="1"/>
+                        </m:ctrlPr>
+                      </m:fPr>
+                      <m:num>
+                        <m:r>
+                          <a:rPr lang="ro-RO" i="1"/>
+                          <m:t>𝑝</m:t>
+                        </m:r>
+                        <m:d>
+                          <m:dPr>
+                            <m:endChr m:val="|"/>
+                            <m:ctrlPr>
+                              <a:rPr lang="ro-RO" i="1"/>
+                            </m:ctrlPr>
+                          </m:dPr>
+                          <m:e>
+                            <m:r>
+                              <a:rPr lang="ro-RO" i="1"/>
+                              <m:t>𝑦</m:t>
+                            </m:r>
+                            <m:r>
+                              <a:rPr lang="ro-RO" i="1"/>
+                              <m:t> </m:t>
+                            </m:r>
+                          </m:e>
+                        </m:d>
+                        <m:r>
+                          <a:rPr lang="ro-RO" i="1"/>
+                          <m:t> </m:t>
+                        </m:r>
+                        <m:r>
+                          <a:rPr lang="ro-RO" i="1"/>
+                          <m:t>𝑥</m:t>
+                        </m:r>
+                        <m:r>
+                          <a:rPr lang="ro-RO" i="1"/>
+                          <m:t>)</m:t>
+                        </m:r>
+                        <m:r>
+                          <a:rPr lang="ro-RO" i="1"/>
+                          <m:t>𝑝</m:t>
+                        </m:r>
+                        <m:d>
+                          <m:dPr>
+                            <m:ctrlPr>
+                              <a:rPr lang="ro-RO" i="1"/>
+                            </m:ctrlPr>
+                          </m:dPr>
+                          <m:e>
+                            <m:r>
+                              <a:rPr lang="ro-RO" i="1"/>
+                              <m:t>𝑥</m:t>
+                            </m:r>
+                          </m:e>
+                        </m:d>
+                      </m:num>
+                      <m:den>
+                        <m:r>
+                          <a:rPr lang="ro-RO" i="1"/>
+                          <m:t>𝑝</m:t>
+                        </m:r>
+                        <m:r>
+                          <a:rPr lang="ro-RO" i="1"/>
+                          <m:t>(</m:t>
+                        </m:r>
+                        <m:r>
+                          <a:rPr lang="ro-RO" i="1"/>
+                          <m:t>𝑦</m:t>
+                        </m:r>
+                        <m:r>
+                          <a:rPr lang="ro-RO" i="1"/>
+                          <m:t>)</m:t>
+                        </m:r>
+                      </m:den>
+                    </m:f>
+                  </m:oMath>
+                </a14:m>
+                <a:endParaRPr lang="ro-RO" dirty="0"/>
+              </a:p>
+              <a:p>
+                <a14:m>
+                  <m:oMath xmlns:m="http://schemas.openxmlformats.org/officeDocument/2006/math">
+                    <m:acc>
+                      <m:accPr>
+                        <m:chr m:val="̂"/>
+                        <m:ctrlPr>
+                          <a:rPr lang="ro-RO" i="1"/>
+                        </m:ctrlPr>
+                      </m:accPr>
+                      <m:e>
+                        <m:r>
+                          <a:rPr lang="ro-RO" i="1"/>
+                          <m:t>𝑐</m:t>
+                        </m:r>
+                      </m:e>
+                    </m:acc>
+                    <m:r>
+                      <a:rPr lang="ro-RO"/>
+                      <m:t>=</m:t>
+                    </m:r>
+                    <m:m>
+                      <m:mPr>
+                        <m:mcs>
+                          <m:mc>
+                            <m:mcPr>
+                              <m:count m:val="1"/>
+                              <m:mcJc m:val="center"/>
+                            </m:mcPr>
+                          </m:mc>
+                        </m:mcs>
+                        <m:ctrlPr>
+                          <a:rPr lang="ro-RO" i="1"/>
+                        </m:ctrlPr>
+                      </m:mPr>
+                      <m:mr>
+                        <m:e>
+                          <m:r>
+                            <a:rPr lang="ro-RO" i="1"/>
+                            <m:t>𝑎𝑟𝑔𝑚𝑎𝑥</m:t>
+                          </m:r>
+                        </m:e>
+                      </m:mr>
+                      <m:mr>
+                        <m:e>
+                          <m:r>
+                            <a:rPr lang="ro-RO" i="1"/>
+                            <m:t>𝑐</m:t>
+                          </m:r>
+                          <m:r>
+                            <a:rPr lang="ro-RO" i="1"/>
+                            <m:t>∈</m:t>
+                          </m:r>
+                          <m:r>
+                            <a:rPr lang="ro-RO" i="1"/>
+                            <m:t>𝐶</m:t>
+                          </m:r>
+                        </m:e>
+                      </m:mr>
+                    </m:m>
+                    <m:r>
+                      <a:rPr lang="ro-RO" i="1"/>
+                      <m:t> </m:t>
+                    </m:r>
+                    <m:r>
+                      <a:rPr lang="ro-RO" i="1"/>
+                      <m:t>𝑝</m:t>
+                    </m:r>
+                    <m:d>
+                      <m:dPr>
+                        <m:endChr m:val="|"/>
+                        <m:ctrlPr>
+                          <a:rPr lang="ro-RO" i="1"/>
+                        </m:ctrlPr>
+                      </m:dPr>
+                      <m:e>
+                        <m:r>
+                          <a:rPr lang="ro-RO" i="1"/>
+                          <m:t>𝑐</m:t>
+                        </m:r>
+                        <m:r>
+                          <a:rPr lang="ro-RO" i="1"/>
+                          <m:t> </m:t>
+                        </m:r>
+                      </m:e>
+                    </m:d>
+                    <m:r>
+                      <a:rPr lang="ro-RO" i="1"/>
+                      <m:t> </m:t>
+                    </m:r>
+                    <m:r>
+                      <a:rPr lang="ro-RO" i="1"/>
+                      <m:t>𝑑</m:t>
+                    </m:r>
+                    <m:r>
+                      <a:rPr lang="ro-RO" i="1"/>
+                      <m:t>)</m:t>
+                    </m:r>
+                    <m:r>
+                      <a:rPr lang="ro-RO"/>
+                      <m:t>=</m:t>
+                    </m:r>
+                    <m:m>
+                      <m:mPr>
+                        <m:mcs>
+                          <m:mc>
+                            <m:mcPr>
+                              <m:count m:val="1"/>
+                              <m:mcJc m:val="center"/>
+                            </m:mcPr>
+                          </m:mc>
+                        </m:mcs>
+                        <m:ctrlPr>
+                          <a:rPr lang="ro-RO" i="1"/>
+                        </m:ctrlPr>
+                      </m:mPr>
+                      <m:mr>
+                        <m:e>
+                          <m:r>
+                            <a:rPr lang="ro-RO" i="1"/>
+                            <m:t>𝑎𝑟𝑔𝑚𝑎𝑥</m:t>
+                          </m:r>
+                        </m:e>
+                      </m:mr>
+                      <m:mr>
+                        <m:e>
+                          <m:r>
+                            <a:rPr lang="ro-RO" i="1"/>
+                            <m:t>𝑐</m:t>
+                          </m:r>
+                          <m:r>
+                            <a:rPr lang="ro-RO" i="1"/>
+                            <m:t>∈</m:t>
+                          </m:r>
+                          <m:r>
+                            <a:rPr lang="ro-RO" i="1"/>
+                            <m:t>𝐶</m:t>
+                          </m:r>
+                        </m:e>
+                      </m:mr>
+                    </m:m>
+                    <m:f>
+                      <m:fPr>
+                        <m:ctrlPr>
+                          <a:rPr lang="ro-RO" i="1"/>
+                        </m:ctrlPr>
+                      </m:fPr>
+                      <m:num>
+                        <m:r>
+                          <a:rPr lang="ro-RO" i="1"/>
+                          <m:t>𝑝</m:t>
+                        </m:r>
+                        <m:d>
+                          <m:dPr>
+                            <m:endChr m:val="|"/>
+                            <m:ctrlPr>
+                              <a:rPr lang="ro-RO" i="1"/>
+                            </m:ctrlPr>
+                          </m:dPr>
+                          <m:e>
+                            <m:r>
+                              <a:rPr lang="ro-RO" i="1"/>
+                              <m:t>𝑑</m:t>
+                            </m:r>
+                            <m:r>
+                              <a:rPr lang="ro-RO" i="1"/>
+                              <m:t> </m:t>
+                            </m:r>
+                          </m:e>
+                        </m:d>
+                        <m:r>
+                          <a:rPr lang="ro-RO" i="1"/>
+                          <m:t> </m:t>
+                        </m:r>
+                        <m:r>
+                          <a:rPr lang="ro-RO" i="1"/>
+                          <m:t>𝑐</m:t>
+                        </m:r>
+                        <m:r>
+                          <a:rPr lang="ro-RO" i="1"/>
+                          <m:t>)</m:t>
+                        </m:r>
+                        <m:r>
+                          <a:rPr lang="ro-RO" i="1"/>
+                          <m:t>𝑝</m:t>
+                        </m:r>
+                        <m:d>
+                          <m:dPr>
+                            <m:ctrlPr>
+                              <a:rPr lang="ro-RO" i="1"/>
+                            </m:ctrlPr>
+                          </m:dPr>
+                          <m:e>
+                            <m:r>
+                              <a:rPr lang="ro-RO" i="1"/>
+                              <m:t>𝑐</m:t>
+                            </m:r>
+                          </m:e>
+                        </m:d>
+                      </m:num>
+                      <m:den>
+                        <m:r>
+                          <a:rPr lang="ro-RO" i="1"/>
+                          <m:t>𝑝</m:t>
+                        </m:r>
+                        <m:r>
+                          <a:rPr lang="ro-RO" i="1"/>
+                          <m:t>(</m:t>
+                        </m:r>
+                        <m:r>
+                          <a:rPr lang="ro-RO" i="1"/>
+                          <m:t>𝑑</m:t>
+                        </m:r>
+                        <m:r>
+                          <a:rPr lang="ro-RO" i="1"/>
+                          <m:t>)</m:t>
+                        </m:r>
+                      </m:den>
+                    </m:f>
+                  </m:oMath>
+                </a14:m>
+                <a:endParaRPr lang="ro-RO" dirty="0"/>
+              </a:p>
+              <a:p>
+                <a:pPr lvl="1"/>
+                <a:endParaRPr lang="ro-RO" dirty="0"/>
+              </a:p>
+              <a:p>
+                <a14:m>
+                  <m:oMath xmlns:m="http://schemas.openxmlformats.org/officeDocument/2006/math">
+                    <m:acc>
+                      <m:accPr>
+                        <m:chr m:val="̂"/>
+                        <m:ctrlPr>
+                          <a:rPr lang="ro-RO" i="1"/>
+                        </m:ctrlPr>
+                      </m:accPr>
+                      <m:e>
+                        <m:r>
+                          <a:rPr lang="ro-RO" i="1"/>
+                          <m:t>𝑐</m:t>
+                        </m:r>
+                      </m:e>
+                    </m:acc>
+                    <m:r>
+                      <a:rPr lang="ro-RO"/>
+                      <m:t>=</m:t>
+                    </m:r>
+                    <m:m>
+                      <m:mPr>
+                        <m:mcs>
+                          <m:mc>
+                            <m:mcPr>
+                              <m:count m:val="1"/>
+                              <m:mcJc m:val="center"/>
+                            </m:mcPr>
+                          </m:mc>
+                        </m:mcs>
+                        <m:ctrlPr>
+                          <a:rPr lang="ro-RO" i="1"/>
+                        </m:ctrlPr>
+                      </m:mPr>
+                      <m:mr>
+                        <m:e>
+                          <m:r>
+                            <a:rPr lang="ro-RO" i="1"/>
+                            <m:t>𝑎𝑟𝑔𝑚𝑎𝑥</m:t>
+                          </m:r>
+                        </m:e>
+                      </m:mr>
+                      <m:mr>
+                        <m:e>
+                          <m:r>
+                            <a:rPr lang="ro-RO" i="1"/>
+                            <m:t>𝑐</m:t>
+                          </m:r>
+                          <m:r>
+                            <a:rPr lang="ro-RO" i="1"/>
+                            <m:t>∈</m:t>
+                          </m:r>
+                          <m:r>
+                            <a:rPr lang="ro-RO" i="1"/>
+                            <m:t>𝐶</m:t>
+                          </m:r>
+                        </m:e>
+                      </m:mr>
+                    </m:m>
+                    <m:limUpp>
+                      <m:limUppPr>
+                        <m:ctrlPr>
+                          <a:rPr lang="ro-RO" i="1"/>
+                        </m:ctrlPr>
+                      </m:limUppPr>
+                      <m:e>
+                        <m:groupChr>
+                          <m:groupChrPr>
+                            <m:chr m:val="⏞"/>
+                            <m:pos m:val="top"/>
+                            <m:vertJc m:val="bot"/>
+                            <m:ctrlPr>
+                              <a:rPr lang="ro-RO" i="1"/>
+                            </m:ctrlPr>
+                          </m:groupChrPr>
+                          <m:e>
+                            <m:r>
+                              <a:rPr lang="ro-RO" i="1"/>
+                              <m:t> </m:t>
+                            </m:r>
+                            <m:r>
+                              <a:rPr lang="ro-RO" i="1"/>
+                              <m:t>𝑝</m:t>
+                            </m:r>
+                            <m:d>
+                              <m:dPr>
+                                <m:endChr m:val="|"/>
+                                <m:ctrlPr>
+                                  <a:rPr lang="ro-RO" i="1"/>
+                                </m:ctrlPr>
+                              </m:dPr>
+                              <m:e>
+                                <m:sSub>
+                                  <m:sSubPr>
+                                    <m:ctrlPr>
+                                      <a:rPr lang="ro-RO" i="1"/>
+                                    </m:ctrlPr>
+                                  </m:sSubPr>
+                                  <m:e>
+                                    <m:r>
+                                      <a:rPr lang="ro-RO" i="1"/>
+                                      <m:t>𝑓</m:t>
+                                    </m:r>
+                                  </m:e>
+                                  <m:sub>
+                                    <m:r>
+                                      <a:rPr lang="ro-RO" i="1"/>
+                                      <m:t>1</m:t>
+                                    </m:r>
+                                  </m:sub>
+                                </m:sSub>
+                                <m:r>
+                                  <a:rPr lang="ro-RO" i="1"/>
+                                  <m:t>, </m:t>
+                                </m:r>
+                                <m:sSub>
+                                  <m:sSubPr>
+                                    <m:ctrlPr>
+                                      <a:rPr lang="ro-RO" i="1"/>
+                                    </m:ctrlPr>
+                                  </m:sSubPr>
+                                  <m:e>
+                                    <m:r>
+                                      <a:rPr lang="ro-RO" i="1"/>
+                                      <m:t>𝑓</m:t>
+                                    </m:r>
+                                  </m:e>
+                                  <m:sub>
+                                    <m:r>
+                                      <a:rPr lang="ro-RO" i="1"/>
+                                      <m:t>2</m:t>
+                                    </m:r>
+                                  </m:sub>
+                                </m:sSub>
+                                <m:r>
+                                  <a:rPr lang="ro-RO" i="1"/>
+                                  <m:t>,⋯,</m:t>
+                                </m:r>
+                                <m:sSub>
+                                  <m:sSubPr>
+                                    <m:ctrlPr>
+                                      <a:rPr lang="ro-RO" i="1"/>
+                                    </m:ctrlPr>
+                                  </m:sSubPr>
+                                  <m:e>
+                                    <m:r>
+                                      <a:rPr lang="ro-RO" i="1"/>
+                                      <m:t>𝑓</m:t>
+                                    </m:r>
+                                  </m:e>
+                                  <m:sub>
+                                    <m:r>
+                                      <a:rPr lang="ro-RO" i="1"/>
+                                      <m:t>𝑛</m:t>
+                                    </m:r>
+                                  </m:sub>
+                                </m:sSub>
+                                <m:r>
+                                  <a:rPr lang="ro-RO" i="1"/>
+                                  <m:t> </m:t>
+                                </m:r>
+                              </m:e>
+                            </m:d>
+                            <m:r>
+                              <a:rPr lang="ro-RO" i="1"/>
+                              <m:t> </m:t>
+                            </m:r>
+                            <m:r>
+                              <a:rPr lang="ro-RO" i="1"/>
+                              <m:t>𝑐</m:t>
+                            </m:r>
+                            <m:r>
+                              <a:rPr lang="ro-RO" i="1"/>
+                              <m:t>)</m:t>
+                            </m:r>
+                          </m:e>
+                        </m:groupChr>
+                      </m:e>
+                      <m:lim>
+                        <m:r>
+                          <a:rPr lang="ro-RO" i="1"/>
+                          <m:t>𝑙𝑖𝑘𝑒𝑙𝑖h𝑜𝑜𝑑</m:t>
+                        </m:r>
+                      </m:lim>
+                    </m:limUpp>
+                    <m:r>
+                      <a:rPr lang="ro-RO" i="1"/>
+                      <m:t> </m:t>
+                    </m:r>
+                    <m:limUpp>
+                      <m:limUppPr>
+                        <m:ctrlPr>
+                          <a:rPr lang="ro-RO" i="1"/>
+                        </m:ctrlPr>
+                      </m:limUppPr>
+                      <m:e>
+                        <m:groupChr>
+                          <m:groupChrPr>
+                            <m:chr m:val="⏞"/>
+                            <m:pos m:val="top"/>
+                            <m:vertJc m:val="bot"/>
+                            <m:ctrlPr>
+                              <a:rPr lang="ro-RO" i="1"/>
+                            </m:ctrlPr>
+                          </m:groupChrPr>
+                          <m:e>
+                            <m:r>
+                              <a:rPr lang="ro-RO" i="1"/>
+                              <m:t>𝑝</m:t>
+                            </m:r>
+                            <m:d>
+                              <m:dPr>
+                                <m:ctrlPr>
+                                  <a:rPr lang="ro-RO" i="1"/>
+                                </m:ctrlPr>
+                              </m:dPr>
+                              <m:e>
+                                <m:r>
+                                  <a:rPr lang="ro-RO" i="1"/>
+                                  <m:t>𝑐</m:t>
+                                </m:r>
+                              </m:e>
+                            </m:d>
+                          </m:e>
+                        </m:groupChr>
+                      </m:e>
+                      <m:lim>
+                        <m:r>
+                          <a:rPr lang="ro-RO" i="1"/>
+                          <m:t>𝑎</m:t>
+                        </m:r>
+                        <m:r>
+                          <a:rPr lang="ro-RO" i="1"/>
+                          <m:t> </m:t>
+                        </m:r>
+                        <m:r>
+                          <a:rPr lang="ro-RO" i="1"/>
+                          <m:t>𝑝𝑟𝑖𝑜𝑟𝑖</m:t>
+                        </m:r>
+                      </m:lim>
+                    </m:limUpp>
+                  </m:oMath>
+                </a14:m>
+                <a:endParaRPr lang="ro-RO" dirty="0"/>
+              </a:p>
+              <a:p>
+                <a:pPr lvl="1"/>
+                <a:endParaRPr lang="ro-RO" dirty="0"/>
+              </a:p>
+              <a:p>
+                <a14:m>
+                  <m:oMath xmlns:m="http://schemas.openxmlformats.org/officeDocument/2006/math">
+                    <m:sSub>
+                      <m:sSubPr>
+                        <m:ctrlPr>
+                          <a:rPr lang="ro-RO" i="1"/>
+                        </m:ctrlPr>
+                      </m:sSubPr>
+                      <m:e>
+                        <m:r>
+                          <a:rPr lang="ro-RO" i="1"/>
+                          <m:t>𝑐</m:t>
+                        </m:r>
+                      </m:e>
+                      <m:sub>
+                        <m:r>
+                          <a:rPr lang="ro-RO" i="1"/>
+                          <m:t>𝑁𝐵</m:t>
+                        </m:r>
+                      </m:sub>
+                    </m:sSub>
+                    <m:r>
+                      <a:rPr lang="ro-RO" i="1"/>
+                      <m:t>=</m:t>
+                    </m:r>
+                    <m:m>
+                      <m:mPr>
+                        <m:mcs>
+                          <m:mc>
+                            <m:mcPr>
+                              <m:count m:val="1"/>
+                              <m:mcJc m:val="center"/>
+                            </m:mcPr>
+                          </m:mc>
+                        </m:mcs>
+                        <m:ctrlPr>
+                          <a:rPr lang="ro-RO" i="1"/>
+                        </m:ctrlPr>
+                      </m:mPr>
+                      <m:mr>
+                        <m:e>
+                          <m:r>
+                            <a:rPr lang="ro-RO" i="1"/>
+                            <m:t>𝑎𝑟𝑔𝑚𝑎𝑥</m:t>
+                          </m:r>
+                        </m:e>
+                      </m:mr>
+                      <m:mr>
+                        <m:e>
+                          <m:r>
+                            <a:rPr lang="ro-RO" i="1"/>
+                            <m:t>𝑐</m:t>
+                          </m:r>
+                          <m:r>
+                            <a:rPr lang="ro-RO" i="1"/>
+                            <m:t>∈</m:t>
+                          </m:r>
+                          <m:r>
+                            <a:rPr lang="ro-RO" i="1"/>
+                            <m:t>𝐶</m:t>
+                          </m:r>
+                        </m:e>
+                      </m:mr>
+                    </m:m>
+                    <m:r>
+                      <a:rPr lang="ro-RO" i="1"/>
+                      <m:t>𝑝</m:t>
+                    </m:r>
+                    <m:d>
+                      <m:dPr>
+                        <m:ctrlPr>
+                          <a:rPr lang="ro-RO" i="1"/>
+                        </m:ctrlPr>
+                      </m:dPr>
+                      <m:e>
+                        <m:r>
+                          <a:rPr lang="ro-RO" i="1"/>
+                          <m:t>𝑐</m:t>
+                        </m:r>
+                      </m:e>
+                    </m:d>
+                    <m:nary>
+                      <m:naryPr>
+                        <m:chr m:val="∏"/>
+                        <m:limLoc m:val="undOvr"/>
+                        <m:supHide m:val="on"/>
+                        <m:ctrlPr>
+                          <a:rPr lang="ro-RO" i="1"/>
+                        </m:ctrlPr>
+                      </m:naryPr>
+                      <m:sub>
+                        <m:r>
+                          <a:rPr lang="ro-RO" i="1"/>
+                          <m:t>𝑓</m:t>
+                        </m:r>
+                        <m:r>
+                          <a:rPr lang="ro-RO" i="1"/>
+                          <m:t>∈</m:t>
+                        </m:r>
+                        <m:r>
+                          <a:rPr lang="ro-RO" i="1"/>
+                          <m:t>𝐹</m:t>
+                        </m:r>
+                      </m:sub>
+                      <m:sup/>
+                      <m:e>
+                        <m:r>
+                          <a:rPr lang="ro-RO" i="1"/>
+                          <m:t> </m:t>
+                        </m:r>
+                        <m:r>
+                          <a:rPr lang="ro-RO" i="1"/>
+                          <m:t>𝑝</m:t>
+                        </m:r>
+                        <m:d>
+                          <m:dPr>
+                            <m:endChr m:val="|"/>
+                            <m:ctrlPr>
+                              <a:rPr lang="ro-RO" i="1"/>
+                            </m:ctrlPr>
+                          </m:dPr>
+                          <m:e>
+                            <m:r>
+                              <a:rPr lang="ro-RO" i="1"/>
+                              <m:t>𝑓</m:t>
+                            </m:r>
+                            <m:r>
+                              <a:rPr lang="ro-RO" i="1"/>
+                              <m:t> </m:t>
+                            </m:r>
+                          </m:e>
+                        </m:d>
+                        <m:r>
+                          <a:rPr lang="ro-RO" i="1"/>
+                          <m:t> </m:t>
+                        </m:r>
+                        <m:r>
+                          <a:rPr lang="ro-RO" i="1"/>
+                          <m:t>𝑐</m:t>
+                        </m:r>
+                        <m:r>
+                          <a:rPr lang="ro-RO" i="1"/>
+                          <m:t>)</m:t>
+                        </m:r>
+                      </m:e>
+                    </m:nary>
+                  </m:oMath>
+                </a14:m>
+                <a:endParaRPr lang="ro-RO" dirty="0"/>
+              </a:p>
+              <a:p>
+                <a:endParaRPr lang="ro-RO" dirty="0"/>
+              </a:p>
+            </p:txBody>
+          </p:sp>
+        </mc:Choice>
+        <mc:Fallback>
+          <p:sp>
+            <p:nvSpPr>
+              <p:cNvPr id="3" name="Content Placeholder 2">
+                <a:extLst>
+                  <a:ext uri="{FF2B5EF4-FFF2-40B4-BE49-F238E27FC236}">
+                    <a16:creationId xmlns:a16="http://schemas.microsoft.com/office/drawing/2014/main" id="{7B98003D-FD7B-4265-AC53-C4C97934595F}"/>
+                  </a:ext>
+                </a:extLst>
+              </p:cNvPr>
+              <p:cNvSpPr>
+                <a:spLocks noGrp="1" noRot="1" noChangeAspect="1" noMove="1" noResize="1" noEditPoints="1" noAdjustHandles="1" noChangeArrowheads="1" noChangeShapeType="1" noTextEdit="1"/>
+              </p:cNvSpPr>
+              <p:nvPr>
+                <p:ph idx="1"/>
+              </p:nvPr>
+            </p:nvSpPr>
+            <p:spPr>
+              <a:blipFill>
+                <a:blip r:embed="rId2"/>
+                <a:stretch>
+                  <a:fillRect l="-1043" t="-3081"/>
+                </a:stretch>
+              </a:blipFill>
+            </p:spPr>
+            <p:txBody>
+              <a:bodyPr/>
+              <a:lstStyle/>
+              <a:p>
+                <a:r>
+                  <a:rPr lang="ro-RO">
+                    <a:noFill/>
+                  </a:rPr>
+                  <a:t> </a:t>
+                </a:r>
+              </a:p>
+            </p:txBody>
+          </p:sp>
+        </mc:Fallback>
+      </mc:AlternateContent>
+      <p:sp>
+        <p:nvSpPr>
+          <p:cNvPr id="4" name="Slide Number Placeholder 3">
+            <a:extLst>
+              <a:ext uri="{FF2B5EF4-FFF2-40B4-BE49-F238E27FC236}">
+                <a16:creationId xmlns:a16="http://schemas.microsoft.com/office/drawing/2014/main" id="{5260151D-31AC-4FDE-8653-77ED2997D0C0}"/>
+              </a:ext>
+            </a:extLst>
+          </p:cNvPr>
+          <p:cNvSpPr>
+            <a:spLocks noGrp="1"/>
+          </p:cNvSpPr>
+          <p:nvPr>
+            <p:ph type="sldNum" sz="quarter" idx="12"/>
+          </p:nvPr>
+        </p:nvSpPr>
+        <p:spPr/>
+        <p:txBody>
+          <a:bodyPr/>
+          <a:lstStyle/>
+          <a:p>
+            <a:fld id="{1913962F-8FD5-44E8-BFBA-6E9B0BAD2192}" type="slidenum">
+              <a:rPr lang="ro-RO" smtClean="0"/>
+              <a:t>12</a:t>
+            </a:fld>
+            <a:endParaRPr lang="ro-RO"/>
+          </a:p>
+        </p:txBody>
+      </p:sp>
+    </p:spTree>
+    <p:extLst>
+      <p:ext uri="{BB962C8B-B14F-4D97-AF65-F5344CB8AC3E}">
+        <p14:creationId xmlns:p14="http://schemas.microsoft.com/office/powerpoint/2010/main" val="4154180639"/>
+      </p:ext>
+    </p:extLst>
+  </p:cSld>
+  <p:clrMapOvr>
+    <a:masterClrMapping/>
+  </p:clrMapOvr>
+  <mc:AlternateContent xmlns:mc="http://schemas.openxmlformats.org/markup-compatibility/2006">
+    <mc:Choice xmlns:p14="http://schemas.microsoft.com/office/powerpoint/2010/main" Requires="p14">
+      <p:transition spd="med" p14:dur="700">
+        <p:fade/>
+      </p:transition>
+    </mc:Choice>
+    <mc:Fallback>
+      <p:transition spd="med">
+        <p:fade/>
+      </p:transition>
+    </mc:Fallback>
+  </mc:AlternateContent>
+</p:sld>
+</file>
+
+<file path=ppt/slides/slide13.xml><?xml version="1.0" encoding="utf-8"?>
+<p:sld xmlns:a="http://schemas.openxmlformats.org/drawingml/2006/main" xmlns:r="http://schemas.openxmlformats.org/officeDocument/2006/relationships" xmlns:p="http://schemas.openxmlformats.org/presentationml/2006/main">
+  <p:cSld>
+    <p:spTree>
+      <p:nvGrpSpPr>
+        <p:cNvPr id="1" name=""/>
+        <p:cNvGrpSpPr/>
+        <p:nvPr/>
+      </p:nvGrpSpPr>
+      <p:grpSpPr>
+        <a:xfrm>
+          <a:off x="0" y="0"/>
+          <a:ext cx="0" cy="0"/>
+          <a:chOff x="0" y="0"/>
+          <a:chExt cx="0" cy="0"/>
+        </a:xfrm>
+      </p:grpSpPr>
+      <p:sp>
+        <p:nvSpPr>
+          <p:cNvPr id="2" name="Title 1">
+            <a:extLst>
+              <a:ext uri="{FF2B5EF4-FFF2-40B4-BE49-F238E27FC236}">
+                <a16:creationId xmlns:a16="http://schemas.microsoft.com/office/drawing/2014/main" id="{8F1FE0B0-6A2D-4F60-9C95-EE60C5DF76FA}"/>
+              </a:ext>
+            </a:extLst>
+          </p:cNvPr>
+          <p:cNvSpPr>
+            <a:spLocks noGrp="1"/>
+          </p:cNvSpPr>
+          <p:nvPr>
+            <p:ph type="title"/>
+          </p:nvPr>
+        </p:nvSpPr>
+        <p:spPr/>
+        <p:txBody>
+          <a:bodyPr/>
+          <a:lstStyle/>
+          <a:p>
+            <a:r>
+              <a:rPr lang="ro-RO" dirty="0"/>
+              <a:t>Rezultate experimentale: </a:t>
+            </a:r>
+            <a:r>
+              <a:rPr lang="ro-RO" i="1" dirty="0" err="1"/>
+              <a:t>Bayes</a:t>
+            </a:r>
+            <a:r>
+              <a:rPr lang="ro-RO" dirty="0"/>
+              <a:t> Naiv</a:t>
+            </a:r>
+          </a:p>
+        </p:txBody>
+      </p:sp>
       <p:graphicFrame>
         <p:nvGraphicFramePr>
-          <p:cNvPr id="8" name="Content Placeholder 7">
+          <p:cNvPr id="5" name="Content Placeholder 4">
             <a:extLst>
               <a:ext uri="{FF2B5EF4-FFF2-40B4-BE49-F238E27FC236}">
-                <a16:creationId xmlns:a16="http://schemas.microsoft.com/office/drawing/2014/main" id="{FDB577DE-888A-498F-9E42-83CBA2DA789A}"/>
+                <a16:creationId xmlns:a16="http://schemas.microsoft.com/office/drawing/2014/main" id="{E31825CD-DBA1-4934-880A-81230D05A741}"/>
               </a:ext>
             </a:extLst>
           </p:cNvPr>
@@ -4140,66 +5487,66 @@
             <p:ph idx="1"/>
             <p:extLst>
               <p:ext uri="{D42A27DB-BD31-4B8C-83A1-F6EECF244321}">
-                <p14:modId xmlns:p14="http://schemas.microsoft.com/office/powerpoint/2010/main" val="4049113409"/>
+                <p14:modId xmlns:p14="http://schemas.microsoft.com/office/powerpoint/2010/main" val="2147597607"/>
               </p:ext>
             </p:extLst>
           </p:nvPr>
         </p:nvGraphicFramePr>
         <p:xfrm>
-          <a:off x="838200" y="1639582"/>
-          <a:ext cx="10302239" cy="4574887"/>
+          <a:off x="838200" y="1644016"/>
+          <a:ext cx="10773793" cy="4499333"/>
         </p:xfrm>
         <a:graphic>
           <a:graphicData uri="http://schemas.openxmlformats.org/drawingml/2006/table">
             <a:tbl>
               <a:tblPr firstRow="1" firstCol="1" bandRow="1">
-                <a:tableStyleId>{5C22544A-7EE6-4342-B048-85BDC9FD1C3A}</a:tableStyleId>
+                <a:tableStyleId>{B301B821-A1FF-4177-AEE7-76D212191A09}</a:tableStyleId>
               </a:tblPr>
               <a:tblGrid>
-                <a:gridCol w="1655340">
+                <a:gridCol w="1887721">
                   <a:extLst>
                     <a:ext uri="{9D8B030D-6E8A-4147-A177-3AD203B41FA5}">
-                      <a16:colId xmlns:a16="http://schemas.microsoft.com/office/drawing/2014/main" val="1088730022"/>
+                      <a16:colId xmlns:a16="http://schemas.microsoft.com/office/drawing/2014/main" val="428290697"/>
                     </a:ext>
                   </a:extLst>
                 </a:gridCol>
-                <a:gridCol w="1494950">
+                <a:gridCol w="1536299">
                   <a:extLst>
                     <a:ext uri="{9D8B030D-6E8A-4147-A177-3AD203B41FA5}">
-                      <a16:colId xmlns:a16="http://schemas.microsoft.com/office/drawing/2014/main" val="2405442840"/>
+                      <a16:colId xmlns:a16="http://schemas.microsoft.com/office/drawing/2014/main" val="2954530179"/>
                     </a:ext>
                   </a:extLst>
                 </a:gridCol>
-                <a:gridCol w="1599859">
+                <a:gridCol w="1644110">
                   <a:extLst>
                     <a:ext uri="{9D8B030D-6E8A-4147-A177-3AD203B41FA5}">
-                      <a16:colId xmlns:a16="http://schemas.microsoft.com/office/drawing/2014/main" val="2656522216"/>
+                      <a16:colId xmlns:a16="http://schemas.microsoft.com/office/drawing/2014/main" val="1928845076"/>
                     </a:ext>
                   </a:extLst>
                 </a:gridCol>
-                <a:gridCol w="1988221">
+                <a:gridCol w="2043216">
                   <a:extLst>
                     <a:ext uri="{9D8B030D-6E8A-4147-A177-3AD203B41FA5}">
-                      <a16:colId xmlns:a16="http://schemas.microsoft.com/office/drawing/2014/main" val="3919321962"/>
+                      <a16:colId xmlns:a16="http://schemas.microsoft.com/office/drawing/2014/main" val="1026186654"/>
                     </a:ext>
                   </a:extLst>
                 </a:gridCol>
-                <a:gridCol w="1988221">
+                <a:gridCol w="2243076">
                   <a:extLst>
                     <a:ext uri="{9D8B030D-6E8A-4147-A177-3AD203B41FA5}">
-                      <a16:colId xmlns:a16="http://schemas.microsoft.com/office/drawing/2014/main" val="3237539096"/>
+                      <a16:colId xmlns:a16="http://schemas.microsoft.com/office/drawing/2014/main" val="4218357912"/>
                     </a:ext>
                   </a:extLst>
                 </a:gridCol>
-                <a:gridCol w="1575648">
+                <a:gridCol w="1419371">
                   <a:extLst>
                     <a:ext uri="{9D8B030D-6E8A-4147-A177-3AD203B41FA5}">
-                      <a16:colId xmlns:a16="http://schemas.microsoft.com/office/drawing/2014/main" val="3623712776"/>
+                      <a16:colId xmlns:a16="http://schemas.microsoft.com/office/drawing/2014/main" val="3192771585"/>
                     </a:ext>
                   </a:extLst>
                 </a:gridCol>
               </a:tblGrid>
-              <a:tr h="697481">
+              <a:tr h="692976">
                 <a:tc rowSpan="2">
                   <a:txBody>
                     <a:bodyPr/>
@@ -4217,12 +5564,18 @@
                         </a:spcAft>
                       </a:pPr>
                       <a:r>
-                        <a:rPr lang="ro-RO" sz="2400">
-                          <a:effectLst/>
-                        </a:rPr>
-                        <a:t>Neural Nets</a:t>
-                      </a:r>
-                      <a:endParaRPr lang="ro-RO" sz="2400">
+                        <a:rPr lang="ro-RO" sz="2400" dirty="0" err="1">
+                          <a:effectLst/>
+                        </a:rPr>
+                        <a:t>Bayes</a:t>
+                      </a:r>
+                      <a:r>
+                        <a:rPr lang="ro-RO" sz="2400" dirty="0">
+                          <a:effectLst/>
+                        </a:rPr>
+                        <a:t> Naiv</a:t>
+                      </a:r>
+                      <a:endParaRPr lang="ro-RO" sz="2400" dirty="0">
                         <a:solidFill>
                           <a:srgbClr val="000000"/>
                         </a:solidFill>
@@ -4233,7 +5586,7 @@
                       </a:endParaRPr>
                     </a:p>
                   </a:txBody>
-                  <a:tcPr marL="88689" marR="88689" marT="44345" marB="44345" vert="vert270" anchor="ctr"/>
+                  <a:tcPr marL="117796" marR="117796" marT="58898" marB="58898" vert="vert270" anchor="ctr"/>
                 </a:tc>
                 <a:tc gridSpan="4">
                   <a:txBody>
@@ -4252,12 +5605,12 @@
                         </a:spcAft>
                       </a:pPr>
                       <a:r>
-                        <a:rPr lang="ro-RO" sz="2400">
+                        <a:rPr lang="ro-RO" sz="2400" dirty="0">
                           <a:effectLst/>
                         </a:rPr>
                         <a:t>Caracteristici</a:t>
                       </a:r>
-                      <a:endParaRPr lang="ro-RO" sz="2400">
+                      <a:endParaRPr lang="ro-RO" sz="2400" dirty="0">
                         <a:solidFill>
                           <a:srgbClr val="000000"/>
                         </a:solidFill>
@@ -4268,7 +5621,7 @@
                       </a:endParaRPr>
                     </a:p>
                   </a:txBody>
-                  <a:tcPr marL="88689" marR="88689" marT="44345" marB="44345" anchor="ctr"/>
+                  <a:tcPr marL="117796" marR="117796" marT="58898" marB="58898" anchor="ctr"/>
                 </a:tc>
                 <a:tc hMerge="1">
                   <a:txBody>
@@ -4333,15 +5686,15 @@
                       </a:endParaRPr>
                     </a:p>
                   </a:txBody>
-                  <a:tcPr marL="143309" marR="143309" marT="0" marB="0" anchor="ctr"/>
+                  <a:tcPr marL="140698" marR="140698" marT="0" marB="0" anchor="ctr"/>
                 </a:tc>
                 <a:extLst>
                   <a:ext uri="{0D108BD9-81ED-4DB2-BD59-A6C34878D82A}">
-                    <a16:rowId xmlns:a16="http://schemas.microsoft.com/office/drawing/2014/main" val="2759103312"/>
+                    <a16:rowId xmlns:a16="http://schemas.microsoft.com/office/drawing/2014/main" val="1679545563"/>
                   </a:ext>
                 </a:extLst>
               </a:tr>
-              <a:tr h="1679754">
+              <a:tr h="1648975">
                 <a:tc vMerge="1">
                   <a:txBody>
                     <a:bodyPr/>
@@ -4369,12 +5722,12 @@
                         </a:spcAft>
                       </a:pPr>
                       <a:r>
-                        <a:rPr lang="ro-RO" sz="2400">
+                        <a:rPr lang="ro-RO" sz="2400" dirty="0">
                           <a:effectLst/>
                         </a:rPr>
                         <a:t>n-grame</a:t>
                       </a:r>
-                      <a:endParaRPr lang="ro-RO" sz="2400">
+                      <a:endParaRPr lang="ro-RO" sz="2400" dirty="0">
                         <a:solidFill>
                           <a:srgbClr val="000000"/>
                         </a:solidFill>
@@ -4385,7 +5738,7 @@
                       </a:endParaRPr>
                     </a:p>
                   </a:txBody>
-                  <a:tcPr marL="143309" marR="143309" marT="0" marB="0" anchor="ctr"/>
+                  <a:tcPr marL="140698" marR="140698" marT="0" marB="0" anchor="ctr"/>
                 </a:tc>
                 <a:tc>
                   <a:txBody>
@@ -4404,12 +5757,24 @@
                         </a:spcAft>
                       </a:pPr>
                       <a:r>
-                        <a:rPr lang="ro-RO" sz="2400">
-                          <a:effectLst/>
-                        </a:rPr>
-                        <a:t>+ Tf-idf UMLS</a:t>
-                      </a:r>
-                      <a:endParaRPr lang="ro-RO" sz="2400">
+                        <a:rPr lang="ro-RO" sz="2400" dirty="0">
+                          <a:effectLst/>
+                        </a:rPr>
+                        <a:t>+ Tf-</a:t>
+                      </a:r>
+                      <a:r>
+                        <a:rPr lang="ro-RO" sz="2400" dirty="0" err="1">
+                          <a:effectLst/>
+                        </a:rPr>
+                        <a:t>idf</a:t>
+                      </a:r>
+                      <a:r>
+                        <a:rPr lang="ro-RO" sz="2400" dirty="0">
+                          <a:effectLst/>
+                        </a:rPr>
+                        <a:t> UMLS</a:t>
+                      </a:r>
+                      <a:endParaRPr lang="ro-RO" sz="2400" dirty="0">
                         <a:solidFill>
                           <a:srgbClr val="000000"/>
                         </a:solidFill>
@@ -4420,7 +5785,7 @@
                       </a:endParaRPr>
                     </a:p>
                   </a:txBody>
-                  <a:tcPr marL="143309" marR="143309" marT="0" marB="0" anchor="ctr"/>
+                  <a:tcPr marL="140698" marR="140698" marT="0" marB="0" anchor="ctr"/>
                 </a:tc>
                 <a:tc>
                   <a:txBody>
@@ -4455,7 +5820,7 @@
                       </a:endParaRPr>
                     </a:p>
                   </a:txBody>
-                  <a:tcPr marL="143309" marR="143309" marT="0" marB="0" anchor="ctr"/>
+                  <a:tcPr marL="140698" marR="140698" marT="0" marB="0" anchor="ctr"/>
                 </a:tc>
                 <a:tc>
                   <a:txBody>
@@ -4474,7 +5839,7 @@
                         </a:spcAft>
                       </a:pPr>
                       <a:r>
-                        <a:rPr lang="ro-RO" sz="2400">
+                        <a:rPr lang="ro-RO" sz="2400" dirty="0">
                           <a:effectLst/>
                         </a:rPr>
                         <a:t>+ Alte</a:t>
@@ -4493,12 +5858,12 @@
                         </a:spcAft>
                       </a:pPr>
                       <a:r>
-                        <a:rPr lang="ro-RO" sz="2400">
+                        <a:rPr lang="ro-RO" sz="2400" dirty="0">
                           <a:effectLst/>
                         </a:rPr>
                         <a:t>caracteristici</a:t>
                       </a:r>
-                      <a:endParaRPr lang="ro-RO" sz="2400">
+                      <a:endParaRPr lang="ro-RO" sz="2400" dirty="0">
                         <a:solidFill>
                           <a:srgbClr val="000000"/>
                         </a:solidFill>
@@ -4509,7 +5874,7 @@
                       </a:endParaRPr>
                     </a:p>
                   </a:txBody>
-                  <a:tcPr marL="143309" marR="143309" marT="0" marB="0" anchor="ctr"/>
+                  <a:tcPr marL="140698" marR="140698" marT="0" marB="0" anchor="ctr"/>
                 </a:tc>
                 <a:tc>
                   <a:txBody>
@@ -4544,15 +5909,15 @@
                       </a:endParaRPr>
                     </a:p>
                   </a:txBody>
-                  <a:tcPr marL="143309" marR="143309" marT="0" marB="0" anchor="ctr"/>
+                  <a:tcPr marL="140698" marR="140698" marT="0" marB="0" anchor="ctr"/>
                 </a:tc>
                 <a:extLst>
                   <a:ext uri="{0D108BD9-81ED-4DB2-BD59-A6C34878D82A}">
-                    <a16:rowId xmlns:a16="http://schemas.microsoft.com/office/drawing/2014/main" val="1059481413"/>
+                    <a16:rowId xmlns:a16="http://schemas.microsoft.com/office/drawing/2014/main" val="2428553608"/>
                   </a:ext>
                 </a:extLst>
               </a:tr>
-              <a:tr h="1098826">
+              <a:tr h="1078691">
                 <a:tc>
                   <a:txBody>
                     <a:bodyPr/>
@@ -4586,7 +5951,7 @@
                       </a:endParaRPr>
                     </a:p>
                   </a:txBody>
-                  <a:tcPr marL="143309" marR="143309" marT="0" marB="0" anchor="ctr"/>
+                  <a:tcPr marL="140698" marR="140698" marT="0" marB="0" anchor="ctr"/>
                 </a:tc>
                 <a:tc>
                   <a:txBody>
@@ -4608,7 +5973,7 @@
                         <a:rPr lang="ro-RO" sz="2400">
                           <a:effectLst/>
                         </a:rPr>
-                        <a:t>0.8777</a:t>
+                        <a:t>0.8469</a:t>
                       </a:r>
                       <a:endParaRPr lang="ro-RO" sz="2400">
                         <a:solidFill>
@@ -4621,7 +5986,7 @@
                       </a:endParaRPr>
                     </a:p>
                   </a:txBody>
-                  <a:tcPr marL="143309" marR="143309" marT="0" marB="0" anchor="ctr"/>
+                  <a:tcPr marL="140698" marR="140698" marT="0" marB="0" anchor="ctr"/>
                 </a:tc>
                 <a:tc>
                   <a:txBody>
@@ -4643,7 +6008,7 @@
                         <a:rPr lang="ro-RO" sz="2400">
                           <a:effectLst/>
                         </a:rPr>
-                        <a:t>0.8842</a:t>
+                        <a:t>0.8688</a:t>
                       </a:r>
                       <a:endParaRPr lang="ro-RO" sz="2400">
                         <a:solidFill>
@@ -4656,7 +6021,7 @@
                       </a:endParaRPr>
                     </a:p>
                   </a:txBody>
-                  <a:tcPr marL="143309" marR="143309" marT="0" marB="0" anchor="ctr"/>
+                  <a:tcPr marL="140698" marR="140698" marT="0" marB="0" anchor="ctr"/>
                 </a:tc>
                 <a:tc>
                   <a:txBody>
@@ -4678,7 +6043,7 @@
                         <a:rPr lang="ro-RO" sz="2400">
                           <a:effectLst/>
                         </a:rPr>
-                        <a:t>0.8862</a:t>
+                        <a:t>0.8742</a:t>
                       </a:r>
                       <a:endParaRPr lang="ro-RO" sz="2400">
                         <a:solidFill>
@@ -4691,7 +6056,7 @@
                       </a:endParaRPr>
                     </a:p>
                   </a:txBody>
-                  <a:tcPr marL="143309" marR="143309" marT="0" marB="0" anchor="ctr"/>
+                  <a:tcPr marL="140698" marR="140698" marT="0" marB="0" anchor="ctr"/>
                 </a:tc>
                 <a:tc>
                   <a:txBody>
@@ -4713,7 +6078,7 @@
                         <a:rPr lang="ro-RO" sz="2400">
                           <a:effectLst/>
                         </a:rPr>
-                        <a:t>0.8544</a:t>
+                        <a:t>0.8795</a:t>
                       </a:r>
                       <a:endParaRPr lang="ro-RO" sz="2400">
                         <a:solidFill>
@@ -4726,7 +6091,7 @@
                       </a:endParaRPr>
                     </a:p>
                   </a:txBody>
-                  <a:tcPr marL="143309" marR="143309" marT="0" marB="0" anchor="ctr"/>
+                  <a:tcPr marL="140698" marR="140698" marT="0" marB="0" anchor="ctr"/>
                 </a:tc>
                 <a:tc>
                   <a:txBody>
@@ -4748,7 +6113,7 @@
                         <a:rPr lang="ro-RO" sz="2400">
                           <a:effectLst/>
                         </a:rPr>
-                        <a:t>0.9479</a:t>
+                        <a:t>0.9103</a:t>
                       </a:r>
                       <a:endParaRPr lang="ro-RO" sz="2400">
                         <a:solidFill>
@@ -4761,15 +6126,15 @@
                       </a:endParaRPr>
                     </a:p>
                   </a:txBody>
-                  <a:tcPr marL="143309" marR="143309" marT="0" marB="0" anchor="ctr"/>
+                  <a:tcPr marL="140698" marR="140698" marT="0" marB="0" anchor="ctr"/>
                 </a:tc>
                 <a:extLst>
                   <a:ext uri="{0D108BD9-81ED-4DB2-BD59-A6C34878D82A}">
-                    <a16:rowId xmlns:a16="http://schemas.microsoft.com/office/drawing/2014/main" val="4126141726"/>
+                    <a16:rowId xmlns:a16="http://schemas.microsoft.com/office/drawing/2014/main" val="2470737842"/>
                   </a:ext>
                 </a:extLst>
               </a:tr>
-              <a:tr h="1098826">
+              <a:tr h="1078691">
                 <a:tc>
                   <a:txBody>
                     <a:bodyPr/>
@@ -4790,7 +6155,7 @@
                         <a:rPr lang="ro-RO" sz="2400">
                           <a:effectLst/>
                         </a:rPr>
-                        <a:t>Loss</a:t>
+                        <a:t>F1-score</a:t>
                       </a:r>
                       <a:endParaRPr lang="ro-RO" sz="2400">
                         <a:solidFill>
@@ -4803,7 +6168,7 @@
                       </a:endParaRPr>
                     </a:p>
                   </a:txBody>
-                  <a:tcPr marL="143309" marR="143309" marT="0" marB="0" anchor="ctr"/>
+                  <a:tcPr marL="140698" marR="140698" marT="0" marB="0" anchor="ctr"/>
                 </a:tc>
                 <a:tc>
                   <a:txBody>
@@ -4825,7 +6190,7 @@
                         <a:rPr lang="ro-RO" sz="2400">
                           <a:effectLst/>
                         </a:rPr>
-                        <a:t>0.4717</a:t>
+                        <a:t>0.8508</a:t>
                       </a:r>
                       <a:endParaRPr lang="ro-RO" sz="2400">
                         <a:solidFill>
@@ -4838,7 +6203,7 @@
                       </a:endParaRPr>
                     </a:p>
                   </a:txBody>
-                  <a:tcPr marL="143309" marR="143309" marT="0" marB="0" anchor="ctr"/>
+                  <a:tcPr marL="140698" marR="140698" marT="0" marB="0" anchor="ctr"/>
                 </a:tc>
                 <a:tc>
                   <a:txBody>
@@ -4860,7 +6225,7 @@
                         <a:rPr lang="ro-RO" sz="2400">
                           <a:effectLst/>
                         </a:rPr>
-                        <a:t>0.4194</a:t>
+                        <a:t>0.8632</a:t>
                       </a:r>
                       <a:endParaRPr lang="ro-RO" sz="2400">
                         <a:solidFill>
@@ -4873,7 +6238,7 @@
                       </a:endParaRPr>
                     </a:p>
                   </a:txBody>
-                  <a:tcPr marL="143309" marR="143309" marT="0" marB="0" anchor="ctr"/>
+                  <a:tcPr marL="140698" marR="140698" marT="0" marB="0" anchor="ctr"/>
                 </a:tc>
                 <a:tc>
                   <a:txBody>
@@ -4895,7 +6260,7 @@
                         <a:rPr lang="ro-RO" sz="2400">
                           <a:effectLst/>
                         </a:rPr>
-                        <a:t>0.3924</a:t>
+                        <a:t>0.8738</a:t>
                       </a:r>
                       <a:endParaRPr lang="ro-RO" sz="2400">
                         <a:solidFill>
@@ -4908,7 +6273,7 @@
                       </a:endParaRPr>
                     </a:p>
                   </a:txBody>
-                  <a:tcPr marL="143309" marR="143309" marT="0" marB="0" anchor="ctr"/>
+                  <a:tcPr marL="140698" marR="140698" marT="0" marB="0" anchor="ctr"/>
                 </a:tc>
                 <a:tc>
                   <a:txBody>
@@ -4930,7 +6295,7 @@
                         <a:rPr lang="ro-RO" sz="2400">
                           <a:effectLst/>
                         </a:rPr>
-                        <a:t>0.3350</a:t>
+                        <a:t>0.8744</a:t>
                       </a:r>
                       <a:endParaRPr lang="ro-RO" sz="2400">
                         <a:solidFill>
@@ -4943,7 +6308,7 @@
                       </a:endParaRPr>
                     </a:p>
                   </a:txBody>
-                  <a:tcPr marL="143309" marR="143309" marT="0" marB="0" anchor="ctr"/>
+                  <a:tcPr marL="140698" marR="140698" marT="0" marB="0" anchor="ctr"/>
                 </a:tc>
                 <a:tc>
                   <a:txBody>
@@ -4965,7 +6330,7 @@
                         <a:rPr lang="ro-RO" sz="2400" dirty="0">
                           <a:effectLst/>
                         </a:rPr>
-                        <a:t>0.2008</a:t>
+                        <a:t>0.9054</a:t>
                       </a:r>
                       <a:endParaRPr lang="ro-RO" sz="2400" dirty="0">
                         <a:solidFill>
@@ -4978,11 +6343,11 @@
                       </a:endParaRPr>
                     </a:p>
                   </a:txBody>
-                  <a:tcPr marL="143309" marR="143309" marT="0" marB="0" anchor="ctr"/>
+                  <a:tcPr marL="140698" marR="140698" marT="0" marB="0" anchor="ctr"/>
                 </a:tc>
                 <a:extLst>
                   <a:ext uri="{0D108BD9-81ED-4DB2-BD59-A6C34878D82A}">
-                    <a16:rowId xmlns:a16="http://schemas.microsoft.com/office/drawing/2014/main" val="1409888841"/>
+                    <a16:rowId xmlns:a16="http://schemas.microsoft.com/office/drawing/2014/main" val="2595452288"/>
                   </a:ext>
                 </a:extLst>
               </a:tr>
@@ -4990,6 +6355,623 @@
           </a:graphicData>
         </a:graphic>
       </p:graphicFrame>
+      <p:sp>
+        <p:nvSpPr>
+          <p:cNvPr id="4" name="Slide Number Placeholder 3">
+            <a:extLst>
+              <a:ext uri="{FF2B5EF4-FFF2-40B4-BE49-F238E27FC236}">
+                <a16:creationId xmlns:a16="http://schemas.microsoft.com/office/drawing/2014/main" id="{2CA96FF6-66E7-4F03-A2E7-68FA127ECF85}"/>
+              </a:ext>
+            </a:extLst>
+          </p:cNvPr>
+          <p:cNvSpPr>
+            <a:spLocks noGrp="1"/>
+          </p:cNvSpPr>
+          <p:nvPr>
+            <p:ph type="sldNum" sz="quarter" idx="12"/>
+          </p:nvPr>
+        </p:nvSpPr>
+        <p:spPr/>
+        <p:txBody>
+          <a:bodyPr/>
+          <a:lstStyle/>
+          <a:p>
+            <a:fld id="{1913962F-8FD5-44E8-BFBA-6E9B0BAD2192}" type="slidenum">
+              <a:rPr lang="ro-RO" smtClean="0"/>
+              <a:t>13</a:t>
+            </a:fld>
+            <a:endParaRPr lang="ro-RO"/>
+          </a:p>
+        </p:txBody>
+      </p:sp>
+    </p:spTree>
+    <p:extLst>
+      <p:ext uri="{BB962C8B-B14F-4D97-AF65-F5344CB8AC3E}">
+        <p14:creationId xmlns:p14="http://schemas.microsoft.com/office/powerpoint/2010/main" val="858420703"/>
+      </p:ext>
+    </p:extLst>
+  </p:cSld>
+  <p:clrMapOvr>
+    <a:masterClrMapping/>
+  </p:clrMapOvr>
+  <mc:AlternateContent xmlns:mc="http://schemas.openxmlformats.org/markup-compatibility/2006" xmlns:p14="http://schemas.microsoft.com/office/powerpoint/2010/main">
+    <mc:Choice Requires="p14">
+      <p:transition spd="med" p14:dur="700">
+        <p:fade/>
+      </p:transition>
+    </mc:Choice>
+    <mc:Fallback xmlns="">
+      <p:transition spd="med">
+        <p:fade/>
+      </p:transition>
+    </mc:Fallback>
+  </mc:AlternateContent>
+</p:sld>
+</file>
+
+<file path=ppt/slides/slide14.xml><?xml version="1.0" encoding="utf-8"?>
+<p:sld xmlns:a="http://schemas.openxmlformats.org/drawingml/2006/main" xmlns:r="http://schemas.openxmlformats.org/officeDocument/2006/relationships" xmlns:p="http://schemas.openxmlformats.org/presentationml/2006/main">
+  <p:cSld>
+    <p:spTree>
+      <p:nvGrpSpPr>
+        <p:cNvPr id="1" name=""/>
+        <p:cNvGrpSpPr/>
+        <p:nvPr/>
+      </p:nvGrpSpPr>
+      <p:grpSpPr>
+        <a:xfrm>
+          <a:off x="0" y="0"/>
+          <a:ext cx="0" cy="0"/>
+          <a:chOff x="0" y="0"/>
+          <a:chExt cx="0" cy="0"/>
+        </a:xfrm>
+      </p:grpSpPr>
+      <p:sp>
+        <p:nvSpPr>
+          <p:cNvPr id="2" name="Title 1">
+            <a:extLst>
+              <a:ext uri="{FF2B5EF4-FFF2-40B4-BE49-F238E27FC236}">
+                <a16:creationId xmlns:a16="http://schemas.microsoft.com/office/drawing/2014/main" id="{88FF84BD-E4D2-4121-9EAC-A140C89D9E16}"/>
+              </a:ext>
+            </a:extLst>
+          </p:cNvPr>
+          <p:cNvSpPr>
+            <a:spLocks noGrp="1"/>
+          </p:cNvSpPr>
+          <p:nvPr>
+            <p:ph type="title"/>
+          </p:nvPr>
+        </p:nvSpPr>
+        <p:spPr/>
+        <p:txBody>
+          <a:bodyPr/>
+          <a:lstStyle/>
+          <a:p>
+            <a:r>
+              <a:rPr lang="ro-RO" dirty="0"/>
+              <a:t>SVM (</a:t>
+            </a:r>
+            <a:r>
+              <a:rPr lang="ro-RO" dirty="0" err="1"/>
+              <a:t>Support</a:t>
+            </a:r>
+            <a:r>
+              <a:rPr lang="ro-RO" dirty="0"/>
+              <a:t> Vector </a:t>
+            </a:r>
+            <a:r>
+              <a:rPr lang="ro-RO" dirty="0" err="1"/>
+              <a:t>Machine</a:t>
+            </a:r>
+            <a:r>
+              <a:rPr lang="ro-RO" dirty="0"/>
+              <a:t>)</a:t>
+            </a:r>
+          </a:p>
+        </p:txBody>
+      </p:sp>
+      <p:sp>
+        <p:nvSpPr>
+          <p:cNvPr id="3" name="Content Placeholder 2">
+            <a:extLst>
+              <a:ext uri="{FF2B5EF4-FFF2-40B4-BE49-F238E27FC236}">
+                <a16:creationId xmlns:a16="http://schemas.microsoft.com/office/drawing/2014/main" id="{B82F5706-6B95-4AFA-B609-9839F0A4F36A}"/>
+              </a:ext>
+            </a:extLst>
+          </p:cNvPr>
+          <p:cNvSpPr>
+            <a:spLocks noGrp="1"/>
+          </p:cNvSpPr>
+          <p:nvPr>
+            <p:ph idx="1"/>
+          </p:nvPr>
+        </p:nvSpPr>
+        <p:spPr/>
+        <p:txBody>
+          <a:bodyPr/>
+          <a:lstStyle/>
+          <a:p>
+            <a:r>
+              <a:rPr lang="ro-RO" dirty="0"/>
+              <a:t>Are ca scop găsirea unei drepte (hiperplan) care să separe datele astfel încât distanța dintre clase și dreapta separatoare să fie maximă</a:t>
+            </a:r>
+          </a:p>
+        </p:txBody>
+      </p:sp>
+      <p:sp>
+        <p:nvSpPr>
+          <p:cNvPr id="4" name="Slide Number Placeholder 3">
+            <a:extLst>
+              <a:ext uri="{FF2B5EF4-FFF2-40B4-BE49-F238E27FC236}">
+                <a16:creationId xmlns:a16="http://schemas.microsoft.com/office/drawing/2014/main" id="{36259990-6128-44E0-8750-A89CE2501C88}"/>
+              </a:ext>
+            </a:extLst>
+          </p:cNvPr>
+          <p:cNvSpPr>
+            <a:spLocks noGrp="1"/>
+          </p:cNvSpPr>
+          <p:nvPr>
+            <p:ph type="sldNum" sz="quarter" idx="12"/>
+          </p:nvPr>
+        </p:nvSpPr>
+        <p:spPr/>
+        <p:txBody>
+          <a:bodyPr/>
+          <a:lstStyle/>
+          <a:p>
+            <a:fld id="{1913962F-8FD5-44E8-BFBA-6E9B0BAD2192}" type="slidenum">
+              <a:rPr lang="ro-RO" smtClean="0"/>
+              <a:t>14</a:t>
+            </a:fld>
+            <a:endParaRPr lang="ro-RO"/>
+          </a:p>
+        </p:txBody>
+      </p:sp>
+      <p:pic>
+        <p:nvPicPr>
+          <p:cNvPr id="5" name="Picture 4">
+            <a:extLst>
+              <a:ext uri="{FF2B5EF4-FFF2-40B4-BE49-F238E27FC236}">
+                <a16:creationId xmlns:a16="http://schemas.microsoft.com/office/drawing/2014/main" id="{D01BB61B-E7D2-49C0-9F68-621EAACA401D}"/>
+              </a:ext>
+            </a:extLst>
+          </p:cNvPr>
+          <p:cNvPicPr/>
+          <p:nvPr/>
+        </p:nvPicPr>
+        <p:blipFill>
+          <a:blip r:embed="rId2"/>
+          <a:stretch>
+            <a:fillRect/>
+          </a:stretch>
+        </p:blipFill>
+        <p:spPr>
+          <a:xfrm>
+            <a:off x="1913516" y="2900169"/>
+            <a:ext cx="3315335" cy="3265381"/>
+          </a:xfrm>
+          <a:prstGeom prst="rect">
+            <a:avLst/>
+          </a:prstGeom>
+        </p:spPr>
+      </p:pic>
+      <p:pic>
+        <p:nvPicPr>
+          <p:cNvPr id="6" name="Picture 5">
+            <a:extLst>
+              <a:ext uri="{FF2B5EF4-FFF2-40B4-BE49-F238E27FC236}">
+                <a16:creationId xmlns:a16="http://schemas.microsoft.com/office/drawing/2014/main" id="{E2017929-87CB-4289-9877-3DFC316E7C1E}"/>
+              </a:ext>
+            </a:extLst>
+          </p:cNvPr>
+          <p:cNvPicPr/>
+          <p:nvPr/>
+        </p:nvPicPr>
+        <p:blipFill>
+          <a:blip r:embed="rId3"/>
+          <a:stretch>
+            <a:fillRect/>
+          </a:stretch>
+        </p:blipFill>
+        <p:spPr>
+          <a:xfrm>
+            <a:off x="7001522" y="2908384"/>
+            <a:ext cx="3920287" cy="3064266"/>
+          </a:xfrm>
+          <a:prstGeom prst="rect">
+            <a:avLst/>
+          </a:prstGeom>
+        </p:spPr>
+      </p:pic>
+      <p:sp>
+        <p:nvSpPr>
+          <p:cNvPr id="7" name="Rectangle 6">
+            <a:extLst>
+              <a:ext uri="{FF2B5EF4-FFF2-40B4-BE49-F238E27FC236}">
+                <a16:creationId xmlns:a16="http://schemas.microsoft.com/office/drawing/2014/main" id="{F7F96D31-57B1-4231-B5FB-9A84F497E77E}"/>
+              </a:ext>
+            </a:extLst>
+          </p:cNvPr>
+          <p:cNvSpPr/>
+          <p:nvPr/>
+        </p:nvSpPr>
+        <p:spPr>
+          <a:xfrm>
+            <a:off x="7949692" y="5545822"/>
+            <a:ext cx="1180407" cy="376179"/>
+          </a:xfrm>
+          <a:prstGeom prst="rect">
+            <a:avLst/>
+          </a:prstGeom>
+          <a:solidFill>
+            <a:schemeClr val="bg1"/>
+          </a:solidFill>
+          <a:ln>
+            <a:noFill/>
+          </a:ln>
+        </p:spPr>
+        <p:style>
+          <a:lnRef idx="2">
+            <a:schemeClr val="accent6"/>
+          </a:lnRef>
+          <a:fillRef idx="1">
+            <a:schemeClr val="lt1"/>
+          </a:fillRef>
+          <a:effectRef idx="0">
+            <a:schemeClr val="accent6"/>
+          </a:effectRef>
+          <a:fontRef idx="minor">
+            <a:schemeClr val="dk1"/>
+          </a:fontRef>
+        </p:style>
+        <p:txBody>
+          <a:bodyPr rtlCol="0" anchor="ctr"/>
+          <a:lstStyle/>
+          <a:p>
+            <a:pPr algn="ctr"/>
+            <a:endParaRPr lang="ro-RO"/>
+          </a:p>
+        </p:txBody>
+      </p:sp>
+      <p:sp>
+        <p:nvSpPr>
+          <p:cNvPr id="8" name="Rectangle 7">
+            <a:extLst>
+              <a:ext uri="{FF2B5EF4-FFF2-40B4-BE49-F238E27FC236}">
+                <a16:creationId xmlns:a16="http://schemas.microsoft.com/office/drawing/2014/main" id="{75B5BDA2-0C36-4C60-935D-651E3576AD81}"/>
+              </a:ext>
+            </a:extLst>
+          </p:cNvPr>
+          <p:cNvSpPr/>
+          <p:nvPr/>
+        </p:nvSpPr>
+        <p:spPr>
+          <a:xfrm>
+            <a:off x="10016435" y="5721272"/>
+            <a:ext cx="1180407" cy="376179"/>
+          </a:xfrm>
+          <a:prstGeom prst="rect">
+            <a:avLst/>
+          </a:prstGeom>
+          <a:solidFill>
+            <a:schemeClr val="bg1"/>
+          </a:solidFill>
+          <a:ln>
+            <a:noFill/>
+          </a:ln>
+        </p:spPr>
+        <p:style>
+          <a:lnRef idx="2">
+            <a:schemeClr val="accent6"/>
+          </a:lnRef>
+          <a:fillRef idx="1">
+            <a:schemeClr val="lt1"/>
+          </a:fillRef>
+          <a:effectRef idx="0">
+            <a:schemeClr val="accent6"/>
+          </a:effectRef>
+          <a:fontRef idx="minor">
+            <a:schemeClr val="dk1"/>
+          </a:fontRef>
+        </p:style>
+        <p:txBody>
+          <a:bodyPr rtlCol="0" anchor="ctr"/>
+          <a:lstStyle/>
+          <a:p>
+            <a:pPr algn="ctr"/>
+            <a:endParaRPr lang="ro-RO"/>
+          </a:p>
+        </p:txBody>
+      </p:sp>
+      <p:sp>
+        <p:nvSpPr>
+          <p:cNvPr id="9" name="Rectangle 8">
+            <a:extLst>
+              <a:ext uri="{FF2B5EF4-FFF2-40B4-BE49-F238E27FC236}">
+                <a16:creationId xmlns:a16="http://schemas.microsoft.com/office/drawing/2014/main" id="{DD73FEC4-013E-4AE5-BB29-7089FF0E5171}"/>
+              </a:ext>
+            </a:extLst>
+          </p:cNvPr>
+          <p:cNvSpPr/>
+          <p:nvPr/>
+        </p:nvSpPr>
+        <p:spPr>
+          <a:xfrm>
+            <a:off x="9488065" y="5721272"/>
+            <a:ext cx="1180407" cy="376179"/>
+          </a:xfrm>
+          <a:prstGeom prst="rect">
+            <a:avLst/>
+          </a:prstGeom>
+          <a:solidFill>
+            <a:schemeClr val="bg1"/>
+          </a:solidFill>
+          <a:ln>
+            <a:noFill/>
+          </a:ln>
+        </p:spPr>
+        <p:style>
+          <a:lnRef idx="2">
+            <a:schemeClr val="accent6"/>
+          </a:lnRef>
+          <a:fillRef idx="1">
+            <a:schemeClr val="lt1"/>
+          </a:fillRef>
+          <a:effectRef idx="0">
+            <a:schemeClr val="accent6"/>
+          </a:effectRef>
+          <a:fontRef idx="minor">
+            <a:schemeClr val="dk1"/>
+          </a:fontRef>
+        </p:style>
+        <p:txBody>
+          <a:bodyPr rtlCol="0" anchor="ctr"/>
+          <a:lstStyle/>
+          <a:p>
+            <a:pPr algn="ctr"/>
+            <a:endParaRPr lang="ro-RO"/>
+          </a:p>
+        </p:txBody>
+      </p:sp>
+      <p:sp>
+        <p:nvSpPr>
+          <p:cNvPr id="10" name="Rectangle 9">
+            <a:extLst>
+              <a:ext uri="{FF2B5EF4-FFF2-40B4-BE49-F238E27FC236}">
+                <a16:creationId xmlns:a16="http://schemas.microsoft.com/office/drawing/2014/main" id="{25BBE534-DD01-48DF-89F7-7AA3A44F9259}"/>
+              </a:ext>
+            </a:extLst>
+          </p:cNvPr>
+          <p:cNvSpPr/>
+          <p:nvPr/>
+        </p:nvSpPr>
+        <p:spPr>
+          <a:xfrm>
+            <a:off x="9878918" y="4695668"/>
+            <a:ext cx="1180407" cy="376179"/>
+          </a:xfrm>
+          <a:prstGeom prst="rect">
+            <a:avLst/>
+          </a:prstGeom>
+          <a:solidFill>
+            <a:schemeClr val="bg1"/>
+          </a:solidFill>
+          <a:ln>
+            <a:noFill/>
+          </a:ln>
+        </p:spPr>
+        <p:style>
+          <a:lnRef idx="2">
+            <a:schemeClr val="accent6"/>
+          </a:lnRef>
+          <a:fillRef idx="1">
+            <a:schemeClr val="lt1"/>
+          </a:fillRef>
+          <a:effectRef idx="0">
+            <a:schemeClr val="accent6"/>
+          </a:effectRef>
+          <a:fontRef idx="minor">
+            <a:schemeClr val="dk1"/>
+          </a:fontRef>
+        </p:style>
+        <p:txBody>
+          <a:bodyPr rtlCol="0" anchor="ctr"/>
+          <a:lstStyle/>
+          <a:p>
+            <a:pPr algn="ctr"/>
+            <a:endParaRPr lang="ro-RO"/>
+          </a:p>
+        </p:txBody>
+      </p:sp>
+      <p:sp>
+        <p:nvSpPr>
+          <p:cNvPr id="11" name="Arrow: Down 10">
+            <a:extLst>
+              <a:ext uri="{FF2B5EF4-FFF2-40B4-BE49-F238E27FC236}">
+                <a16:creationId xmlns:a16="http://schemas.microsoft.com/office/drawing/2014/main" id="{F690DC45-002E-480A-AEB6-22973D729245}"/>
+              </a:ext>
+            </a:extLst>
+          </p:cNvPr>
+          <p:cNvSpPr/>
+          <p:nvPr/>
+        </p:nvSpPr>
+        <p:spPr>
+          <a:xfrm rot="16200000">
+            <a:off x="6016338" y="3431915"/>
+            <a:ext cx="369332" cy="1944305"/>
+          </a:xfrm>
+          <a:prstGeom prst="downArrow">
+            <a:avLst>
+              <a:gd name="adj1" fmla="val 23626"/>
+              <a:gd name="adj2" fmla="val 36813"/>
+            </a:avLst>
+          </a:prstGeom>
+          <a:solidFill>
+            <a:schemeClr val="accent5">
+              <a:lumMod val="20000"/>
+              <a:lumOff val="80000"/>
+            </a:schemeClr>
+          </a:solidFill>
+        </p:spPr>
+        <p:style>
+          <a:lnRef idx="2">
+            <a:schemeClr val="accent1">
+              <a:shade val="50000"/>
+            </a:schemeClr>
+          </a:lnRef>
+          <a:fillRef idx="1">
+            <a:schemeClr val="accent1"/>
+          </a:fillRef>
+          <a:effectRef idx="0">
+            <a:schemeClr val="accent1"/>
+          </a:effectRef>
+          <a:fontRef idx="minor">
+            <a:schemeClr val="lt1"/>
+          </a:fontRef>
+        </p:style>
+        <p:txBody>
+          <a:bodyPr rtlCol="0" anchor="ctr"/>
+          <a:lstStyle/>
+          <a:p>
+            <a:pPr algn="ctr"/>
+            <a:endParaRPr lang="ro-RO"/>
+          </a:p>
+        </p:txBody>
+      </p:sp>
+      <p:sp>
+        <p:nvSpPr>
+          <p:cNvPr id="12" name="TextBox 11">
+            <a:extLst>
+              <a:ext uri="{FF2B5EF4-FFF2-40B4-BE49-F238E27FC236}">
+                <a16:creationId xmlns:a16="http://schemas.microsoft.com/office/drawing/2014/main" id="{C3C1365E-2A46-4135-9628-793134A6E753}"/>
+              </a:ext>
+            </a:extLst>
+          </p:cNvPr>
+          <p:cNvSpPr txBox="1"/>
+          <p:nvPr/>
+        </p:nvSpPr>
+        <p:spPr>
+          <a:xfrm>
+            <a:off x="5769035" y="3976716"/>
+            <a:ext cx="1367161" cy="369332"/>
+          </a:xfrm>
+          <a:prstGeom prst="rect">
+            <a:avLst/>
+          </a:prstGeom>
+          <a:noFill/>
+        </p:spPr>
+        <p:txBody>
+          <a:bodyPr wrap="square" rtlCol="0">
+            <a:spAutoFit/>
+          </a:bodyPr>
+          <a:lstStyle/>
+          <a:p>
+            <a:r>
+              <a:rPr lang="ro-RO" dirty="0"/>
+              <a:t>SVM</a:t>
+            </a:r>
+          </a:p>
+        </p:txBody>
+      </p:sp>
+    </p:spTree>
+    <p:extLst>
+      <p:ext uri="{BB962C8B-B14F-4D97-AF65-F5344CB8AC3E}">
+        <p14:creationId xmlns:p14="http://schemas.microsoft.com/office/powerpoint/2010/main" val="735781819"/>
+      </p:ext>
+    </p:extLst>
+  </p:cSld>
+  <p:clrMapOvr>
+    <a:masterClrMapping/>
+  </p:clrMapOvr>
+  <mc:AlternateContent xmlns:mc="http://schemas.openxmlformats.org/markup-compatibility/2006">
+    <mc:Choice xmlns:p14="http://schemas.microsoft.com/office/powerpoint/2010/main" Requires="p14">
+      <p:transition spd="med" p14:dur="700">
+        <p:fade/>
+      </p:transition>
+    </mc:Choice>
+    <mc:Fallback>
+      <p:transition spd="med">
+        <p:fade/>
+      </p:transition>
+    </mc:Fallback>
+  </mc:AlternateContent>
+</p:sld>
+</file>
+
+<file path=ppt/slides/slide15.xml><?xml version="1.0" encoding="utf-8"?>
+<p:sld xmlns:a="http://schemas.openxmlformats.org/drawingml/2006/main" xmlns:r="http://schemas.openxmlformats.org/officeDocument/2006/relationships" xmlns:p="http://schemas.openxmlformats.org/presentationml/2006/main">
+  <p:cSld>
+    <p:spTree>
+      <p:nvGrpSpPr>
+        <p:cNvPr id="1" name=""/>
+        <p:cNvGrpSpPr/>
+        <p:nvPr/>
+      </p:nvGrpSpPr>
+      <p:grpSpPr>
+        <a:xfrm>
+          <a:off x="0" y="0"/>
+          <a:ext cx="0" cy="0"/>
+          <a:chOff x="0" y="0"/>
+          <a:chExt cx="0" cy="0"/>
+        </a:xfrm>
+      </p:grpSpPr>
+      <p:sp>
+        <p:nvSpPr>
+          <p:cNvPr id="2" name="Title 1">
+            <a:extLst>
+              <a:ext uri="{FF2B5EF4-FFF2-40B4-BE49-F238E27FC236}">
+                <a16:creationId xmlns:a16="http://schemas.microsoft.com/office/drawing/2014/main" id="{B277F373-797F-49BB-A12C-21B853972F05}"/>
+              </a:ext>
+            </a:extLst>
+          </p:cNvPr>
+          <p:cNvSpPr>
+            <a:spLocks noGrp="1"/>
+          </p:cNvSpPr>
+          <p:nvPr>
+            <p:ph type="title"/>
+          </p:nvPr>
+        </p:nvSpPr>
+        <p:spPr/>
+        <p:txBody>
+          <a:bodyPr/>
+          <a:lstStyle/>
+          <a:p>
+            <a:r>
+              <a:rPr lang="ro-RO" dirty="0"/>
+              <a:t>Rezultate experimentale: SVM</a:t>
+            </a:r>
+          </a:p>
+        </p:txBody>
+      </p:sp>
+      <p:sp>
+        <p:nvSpPr>
+          <p:cNvPr id="4" name="Slide Number Placeholder 3">
+            <a:extLst>
+              <a:ext uri="{FF2B5EF4-FFF2-40B4-BE49-F238E27FC236}">
+                <a16:creationId xmlns:a16="http://schemas.microsoft.com/office/drawing/2014/main" id="{0E0792D1-9A55-4DDF-9D12-BCAAF7305F00}"/>
+              </a:ext>
+            </a:extLst>
+          </p:cNvPr>
+          <p:cNvSpPr>
+            <a:spLocks noGrp="1"/>
+          </p:cNvSpPr>
+          <p:nvPr>
+            <p:ph type="sldNum" sz="quarter" idx="12"/>
+          </p:nvPr>
+        </p:nvSpPr>
+        <p:spPr/>
+        <p:txBody>
+          <a:bodyPr/>
+          <a:lstStyle/>
+          <a:p>
+            <a:fld id="{1913962F-8FD5-44E8-BFBA-6E9B0BAD2192}" type="slidenum">
+              <a:rPr lang="ro-RO" smtClean="0"/>
+              <a:t>15</a:t>
+            </a:fld>
+            <a:endParaRPr lang="ro-RO"/>
+          </a:p>
+        </p:txBody>
+      </p:sp>
       <p:graphicFrame>
         <p:nvGraphicFramePr>
           <p:cNvPr id="7" name="Content Placeholder 4">
@@ -5005,58 +6987,58 @@
           <p:nvPr>
             <p:extLst>
               <p:ext uri="{D42A27DB-BD31-4B8C-83A1-F6EECF244321}">
-                <p14:modId xmlns:p14="http://schemas.microsoft.com/office/powerpoint/2010/main" val="3434127142"/>
+                <p14:modId xmlns:p14="http://schemas.microsoft.com/office/powerpoint/2010/main" val="1114266808"/>
               </p:ext>
             </p:extLst>
           </p:nvPr>
         </p:nvGraphicFramePr>
         <p:xfrm>
-          <a:off x="838200" y="1639581"/>
-          <a:ext cx="10302239" cy="4528138"/>
+          <a:off x="541540" y="1690688"/>
+          <a:ext cx="10812260" cy="4433230"/>
         </p:xfrm>
         <a:graphic>
           <a:graphicData uri="http://schemas.openxmlformats.org/drawingml/2006/table">
             <a:tbl>
               <a:tblPr firstRow="1" firstCol="1" bandRow="1">
-                <a:tableStyleId>{5C22544A-7EE6-4342-B048-85BDC9FD1C3A}</a:tableStyleId>
+                <a:tableStyleId>{B301B821-A1FF-4177-AEE7-76D212191A09}</a:tableStyleId>
               </a:tblPr>
               <a:tblGrid>
-                <a:gridCol w="1655339">
+                <a:gridCol w="1811045">
                   <a:extLst>
                     <a:ext uri="{9D8B030D-6E8A-4147-A177-3AD203B41FA5}">
                       <a16:colId xmlns:a16="http://schemas.microsoft.com/office/drawing/2014/main" val="999762394"/>
                     </a:ext>
                   </a:extLst>
                 </a:gridCol>
-                <a:gridCol w="1494950">
+                <a:gridCol w="1495203">
                   <a:extLst>
                     <a:ext uri="{9D8B030D-6E8A-4147-A177-3AD203B41FA5}">
                       <a16:colId xmlns:a16="http://schemas.microsoft.com/office/drawing/2014/main" val="1338014143"/>
                     </a:ext>
                   </a:extLst>
                 </a:gridCol>
-                <a:gridCol w="1599859">
+                <a:gridCol w="1679061">
                   <a:extLst>
                     <a:ext uri="{9D8B030D-6E8A-4147-A177-3AD203B41FA5}">
                       <a16:colId xmlns:a16="http://schemas.microsoft.com/office/drawing/2014/main" val="3561642917"/>
                     </a:ext>
                   </a:extLst>
                 </a:gridCol>
-                <a:gridCol w="1988221">
+                <a:gridCol w="2086649">
                   <a:extLst>
                     <a:ext uri="{9D8B030D-6E8A-4147-A177-3AD203B41FA5}">
                       <a16:colId xmlns:a16="http://schemas.microsoft.com/office/drawing/2014/main" val="1785678528"/>
                     </a:ext>
                   </a:extLst>
                 </a:gridCol>
-                <a:gridCol w="1988221">
+                <a:gridCol w="2276226">
                   <a:extLst>
                     <a:ext uri="{9D8B030D-6E8A-4147-A177-3AD203B41FA5}">
                       <a16:colId xmlns:a16="http://schemas.microsoft.com/office/drawing/2014/main" val="1702301857"/>
                     </a:ext>
                   </a:extLst>
                 </a:gridCol>
-                <a:gridCol w="1575649">
+                <a:gridCol w="1464076">
                   <a:extLst>
                     <a:ext uri="{9D8B030D-6E8A-4147-A177-3AD203B41FA5}">
                       <a16:colId xmlns:a16="http://schemas.microsoft.com/office/drawing/2014/main" val="2853370483"/>
@@ -5064,7 +7046,7 @@
                   </a:extLst>
                 </a:gridCol>
               </a:tblGrid>
-              <a:tr h="695456">
+              <a:tr h="0">
                 <a:tc rowSpan="2">
                   <a:txBody>
                     <a:bodyPr/>
@@ -5473,12 +7455,12 @@
                         </a:spcAft>
                       </a:pPr>
                       <a:r>
-                        <a:rPr lang="ro-RO" sz="2500">
+                        <a:rPr lang="ro-RO" sz="2500" dirty="0">
                           <a:effectLst/>
                         </a:rPr>
                         <a:t>Acuratețe</a:t>
                       </a:r>
-                      <a:endParaRPr lang="ro-RO" sz="2500">
+                      <a:endParaRPr lang="ro-RO" sz="2500" dirty="0">
                         <a:solidFill>
                           <a:srgbClr val="000000"/>
                         </a:solidFill>
@@ -5903,13 +7885,13 @@
   <p:clrMapOvr>
     <a:masterClrMapping/>
   </p:clrMapOvr>
-  <mc:AlternateContent xmlns:mc="http://schemas.openxmlformats.org/markup-compatibility/2006">
-    <mc:Choice xmlns:p14="http://schemas.microsoft.com/office/powerpoint/2010/main" Requires="p14">
+  <mc:AlternateContent xmlns:mc="http://schemas.openxmlformats.org/markup-compatibility/2006" xmlns:p14="http://schemas.microsoft.com/office/powerpoint/2010/main">
+    <mc:Choice Requires="p14">
       <p:transition spd="med" p14:dur="700">
         <p:fade/>
       </p:transition>
     </mc:Choice>
-    <mc:Fallback>
+    <mc:Fallback xmlns="">
       <p:transition spd="med">
         <p:fade/>
       </p:transition>
@@ -5918,7 +7900,7 @@
 </p:sld>
 </file>
 
-<file path=ppt/slides/slide11.xml><?xml version="1.0" encoding="utf-8"?>
+<file path=ppt/slides/slide16.xml><?xml version="1.0" encoding="utf-8"?>
 <p:sld xmlns:a="http://schemas.openxmlformats.org/drawingml/2006/main" xmlns:r="http://schemas.openxmlformats.org/officeDocument/2006/relationships" xmlns:p="http://schemas.openxmlformats.org/presentationml/2006/main">
   <p:cSld>
     <p:spTree>
@@ -5940,6 +7922,434 @@
           <p:cNvPr id="2" name="Title 1">
             <a:extLst>
               <a:ext uri="{FF2B5EF4-FFF2-40B4-BE49-F238E27FC236}">
+                <a16:creationId xmlns:a16="http://schemas.microsoft.com/office/drawing/2014/main" id="{27BE9CCD-009A-4849-8F73-B1191C2B5B39}"/>
+              </a:ext>
+            </a:extLst>
+          </p:cNvPr>
+          <p:cNvSpPr>
+            <a:spLocks noGrp="1"/>
+          </p:cNvSpPr>
+          <p:nvPr>
+            <p:ph type="title"/>
+          </p:nvPr>
+        </p:nvSpPr>
+        <p:spPr/>
+        <p:txBody>
+          <a:bodyPr/>
+          <a:lstStyle/>
+          <a:p>
+            <a:r>
+              <a:rPr lang="ro-RO" dirty="0"/>
+              <a:t>Rețele neuronale</a:t>
+            </a:r>
+          </a:p>
+        </p:txBody>
+      </p:sp>
+      <p:sp>
+        <p:nvSpPr>
+          <p:cNvPr id="3" name="Content Placeholder 2">
+            <a:extLst>
+              <a:ext uri="{FF2B5EF4-FFF2-40B4-BE49-F238E27FC236}">
+                <a16:creationId xmlns:a16="http://schemas.microsoft.com/office/drawing/2014/main" id="{3D9A54E3-E332-42ED-BE0D-2E6A1B46DB9B}"/>
+              </a:ext>
+            </a:extLst>
+          </p:cNvPr>
+          <p:cNvSpPr>
+            <a:spLocks noGrp="1"/>
+          </p:cNvSpPr>
+          <p:nvPr>
+            <p:ph idx="1"/>
+          </p:nvPr>
+        </p:nvSpPr>
+        <p:spPr>
+          <a:xfrm>
+            <a:off x="838200" y="1598691"/>
+            <a:ext cx="10515600" cy="819921"/>
+          </a:xfrm>
+        </p:spPr>
+        <p:txBody>
+          <a:bodyPr/>
+          <a:lstStyle/>
+          <a:p>
+            <a:r>
+              <a:rPr lang="ro-RO" dirty="0"/>
+              <a:t>Inspirate din structura și funcționarea creierului uman	</a:t>
+            </a:r>
+          </a:p>
+        </p:txBody>
+      </p:sp>
+      <p:sp>
+        <p:nvSpPr>
+          <p:cNvPr id="4" name="Slide Number Placeholder 3">
+            <a:extLst>
+              <a:ext uri="{FF2B5EF4-FFF2-40B4-BE49-F238E27FC236}">
+                <a16:creationId xmlns:a16="http://schemas.microsoft.com/office/drawing/2014/main" id="{567AAAED-AD6F-410C-AA95-46535DA30053}"/>
+              </a:ext>
+            </a:extLst>
+          </p:cNvPr>
+          <p:cNvSpPr>
+            <a:spLocks noGrp="1"/>
+          </p:cNvSpPr>
+          <p:nvPr>
+            <p:ph type="sldNum" sz="quarter" idx="12"/>
+          </p:nvPr>
+        </p:nvSpPr>
+        <p:spPr/>
+        <p:txBody>
+          <a:bodyPr/>
+          <a:lstStyle/>
+          <a:p>
+            <a:fld id="{1913962F-8FD5-44E8-BFBA-6E9B0BAD2192}" type="slidenum">
+              <a:rPr lang="ro-RO" smtClean="0"/>
+              <a:t>16</a:t>
+            </a:fld>
+            <a:endParaRPr lang="ro-RO"/>
+          </a:p>
+        </p:txBody>
+      </p:sp>
+      <p:pic>
+        <p:nvPicPr>
+          <p:cNvPr id="8" name="Picture 7">
+            <a:extLst>
+              <a:ext uri="{FF2B5EF4-FFF2-40B4-BE49-F238E27FC236}">
+                <a16:creationId xmlns:a16="http://schemas.microsoft.com/office/drawing/2014/main" id="{E41544BF-052C-4CA5-953A-4067E14F2A20}"/>
+              </a:ext>
+            </a:extLst>
+          </p:cNvPr>
+          <p:cNvPicPr>
+            <a:picLocks noChangeAspect="1"/>
+          </p:cNvPicPr>
+          <p:nvPr/>
+        </p:nvPicPr>
+        <p:blipFill>
+          <a:blip r:embed="rId2">
+            <a:extLst>
+              <a:ext uri="{28A0092B-C50C-407E-A947-70E740481C1C}">
+                <a14:useLocalDpi xmlns:a14="http://schemas.microsoft.com/office/drawing/2010/main" val="0"/>
+              </a:ext>
+            </a:extLst>
+          </a:blip>
+          <a:stretch>
+            <a:fillRect/>
+          </a:stretch>
+        </p:blipFill>
+        <p:spPr>
+          <a:xfrm>
+            <a:off x="2087732" y="2373777"/>
+            <a:ext cx="8016536" cy="3982573"/>
+          </a:xfrm>
+          <a:prstGeom prst="rect">
+            <a:avLst/>
+          </a:prstGeom>
+        </p:spPr>
+      </p:pic>
+      <p:sp>
+        <p:nvSpPr>
+          <p:cNvPr id="9" name="Rectangle 8">
+            <a:extLst>
+              <a:ext uri="{FF2B5EF4-FFF2-40B4-BE49-F238E27FC236}">
+                <a16:creationId xmlns:a16="http://schemas.microsoft.com/office/drawing/2014/main" id="{A7F6A89F-5F0C-4E73-9DBE-FE875B83E9E9}"/>
+              </a:ext>
+            </a:extLst>
+          </p:cNvPr>
+          <p:cNvSpPr/>
+          <p:nvPr/>
+        </p:nvSpPr>
+        <p:spPr>
+          <a:xfrm>
+            <a:off x="2175029" y="2947386"/>
+            <a:ext cx="514905" cy="177554"/>
+          </a:xfrm>
+          <a:prstGeom prst="rect">
+            <a:avLst/>
+          </a:prstGeom>
+          <a:solidFill>
+            <a:schemeClr val="bg1"/>
+          </a:solidFill>
+          <a:ln>
+            <a:noFill/>
+          </a:ln>
+        </p:spPr>
+        <p:style>
+          <a:lnRef idx="2">
+            <a:schemeClr val="accent1">
+              <a:shade val="50000"/>
+            </a:schemeClr>
+          </a:lnRef>
+          <a:fillRef idx="1">
+            <a:schemeClr val="accent1"/>
+          </a:fillRef>
+          <a:effectRef idx="0">
+            <a:schemeClr val="accent1"/>
+          </a:effectRef>
+          <a:fontRef idx="minor">
+            <a:schemeClr val="lt1"/>
+          </a:fontRef>
+        </p:style>
+        <p:txBody>
+          <a:bodyPr rtlCol="0" anchor="ctr"/>
+          <a:lstStyle/>
+          <a:p>
+            <a:pPr algn="ctr"/>
+            <a:endParaRPr lang="ro-RO"/>
+          </a:p>
+        </p:txBody>
+      </p:sp>
+      <p:sp>
+        <p:nvSpPr>
+          <p:cNvPr id="10" name="Rectangle 9">
+            <a:extLst>
+              <a:ext uri="{FF2B5EF4-FFF2-40B4-BE49-F238E27FC236}">
+                <a16:creationId xmlns:a16="http://schemas.microsoft.com/office/drawing/2014/main" id="{78935592-6188-4ACE-8C9C-4A6517E61474}"/>
+              </a:ext>
+            </a:extLst>
+          </p:cNvPr>
+          <p:cNvSpPr/>
+          <p:nvPr/>
+        </p:nvSpPr>
+        <p:spPr>
+          <a:xfrm>
+            <a:off x="2069976" y="3858740"/>
+            <a:ext cx="699857" cy="177554"/>
+          </a:xfrm>
+          <a:prstGeom prst="rect">
+            <a:avLst/>
+          </a:prstGeom>
+          <a:solidFill>
+            <a:schemeClr val="bg1"/>
+          </a:solidFill>
+          <a:ln>
+            <a:noFill/>
+          </a:ln>
+        </p:spPr>
+        <p:style>
+          <a:lnRef idx="2">
+            <a:schemeClr val="accent1">
+              <a:shade val="50000"/>
+            </a:schemeClr>
+          </a:lnRef>
+          <a:fillRef idx="1">
+            <a:schemeClr val="accent1"/>
+          </a:fillRef>
+          <a:effectRef idx="0">
+            <a:schemeClr val="accent1"/>
+          </a:effectRef>
+          <a:fontRef idx="minor">
+            <a:schemeClr val="lt1"/>
+          </a:fontRef>
+        </p:style>
+        <p:txBody>
+          <a:bodyPr rtlCol="0" anchor="ctr"/>
+          <a:lstStyle/>
+          <a:p>
+            <a:pPr algn="ctr"/>
+            <a:endParaRPr lang="ro-RO"/>
+          </a:p>
+        </p:txBody>
+      </p:sp>
+      <p:sp>
+        <p:nvSpPr>
+          <p:cNvPr id="11" name="Rectangle 10">
+            <a:extLst>
+              <a:ext uri="{FF2B5EF4-FFF2-40B4-BE49-F238E27FC236}">
+                <a16:creationId xmlns:a16="http://schemas.microsoft.com/office/drawing/2014/main" id="{6B7A4691-A7E2-4483-94B3-9C1AA2FDFF69}"/>
+              </a:ext>
+            </a:extLst>
+          </p:cNvPr>
+          <p:cNvSpPr/>
+          <p:nvPr/>
+        </p:nvSpPr>
+        <p:spPr>
+          <a:xfrm>
+            <a:off x="2222376" y="4011140"/>
+            <a:ext cx="699857" cy="177554"/>
+          </a:xfrm>
+          <a:prstGeom prst="rect">
+            <a:avLst/>
+          </a:prstGeom>
+          <a:solidFill>
+            <a:schemeClr val="bg1"/>
+          </a:solidFill>
+          <a:ln>
+            <a:noFill/>
+          </a:ln>
+        </p:spPr>
+        <p:style>
+          <a:lnRef idx="2">
+            <a:schemeClr val="accent1">
+              <a:shade val="50000"/>
+            </a:schemeClr>
+          </a:lnRef>
+          <a:fillRef idx="1">
+            <a:schemeClr val="accent1"/>
+          </a:fillRef>
+          <a:effectRef idx="0">
+            <a:schemeClr val="accent1"/>
+          </a:effectRef>
+          <a:fontRef idx="minor">
+            <a:schemeClr val="lt1"/>
+          </a:fontRef>
+        </p:style>
+        <p:txBody>
+          <a:bodyPr rtlCol="0" anchor="ctr"/>
+          <a:lstStyle/>
+          <a:p>
+            <a:pPr algn="ctr"/>
+            <a:endParaRPr lang="ro-RO"/>
+          </a:p>
+        </p:txBody>
+      </p:sp>
+      <p:sp>
+        <p:nvSpPr>
+          <p:cNvPr id="12" name="Rectangle 11">
+            <a:extLst>
+              <a:ext uri="{FF2B5EF4-FFF2-40B4-BE49-F238E27FC236}">
+                <a16:creationId xmlns:a16="http://schemas.microsoft.com/office/drawing/2014/main" id="{9DA0EAF5-8466-4481-AAFA-E9EAB6F020E7}"/>
+              </a:ext>
+            </a:extLst>
+          </p:cNvPr>
+          <p:cNvSpPr/>
+          <p:nvPr/>
+        </p:nvSpPr>
+        <p:spPr>
+          <a:xfrm>
+            <a:off x="2087732" y="4869252"/>
+            <a:ext cx="699857" cy="177554"/>
+          </a:xfrm>
+          <a:prstGeom prst="rect">
+            <a:avLst/>
+          </a:prstGeom>
+          <a:solidFill>
+            <a:schemeClr val="bg1"/>
+          </a:solidFill>
+          <a:ln>
+            <a:noFill/>
+          </a:ln>
+        </p:spPr>
+        <p:style>
+          <a:lnRef idx="2">
+            <a:schemeClr val="accent1">
+              <a:shade val="50000"/>
+            </a:schemeClr>
+          </a:lnRef>
+          <a:fillRef idx="1">
+            <a:schemeClr val="accent1"/>
+          </a:fillRef>
+          <a:effectRef idx="0">
+            <a:schemeClr val="accent1"/>
+          </a:effectRef>
+          <a:fontRef idx="minor">
+            <a:schemeClr val="lt1"/>
+          </a:fontRef>
+        </p:style>
+        <p:txBody>
+          <a:bodyPr rtlCol="0" anchor="ctr"/>
+          <a:lstStyle/>
+          <a:p>
+            <a:pPr algn="ctr"/>
+            <a:endParaRPr lang="ro-RO"/>
+          </a:p>
+        </p:txBody>
+      </p:sp>
+      <p:sp>
+        <p:nvSpPr>
+          <p:cNvPr id="13" name="Rectangle 12">
+            <a:extLst>
+              <a:ext uri="{FF2B5EF4-FFF2-40B4-BE49-F238E27FC236}">
+                <a16:creationId xmlns:a16="http://schemas.microsoft.com/office/drawing/2014/main" id="{AFF76364-E870-41CC-AD57-473174A01FA9}"/>
+              </a:ext>
+            </a:extLst>
+          </p:cNvPr>
+          <p:cNvSpPr/>
+          <p:nvPr/>
+        </p:nvSpPr>
+        <p:spPr>
+          <a:xfrm>
+            <a:off x="7910743" y="3816251"/>
+            <a:ext cx="699857" cy="177554"/>
+          </a:xfrm>
+          <a:prstGeom prst="rect">
+            <a:avLst/>
+          </a:prstGeom>
+          <a:solidFill>
+            <a:schemeClr val="bg1"/>
+          </a:solidFill>
+          <a:ln>
+            <a:noFill/>
+          </a:ln>
+        </p:spPr>
+        <p:style>
+          <a:lnRef idx="2">
+            <a:schemeClr val="accent1">
+              <a:shade val="50000"/>
+            </a:schemeClr>
+          </a:lnRef>
+          <a:fillRef idx="1">
+            <a:schemeClr val="accent1"/>
+          </a:fillRef>
+          <a:effectRef idx="0">
+            <a:schemeClr val="accent1"/>
+          </a:effectRef>
+          <a:fontRef idx="minor">
+            <a:schemeClr val="lt1"/>
+          </a:fontRef>
+        </p:style>
+        <p:txBody>
+          <a:bodyPr rtlCol="0" anchor="ctr"/>
+          <a:lstStyle/>
+          <a:p>
+            <a:pPr algn="ctr"/>
+            <a:endParaRPr lang="ro-RO"/>
+          </a:p>
+        </p:txBody>
+      </p:sp>
+    </p:spTree>
+    <p:extLst>
+      <p:ext uri="{BB962C8B-B14F-4D97-AF65-F5344CB8AC3E}">
+        <p14:creationId xmlns:p14="http://schemas.microsoft.com/office/powerpoint/2010/main" val="717192630"/>
+      </p:ext>
+    </p:extLst>
+  </p:cSld>
+  <p:clrMapOvr>
+    <a:masterClrMapping/>
+  </p:clrMapOvr>
+  <mc:AlternateContent xmlns:mc="http://schemas.openxmlformats.org/markup-compatibility/2006">
+    <mc:Choice xmlns:p14="http://schemas.microsoft.com/office/powerpoint/2010/main" Requires="p14">
+      <p:transition spd="med" p14:dur="700">
+        <p:fade/>
+      </p:transition>
+    </mc:Choice>
+    <mc:Fallback>
+      <p:transition spd="med">
+        <p:fade/>
+      </p:transition>
+    </mc:Fallback>
+  </mc:AlternateContent>
+</p:sld>
+</file>
+
+<file path=ppt/slides/slide17.xml><?xml version="1.0" encoding="utf-8"?>
+<p:sld xmlns:a="http://schemas.openxmlformats.org/drawingml/2006/main" xmlns:r="http://schemas.openxmlformats.org/officeDocument/2006/relationships" xmlns:p="http://schemas.openxmlformats.org/presentationml/2006/main">
+  <p:cSld>
+    <p:spTree>
+      <p:nvGrpSpPr>
+        <p:cNvPr id="1" name=""/>
+        <p:cNvGrpSpPr/>
+        <p:nvPr/>
+      </p:nvGrpSpPr>
+      <p:grpSpPr>
+        <a:xfrm>
+          <a:off x="0" y="0"/>
+          <a:ext cx="0" cy="0"/>
+          <a:chOff x="0" y="0"/>
+          <a:chExt cx="0" cy="0"/>
+        </a:xfrm>
+      </p:grpSpPr>
+      <p:sp>
+        <p:nvSpPr>
+          <p:cNvPr id="2" name="Title 1">
+            <a:extLst>
+              <a:ext uri="{FF2B5EF4-FFF2-40B4-BE49-F238E27FC236}">
                 <a16:creationId xmlns:a16="http://schemas.microsoft.com/office/drawing/2014/main" id="{4B0EE6ED-52E2-40A4-9369-D3F7CBDD87BF}"/>
               </a:ext>
             </a:extLst>
@@ -5963,7 +8373,7 @@
           <a:p>
             <a:r>
               <a:rPr lang="ro-RO" dirty="0"/>
-              <a:t>Grafic evoluție acurateței: rețele neuronale</a:t>
+              <a:t>Rețele neuronale: graficul evoluție acurateței</a:t>
             </a:r>
           </a:p>
         </p:txBody>
@@ -5991,7 +8401,7 @@
           <a:p>
             <a:fld id="{1913962F-8FD5-44E8-BFBA-6E9B0BAD2192}" type="slidenum">
               <a:rPr lang="ro-RO" smtClean="0"/>
-              <a:t>11</a:t>
+              <a:t>17</a:t>
             </a:fld>
             <a:endParaRPr lang="ro-RO"/>
           </a:p>
@@ -6043,13 +8453,13 @@
   <p:clrMapOvr>
     <a:masterClrMapping/>
   </p:clrMapOvr>
-  <mc:AlternateContent xmlns:mc="http://schemas.openxmlformats.org/markup-compatibility/2006">
-    <mc:Choice xmlns:p14="http://schemas.microsoft.com/office/powerpoint/2010/main" Requires="p14">
+  <mc:AlternateContent xmlns:mc="http://schemas.openxmlformats.org/markup-compatibility/2006" xmlns:p14="http://schemas.microsoft.com/office/powerpoint/2010/main">
+    <mc:Choice Requires="p14">
       <p:transition spd="med" p14:dur="700">
         <p:fade/>
       </p:transition>
     </mc:Choice>
-    <mc:Fallback>
+    <mc:Fallback xmlns="">
       <p:transition spd="med">
         <p:fade/>
       </p:transition>
@@ -6058,7 +8468,7 @@
 </p:sld>
 </file>
 
-<file path=ppt/slides/slide12.xml><?xml version="1.0" encoding="utf-8"?>
+<file path=ppt/slides/slide18.xml><?xml version="1.0" encoding="utf-8"?>
 <p:sld xmlns:a="http://schemas.openxmlformats.org/drawingml/2006/main" xmlns:r="http://schemas.openxmlformats.org/officeDocument/2006/relationships" xmlns:p="http://schemas.openxmlformats.org/presentationml/2006/main">
   <p:cSld>
     <p:spTree>
@@ -6102,8 +8512,8 @@
           <a:lstStyle/>
           <a:p>
             <a:r>
-              <a:rPr lang="ro-RO" dirty="0"/>
-              <a:t>Graficul funcție de </a:t>
+              <a:rPr lang="ro-RO" i="1" dirty="0"/>
+              <a:t>Rețele neuronale: </a:t>
             </a:r>
             <a:r>
               <a:rPr lang="ro-RO" i="1" dirty="0" err="1"/>
@@ -6111,7 +8521,11 @@
             </a:r>
             <a:r>
               <a:rPr lang="ro-RO" i="1" dirty="0"/>
-              <a:t>: rețele neuronale</a:t>
+              <a:t> </a:t>
+            </a:r>
+            <a:r>
+              <a:rPr lang="ro-RO" i="1" dirty="0" err="1"/>
+              <a:t>function</a:t>
             </a:r>
             <a:endParaRPr lang="ro-RO" dirty="0"/>
           </a:p>
@@ -6175,7 +8589,7 @@
           <a:p>
             <a:fld id="{1913962F-8FD5-44E8-BFBA-6E9B0BAD2192}" type="slidenum">
               <a:rPr lang="ro-RO" smtClean="0"/>
-              <a:t>12</a:t>
+              <a:t>18</a:t>
             </a:fld>
             <a:endParaRPr lang="ro-RO"/>
           </a:p>
@@ -6191,13 +8605,13 @@
   <p:clrMapOvr>
     <a:masterClrMapping/>
   </p:clrMapOvr>
-  <mc:AlternateContent xmlns:mc="http://schemas.openxmlformats.org/markup-compatibility/2006">
-    <mc:Choice xmlns:p14="http://schemas.microsoft.com/office/powerpoint/2010/main" Requires="p14">
+  <mc:AlternateContent xmlns:mc="http://schemas.openxmlformats.org/markup-compatibility/2006" xmlns:p14="http://schemas.microsoft.com/office/powerpoint/2010/main">
+    <mc:Choice Requires="p14">
       <p:transition spd="med" p14:dur="700">
         <p:fade/>
       </p:transition>
     </mc:Choice>
-    <mc:Fallback>
+    <mc:Fallback xmlns="">
       <p:transition spd="med">
         <p:fade/>
       </p:transition>
@@ -6206,7 +8620,7 @@
 </p:sld>
 </file>
 
-<file path=ppt/slides/slide13.xml><?xml version="1.0" encoding="utf-8"?>
+<file path=ppt/slides/slide19.xml><?xml version="1.0" encoding="utf-8"?>
 <p:sld xmlns:a="http://schemas.openxmlformats.org/drawingml/2006/main" xmlns:r="http://schemas.openxmlformats.org/officeDocument/2006/relationships" xmlns:p="http://schemas.openxmlformats.org/presentationml/2006/main">
   <p:cSld>
     <p:spTree>
@@ -6246,7 +8660,7 @@
           <a:p>
             <a:r>
               <a:rPr lang="ro-RO" dirty="0"/>
-              <a:t>Rezultate rețele neuronale</a:t>
+              <a:t>Rezultate experimentale: rețele neuronale</a:t>
             </a:r>
           </a:p>
         </p:txBody>
@@ -6274,7 +8688,7 @@
           <a:p>
             <a:fld id="{1913962F-8FD5-44E8-BFBA-6E9B0BAD2192}" type="slidenum">
               <a:rPr lang="ro-RO" smtClean="0"/>
-              <a:t>13</a:t>
+              <a:t>19</a:t>
             </a:fld>
             <a:endParaRPr lang="ro-RO"/>
           </a:p>
@@ -6295,58 +8709,58 @@
           <p:nvPr>
             <p:extLst>
               <p:ext uri="{D42A27DB-BD31-4B8C-83A1-F6EECF244321}">
-                <p14:modId xmlns:p14="http://schemas.microsoft.com/office/powerpoint/2010/main" val="2336746448"/>
+                <p14:modId xmlns:p14="http://schemas.microsoft.com/office/powerpoint/2010/main" val="3834744284"/>
               </p:ext>
             </p:extLst>
           </p:nvPr>
         </p:nvGraphicFramePr>
         <p:xfrm>
           <a:off x="838200" y="1639582"/>
-          <a:ext cx="10302239" cy="4574887"/>
+          <a:ext cx="10515600" cy="4645808"/>
         </p:xfrm>
         <a:graphic>
           <a:graphicData uri="http://schemas.openxmlformats.org/drawingml/2006/table">
             <a:tbl>
               <a:tblPr firstRow="1" firstCol="1" bandRow="1">
-                <a:tableStyleId>{5C22544A-7EE6-4342-B048-85BDC9FD1C3A}</a:tableStyleId>
+                <a:tableStyleId>{B301B821-A1FF-4177-AEE7-76D212191A09}</a:tableStyleId>
               </a:tblPr>
               <a:tblGrid>
-                <a:gridCol w="1752600">
+                <a:gridCol w="1788897">
                   <a:extLst>
                     <a:ext uri="{9D8B030D-6E8A-4147-A177-3AD203B41FA5}">
                       <a16:colId xmlns:a16="http://schemas.microsoft.com/office/drawing/2014/main" val="1088730022"/>
                     </a:ext>
                   </a:extLst>
                 </a:gridCol>
-                <a:gridCol w="1397690">
+                <a:gridCol w="1426637">
                   <a:extLst>
                     <a:ext uri="{9D8B030D-6E8A-4147-A177-3AD203B41FA5}">
                       <a16:colId xmlns:a16="http://schemas.microsoft.com/office/drawing/2014/main" val="2405442840"/>
                     </a:ext>
                   </a:extLst>
                 </a:gridCol>
-                <a:gridCol w="1599859">
+                <a:gridCol w="1632992">
                   <a:extLst>
                     <a:ext uri="{9D8B030D-6E8A-4147-A177-3AD203B41FA5}">
                       <a16:colId xmlns:a16="http://schemas.microsoft.com/office/drawing/2014/main" val="2656522216"/>
                     </a:ext>
                   </a:extLst>
                 </a:gridCol>
-                <a:gridCol w="1988221">
+                <a:gridCol w="2029397">
                   <a:extLst>
                     <a:ext uri="{9D8B030D-6E8A-4147-A177-3AD203B41FA5}">
                       <a16:colId xmlns:a16="http://schemas.microsoft.com/office/drawing/2014/main" val="3919321962"/>
                     </a:ext>
                   </a:extLst>
                 </a:gridCol>
-                <a:gridCol w="1988221">
+                <a:gridCol w="2109838">
                   <a:extLst>
                     <a:ext uri="{9D8B030D-6E8A-4147-A177-3AD203B41FA5}">
                       <a16:colId xmlns:a16="http://schemas.microsoft.com/office/drawing/2014/main" val="3237539096"/>
                     </a:ext>
                   </a:extLst>
                 </a:gridCol>
-                <a:gridCol w="1575648">
+                <a:gridCol w="1527839">
                   <a:extLst>
                     <a:ext uri="{9D8B030D-6E8A-4147-A177-3AD203B41FA5}">
                       <a16:colId xmlns:a16="http://schemas.microsoft.com/office/drawing/2014/main" val="3623712776"/>
@@ -6354,7 +8768,7 @@
                   </a:extLst>
                 </a:gridCol>
               </a:tblGrid>
-              <a:tr h="697481">
+              <a:tr h="708294">
                 <a:tc rowSpan="2">
                   <a:txBody>
                     <a:bodyPr/>
@@ -6407,12 +8821,12 @@
                         </a:spcAft>
                       </a:pPr>
                       <a:r>
-                        <a:rPr lang="ro-RO" sz="2400">
+                        <a:rPr lang="ro-RO" sz="2400" dirty="0">
                           <a:effectLst/>
                         </a:rPr>
                         <a:t>Caracteristici</a:t>
                       </a:r>
-                      <a:endParaRPr lang="ro-RO" sz="2400">
+                      <a:endParaRPr lang="ro-RO" sz="2400" dirty="0">
                         <a:solidFill>
                           <a:srgbClr val="000000"/>
                         </a:solidFill>
@@ -6496,7 +8910,7 @@
                   </a:ext>
                 </a:extLst>
               </a:tr>
-              <a:tr h="1679754">
+              <a:tr h="1705794">
                 <a:tc vMerge="1">
                   <a:txBody>
                     <a:bodyPr/>
@@ -6707,7 +9121,7 @@
                   </a:ext>
                 </a:extLst>
               </a:tr>
-              <a:tr h="1098826">
+              <a:tr h="1115860">
                 <a:tc>
                   <a:txBody>
                     <a:bodyPr/>
@@ -6924,7 +9338,7 @@
                   </a:ext>
                 </a:extLst>
               </a:tr>
-              <a:tr h="1098826">
+              <a:tr h="1115860">
                 <a:tc>
                   <a:txBody>
                     <a:bodyPr/>
@@ -6942,16 +9356,22 @@
                         </a:spcAft>
                       </a:pPr>
                       <a:r>
-                        <a:rPr lang="ro-RO" sz="2400" i="0" dirty="0">
-                          <a:effectLst/>
-                        </a:rPr>
-                        <a:t>Funcția de </a:t>
-                      </a:r>
-                      <a:r>
                         <a:rPr lang="ro-RO" sz="2400" i="1" dirty="0" err="1">
                           <a:effectLst/>
                         </a:rPr>
-                        <a:t>loss</a:t>
+                        <a:t>Loss</a:t>
+                      </a:r>
+                      <a:r>
+                        <a:rPr lang="ro-RO" sz="2400" i="1" dirty="0">
+                          <a:effectLst/>
+                        </a:rPr>
+                        <a:t> </a:t>
+                      </a:r>
+                      <a:r>
+                        <a:rPr lang="ro-RO" sz="2400" i="1" dirty="0" err="1">
+                          <a:effectLst/>
+                        </a:rPr>
+                        <a:t>function</a:t>
                       </a:r>
                       <a:endParaRPr lang="ro-RO" sz="2400" i="1" dirty="0">
                         <a:solidFill>
@@ -7161,13 +9581,13 @@
   <p:clrMapOvr>
     <a:masterClrMapping/>
   </p:clrMapOvr>
-  <mc:AlternateContent xmlns:mc="http://schemas.openxmlformats.org/markup-compatibility/2006">
-    <mc:Choice xmlns:p14="http://schemas.microsoft.com/office/powerpoint/2010/main" Requires="p14">
+  <mc:AlternateContent xmlns:mc="http://schemas.openxmlformats.org/markup-compatibility/2006" xmlns:p14="http://schemas.microsoft.com/office/powerpoint/2010/main">
+    <mc:Choice Requires="p14">
       <p:transition spd="med" p14:dur="700">
         <p:fade/>
       </p:transition>
     </mc:Choice>
-    <mc:Fallback>
+    <mc:Fallback xmlns="">
       <p:transition spd="med">
         <p:fade/>
       </p:transition>
@@ -7240,7 +9660,7 @@
         <p:spPr/>
         <p:txBody>
           <a:bodyPr>
-            <a:normAutofit lnSpcReduction="10000"/>
+            <a:normAutofit/>
           </a:bodyPr>
           <a:lstStyle/>
           <a:p>
@@ -7252,12 +9672,6 @@
           <a:p>
             <a:r>
               <a:rPr lang="ro-RO" dirty="0"/>
-              <a:t>Mulțimea de antrenare</a:t>
-            </a:r>
-          </a:p>
-          <a:p>
-            <a:r>
-              <a:rPr lang="ro-RO" dirty="0"/>
               <a:t>Preprocesarea datelor</a:t>
             </a:r>
           </a:p>
@@ -7269,8 +9683,12 @@
           </a:p>
           <a:p>
             <a:r>
+              <a:rPr lang="en-US" dirty="0"/>
+              <a:t>Date</a:t>
+            </a:r>
+            <a:r>
               <a:rPr lang="ro-RO" dirty="0"/>
-              <a:t>Balansarea datelor</a:t>
+              <a:t> nebalansate</a:t>
             </a:r>
           </a:p>
           <a:p>
@@ -7282,27 +9700,14 @@
           <a:p>
             <a:r>
               <a:rPr lang="ro-RO" dirty="0"/>
-              <a:t>Rezultate </a:t>
-            </a:r>
-            <a:r>
-              <a:rPr lang="ro-RO" dirty="0" err="1"/>
-              <a:t>Bayes</a:t>
-            </a:r>
+              <a:t>Rezultate experimentale</a:t>
+            </a:r>
+            <a:endParaRPr lang="en-US" dirty="0"/>
+          </a:p>
+          <a:p>
             <a:r>
               <a:rPr lang="ro-RO" dirty="0"/>
-              <a:t> Naiv</a:t>
-            </a:r>
-          </a:p>
-          <a:p>
-            <a:r>
-              <a:rPr lang="ro-RO" dirty="0"/>
-              <a:t>Rezultate SVM</a:t>
-            </a:r>
-          </a:p>
-          <a:p>
-            <a:r>
-              <a:rPr lang="ro-RO" dirty="0"/>
-              <a:t>Rezultate rețele neuronale</a:t>
+              <a:t>Concluzii</a:t>
             </a:r>
           </a:p>
           <a:p>
@@ -7346,6 +9751,141 @@
     <p:extLst>
       <p:ext uri="{BB962C8B-B14F-4D97-AF65-F5344CB8AC3E}">
         <p14:creationId xmlns:p14="http://schemas.microsoft.com/office/powerpoint/2010/main" val="3499854932"/>
+      </p:ext>
+    </p:extLst>
+  </p:cSld>
+  <p:clrMapOvr>
+    <a:masterClrMapping/>
+  </p:clrMapOvr>
+  <mc:AlternateContent xmlns:mc="http://schemas.openxmlformats.org/markup-compatibility/2006" xmlns:p14="http://schemas.microsoft.com/office/powerpoint/2010/main">
+    <mc:Choice Requires="p14">
+      <p:transition spd="med" p14:dur="700">
+        <p:fade/>
+      </p:transition>
+    </mc:Choice>
+    <mc:Fallback xmlns="">
+      <p:transition spd="med">
+        <p:fade/>
+      </p:transition>
+    </mc:Fallback>
+  </mc:AlternateContent>
+</p:sld>
+</file>
+
+<file path=ppt/slides/slide20.xml><?xml version="1.0" encoding="utf-8"?>
+<p:sld xmlns:a="http://schemas.openxmlformats.org/drawingml/2006/main" xmlns:r="http://schemas.openxmlformats.org/officeDocument/2006/relationships" xmlns:p="http://schemas.openxmlformats.org/presentationml/2006/main">
+  <p:cSld>
+    <p:spTree>
+      <p:nvGrpSpPr>
+        <p:cNvPr id="1" name=""/>
+        <p:cNvGrpSpPr/>
+        <p:nvPr/>
+      </p:nvGrpSpPr>
+      <p:grpSpPr>
+        <a:xfrm>
+          <a:off x="0" y="0"/>
+          <a:ext cx="0" cy="0"/>
+          <a:chOff x="0" y="0"/>
+          <a:chExt cx="0" cy="0"/>
+        </a:xfrm>
+      </p:grpSpPr>
+      <p:sp>
+        <p:nvSpPr>
+          <p:cNvPr id="2" name="Title 1">
+            <a:extLst>
+              <a:ext uri="{FF2B5EF4-FFF2-40B4-BE49-F238E27FC236}">
+                <a16:creationId xmlns:a16="http://schemas.microsoft.com/office/drawing/2014/main" id="{7EF69D48-DDF9-4478-AB08-510AB686AD0F}"/>
+              </a:ext>
+            </a:extLst>
+          </p:cNvPr>
+          <p:cNvSpPr>
+            <a:spLocks noGrp="1"/>
+          </p:cNvSpPr>
+          <p:nvPr>
+            <p:ph type="title"/>
+          </p:nvPr>
+        </p:nvSpPr>
+        <p:spPr/>
+        <p:txBody>
+          <a:bodyPr/>
+          <a:lstStyle/>
+          <a:p>
+            <a:r>
+              <a:rPr lang="ro-RO" dirty="0"/>
+              <a:t>Concluzii</a:t>
+            </a:r>
+          </a:p>
+        </p:txBody>
+      </p:sp>
+      <p:sp>
+        <p:nvSpPr>
+          <p:cNvPr id="3" name="Content Placeholder 2">
+            <a:extLst>
+              <a:ext uri="{FF2B5EF4-FFF2-40B4-BE49-F238E27FC236}">
+                <a16:creationId xmlns:a16="http://schemas.microsoft.com/office/drawing/2014/main" id="{2824179B-390A-47C3-8315-CF7D454B2B33}"/>
+              </a:ext>
+            </a:extLst>
+          </p:cNvPr>
+          <p:cNvSpPr>
+            <a:spLocks noGrp="1"/>
+          </p:cNvSpPr>
+          <p:nvPr>
+            <p:ph idx="1"/>
+          </p:nvPr>
+        </p:nvSpPr>
+        <p:spPr>
+          <a:xfrm>
+            <a:off x="838200" y="1825625"/>
+            <a:ext cx="8394577" cy="4351338"/>
+          </a:xfrm>
+        </p:spPr>
+        <p:txBody>
+          <a:bodyPr/>
+          <a:lstStyle/>
+          <a:p>
+            <a:r>
+              <a:rPr lang="ro-RO" dirty="0"/>
+              <a:t>Detectarea automată a  efectelor adverse ale medicamentelor folosind tehnici de procesare a limbajului natural, cât și algoritmi de învățare automata poate ajuta la reducerea efectelor adverse ale medicamentelor</a:t>
+            </a:r>
+          </a:p>
+          <a:p>
+            <a:endParaRPr lang="ro-RO" dirty="0"/>
+          </a:p>
+        </p:txBody>
+      </p:sp>
+      <p:sp>
+        <p:nvSpPr>
+          <p:cNvPr id="4" name="Slide Number Placeholder 3">
+            <a:extLst>
+              <a:ext uri="{FF2B5EF4-FFF2-40B4-BE49-F238E27FC236}">
+                <a16:creationId xmlns:a16="http://schemas.microsoft.com/office/drawing/2014/main" id="{BEF0B5A3-9772-47FE-8E32-D55F06B50D2F}"/>
+              </a:ext>
+            </a:extLst>
+          </p:cNvPr>
+          <p:cNvSpPr>
+            <a:spLocks noGrp="1"/>
+          </p:cNvSpPr>
+          <p:nvPr>
+            <p:ph type="sldNum" sz="quarter" idx="12"/>
+          </p:nvPr>
+        </p:nvSpPr>
+        <p:spPr/>
+        <p:txBody>
+          <a:bodyPr/>
+          <a:lstStyle/>
+          <a:p>
+            <a:fld id="{1913962F-8FD5-44E8-BFBA-6E9B0BAD2192}" type="slidenum">
+              <a:rPr lang="ro-RO" smtClean="0"/>
+              <a:t>20</a:t>
+            </a:fld>
+            <a:endParaRPr lang="ro-RO"/>
+          </a:p>
+        </p:txBody>
+      </p:sp>
+    </p:spTree>
+    <p:extLst>
+      <p:ext uri="{BB962C8B-B14F-4D97-AF65-F5344CB8AC3E}">
+        <p14:creationId xmlns:p14="http://schemas.microsoft.com/office/powerpoint/2010/main" val="131514070"/>
       </p:ext>
     </p:extLst>
   </p:cSld>
@@ -7448,7 +9988,7 @@
           <a:p>
             <a:r>
               <a:rPr lang="ro-RO" dirty="0"/>
-              <a:t>Digitalizarea rapoartelor medicale este din ce în ce mai mare și asta oferă oportunitatea de a minimiza efectele adverse a noilor medicamente prin folosirea tehnicilor de procesare a limbajului natural și a algoritmilor de învățare automată</a:t>
+              <a:t>Digitalizarea rapoartelor medicale este în creștere și acest lucru oferă oportunitatea de a minimiza efectele adverse a noilor medicamente prin folosirea tehnicilor de procesare a limbajului natural și a algoritmilor de învățare automată</a:t>
             </a:r>
           </a:p>
           <a:p>
@@ -7531,13 +10071,13 @@
   <p:clrMapOvr>
     <a:masterClrMapping/>
   </p:clrMapOvr>
-  <mc:AlternateContent xmlns:mc="http://schemas.openxmlformats.org/markup-compatibility/2006">
-    <mc:Choice xmlns:p14="http://schemas.microsoft.com/office/powerpoint/2010/main" Requires="p14">
+  <mc:AlternateContent xmlns:mc="http://schemas.openxmlformats.org/markup-compatibility/2006" xmlns:p14="http://schemas.microsoft.com/office/powerpoint/2010/main">
+    <mc:Choice Requires="p14">
       <p:transition spd="med" p14:dur="700">
         <p:fade/>
       </p:transition>
     </mc:Choice>
-    <mc:Fallback>
+    <mc:Fallback xmlns="">
       <p:transition spd="med">
         <p:fade/>
       </p:transition>
@@ -7586,7 +10126,7 @@
           <a:p>
             <a:r>
               <a:rPr lang="ro-RO" dirty="0"/>
-              <a:t>Mulțimea de antrenare</a:t>
+              <a:t>Setul de antrenare</a:t>
             </a:r>
           </a:p>
         </p:txBody>
@@ -7619,13 +10159,7 @@
           <a:p>
             <a:r>
               <a:rPr lang="ro-RO" dirty="0"/>
-              <a:t>Pentru antrenarea modelului s-a folosit corpusul ADE</a:t>
-            </a:r>
-          </a:p>
-          <a:p>
-            <a:r>
-              <a:rPr lang="ro-RO" dirty="0"/>
-              <a:t>ADE este un corpus public care conține rapoarte medicale</a:t>
+              <a:t>Pentru antrenarea modelului s-a folosit corpusul ADE, un corpus public care conține rapoarte medicale</a:t>
             </a:r>
           </a:p>
           <a:p>
@@ -7635,6 +10169,7 @@
             </a:r>
           </a:p>
           <a:p>
+            <a:pPr lvl="1"/>
             <a:r>
               <a:rPr lang="ro-RO" dirty="0"/>
               <a:t>ADR = Adverse Drug </a:t>
@@ -7692,13 +10227,13 @@
   <p:clrMapOvr>
     <a:masterClrMapping/>
   </p:clrMapOvr>
-  <mc:AlternateContent xmlns:mc="http://schemas.openxmlformats.org/markup-compatibility/2006">
-    <mc:Choice xmlns:p14="http://schemas.microsoft.com/office/powerpoint/2010/main" Requires="p14">
+  <mc:AlternateContent xmlns:mc="http://schemas.openxmlformats.org/markup-compatibility/2006" xmlns:p14="http://schemas.microsoft.com/office/powerpoint/2010/main">
+    <mc:Choice Requires="p14">
       <p:transition spd="med" p14:dur="700">
         <p:fade/>
       </p:transition>
     </mc:Choice>
-    <mc:Fallback>
+    <mc:Fallback xmlns="">
       <p:transition spd="med">
         <p:fade/>
       </p:transition>
@@ -7909,13 +10444,13 @@
   <p:clrMapOvr>
     <a:masterClrMapping/>
   </p:clrMapOvr>
-  <mc:AlternateContent xmlns:mc="http://schemas.openxmlformats.org/markup-compatibility/2006">
-    <mc:Choice xmlns:p14="http://schemas.microsoft.com/office/powerpoint/2010/main" Requires="p14">
+  <mc:AlternateContent xmlns:mc="http://schemas.openxmlformats.org/markup-compatibility/2006" xmlns:p14="http://schemas.microsoft.com/office/powerpoint/2010/main">
+    <mc:Choice Requires="p14">
       <p:transition spd="med" p14:dur="700">
         <p:fade/>
       </p:transition>
     </mc:Choice>
-    <mc:Fallback>
+    <mc:Fallback xmlns="">
       <p:transition spd="med">
         <p:fade/>
       </p:transition>
@@ -7946,7 +10481,7 @@
           <p:cNvPr id="2" name="Title 1">
             <a:extLst>
               <a:ext uri="{FF2B5EF4-FFF2-40B4-BE49-F238E27FC236}">
-                <a16:creationId xmlns:a16="http://schemas.microsoft.com/office/drawing/2014/main" id="{76CC0DE8-F440-4C96-96BD-62ACBFBF01A3}"/>
+                <a16:creationId xmlns:a16="http://schemas.microsoft.com/office/drawing/2014/main" id="{23718140-852A-445D-8569-120BBE9D83E0}"/>
               </a:ext>
             </a:extLst>
           </p:cNvPr>
@@ -7957,116 +10492,534 @@
             <p:ph type="title"/>
           </p:nvPr>
         </p:nvSpPr>
-        <p:spPr/>
+        <p:spPr>
+          <a:xfrm>
+            <a:off x="302977" y="275432"/>
+            <a:ext cx="11586046" cy="1460500"/>
+          </a:xfrm>
+        </p:spPr>
         <p:txBody>
-          <a:bodyPr/>
+          <a:bodyPr>
+            <a:normAutofit fontScale="90000"/>
+          </a:bodyPr>
           <a:lstStyle/>
           <a:p>
             <a:r>
               <a:rPr lang="ro-RO" dirty="0"/>
-              <a:t>Extragerea atributelor</a:t>
-            </a:r>
+              <a:t>TF-IDF (</a:t>
+            </a:r>
+            <a:r>
+              <a:rPr lang="ro-RO" dirty="0" err="1"/>
+              <a:t>Term</a:t>
+            </a:r>
+            <a:r>
+              <a:rPr lang="ro-RO" dirty="0"/>
+              <a:t> </a:t>
+            </a:r>
+            <a:r>
+              <a:rPr lang="ro-RO" dirty="0" err="1"/>
+              <a:t>Frequency</a:t>
+            </a:r>
+            <a:r>
+              <a:rPr lang="ro-RO" dirty="0"/>
+              <a:t> – Invers Document </a:t>
+            </a:r>
+            <a:r>
+              <a:rPr lang="ro-RO" dirty="0" err="1"/>
+              <a:t>Frequency</a:t>
+            </a:r>
+            <a:r>
+              <a:rPr lang="ro-RO" dirty="0"/>
+              <a:t>)</a:t>
+            </a:r>
+            <a:br>
+              <a:rPr lang="ro-RO" dirty="0"/>
+            </a:br>
+            <a:endParaRPr lang="ro-RO" dirty="0"/>
           </a:p>
         </p:txBody>
       </p:sp>
-      <p:sp>
-        <p:nvSpPr>
-          <p:cNvPr id="3" name="Content Placeholder 2">
-            <a:extLst>
-              <a:ext uri="{FF2B5EF4-FFF2-40B4-BE49-F238E27FC236}">
-                <a16:creationId xmlns:a16="http://schemas.microsoft.com/office/drawing/2014/main" id="{DD0146A1-9D3C-4C0A-9733-BE8D9D5C1ECE}"/>
-              </a:ext>
-            </a:extLst>
-          </p:cNvPr>
-          <p:cNvSpPr>
-            <a:spLocks noGrp="1"/>
-          </p:cNvSpPr>
-          <p:nvPr>
-            <p:ph idx="1"/>
-          </p:nvPr>
-        </p:nvSpPr>
-        <p:spPr/>
-        <p:txBody>
-          <a:bodyPr/>
-          <a:lstStyle/>
-          <a:p>
-            <a:r>
-              <a:rPr lang="en-US" dirty="0"/>
-              <a:t>Uni-</a:t>
-            </a:r>
-            <a:r>
-              <a:rPr lang="en-US" dirty="0" err="1"/>
-              <a:t>grama</a:t>
-            </a:r>
-            <a:endParaRPr lang="en-US" dirty="0"/>
-          </a:p>
-          <a:p>
-            <a:r>
-              <a:rPr lang="en-US" dirty="0"/>
-              <a:t>Bi-</a:t>
-            </a:r>
-            <a:r>
-              <a:rPr lang="en-US" dirty="0" err="1"/>
-              <a:t>grama</a:t>
-            </a:r>
-            <a:endParaRPr lang="en-US" dirty="0"/>
-          </a:p>
-          <a:p>
-            <a:r>
-              <a:rPr lang="en-US" dirty="0"/>
-              <a:t>Tri-</a:t>
-            </a:r>
-            <a:r>
-              <a:rPr lang="en-US" dirty="0" err="1"/>
-              <a:t>grama</a:t>
-            </a:r>
-            <a:endParaRPr lang="en-US" dirty="0"/>
-          </a:p>
-          <a:p>
-            <a:r>
-              <a:rPr lang="ro-RO" dirty="0"/>
-              <a:t>Concepte și tipuri semantice</a:t>
-            </a:r>
-          </a:p>
-          <a:p>
-            <a:r>
-              <a:rPr lang="ro-RO" dirty="0"/>
-              <a:t>Expansiunea caracteristicilor folosind sinonime (</a:t>
-            </a:r>
-            <a:r>
-              <a:rPr lang="ro-RO" dirty="0" err="1"/>
-              <a:t>WordNet</a:t>
-            </a:r>
-            <a:r>
-              <a:rPr lang="ro-RO" dirty="0"/>
-              <a:t>)</a:t>
-            </a:r>
-          </a:p>
-          <a:p>
-            <a:r>
-              <a:rPr lang="ro-RO" dirty="0"/>
-              <a:t>Lungimea instanțelor în cuvinte</a:t>
-            </a:r>
-          </a:p>
-          <a:p>
-            <a:r>
-              <a:rPr lang="ro-RO" dirty="0"/>
-              <a:t>Prezența modalelor, superlativelor și comparativelor</a:t>
-            </a:r>
-            <a:r>
-              <a:rPr lang="en-US" dirty="0"/>
-              <a:t> </a:t>
-            </a:r>
-            <a:endParaRPr lang="ro-RO" dirty="0"/>
-          </a:p>
-        </p:txBody>
-      </p:sp>
+      <mc:AlternateContent xmlns:mc="http://schemas.openxmlformats.org/markup-compatibility/2006">
+        <mc:Choice xmlns:a14="http://schemas.microsoft.com/office/drawing/2010/main" Requires="a14">
+          <p:sp>
+            <p:nvSpPr>
+              <p:cNvPr id="3" name="Content Placeholder 2">
+                <a:extLst>
+                  <a:ext uri="{FF2B5EF4-FFF2-40B4-BE49-F238E27FC236}">
+                    <a16:creationId xmlns:a16="http://schemas.microsoft.com/office/drawing/2014/main" id="{305F0D2A-9FFD-481E-8FA9-B16A55219034}"/>
+                  </a:ext>
+                </a:extLst>
+              </p:cNvPr>
+              <p:cNvSpPr>
+                <a:spLocks noGrp="1"/>
+              </p:cNvSpPr>
+              <p:nvPr>
+                <p:ph idx="1"/>
+              </p:nvPr>
+            </p:nvSpPr>
+            <p:spPr/>
+            <p:txBody>
+              <a:bodyPr/>
+              <a:lstStyle/>
+              <a:p>
+                <a:r>
+                  <a:rPr lang="ro-RO" dirty="0" err="1"/>
+                  <a:t>Term</a:t>
+                </a:r>
+                <a:r>
+                  <a:rPr lang="ro-RO" dirty="0"/>
+                  <a:t> </a:t>
+                </a:r>
+                <a:r>
+                  <a:rPr lang="ro-RO" dirty="0" err="1"/>
+                  <a:t>Frequency</a:t>
+                </a:r>
+                <a:r>
+                  <a:rPr lang="ro-RO" dirty="0"/>
+                  <a:t> (TF)</a:t>
+                </a:r>
+              </a:p>
+              <a:p>
+                <a:pPr lvl="1"/>
+                <a:r>
+                  <a:rPr lang="ro-RO" dirty="0"/>
+                  <a:t> </a:t>
+                </a:r>
+                <a14:m>
+                  <m:oMath xmlns:m="http://schemas.openxmlformats.org/officeDocument/2006/math">
+                    <m:sSub>
+                      <m:sSubPr>
+                        <m:ctrlPr>
+                          <a:rPr lang="ro-RO" i="1"/>
+                        </m:ctrlPr>
+                      </m:sSubPr>
+                      <m:e>
+                        <m:r>
+                          <a:rPr lang="ro-RO" i="1"/>
+                          <m:t>𝑡𝑓</m:t>
+                        </m:r>
+                      </m:e>
+                      <m:sub>
+                        <m:r>
+                          <a:rPr lang="ro-RO" i="1"/>
+                          <m:t>𝑡</m:t>
+                        </m:r>
+                        <m:r>
+                          <a:rPr lang="ro-RO" i="1"/>
+                          <m:t>,</m:t>
+                        </m:r>
+                        <m:r>
+                          <a:rPr lang="ro-RO" i="1"/>
+                          <m:t>𝑑</m:t>
+                        </m:r>
+                      </m:sub>
+                    </m:sSub>
+                    <m:r>
+                      <a:rPr lang="ro-RO" i="1"/>
+                      <m:t>=</m:t>
+                    </m:r>
+                    <m:d>
+                      <m:dPr>
+                        <m:begChr m:val="{"/>
+                        <m:endChr m:val=""/>
+                        <m:ctrlPr>
+                          <a:rPr lang="ro-RO" i="1"/>
+                        </m:ctrlPr>
+                      </m:dPr>
+                      <m:e>
+                        <m:eqArr>
+                          <m:eqArrPr>
+                            <m:ctrlPr>
+                              <a:rPr lang="ro-RO" i="1"/>
+                            </m:ctrlPr>
+                          </m:eqArrPr>
+                          <m:e>
+                            <m:r>
+                              <a:rPr lang="ro-RO" i="1"/>
+                              <m:t>1+</m:t>
+                            </m:r>
+                            <m:sSub>
+                              <m:sSubPr>
+                                <m:ctrlPr>
+                                  <a:rPr lang="ro-RO" i="1"/>
+                                </m:ctrlPr>
+                              </m:sSubPr>
+                              <m:e>
+                                <m:r>
+                                  <a:rPr lang="ro-RO" i="1"/>
+                                  <m:t>𝑙𝑜𝑔</m:t>
+                                </m:r>
+                              </m:e>
+                              <m:sub>
+                                <m:r>
+                                  <a:rPr lang="ro-RO" i="1"/>
+                                  <m:t>10</m:t>
+                                </m:r>
+                              </m:sub>
+                            </m:sSub>
+                            <m:r>
+                              <a:rPr lang="ro-RO" i="1"/>
+                              <m:t> </m:t>
+                            </m:r>
+                            <m:r>
+                              <a:rPr lang="ro-RO" i="1"/>
+                              <m:t>𝑐𝑜𝑢𝑛𝑡</m:t>
+                            </m:r>
+                            <m:d>
+                              <m:dPr>
+                                <m:ctrlPr>
+                                  <a:rPr lang="ro-RO" i="1"/>
+                                </m:ctrlPr>
+                              </m:dPr>
+                              <m:e>
+                                <m:r>
+                                  <a:rPr lang="ro-RO" i="1"/>
+                                  <m:t>𝑡</m:t>
+                                </m:r>
+                                <m:r>
+                                  <a:rPr lang="ro-RO" i="1"/>
+                                  <m:t>,</m:t>
+                                </m:r>
+                                <m:r>
+                                  <a:rPr lang="ro-RO" i="1"/>
+                                  <m:t>𝑑</m:t>
+                                </m:r>
+                              </m:e>
+                            </m:d>
+                            <m:r>
+                              <a:rPr lang="ro-RO" i="1"/>
+                              <m:t>   , </m:t>
+                            </m:r>
+                            <m:r>
+                              <a:rPr lang="ro-RO" i="1"/>
+                              <m:t>𝑖𝑓</m:t>
+                            </m:r>
+                            <m:r>
+                              <a:rPr lang="ro-RO" i="1"/>
+                              <m:t> </m:t>
+                            </m:r>
+                            <m:r>
+                              <a:rPr lang="ro-RO" i="1"/>
+                              <m:t>𝑐𝑜𝑢𝑛𝑡</m:t>
+                            </m:r>
+                            <m:d>
+                              <m:dPr>
+                                <m:ctrlPr>
+                                  <a:rPr lang="ro-RO" i="1"/>
+                                </m:ctrlPr>
+                              </m:dPr>
+                              <m:e>
+                                <m:r>
+                                  <a:rPr lang="ro-RO" i="1"/>
+                                  <m:t>𝑡</m:t>
+                                </m:r>
+                                <m:r>
+                                  <a:rPr lang="ro-RO" i="1"/>
+                                  <m:t>,</m:t>
+                                </m:r>
+                                <m:r>
+                                  <a:rPr lang="ro-RO" i="1"/>
+                                  <m:t>𝑑</m:t>
+                                </m:r>
+                              </m:e>
+                            </m:d>
+                            <m:r>
+                              <a:rPr lang="ro-RO" i="1"/>
+                              <m:t>&gt;0</m:t>
+                            </m:r>
+                          </m:e>
+                          <m:e>
+                            <m:r>
+                              <a:rPr lang="ro-RO" i="1"/>
+                              <m:t>0                             , </m:t>
+                            </m:r>
+                            <m:r>
+                              <a:rPr lang="ro-RO" i="1"/>
+                              <m:t>𝑜𝑡h𝑒𝑟𝑤𝑖𝑠𝑒</m:t>
+                            </m:r>
+                            <m:r>
+                              <a:rPr lang="ro-RO" i="1"/>
+                              <m:t>  </m:t>
+                            </m:r>
+                          </m:e>
+                        </m:eqArr>
+                      </m:e>
+                    </m:d>
+                  </m:oMath>
+                </a14:m>
+                <a:endParaRPr lang="ro-RO" dirty="0"/>
+              </a:p>
+              <a:p>
+                <a:pPr lvl="1"/>
+                <a:endParaRPr lang="ro-RO" dirty="0"/>
+              </a:p>
+              <a:p>
+                <a:r>
+                  <a:rPr lang="ro-RO" dirty="0"/>
+                  <a:t>Invers </a:t>
+                </a:r>
+                <a:r>
+                  <a:rPr lang="ro-RO" dirty="0" err="1"/>
+                  <a:t>Term</a:t>
+                </a:r>
+                <a:r>
+                  <a:rPr lang="ro-RO" dirty="0"/>
+                  <a:t> </a:t>
+                </a:r>
+                <a:r>
+                  <a:rPr lang="ro-RO" dirty="0" err="1"/>
+                  <a:t>Frequncy</a:t>
+                </a:r>
+                <a:r>
+                  <a:rPr lang="ro-RO" dirty="0"/>
+                  <a:t> (TF-IDF)</a:t>
+                </a:r>
+              </a:p>
+              <a:p>
+                <a:pPr lvl="1"/>
+                <a14:m>
+                  <m:oMath xmlns:m="http://schemas.openxmlformats.org/officeDocument/2006/math">
+                    <m:sSub>
+                      <m:sSubPr>
+                        <m:ctrlPr>
+                          <a:rPr lang="ro-RO" i="1"/>
+                        </m:ctrlPr>
+                      </m:sSubPr>
+                      <m:e>
+                        <m:r>
+                          <a:rPr lang="ro-RO" i="1"/>
+                          <m:t>𝑖𝑑𝑓</m:t>
+                        </m:r>
+                      </m:e>
+                      <m:sub>
+                        <m:r>
+                          <a:rPr lang="ro-RO" i="1"/>
+                          <m:t>𝑡</m:t>
+                        </m:r>
+                      </m:sub>
+                    </m:sSub>
+                    <m:r>
+                      <a:rPr lang="ro-RO" i="1"/>
+                      <m:t>=</m:t>
+                    </m:r>
+                    <m:sSub>
+                      <m:sSubPr>
+                        <m:ctrlPr>
+                          <a:rPr lang="ro-RO" i="1"/>
+                        </m:ctrlPr>
+                      </m:sSubPr>
+                      <m:e>
+                        <m:r>
+                          <a:rPr lang="ro-RO" i="1"/>
+                          <m:t>𝑙𝑜𝑔</m:t>
+                        </m:r>
+                      </m:e>
+                      <m:sub>
+                        <m:r>
+                          <a:rPr lang="ro-RO" i="1"/>
+                          <m:t>10</m:t>
+                        </m:r>
+                      </m:sub>
+                    </m:sSub>
+                    <m:d>
+                      <m:dPr>
+                        <m:ctrlPr>
+                          <a:rPr lang="ro-RO" i="1"/>
+                        </m:ctrlPr>
+                      </m:dPr>
+                      <m:e>
+                        <m:f>
+                          <m:fPr>
+                            <m:ctrlPr>
+                              <a:rPr lang="ro-RO" i="1"/>
+                            </m:ctrlPr>
+                          </m:fPr>
+                          <m:num>
+                            <m:r>
+                              <a:rPr lang="ro-RO" i="1"/>
+                              <m:t>𝑁</m:t>
+                            </m:r>
+                          </m:num>
+                          <m:den>
+                            <m:sSub>
+                              <m:sSubPr>
+                                <m:ctrlPr>
+                                  <a:rPr lang="ro-RO" i="1"/>
+                                </m:ctrlPr>
+                              </m:sSubPr>
+                              <m:e>
+                                <m:r>
+                                  <a:rPr lang="ro-RO" i="1"/>
+                                  <m:t>𝑑𝑓</m:t>
+                                </m:r>
+                              </m:e>
+                              <m:sub>
+                                <m:r>
+                                  <a:rPr lang="ro-RO" i="1"/>
+                                  <m:t>𝑡</m:t>
+                                </m:r>
+                              </m:sub>
+                            </m:sSub>
+                          </m:den>
+                        </m:f>
+                      </m:e>
+                    </m:d>
+                  </m:oMath>
+                </a14:m>
+                <a:endParaRPr lang="ro-RO" dirty="0"/>
+              </a:p>
+              <a:p>
+                <a:pPr lvl="1"/>
+                <a:endParaRPr lang="ro-RO" dirty="0"/>
+              </a:p>
+              <a:p>
+                <a:r>
+                  <a:rPr lang="ro-RO" dirty="0"/>
+                  <a:t>TF-IDF</a:t>
+                </a:r>
+              </a:p>
+              <a:p>
+                <a:pPr lvl="1"/>
+                <a14:m>
+                  <m:oMath xmlns:m="http://schemas.openxmlformats.org/officeDocument/2006/math">
+                    <m:sSub>
+                      <m:sSubPr>
+                        <m:ctrlPr>
+                          <a:rPr lang="ro-RO" i="1"/>
+                        </m:ctrlPr>
+                      </m:sSubPr>
+                      <m:e>
+                        <m:r>
+                          <a:rPr lang="ro-RO" i="1"/>
+                          <m:t>𝑤</m:t>
+                        </m:r>
+                      </m:e>
+                      <m:sub>
+                        <m:r>
+                          <a:rPr lang="ro-RO" i="1"/>
+                          <m:t>𝑡</m:t>
+                        </m:r>
+                        <m:r>
+                          <a:rPr lang="ro-RO" i="1"/>
+                          <m:t>,</m:t>
+                        </m:r>
+                        <m:r>
+                          <a:rPr lang="ro-RO" i="1"/>
+                          <m:t>𝑑</m:t>
+                        </m:r>
+                      </m:sub>
+                    </m:sSub>
+                    <m:r>
+                      <a:rPr lang="ro-RO" i="1"/>
+                      <m:t>=</m:t>
+                    </m:r>
+                    <m:sSub>
+                      <m:sSubPr>
+                        <m:ctrlPr>
+                          <a:rPr lang="ro-RO" i="1"/>
+                        </m:ctrlPr>
+                      </m:sSubPr>
+                      <m:e>
+                        <m:r>
+                          <a:rPr lang="ro-RO" i="1"/>
+                          <m:t>𝑡𝑓</m:t>
+                        </m:r>
+                      </m:e>
+                      <m:sub>
+                        <m:r>
+                          <a:rPr lang="ro-RO" i="1"/>
+                          <m:t>𝑡</m:t>
+                        </m:r>
+                        <m:r>
+                          <a:rPr lang="ro-RO" i="1"/>
+                          <m:t>,</m:t>
+                        </m:r>
+                        <m:r>
+                          <a:rPr lang="ro-RO" i="1"/>
+                          <m:t>𝑑</m:t>
+                        </m:r>
+                      </m:sub>
+                    </m:sSub>
+                    <m:r>
+                      <a:rPr lang="ro-RO" i="1"/>
+                      <m:t>∗</m:t>
+                    </m:r>
+                    <m:sSub>
+                      <m:sSubPr>
+                        <m:ctrlPr>
+                          <a:rPr lang="ro-RO" i="1"/>
+                        </m:ctrlPr>
+                      </m:sSubPr>
+                      <m:e>
+                        <m:r>
+                          <a:rPr lang="ro-RO" i="1"/>
+                          <m:t>𝑖𝑑𝑓</m:t>
+                        </m:r>
+                      </m:e>
+                      <m:sub>
+                        <m:r>
+                          <a:rPr lang="ro-RO" i="1"/>
+                          <m:t>𝑡</m:t>
+                        </m:r>
+                      </m:sub>
+                    </m:sSub>
+                  </m:oMath>
+                </a14:m>
+                <a:endParaRPr lang="ro-RO" dirty="0"/>
+              </a:p>
+              <a:p>
+                <a:pPr lvl="1"/>
+                <a:endParaRPr lang="ro-RO" dirty="0"/>
+              </a:p>
+            </p:txBody>
+          </p:sp>
+        </mc:Choice>
+        <mc:Fallback>
+          <p:sp>
+            <p:nvSpPr>
+              <p:cNvPr id="3" name="Content Placeholder 2">
+                <a:extLst>
+                  <a:ext uri="{FF2B5EF4-FFF2-40B4-BE49-F238E27FC236}">
+                    <a16:creationId xmlns:a16="http://schemas.microsoft.com/office/drawing/2014/main" id="{305F0D2A-9FFD-481E-8FA9-B16A55219034}"/>
+                  </a:ext>
+                </a:extLst>
+              </p:cNvPr>
+              <p:cNvSpPr>
+                <a:spLocks noGrp="1" noRot="1" noChangeAspect="1" noMove="1" noResize="1" noEditPoints="1" noAdjustHandles="1" noChangeArrowheads="1" noChangeShapeType="1" noTextEdit="1"/>
+              </p:cNvSpPr>
+              <p:nvPr>
+                <p:ph idx="1"/>
+              </p:nvPr>
+            </p:nvSpPr>
+            <p:spPr>
+              <a:blipFill>
+                <a:blip r:embed="rId2"/>
+                <a:stretch>
+                  <a:fillRect l="-1043" t="-2241"/>
+                </a:stretch>
+              </a:blipFill>
+            </p:spPr>
+            <p:txBody>
+              <a:bodyPr/>
+              <a:lstStyle/>
+              <a:p>
+                <a:r>
+                  <a:rPr lang="ro-RO">
+                    <a:noFill/>
+                  </a:rPr>
+                  <a:t> </a:t>
+                </a:r>
+              </a:p>
+            </p:txBody>
+          </p:sp>
+        </mc:Fallback>
+      </mc:AlternateContent>
       <p:sp>
         <p:nvSpPr>
           <p:cNvPr id="4" name="Slide Number Placeholder 3">
             <a:extLst>
               <a:ext uri="{FF2B5EF4-FFF2-40B4-BE49-F238E27FC236}">
-                <a16:creationId xmlns:a16="http://schemas.microsoft.com/office/drawing/2014/main" id="{4402C169-8750-42BB-A734-38B46C89D327}"/>
+                <a16:creationId xmlns:a16="http://schemas.microsoft.com/office/drawing/2014/main" id="{E84F2BB8-7AE6-4B6B-AED0-B773AEACC2B5}"/>
               </a:ext>
             </a:extLst>
           </p:cNvPr>
@@ -8093,13 +11046,25 @@
     </p:spTree>
     <p:extLst>
       <p:ext uri="{BB962C8B-B14F-4D97-AF65-F5344CB8AC3E}">
-        <p14:creationId xmlns:p14="http://schemas.microsoft.com/office/powerpoint/2010/main" val="1210003967"/>
+        <p14:creationId xmlns:p14="http://schemas.microsoft.com/office/powerpoint/2010/main" val="3276749031"/>
       </p:ext>
     </p:extLst>
   </p:cSld>
   <p:clrMapOvr>
     <a:masterClrMapping/>
   </p:clrMapOvr>
+  <mc:AlternateContent xmlns:mc="http://schemas.openxmlformats.org/markup-compatibility/2006">
+    <mc:Choice xmlns:p14="http://schemas.microsoft.com/office/powerpoint/2010/main" Requires="p14">
+      <p:transition spd="med" p14:dur="700">
+        <p:fade/>
+      </p:transition>
+    </mc:Choice>
+    <mc:Fallback>
+      <p:transition spd="med">
+        <p:fade/>
+      </p:transition>
+    </mc:Fallback>
+  </mc:AlternateContent>
 </p:sld>
 </file>
 
@@ -8125,7 +11090,7 @@
           <p:cNvPr id="2" name="Title 1">
             <a:extLst>
               <a:ext uri="{FF2B5EF4-FFF2-40B4-BE49-F238E27FC236}">
-                <a16:creationId xmlns:a16="http://schemas.microsoft.com/office/drawing/2014/main" id="{0D23696F-E4D1-4AAF-8959-789974EE5771}"/>
+                <a16:creationId xmlns:a16="http://schemas.microsoft.com/office/drawing/2014/main" id="{76CC0DE8-F440-4C96-96BD-62ACBFBF01A3}"/>
               </a:ext>
             </a:extLst>
           </p:cNvPr>
@@ -8143,7 +11108,7 @@
           <a:p>
             <a:r>
               <a:rPr lang="ro-RO" dirty="0"/>
-              <a:t>Balansarea datelor</a:t>
+              <a:t>Extragerea atributelor</a:t>
             </a:r>
           </a:p>
         </p:txBody>
@@ -8153,7 +11118,7 @@
           <p:cNvPr id="3" name="Content Placeholder 2">
             <a:extLst>
               <a:ext uri="{FF2B5EF4-FFF2-40B4-BE49-F238E27FC236}">
-                <a16:creationId xmlns:a16="http://schemas.microsoft.com/office/drawing/2014/main" id="{7834F65C-A475-4FD2-AD00-EE4363845380}"/>
+                <a16:creationId xmlns:a16="http://schemas.microsoft.com/office/drawing/2014/main" id="{DD0146A1-9D3C-4C0A-9733-BE8D9D5C1ECE}"/>
               </a:ext>
             </a:extLst>
           </p:cNvPr>
@@ -8164,62 +11129,88 @@
             <p:ph idx="1"/>
           </p:nvPr>
         </p:nvSpPr>
-        <p:spPr>
-          <a:xfrm>
-            <a:off x="838200" y="1825624"/>
-            <a:ext cx="4008120" cy="4351655"/>
-          </a:xfrm>
-        </p:spPr>
+        <p:spPr/>
         <p:txBody>
           <a:bodyPr/>
           <a:lstStyle/>
           <a:p>
             <a:r>
+              <a:rPr lang="en-US" dirty="0"/>
+              <a:t>Uni-gram</a:t>
+            </a:r>
+            <a:r>
+              <a:rPr lang="ro-RO" dirty="0"/>
+              <a:t>e, </a:t>
+            </a:r>
+            <a:r>
+              <a:rPr lang="en-US" dirty="0"/>
+              <a:t>Bi-gram</a:t>
+            </a:r>
+            <a:r>
+              <a:rPr lang="ro-RO" dirty="0"/>
+              <a:t>e, </a:t>
+            </a:r>
+            <a:r>
+              <a:rPr lang="en-US" dirty="0"/>
+              <a:t>Tri-gram</a:t>
+            </a:r>
+            <a:r>
+              <a:rPr lang="ro-RO" dirty="0"/>
+              <a:t>e</a:t>
+            </a:r>
+            <a:endParaRPr lang="en-US" dirty="0"/>
+          </a:p>
+          <a:p>
+            <a:r>
+              <a:rPr lang="ro-RO" dirty="0"/>
+              <a:t>Concepte și tipuri semantice</a:t>
+            </a:r>
+          </a:p>
+          <a:p>
+            <a:pPr lvl="1"/>
+            <a:r>
               <a:rPr lang="ro-RO" dirty="0" err="1"/>
-              <a:t>Corposul</a:t>
-            </a:r>
+              <a:t>MetaMap</a:t>
+            </a:r>
+            <a:endParaRPr lang="ro-RO" dirty="0"/>
+          </a:p>
+          <a:p>
             <a:r>
               <a:rPr lang="ro-RO" dirty="0"/>
-              <a:t> folosit în lucrare are datele nebalansate (29% pozitiv și 71% negativ)</a:t>
-            </a:r>
+              <a:t>Expansiunea caracteristicilor folosind sinonime </a:t>
+            </a:r>
+          </a:p>
+          <a:p>
+            <a:pPr lvl="1"/>
+            <a:r>
+              <a:rPr lang="ro-RO" dirty="0" err="1"/>
+              <a:t>WordNet</a:t>
+            </a:r>
+            <a:endParaRPr lang="ro-RO" dirty="0"/>
           </a:p>
           <a:p>
             <a:r>
               <a:rPr lang="ro-RO" dirty="0"/>
-              <a:t>Pentru rezolvarea acestei probleme am folosit SMOTE (</a:t>
-            </a:r>
-            <a:r>
-              <a:rPr lang="ro-RO" dirty="0" err="1"/>
-              <a:t>Synthetic</a:t>
-            </a:r>
+              <a:t>Lungimea instanțelor</a:t>
+            </a:r>
+          </a:p>
+          <a:p>
+            <a:pPr lvl="1"/>
             <a:r>
               <a:rPr lang="ro-RO" dirty="0"/>
+              <a:t>Numărul de cuvinte din propoziție</a:t>
+            </a:r>
+          </a:p>
+          <a:p>
+            <a:r>
+              <a:rPr lang="ro-RO" dirty="0"/>
+              <a:t>Prezența modalelor, superlativelor și comparativelor</a:t>
+            </a:r>
+            <a:r>
+              <a:rPr lang="en-US" dirty="0"/>
               <a:t> </a:t>
             </a:r>
-            <a:r>
-              <a:rPr lang="ro-RO" dirty="0" err="1"/>
-              <a:t>Minority</a:t>
-            </a:r>
-            <a:r>
-              <a:rPr lang="ro-RO" dirty="0"/>
-              <a:t> Over-</a:t>
-            </a:r>
-            <a:r>
-              <a:rPr lang="ro-RO" dirty="0" err="1"/>
-              <a:t>sampling</a:t>
-            </a:r>
-            <a:r>
-              <a:rPr lang="ro-RO" dirty="0"/>
-              <a:t> </a:t>
-            </a:r>
-            <a:r>
-              <a:rPr lang="ro-RO" dirty="0" err="1"/>
-              <a:t>Technique</a:t>
-            </a:r>
-            <a:r>
-              <a:rPr lang="ro-RO" dirty="0"/>
-              <a:t>)</a:t>
-            </a:r>
+            <a:endParaRPr lang="ro-RO" dirty="0"/>
           </a:p>
         </p:txBody>
       </p:sp>
@@ -8228,7 +11219,7 @@
           <p:cNvPr id="4" name="Slide Number Placeholder 3">
             <a:extLst>
               <a:ext uri="{FF2B5EF4-FFF2-40B4-BE49-F238E27FC236}">
-                <a16:creationId xmlns:a16="http://schemas.microsoft.com/office/drawing/2014/main" id="{F6A44C6B-9A18-4E13-BD50-00CA5190F338}"/>
+                <a16:creationId xmlns:a16="http://schemas.microsoft.com/office/drawing/2014/main" id="{4402C169-8750-42BB-A734-38B46C89D327}"/>
               </a:ext>
             </a:extLst>
           </p:cNvPr>
@@ -8252,49 +11243,10 @@
           </a:p>
         </p:txBody>
       </p:sp>
-      <p:pic>
-        <p:nvPicPr>
-          <p:cNvPr id="5" name="Picture 4" descr="https://cdn-images-1.medium.com/max/1000/1*6UFpLFl59O9e3e38ffTXJQ.png">
-            <a:extLst>
-              <a:ext uri="{FF2B5EF4-FFF2-40B4-BE49-F238E27FC236}">
-                <a16:creationId xmlns:a16="http://schemas.microsoft.com/office/drawing/2014/main" id="{61DD07B7-F4E2-46A5-8B4D-EBE7668D56EF}"/>
-              </a:ext>
-            </a:extLst>
-          </p:cNvPr>
-          <p:cNvPicPr/>
-          <p:nvPr/>
-        </p:nvPicPr>
-        <p:blipFill>
-          <a:blip r:embed="rId2">
-            <a:extLst>
-              <a:ext uri="{28A0092B-C50C-407E-A947-70E740481C1C}">
-                <a14:useLocalDpi xmlns:a14="http://schemas.microsoft.com/office/drawing/2010/main" val="0"/>
-              </a:ext>
-            </a:extLst>
-          </a:blip>
-          <a:srcRect/>
-          <a:stretch>
-            <a:fillRect/>
-          </a:stretch>
-        </p:blipFill>
-        <p:spPr bwMode="auto">
-          <a:xfrm>
-            <a:off x="6883400" y="1213167"/>
-            <a:ext cx="3870960" cy="4431665"/>
-          </a:xfrm>
-          <a:prstGeom prst="rect">
-            <a:avLst/>
-          </a:prstGeom>
-          <a:noFill/>
-          <a:ln>
-            <a:noFill/>
-          </a:ln>
-        </p:spPr>
-      </p:pic>
     </p:spTree>
     <p:extLst>
       <p:ext uri="{BB962C8B-B14F-4D97-AF65-F5344CB8AC3E}">
-        <p14:creationId xmlns:p14="http://schemas.microsoft.com/office/powerpoint/2010/main" val="1546677738"/>
+        <p14:creationId xmlns:p14="http://schemas.microsoft.com/office/powerpoint/2010/main" val="1210003967"/>
       </p:ext>
     </p:extLst>
   </p:cSld>
@@ -8335,111 +11287,10 @@
       </p:grpSpPr>
       <p:sp>
         <p:nvSpPr>
-          <p:cNvPr id="2" name="Title 1">
+          <p:cNvPr id="4" name="Slide Number Placeholder 3">
             <a:extLst>
               <a:ext uri="{FF2B5EF4-FFF2-40B4-BE49-F238E27FC236}">
-                <a16:creationId xmlns:a16="http://schemas.microsoft.com/office/drawing/2014/main" id="{223A2A6B-2400-42AD-9A19-1C073D717EA6}"/>
-              </a:ext>
-            </a:extLst>
-          </p:cNvPr>
-          <p:cNvSpPr>
-            <a:spLocks noGrp="1"/>
-          </p:cNvSpPr>
-          <p:nvPr>
-            <p:ph type="title"/>
-          </p:nvPr>
-        </p:nvSpPr>
-        <p:spPr/>
-        <p:txBody>
-          <a:bodyPr/>
-          <a:lstStyle/>
-          <a:p>
-            <a:r>
-              <a:rPr lang="ro-RO" dirty="0"/>
-              <a:t>Metode de clasificare a datelor</a:t>
-            </a:r>
-          </a:p>
-        </p:txBody>
-      </p:sp>
-      <p:sp>
-        <p:nvSpPr>
-          <p:cNvPr id="3" name="Content Placeholder 2">
-            <a:extLst>
-              <a:ext uri="{FF2B5EF4-FFF2-40B4-BE49-F238E27FC236}">
-                <a16:creationId xmlns:a16="http://schemas.microsoft.com/office/drawing/2014/main" id="{46ACBC97-E2AD-413B-AE4F-F94FF144C157}"/>
-              </a:ext>
-            </a:extLst>
-          </p:cNvPr>
-          <p:cNvSpPr>
-            <a:spLocks noGrp="1"/>
-          </p:cNvSpPr>
-          <p:nvPr>
-            <p:ph idx="1"/>
-          </p:nvPr>
-        </p:nvSpPr>
-        <p:spPr>
-          <a:xfrm>
-            <a:off x="767080" y="2211705"/>
-            <a:ext cx="5257800" cy="3985895"/>
-          </a:xfrm>
-        </p:spPr>
-        <p:txBody>
-          <a:bodyPr/>
-          <a:lstStyle/>
-          <a:p>
-            <a:r>
-              <a:rPr lang="ro-RO" dirty="0" err="1"/>
-              <a:t>Bayes</a:t>
-            </a:r>
-            <a:r>
-              <a:rPr lang="ro-RO" dirty="0"/>
-              <a:t> Naiv</a:t>
-            </a:r>
-          </a:p>
-          <a:p>
-            <a:r>
-              <a:rPr lang="ro-RO" dirty="0"/>
-              <a:t>SVM (</a:t>
-            </a:r>
-            <a:r>
-              <a:rPr lang="ro-RO" dirty="0" err="1"/>
-              <a:t>Support</a:t>
-            </a:r>
-            <a:r>
-              <a:rPr lang="ro-RO" dirty="0"/>
-              <a:t> Vector </a:t>
-            </a:r>
-            <a:r>
-              <a:rPr lang="ro-RO" dirty="0" err="1"/>
-              <a:t>Machine</a:t>
-            </a:r>
-            <a:r>
-              <a:rPr lang="ro-RO" dirty="0"/>
-              <a:t>) cu </a:t>
-            </a:r>
-            <a:r>
-              <a:rPr lang="ro-RO" dirty="0" err="1"/>
-              <a:t>kernel</a:t>
-            </a:r>
-            <a:r>
-              <a:rPr lang="ro-RO" dirty="0"/>
-              <a:t> liniar </a:t>
-            </a:r>
-          </a:p>
-          <a:p>
-            <a:r>
-              <a:rPr lang="ro-RO" dirty="0"/>
-              <a:t>Rețele neuronale </a:t>
-            </a:r>
-          </a:p>
-        </p:txBody>
-      </p:sp>
-      <p:sp>
-        <p:nvSpPr>
-          <p:cNvPr id="4" name="Slide Number Placeholder 3">
-            <a:extLst>
-              <a:ext uri="{FF2B5EF4-FFF2-40B4-BE49-F238E27FC236}">
-                <a16:creationId xmlns:a16="http://schemas.microsoft.com/office/drawing/2014/main" id="{F3E15E6B-684F-4795-9134-D92DB441B355}"/>
+                <a16:creationId xmlns:a16="http://schemas.microsoft.com/office/drawing/2014/main" id="{DC7A1D8E-D87D-4F5B-921F-0CCE3D461161}"/>
               </a:ext>
             </a:extLst>
           </p:cNvPr>
@@ -8463,58 +11314,1768 @@
           </a:p>
         </p:txBody>
       </p:sp>
-      <p:pic>
-        <p:nvPicPr>
-          <p:cNvPr id="5" name="Picture 4">
+      <p:graphicFrame>
+        <p:nvGraphicFramePr>
+          <p:cNvPr id="6" name="Table 5">
             <a:extLst>
               <a:ext uri="{FF2B5EF4-FFF2-40B4-BE49-F238E27FC236}">
-                <a16:creationId xmlns:a16="http://schemas.microsoft.com/office/drawing/2014/main" id="{D4FA6C8B-DEA6-4BEC-A744-3EB0CFFB6F8F}"/>
+                <a16:creationId xmlns:a16="http://schemas.microsoft.com/office/drawing/2014/main" id="{BF949988-5965-4B73-B63C-74A729A0BCED}"/>
               </a:ext>
             </a:extLst>
           </p:cNvPr>
-          <p:cNvPicPr>
-            <a:picLocks noChangeAspect="1"/>
-          </p:cNvPicPr>
+          <p:cNvGraphicFramePr>
+            <a:graphicFrameLocks noGrp="1"/>
+          </p:cNvGraphicFramePr>
+          <p:nvPr>
+            <p:extLst>
+              <p:ext uri="{D42A27DB-BD31-4B8C-83A1-F6EECF244321}">
+                <p14:modId xmlns:p14="http://schemas.microsoft.com/office/powerpoint/2010/main" val="1107431478"/>
+              </p:ext>
+            </p:extLst>
+          </p:nvPr>
+        </p:nvGraphicFramePr>
+        <p:xfrm>
+          <a:off x="2405004" y="1416104"/>
+          <a:ext cx="8699214" cy="371602"/>
+        </p:xfrm>
+        <a:graphic>
+          <a:graphicData uri="http://schemas.openxmlformats.org/drawingml/2006/table">
+            <a:tbl>
+              <a:tblPr firstRow="1" firstCol="1" bandRow="1">
+                <a:tableStyleId>{BC89EF96-8CEA-46FF-86C4-4CE0E7609802}</a:tableStyleId>
+              </a:tblPr>
+              <a:tblGrid>
+                <a:gridCol w="2044369">
+                  <a:extLst>
+                    <a:ext uri="{9D8B030D-6E8A-4147-A177-3AD203B41FA5}">
+                      <a16:colId xmlns:a16="http://schemas.microsoft.com/office/drawing/2014/main" val="355538731"/>
+                    </a:ext>
+                  </a:extLst>
+                </a:gridCol>
+                <a:gridCol w="6654845">
+                  <a:extLst>
+                    <a:ext uri="{9D8B030D-6E8A-4147-A177-3AD203B41FA5}">
+                      <a16:colId xmlns:a16="http://schemas.microsoft.com/office/drawing/2014/main" val="2766995350"/>
+                    </a:ext>
+                  </a:extLst>
+                </a:gridCol>
+              </a:tblGrid>
+              <a:tr h="365125">
+                <a:tc>
+                  <a:txBody>
+                    <a:bodyPr/>
+                    <a:lstStyle/>
+                    <a:p>
+                      <a:pPr marL="0" marR="229870" indent="450850" algn="ctr">
+                        <a:lnSpc>
+                          <a:spcPct val="152000"/>
+                        </a:lnSpc>
+                        <a:spcBef>
+                          <a:spcPts val="0"/>
+                        </a:spcBef>
+                        <a:spcAft>
+                          <a:spcPts val="25"/>
+                        </a:spcAft>
+                      </a:pPr>
+                      <a:r>
+                        <a:rPr lang="ro-RO" sz="1800" b="1" i="0" dirty="0">
+                          <a:solidFill>
+                            <a:srgbClr val="000000"/>
+                          </a:solidFill>
+                          <a:effectLst/>
+                          <a:latin typeface="Times New Roman" panose="02020603050405020304" pitchFamily="18" charset="0"/>
+                          <a:ea typeface="Times New Roman" panose="02020603050405020304" pitchFamily="18" charset="0"/>
+                          <a:cs typeface="Times New Roman" panose="02020603050405020304" pitchFamily="18" charset="0"/>
+                        </a:rPr>
+                        <a:t>Input</a:t>
+                      </a:r>
+                    </a:p>
+                  </a:txBody>
+                  <a:tcPr marL="101034" marR="101034" marT="0" marB="0"/>
+                </a:tc>
+                <a:tc>
+                  <a:txBody>
+                    <a:bodyPr/>
+                    <a:lstStyle/>
+                    <a:p>
+                      <a:pPr marL="0" marR="229870" indent="450850" algn="ctr">
+                        <a:lnSpc>
+                          <a:spcPct val="152000"/>
+                        </a:lnSpc>
+                        <a:spcBef>
+                          <a:spcPts val="0"/>
+                        </a:spcBef>
+                        <a:spcAft>
+                          <a:spcPts val="25"/>
+                        </a:spcAft>
+                      </a:pPr>
+                      <a:r>
+                        <a:rPr lang="ro-RO" sz="1800" b="0" i="1" dirty="0" err="1">
+                          <a:effectLst/>
+                        </a:rPr>
+                        <a:t>Intravenous</a:t>
+                      </a:r>
+                      <a:r>
+                        <a:rPr lang="ro-RO" sz="1800" b="0" i="1" dirty="0">
+                          <a:effectLst/>
+                        </a:rPr>
+                        <a:t> </a:t>
+                      </a:r>
+                      <a:r>
+                        <a:rPr lang="ro-RO" sz="1800" b="0" i="1" dirty="0" err="1">
+                          <a:effectLst/>
+                        </a:rPr>
+                        <a:t>azithromycin-induced</a:t>
+                      </a:r>
+                      <a:r>
+                        <a:rPr lang="ro-RO" sz="1800" b="0" i="1" dirty="0">
+                          <a:effectLst/>
+                        </a:rPr>
+                        <a:t> </a:t>
+                      </a:r>
+                      <a:r>
+                        <a:rPr lang="ro-RO" sz="1800" b="0" i="1" dirty="0" err="1">
+                          <a:effectLst/>
+                        </a:rPr>
+                        <a:t>ototoxicity</a:t>
+                      </a:r>
+                      <a:r>
+                        <a:rPr lang="ro-RO" sz="1800" b="0" i="1" dirty="0">
+                          <a:effectLst/>
+                        </a:rPr>
+                        <a:t>.</a:t>
+                      </a:r>
+                      <a:endParaRPr lang="ro-RO" sz="1800" b="0" i="1" dirty="0">
+                        <a:solidFill>
+                          <a:srgbClr val="000000"/>
+                        </a:solidFill>
+                        <a:effectLst/>
+                        <a:latin typeface="Times New Roman" panose="02020603050405020304" pitchFamily="18" charset="0"/>
+                        <a:ea typeface="Times New Roman" panose="02020603050405020304" pitchFamily="18" charset="0"/>
+                        <a:cs typeface="Times New Roman" panose="02020603050405020304" pitchFamily="18" charset="0"/>
+                      </a:endParaRPr>
+                    </a:p>
+                  </a:txBody>
+                  <a:tcPr marL="101034" marR="101034" marT="0" marB="0"/>
+                </a:tc>
+                <a:extLst>
+                  <a:ext uri="{0D108BD9-81ED-4DB2-BD59-A6C34878D82A}">
+                    <a16:rowId xmlns:a16="http://schemas.microsoft.com/office/drawing/2014/main" val="391356970"/>
+                  </a:ext>
+                </a:extLst>
+              </a:tr>
+            </a:tbl>
+          </a:graphicData>
+        </a:graphic>
+      </p:graphicFrame>
+      <p:graphicFrame>
+        <p:nvGraphicFramePr>
+          <p:cNvPr id="7" name="Table 6">
+            <a:extLst>
+              <a:ext uri="{FF2B5EF4-FFF2-40B4-BE49-F238E27FC236}">
+                <a16:creationId xmlns:a16="http://schemas.microsoft.com/office/drawing/2014/main" id="{CE44AA71-BA72-4BEE-8610-4D3156AE7AE8}"/>
+              </a:ext>
+            </a:extLst>
+          </p:cNvPr>
+          <p:cNvGraphicFramePr>
+            <a:graphicFrameLocks noGrp="1"/>
+          </p:cNvGraphicFramePr>
+          <p:nvPr>
+            <p:extLst>
+              <p:ext uri="{D42A27DB-BD31-4B8C-83A1-F6EECF244321}">
+                <p14:modId xmlns:p14="http://schemas.microsoft.com/office/powerpoint/2010/main" val="54392751"/>
+              </p:ext>
+            </p:extLst>
+          </p:nvPr>
+        </p:nvGraphicFramePr>
+        <p:xfrm>
+          <a:off x="2377446" y="4005841"/>
+          <a:ext cx="8805828" cy="748539"/>
+        </p:xfrm>
+        <a:graphic>
+          <a:graphicData uri="http://schemas.openxmlformats.org/drawingml/2006/table">
+            <a:tbl>
+              <a:tblPr firstRow="1" firstCol="1" bandRow="1">
+                <a:tableStyleId>{BC89EF96-8CEA-46FF-86C4-4CE0E7609802}</a:tableStyleId>
+              </a:tblPr>
+              <a:tblGrid>
+                <a:gridCol w="1483962">
+                  <a:extLst>
+                    <a:ext uri="{9D8B030D-6E8A-4147-A177-3AD203B41FA5}">
+                      <a16:colId xmlns:a16="http://schemas.microsoft.com/office/drawing/2014/main" val="1247524475"/>
+                    </a:ext>
+                  </a:extLst>
+                </a:gridCol>
+                <a:gridCol w="1497078">
+                  <a:extLst>
+                    <a:ext uri="{9D8B030D-6E8A-4147-A177-3AD203B41FA5}">
+                      <a16:colId xmlns:a16="http://schemas.microsoft.com/office/drawing/2014/main" val="3549768828"/>
+                    </a:ext>
+                  </a:extLst>
+                </a:gridCol>
+                <a:gridCol w="1570533">
+                  <a:extLst>
+                    <a:ext uri="{9D8B030D-6E8A-4147-A177-3AD203B41FA5}">
+                      <a16:colId xmlns:a16="http://schemas.microsoft.com/office/drawing/2014/main" val="1028575177"/>
+                    </a:ext>
+                  </a:extLst>
+                </a:gridCol>
+                <a:gridCol w="1447234">
+                  <a:extLst>
+                    <a:ext uri="{9D8B030D-6E8A-4147-A177-3AD203B41FA5}">
+                      <a16:colId xmlns:a16="http://schemas.microsoft.com/office/drawing/2014/main" val="3816595558"/>
+                    </a:ext>
+                  </a:extLst>
+                </a:gridCol>
+                <a:gridCol w="1472593">
+                  <a:extLst>
+                    <a:ext uri="{9D8B030D-6E8A-4147-A177-3AD203B41FA5}">
+                      <a16:colId xmlns:a16="http://schemas.microsoft.com/office/drawing/2014/main" val="1325070334"/>
+                    </a:ext>
+                  </a:extLst>
+                </a:gridCol>
+                <a:gridCol w="1334428">
+                  <a:extLst>
+                    <a:ext uri="{9D8B030D-6E8A-4147-A177-3AD203B41FA5}">
+                      <a16:colId xmlns:a16="http://schemas.microsoft.com/office/drawing/2014/main" val="1008270816"/>
+                    </a:ext>
+                  </a:extLst>
+                </a:gridCol>
+              </a:tblGrid>
+              <a:tr h="748539">
+                <a:tc>
+                  <a:txBody>
+                    <a:bodyPr/>
+                    <a:lstStyle/>
+                    <a:p>
+                      <a:pPr marL="0" marR="229870" indent="0" algn="just">
+                        <a:lnSpc>
+                          <a:spcPct val="152000"/>
+                        </a:lnSpc>
+                        <a:spcBef>
+                          <a:spcPts val="0"/>
+                        </a:spcBef>
+                        <a:spcAft>
+                          <a:spcPts val="25"/>
+                        </a:spcAft>
+                      </a:pPr>
+                      <a:r>
+                        <a:rPr lang="ro-RO" sz="1700" dirty="0">
+                          <a:effectLst/>
+                        </a:rPr>
+                        <a:t>Tipuri </a:t>
+                      </a:r>
+                      <a:r>
+                        <a:rPr lang="ro-RO" sz="1700" dirty="0" err="1">
+                          <a:effectLst/>
+                        </a:rPr>
+                        <a:t>semantcie</a:t>
+                      </a:r>
+                      <a:endParaRPr lang="ro-RO" sz="1700" dirty="0">
+                        <a:solidFill>
+                          <a:srgbClr val="000000"/>
+                        </a:solidFill>
+                        <a:effectLst/>
+                        <a:latin typeface="Times New Roman" panose="02020603050405020304" pitchFamily="18" charset="0"/>
+                        <a:ea typeface="Times New Roman" panose="02020603050405020304" pitchFamily="18" charset="0"/>
+                        <a:cs typeface="Times New Roman" panose="02020603050405020304" pitchFamily="18" charset="0"/>
+                      </a:endParaRPr>
+                    </a:p>
+                  </a:txBody>
+                  <a:tcPr marL="94442" marR="94442" marT="0" marB="0"/>
+                </a:tc>
+                <a:tc>
+                  <a:txBody>
+                    <a:bodyPr/>
+                    <a:lstStyle/>
+                    <a:p>
+                      <a:pPr marL="0" marR="229870" indent="0" algn="just">
+                        <a:lnSpc>
+                          <a:spcPct val="152000"/>
+                        </a:lnSpc>
+                        <a:spcBef>
+                          <a:spcPts val="0"/>
+                        </a:spcBef>
+                        <a:spcAft>
+                          <a:spcPts val="25"/>
+                        </a:spcAft>
+                      </a:pPr>
+                      <a:r>
+                        <a:rPr lang="ro-RO" sz="1700" b="0" dirty="0">
+                          <a:effectLst/>
+                        </a:rPr>
+                        <a:t>Antibiotic</a:t>
+                      </a:r>
+                      <a:endParaRPr lang="ro-RO" sz="1700" b="0" dirty="0">
+                        <a:solidFill>
+                          <a:srgbClr val="000000"/>
+                        </a:solidFill>
+                        <a:effectLst/>
+                        <a:latin typeface="Times New Roman" panose="02020603050405020304" pitchFamily="18" charset="0"/>
+                        <a:ea typeface="Times New Roman" panose="02020603050405020304" pitchFamily="18" charset="0"/>
+                        <a:cs typeface="Times New Roman" panose="02020603050405020304" pitchFamily="18" charset="0"/>
+                      </a:endParaRPr>
+                    </a:p>
+                  </a:txBody>
+                  <a:tcPr marL="94442" marR="94442" marT="0" marB="0"/>
+                </a:tc>
+                <a:tc>
+                  <a:txBody>
+                    <a:bodyPr/>
+                    <a:lstStyle/>
+                    <a:p>
+                      <a:pPr marL="0" marR="229870" indent="0" algn="just">
+                        <a:lnSpc>
+                          <a:spcPct val="152000"/>
+                        </a:lnSpc>
+                        <a:spcBef>
+                          <a:spcPts val="0"/>
+                        </a:spcBef>
+                        <a:spcAft>
+                          <a:spcPts val="25"/>
+                        </a:spcAft>
+                      </a:pPr>
+                      <a:r>
+                        <a:rPr lang="ro-RO" sz="1700" b="0" dirty="0" err="1">
+                          <a:effectLst/>
+                        </a:rPr>
+                        <a:t>Functional</a:t>
+                      </a:r>
+                      <a:r>
+                        <a:rPr lang="ro-RO" sz="1700" b="0" dirty="0">
+                          <a:effectLst/>
+                        </a:rPr>
+                        <a:t> Concept</a:t>
+                      </a:r>
+                      <a:endParaRPr lang="ro-RO" sz="1700" b="0" dirty="0">
+                        <a:solidFill>
+                          <a:srgbClr val="000000"/>
+                        </a:solidFill>
+                        <a:effectLst/>
+                        <a:latin typeface="Times New Roman" panose="02020603050405020304" pitchFamily="18" charset="0"/>
+                        <a:ea typeface="Times New Roman" panose="02020603050405020304" pitchFamily="18" charset="0"/>
+                        <a:cs typeface="Times New Roman" panose="02020603050405020304" pitchFamily="18" charset="0"/>
+                      </a:endParaRPr>
+                    </a:p>
+                  </a:txBody>
+                  <a:tcPr marL="94442" marR="94442" marT="0" marB="0"/>
+                </a:tc>
+                <a:tc>
+                  <a:txBody>
+                    <a:bodyPr/>
+                    <a:lstStyle/>
+                    <a:p>
+                      <a:pPr marL="0" marR="229870" indent="0" algn="just">
+                        <a:lnSpc>
+                          <a:spcPct val="152000"/>
+                        </a:lnSpc>
+                        <a:spcBef>
+                          <a:spcPts val="0"/>
+                        </a:spcBef>
+                        <a:spcAft>
+                          <a:spcPts val="25"/>
+                        </a:spcAft>
+                      </a:pPr>
+                      <a:r>
+                        <a:rPr lang="ro-RO" sz="1700" b="0" dirty="0">
+                          <a:effectLst/>
+                        </a:rPr>
+                        <a:t>Organic </a:t>
+                      </a:r>
+                      <a:r>
+                        <a:rPr lang="ro-RO" sz="1700" b="0" dirty="0" err="1">
+                          <a:effectLst/>
+                        </a:rPr>
+                        <a:t>Chemical</a:t>
+                      </a:r>
+                      <a:endParaRPr lang="ro-RO" sz="1700" b="0" dirty="0">
+                        <a:solidFill>
+                          <a:srgbClr val="000000"/>
+                        </a:solidFill>
+                        <a:effectLst/>
+                        <a:latin typeface="Times New Roman" panose="02020603050405020304" pitchFamily="18" charset="0"/>
+                        <a:ea typeface="Times New Roman" panose="02020603050405020304" pitchFamily="18" charset="0"/>
+                        <a:cs typeface="Times New Roman" panose="02020603050405020304" pitchFamily="18" charset="0"/>
+                      </a:endParaRPr>
+                    </a:p>
+                  </a:txBody>
+                  <a:tcPr marL="94442" marR="94442" marT="0" marB="0"/>
+                </a:tc>
+                <a:tc>
+                  <a:txBody>
+                    <a:bodyPr/>
+                    <a:lstStyle/>
+                    <a:p>
+                      <a:pPr marL="0" marR="229870" indent="0" algn="just">
+                        <a:lnSpc>
+                          <a:spcPct val="152000"/>
+                        </a:lnSpc>
+                        <a:spcBef>
+                          <a:spcPts val="0"/>
+                        </a:spcBef>
+                        <a:spcAft>
+                          <a:spcPts val="25"/>
+                        </a:spcAft>
+                      </a:pPr>
+                      <a:r>
+                        <a:rPr lang="ro-RO" sz="1700" b="0" dirty="0" err="1">
+                          <a:effectLst/>
+                        </a:rPr>
+                        <a:t>Injury</a:t>
+                      </a:r>
+                      <a:r>
+                        <a:rPr lang="ro-RO" sz="1700" b="0" dirty="0">
+                          <a:effectLst/>
+                        </a:rPr>
+                        <a:t> or </a:t>
+                      </a:r>
+                      <a:r>
+                        <a:rPr lang="ro-RO" sz="1700" b="0" dirty="0" err="1">
+                          <a:effectLst/>
+                        </a:rPr>
+                        <a:t>Poisoning</a:t>
+                      </a:r>
+                      <a:endParaRPr lang="ro-RO" sz="1700" b="0" dirty="0">
+                        <a:solidFill>
+                          <a:srgbClr val="000000"/>
+                        </a:solidFill>
+                        <a:effectLst/>
+                        <a:latin typeface="Times New Roman" panose="02020603050405020304" pitchFamily="18" charset="0"/>
+                        <a:ea typeface="Times New Roman" panose="02020603050405020304" pitchFamily="18" charset="0"/>
+                        <a:cs typeface="Times New Roman" panose="02020603050405020304" pitchFamily="18" charset="0"/>
+                      </a:endParaRPr>
+                    </a:p>
+                  </a:txBody>
+                  <a:tcPr marL="94442" marR="94442" marT="0" marB="0"/>
+                </a:tc>
+                <a:tc>
+                  <a:txBody>
+                    <a:bodyPr/>
+                    <a:lstStyle/>
+                    <a:p>
+                      <a:pPr marL="0" marR="229870" indent="0" algn="just">
+                        <a:lnSpc>
+                          <a:spcPct val="152000"/>
+                        </a:lnSpc>
+                        <a:spcBef>
+                          <a:spcPts val="0"/>
+                        </a:spcBef>
+                        <a:spcAft>
+                          <a:spcPts val="25"/>
+                        </a:spcAft>
+                      </a:pPr>
+                      <a:r>
+                        <a:rPr lang="ro-RO" sz="1700" b="0" dirty="0" err="1">
+                          <a:effectLst/>
+                        </a:rPr>
+                        <a:t>Spatial</a:t>
+                      </a:r>
+                      <a:r>
+                        <a:rPr lang="ro-RO" sz="1700" b="0" dirty="0">
+                          <a:effectLst/>
+                        </a:rPr>
+                        <a:t> Concept</a:t>
+                      </a:r>
+                      <a:endParaRPr lang="ro-RO" sz="1700" b="0" dirty="0">
+                        <a:solidFill>
+                          <a:srgbClr val="000000"/>
+                        </a:solidFill>
+                        <a:effectLst/>
+                        <a:latin typeface="Times New Roman" panose="02020603050405020304" pitchFamily="18" charset="0"/>
+                        <a:ea typeface="Times New Roman" panose="02020603050405020304" pitchFamily="18" charset="0"/>
+                        <a:cs typeface="Times New Roman" panose="02020603050405020304" pitchFamily="18" charset="0"/>
+                      </a:endParaRPr>
+                    </a:p>
+                  </a:txBody>
+                  <a:tcPr marL="94442" marR="94442" marT="0" marB="0"/>
+                </a:tc>
+                <a:extLst>
+                  <a:ext uri="{0D108BD9-81ED-4DB2-BD59-A6C34878D82A}">
+                    <a16:rowId xmlns:a16="http://schemas.microsoft.com/office/drawing/2014/main" val="1625125257"/>
+                  </a:ext>
+                </a:extLst>
+              </a:tr>
+            </a:tbl>
+          </a:graphicData>
+        </a:graphic>
+      </p:graphicFrame>
+      <p:sp>
+        <p:nvSpPr>
+          <p:cNvPr id="16" name="Arrow: Down 15">
+            <a:extLst>
+              <a:ext uri="{FF2B5EF4-FFF2-40B4-BE49-F238E27FC236}">
+                <a16:creationId xmlns:a16="http://schemas.microsoft.com/office/drawing/2014/main" id="{EC802E04-F834-484E-9EAF-E79986CE6C27}"/>
+              </a:ext>
+            </a:extLst>
+          </p:cNvPr>
+          <p:cNvSpPr/>
           <p:nvPr/>
-        </p:nvPicPr>
-        <p:blipFill>
-          <a:blip r:embed="rId2"/>
-          <a:stretch>
-            <a:fillRect/>
-          </a:stretch>
-        </p:blipFill>
+        </p:nvSpPr>
         <p:spPr>
           <a:xfrm>
-            <a:off x="6600825" y="1690688"/>
-            <a:ext cx="4019550" cy="3476625"/>
+            <a:off x="6673272" y="1787706"/>
+            <a:ext cx="322331" cy="552234"/>
+          </a:xfrm>
+          <a:prstGeom prst="downArrow">
+            <a:avLst>
+              <a:gd name="adj1" fmla="val 23626"/>
+              <a:gd name="adj2" fmla="val 36813"/>
+            </a:avLst>
+          </a:prstGeom>
+          <a:solidFill>
+            <a:schemeClr val="accent5">
+              <a:lumMod val="20000"/>
+              <a:lumOff val="80000"/>
+            </a:schemeClr>
+          </a:solidFill>
+        </p:spPr>
+        <p:style>
+          <a:lnRef idx="2">
+            <a:schemeClr val="accent1">
+              <a:shade val="50000"/>
+            </a:schemeClr>
+          </a:lnRef>
+          <a:fillRef idx="1">
+            <a:schemeClr val="accent1"/>
+          </a:fillRef>
+          <a:effectRef idx="0">
+            <a:schemeClr val="accent1"/>
+          </a:effectRef>
+          <a:fontRef idx="minor">
+            <a:schemeClr val="lt1"/>
+          </a:fontRef>
+        </p:style>
+        <p:txBody>
+          <a:bodyPr rtlCol="0" anchor="ctr"/>
+          <a:lstStyle/>
+          <a:p>
+            <a:pPr algn="ctr"/>
+            <a:endParaRPr lang="ro-RO"/>
+          </a:p>
+        </p:txBody>
+      </p:sp>
+      <p:graphicFrame>
+        <p:nvGraphicFramePr>
+          <p:cNvPr id="17" name="Table 16">
+            <a:extLst>
+              <a:ext uri="{FF2B5EF4-FFF2-40B4-BE49-F238E27FC236}">
+                <a16:creationId xmlns:a16="http://schemas.microsoft.com/office/drawing/2014/main" id="{5FD8D320-3813-4763-84D9-B1F8C5D1DF86}"/>
+              </a:ext>
+            </a:extLst>
+          </p:cNvPr>
+          <p:cNvGraphicFramePr>
+            <a:graphicFrameLocks noGrp="1"/>
+          </p:cNvGraphicFramePr>
+          <p:nvPr>
+            <p:extLst>
+              <p:ext uri="{D42A27DB-BD31-4B8C-83A1-F6EECF244321}">
+                <p14:modId xmlns:p14="http://schemas.microsoft.com/office/powerpoint/2010/main" val="1241667556"/>
+              </p:ext>
+            </p:extLst>
+          </p:nvPr>
+        </p:nvGraphicFramePr>
+        <p:xfrm>
+          <a:off x="2405004" y="2352243"/>
+          <a:ext cx="8805829" cy="1076757"/>
+        </p:xfrm>
+        <a:graphic>
+          <a:graphicData uri="http://schemas.openxmlformats.org/drawingml/2006/table">
+            <a:tbl>
+              <a:tblPr firstRow="1" firstCol="1" bandRow="1">
+                <a:tableStyleId>{BC89EF96-8CEA-46FF-86C4-4CE0E7609802}</a:tableStyleId>
+              </a:tblPr>
+              <a:tblGrid>
+                <a:gridCol w="2112943">
+                  <a:extLst>
+                    <a:ext uri="{9D8B030D-6E8A-4147-A177-3AD203B41FA5}">
+                      <a16:colId xmlns:a16="http://schemas.microsoft.com/office/drawing/2014/main" val="1357361951"/>
+                    </a:ext>
+                  </a:extLst>
+                </a:gridCol>
+                <a:gridCol w="1486334">
+                  <a:extLst>
+                    <a:ext uri="{9D8B030D-6E8A-4147-A177-3AD203B41FA5}">
+                      <a16:colId xmlns:a16="http://schemas.microsoft.com/office/drawing/2014/main" val="608458360"/>
+                    </a:ext>
+                  </a:extLst>
+                </a:gridCol>
+                <a:gridCol w="1383798">
+                  <a:extLst>
+                    <a:ext uri="{9D8B030D-6E8A-4147-A177-3AD203B41FA5}">
+                      <a16:colId xmlns:a16="http://schemas.microsoft.com/office/drawing/2014/main" val="3160865258"/>
+                    </a:ext>
+                  </a:extLst>
+                </a:gridCol>
+                <a:gridCol w="1383798">
+                  <a:extLst>
+                    <a:ext uri="{9D8B030D-6E8A-4147-A177-3AD203B41FA5}">
+                      <a16:colId xmlns:a16="http://schemas.microsoft.com/office/drawing/2014/main" val="3650221065"/>
+                    </a:ext>
+                  </a:extLst>
+                </a:gridCol>
+                <a:gridCol w="1383798">
+                  <a:extLst>
+                    <a:ext uri="{9D8B030D-6E8A-4147-A177-3AD203B41FA5}">
+                      <a16:colId xmlns:a16="http://schemas.microsoft.com/office/drawing/2014/main" val="2295712027"/>
+                    </a:ext>
+                  </a:extLst>
+                </a:gridCol>
+                <a:gridCol w="1055158">
+                  <a:extLst>
+                    <a:ext uri="{9D8B030D-6E8A-4147-A177-3AD203B41FA5}">
+                      <a16:colId xmlns:a16="http://schemas.microsoft.com/office/drawing/2014/main" val="3046328101"/>
+                    </a:ext>
+                  </a:extLst>
+                </a:gridCol>
+              </a:tblGrid>
+              <a:tr h="358919">
+                <a:tc>
+                  <a:txBody>
+                    <a:bodyPr/>
+                    <a:lstStyle/>
+                    <a:p>
+                      <a:pPr marL="0" marR="229870" indent="0" algn="just">
+                        <a:lnSpc>
+                          <a:spcPct val="152000"/>
+                        </a:lnSpc>
+                        <a:spcBef>
+                          <a:spcPts val="0"/>
+                        </a:spcBef>
+                        <a:spcAft>
+                          <a:spcPts val="0"/>
+                        </a:spcAft>
+                      </a:pPr>
+                      <a:r>
+                        <a:rPr lang="ro-RO" sz="1700">
+                          <a:effectLst/>
+                        </a:rPr>
+                        <a:t>Tipuri semantice</a:t>
+                      </a:r>
+                      <a:endParaRPr lang="ro-RO" sz="1700">
+                        <a:solidFill>
+                          <a:srgbClr val="000000"/>
+                        </a:solidFill>
+                        <a:effectLst/>
+                        <a:latin typeface="Times New Roman" panose="02020603050405020304" pitchFamily="18" charset="0"/>
+                        <a:ea typeface="Times New Roman" panose="02020603050405020304" pitchFamily="18" charset="0"/>
+                        <a:cs typeface="Times New Roman" panose="02020603050405020304" pitchFamily="18" charset="0"/>
+                      </a:endParaRPr>
+                    </a:p>
+                  </a:txBody>
+                  <a:tcPr marL="97336" marR="97336" marT="0" marB="0"/>
+                </a:tc>
+                <a:tc>
+                  <a:txBody>
+                    <a:bodyPr/>
+                    <a:lstStyle/>
+                    <a:p>
+                      <a:pPr marL="0" marR="229870" indent="0" algn="just">
+                        <a:lnSpc>
+                          <a:spcPct val="152000"/>
+                        </a:lnSpc>
+                        <a:spcBef>
+                          <a:spcPts val="0"/>
+                        </a:spcBef>
+                        <a:spcAft>
+                          <a:spcPts val="0"/>
+                        </a:spcAft>
+                      </a:pPr>
+                      <a:r>
+                        <a:rPr lang="ro-RO" sz="1700" b="0" dirty="0" err="1">
+                          <a:effectLst/>
+                        </a:rPr>
+                        <a:t>antb</a:t>
+                      </a:r>
+                      <a:endParaRPr lang="ro-RO" sz="1700" b="0" dirty="0">
+                        <a:solidFill>
+                          <a:srgbClr val="000000"/>
+                        </a:solidFill>
+                        <a:effectLst/>
+                        <a:latin typeface="Times New Roman" panose="02020603050405020304" pitchFamily="18" charset="0"/>
+                        <a:ea typeface="Times New Roman" panose="02020603050405020304" pitchFamily="18" charset="0"/>
+                        <a:cs typeface="Times New Roman" panose="02020603050405020304" pitchFamily="18" charset="0"/>
+                      </a:endParaRPr>
+                    </a:p>
+                  </a:txBody>
+                  <a:tcPr marL="97336" marR="97336" marT="0" marB="0"/>
+                </a:tc>
+                <a:tc>
+                  <a:txBody>
+                    <a:bodyPr/>
+                    <a:lstStyle/>
+                    <a:p>
+                      <a:pPr marL="0" marR="229870" indent="0" algn="just">
+                        <a:lnSpc>
+                          <a:spcPct val="152000"/>
+                        </a:lnSpc>
+                        <a:spcBef>
+                          <a:spcPts val="0"/>
+                        </a:spcBef>
+                        <a:spcAft>
+                          <a:spcPts val="0"/>
+                        </a:spcAft>
+                      </a:pPr>
+                      <a:r>
+                        <a:rPr lang="ro-RO" sz="1700" b="0" dirty="0" err="1">
+                          <a:effectLst/>
+                        </a:rPr>
+                        <a:t>ftcn</a:t>
+                      </a:r>
+                      <a:endParaRPr lang="ro-RO" sz="1700" b="0" dirty="0">
+                        <a:solidFill>
+                          <a:srgbClr val="000000"/>
+                        </a:solidFill>
+                        <a:effectLst/>
+                        <a:latin typeface="Times New Roman" panose="02020603050405020304" pitchFamily="18" charset="0"/>
+                        <a:ea typeface="Times New Roman" panose="02020603050405020304" pitchFamily="18" charset="0"/>
+                        <a:cs typeface="Times New Roman" panose="02020603050405020304" pitchFamily="18" charset="0"/>
+                      </a:endParaRPr>
+                    </a:p>
+                  </a:txBody>
+                  <a:tcPr marL="97336" marR="97336" marT="0" marB="0"/>
+                </a:tc>
+                <a:tc>
+                  <a:txBody>
+                    <a:bodyPr/>
+                    <a:lstStyle/>
+                    <a:p>
+                      <a:pPr marL="0" marR="229870" indent="0" algn="just">
+                        <a:lnSpc>
+                          <a:spcPct val="152000"/>
+                        </a:lnSpc>
+                        <a:spcBef>
+                          <a:spcPts val="0"/>
+                        </a:spcBef>
+                        <a:spcAft>
+                          <a:spcPts val="0"/>
+                        </a:spcAft>
+                      </a:pPr>
+                      <a:r>
+                        <a:rPr lang="ro-RO" sz="1700" b="0" dirty="0" err="1">
+                          <a:effectLst/>
+                        </a:rPr>
+                        <a:t>orch</a:t>
+                      </a:r>
+                      <a:endParaRPr lang="ro-RO" sz="1700" b="0" dirty="0">
+                        <a:solidFill>
+                          <a:srgbClr val="000000"/>
+                        </a:solidFill>
+                        <a:effectLst/>
+                        <a:latin typeface="Times New Roman" panose="02020603050405020304" pitchFamily="18" charset="0"/>
+                        <a:ea typeface="Times New Roman" panose="02020603050405020304" pitchFamily="18" charset="0"/>
+                        <a:cs typeface="Times New Roman" panose="02020603050405020304" pitchFamily="18" charset="0"/>
+                      </a:endParaRPr>
+                    </a:p>
+                  </a:txBody>
+                  <a:tcPr marL="97336" marR="97336" marT="0" marB="0"/>
+                </a:tc>
+                <a:tc>
+                  <a:txBody>
+                    <a:bodyPr/>
+                    <a:lstStyle/>
+                    <a:p>
+                      <a:pPr marL="0" marR="229870" indent="0" algn="just">
+                        <a:lnSpc>
+                          <a:spcPct val="152000"/>
+                        </a:lnSpc>
+                        <a:spcBef>
+                          <a:spcPts val="0"/>
+                        </a:spcBef>
+                        <a:spcAft>
+                          <a:spcPts val="0"/>
+                        </a:spcAft>
+                      </a:pPr>
+                      <a:r>
+                        <a:rPr lang="ro-RO" sz="1700" b="0" dirty="0" err="1">
+                          <a:effectLst/>
+                        </a:rPr>
+                        <a:t>inpo</a:t>
+                      </a:r>
+                      <a:endParaRPr lang="ro-RO" sz="1700" b="0" dirty="0">
+                        <a:solidFill>
+                          <a:srgbClr val="000000"/>
+                        </a:solidFill>
+                        <a:effectLst/>
+                        <a:latin typeface="Times New Roman" panose="02020603050405020304" pitchFamily="18" charset="0"/>
+                        <a:ea typeface="Times New Roman" panose="02020603050405020304" pitchFamily="18" charset="0"/>
+                        <a:cs typeface="Times New Roman" panose="02020603050405020304" pitchFamily="18" charset="0"/>
+                      </a:endParaRPr>
+                    </a:p>
+                  </a:txBody>
+                  <a:tcPr marL="97336" marR="97336" marT="0" marB="0"/>
+                </a:tc>
+                <a:tc>
+                  <a:txBody>
+                    <a:bodyPr/>
+                    <a:lstStyle/>
+                    <a:p>
+                      <a:pPr marL="0" marR="229870" indent="0" algn="just">
+                        <a:lnSpc>
+                          <a:spcPct val="152000"/>
+                        </a:lnSpc>
+                        <a:spcBef>
+                          <a:spcPts val="0"/>
+                        </a:spcBef>
+                        <a:spcAft>
+                          <a:spcPts val="25"/>
+                        </a:spcAft>
+                      </a:pPr>
+                      <a:r>
+                        <a:rPr lang="ro-RO" sz="1700" b="0" dirty="0" err="1">
+                          <a:effectLst/>
+                        </a:rPr>
+                        <a:t>spco</a:t>
+                      </a:r>
+                      <a:endParaRPr lang="ro-RO" sz="1700" b="0" dirty="0">
+                        <a:solidFill>
+                          <a:srgbClr val="000000"/>
+                        </a:solidFill>
+                        <a:effectLst/>
+                        <a:latin typeface="Times New Roman" panose="02020603050405020304" pitchFamily="18" charset="0"/>
+                        <a:ea typeface="Times New Roman" panose="02020603050405020304" pitchFamily="18" charset="0"/>
+                        <a:cs typeface="Times New Roman" panose="02020603050405020304" pitchFamily="18" charset="0"/>
+                      </a:endParaRPr>
+                    </a:p>
+                  </a:txBody>
+                  <a:tcPr marL="97336" marR="97336" marT="0" marB="0"/>
+                </a:tc>
+                <a:extLst>
+                  <a:ext uri="{0D108BD9-81ED-4DB2-BD59-A6C34878D82A}">
+                    <a16:rowId xmlns:a16="http://schemas.microsoft.com/office/drawing/2014/main" val="4236784005"/>
+                  </a:ext>
+                </a:extLst>
+              </a:tr>
+              <a:tr h="358919">
+                <a:tc>
+                  <a:txBody>
+                    <a:bodyPr/>
+                    <a:lstStyle/>
+                    <a:p>
+                      <a:pPr marL="0" marR="229870" indent="0" algn="just">
+                        <a:lnSpc>
+                          <a:spcPct val="152000"/>
+                        </a:lnSpc>
+                        <a:spcBef>
+                          <a:spcPts val="0"/>
+                        </a:spcBef>
+                        <a:spcAft>
+                          <a:spcPts val="0"/>
+                        </a:spcAft>
+                      </a:pPr>
+                      <a:r>
+                        <a:rPr lang="ro-RO" sz="1700" dirty="0">
+                          <a:effectLst/>
+                        </a:rPr>
+                        <a:t> </a:t>
+                      </a:r>
+                      <a:endParaRPr lang="ro-RO" sz="1700" dirty="0">
+                        <a:solidFill>
+                          <a:srgbClr val="000000"/>
+                        </a:solidFill>
+                        <a:effectLst/>
+                        <a:latin typeface="Times New Roman" panose="02020603050405020304" pitchFamily="18" charset="0"/>
+                        <a:ea typeface="Times New Roman" panose="02020603050405020304" pitchFamily="18" charset="0"/>
+                        <a:cs typeface="Times New Roman" panose="02020603050405020304" pitchFamily="18" charset="0"/>
+                      </a:endParaRPr>
+                    </a:p>
+                  </a:txBody>
+                  <a:tcPr marL="97336" marR="97336" marT="0" marB="0"/>
+                </a:tc>
+                <a:tc>
+                  <a:txBody>
+                    <a:bodyPr/>
+                    <a:lstStyle/>
+                    <a:p>
+                      <a:pPr marL="0" marR="229870" indent="0" algn="just">
+                        <a:lnSpc>
+                          <a:spcPct val="152000"/>
+                        </a:lnSpc>
+                        <a:spcBef>
+                          <a:spcPts val="0"/>
+                        </a:spcBef>
+                        <a:spcAft>
+                          <a:spcPts val="0"/>
+                        </a:spcAft>
+                      </a:pPr>
+                      <a:r>
+                        <a:rPr lang="ro-RO" sz="1700" dirty="0">
+                          <a:effectLst/>
+                        </a:rPr>
+                        <a:t> </a:t>
+                      </a:r>
+                      <a:endParaRPr lang="ro-RO" sz="1700" dirty="0">
+                        <a:solidFill>
+                          <a:srgbClr val="000000"/>
+                        </a:solidFill>
+                        <a:effectLst/>
+                        <a:latin typeface="Times New Roman" panose="02020603050405020304" pitchFamily="18" charset="0"/>
+                        <a:ea typeface="Times New Roman" panose="02020603050405020304" pitchFamily="18" charset="0"/>
+                        <a:cs typeface="Times New Roman" panose="02020603050405020304" pitchFamily="18" charset="0"/>
+                      </a:endParaRPr>
+                    </a:p>
+                  </a:txBody>
+                  <a:tcPr marL="97336" marR="97336" marT="0" marB="0"/>
+                </a:tc>
+                <a:tc>
+                  <a:txBody>
+                    <a:bodyPr/>
+                    <a:lstStyle/>
+                    <a:p>
+                      <a:pPr marL="0" marR="229870" indent="0" algn="just">
+                        <a:lnSpc>
+                          <a:spcPct val="152000"/>
+                        </a:lnSpc>
+                        <a:spcBef>
+                          <a:spcPts val="0"/>
+                        </a:spcBef>
+                        <a:spcAft>
+                          <a:spcPts val="0"/>
+                        </a:spcAft>
+                      </a:pPr>
+                      <a:r>
+                        <a:rPr lang="ro-RO" sz="1700" dirty="0">
+                          <a:effectLst/>
+                        </a:rPr>
+                        <a:t> </a:t>
+                      </a:r>
+                      <a:endParaRPr lang="ro-RO" sz="1700" dirty="0">
+                        <a:solidFill>
+                          <a:srgbClr val="000000"/>
+                        </a:solidFill>
+                        <a:effectLst/>
+                        <a:latin typeface="Times New Roman" panose="02020603050405020304" pitchFamily="18" charset="0"/>
+                        <a:ea typeface="Times New Roman" panose="02020603050405020304" pitchFamily="18" charset="0"/>
+                        <a:cs typeface="Times New Roman" panose="02020603050405020304" pitchFamily="18" charset="0"/>
+                      </a:endParaRPr>
+                    </a:p>
+                  </a:txBody>
+                  <a:tcPr marL="97336" marR="97336" marT="0" marB="0"/>
+                </a:tc>
+                <a:tc>
+                  <a:txBody>
+                    <a:bodyPr/>
+                    <a:lstStyle/>
+                    <a:p>
+                      <a:pPr marL="0" marR="229870" indent="0" algn="just">
+                        <a:lnSpc>
+                          <a:spcPct val="152000"/>
+                        </a:lnSpc>
+                        <a:spcBef>
+                          <a:spcPts val="0"/>
+                        </a:spcBef>
+                        <a:spcAft>
+                          <a:spcPts val="0"/>
+                        </a:spcAft>
+                      </a:pPr>
+                      <a:r>
+                        <a:rPr lang="ro-RO" sz="1700" dirty="0">
+                          <a:effectLst/>
+                        </a:rPr>
+                        <a:t> </a:t>
+                      </a:r>
+                      <a:endParaRPr lang="ro-RO" sz="1700" dirty="0">
+                        <a:solidFill>
+                          <a:srgbClr val="000000"/>
+                        </a:solidFill>
+                        <a:effectLst/>
+                        <a:latin typeface="Times New Roman" panose="02020603050405020304" pitchFamily="18" charset="0"/>
+                        <a:ea typeface="Times New Roman" panose="02020603050405020304" pitchFamily="18" charset="0"/>
+                        <a:cs typeface="Times New Roman" panose="02020603050405020304" pitchFamily="18" charset="0"/>
+                      </a:endParaRPr>
+                    </a:p>
+                  </a:txBody>
+                  <a:tcPr marL="97336" marR="97336" marT="0" marB="0"/>
+                </a:tc>
+                <a:tc>
+                  <a:txBody>
+                    <a:bodyPr/>
+                    <a:lstStyle/>
+                    <a:p>
+                      <a:pPr marL="0" marR="229870" indent="0" algn="just">
+                        <a:lnSpc>
+                          <a:spcPct val="152000"/>
+                        </a:lnSpc>
+                        <a:spcBef>
+                          <a:spcPts val="0"/>
+                        </a:spcBef>
+                        <a:spcAft>
+                          <a:spcPts val="0"/>
+                        </a:spcAft>
+                      </a:pPr>
+                      <a:r>
+                        <a:rPr lang="ro-RO" sz="1700" dirty="0">
+                          <a:effectLst/>
+                        </a:rPr>
+                        <a:t> </a:t>
+                      </a:r>
+                      <a:endParaRPr lang="ro-RO" sz="1700" dirty="0">
+                        <a:solidFill>
+                          <a:srgbClr val="000000"/>
+                        </a:solidFill>
+                        <a:effectLst/>
+                        <a:latin typeface="Times New Roman" panose="02020603050405020304" pitchFamily="18" charset="0"/>
+                        <a:ea typeface="Times New Roman" panose="02020603050405020304" pitchFamily="18" charset="0"/>
+                        <a:cs typeface="Times New Roman" panose="02020603050405020304" pitchFamily="18" charset="0"/>
+                      </a:endParaRPr>
+                    </a:p>
+                  </a:txBody>
+                  <a:tcPr marL="97336" marR="97336" marT="0" marB="0"/>
+                </a:tc>
+                <a:tc>
+                  <a:txBody>
+                    <a:bodyPr/>
+                    <a:lstStyle/>
+                    <a:p>
+                      <a:pPr marL="0" marR="229870" indent="0" algn="just">
+                        <a:lnSpc>
+                          <a:spcPct val="152000"/>
+                        </a:lnSpc>
+                        <a:spcBef>
+                          <a:spcPts val="0"/>
+                        </a:spcBef>
+                        <a:spcAft>
+                          <a:spcPts val="25"/>
+                        </a:spcAft>
+                      </a:pPr>
+                      <a:r>
+                        <a:rPr lang="ro-RO" sz="1700" dirty="0">
+                          <a:effectLst/>
+                        </a:rPr>
+                        <a:t> </a:t>
+                      </a:r>
+                      <a:endParaRPr lang="ro-RO" sz="1700" dirty="0">
+                        <a:solidFill>
+                          <a:srgbClr val="000000"/>
+                        </a:solidFill>
+                        <a:effectLst/>
+                        <a:latin typeface="Times New Roman" panose="02020603050405020304" pitchFamily="18" charset="0"/>
+                        <a:ea typeface="Times New Roman" panose="02020603050405020304" pitchFamily="18" charset="0"/>
+                        <a:cs typeface="Times New Roman" panose="02020603050405020304" pitchFamily="18" charset="0"/>
+                      </a:endParaRPr>
+                    </a:p>
+                  </a:txBody>
+                  <a:tcPr marL="97336" marR="97336" marT="0" marB="0"/>
+                </a:tc>
+                <a:extLst>
+                  <a:ext uri="{0D108BD9-81ED-4DB2-BD59-A6C34878D82A}">
+                    <a16:rowId xmlns:a16="http://schemas.microsoft.com/office/drawing/2014/main" val="3641681281"/>
+                  </a:ext>
+                </a:extLst>
+              </a:tr>
+              <a:tr h="358919">
+                <a:tc>
+                  <a:txBody>
+                    <a:bodyPr/>
+                    <a:lstStyle/>
+                    <a:p>
+                      <a:pPr marL="0" marR="229870" indent="0" algn="just">
+                        <a:lnSpc>
+                          <a:spcPct val="152000"/>
+                        </a:lnSpc>
+                        <a:spcBef>
+                          <a:spcPts val="0"/>
+                        </a:spcBef>
+                        <a:spcAft>
+                          <a:spcPts val="0"/>
+                        </a:spcAft>
+                      </a:pPr>
+                      <a:r>
+                        <a:rPr lang="ro-RO" sz="1700" dirty="0" err="1">
+                          <a:effectLst/>
+                        </a:rPr>
+                        <a:t>Id-uri</a:t>
+                      </a:r>
+                      <a:r>
+                        <a:rPr lang="ro-RO" sz="1700" dirty="0">
+                          <a:effectLst/>
+                        </a:rPr>
+                        <a:t> concepte</a:t>
+                      </a:r>
+                      <a:endParaRPr lang="ro-RO" sz="1700" dirty="0">
+                        <a:solidFill>
+                          <a:srgbClr val="000000"/>
+                        </a:solidFill>
+                        <a:effectLst/>
+                        <a:latin typeface="Times New Roman" panose="02020603050405020304" pitchFamily="18" charset="0"/>
+                        <a:ea typeface="Times New Roman" panose="02020603050405020304" pitchFamily="18" charset="0"/>
+                        <a:cs typeface="Times New Roman" panose="02020603050405020304" pitchFamily="18" charset="0"/>
+                      </a:endParaRPr>
+                    </a:p>
+                  </a:txBody>
+                  <a:tcPr marL="97336" marR="97336" marT="0" marB="0"/>
+                </a:tc>
+                <a:tc>
+                  <a:txBody>
+                    <a:bodyPr/>
+                    <a:lstStyle/>
+                    <a:p>
+                      <a:pPr marL="0" marR="229870" indent="0" algn="just">
+                        <a:lnSpc>
+                          <a:spcPct val="152000"/>
+                        </a:lnSpc>
+                        <a:spcBef>
+                          <a:spcPts val="0"/>
+                        </a:spcBef>
+                        <a:spcAft>
+                          <a:spcPts val="0"/>
+                        </a:spcAft>
+                      </a:pPr>
+                      <a:r>
+                        <a:rPr lang="ro-RO" sz="1700" dirty="0">
+                          <a:effectLst/>
+                        </a:rPr>
+                        <a:t>C0052796</a:t>
+                      </a:r>
+                      <a:endParaRPr lang="ro-RO" sz="1700" dirty="0">
+                        <a:solidFill>
+                          <a:srgbClr val="000000"/>
+                        </a:solidFill>
+                        <a:effectLst/>
+                        <a:latin typeface="Times New Roman" panose="02020603050405020304" pitchFamily="18" charset="0"/>
+                        <a:ea typeface="Times New Roman" panose="02020603050405020304" pitchFamily="18" charset="0"/>
+                        <a:cs typeface="Times New Roman" panose="02020603050405020304" pitchFamily="18" charset="0"/>
+                      </a:endParaRPr>
+                    </a:p>
+                  </a:txBody>
+                  <a:tcPr marL="97336" marR="97336" marT="0" marB="0"/>
+                </a:tc>
+                <a:tc>
+                  <a:txBody>
+                    <a:bodyPr/>
+                    <a:lstStyle/>
+                    <a:p>
+                      <a:pPr marL="0" marR="229870" indent="0" algn="just">
+                        <a:lnSpc>
+                          <a:spcPct val="152000"/>
+                        </a:lnSpc>
+                        <a:spcBef>
+                          <a:spcPts val="0"/>
+                        </a:spcBef>
+                        <a:spcAft>
+                          <a:spcPts val="0"/>
+                        </a:spcAft>
+                      </a:pPr>
+                      <a:r>
+                        <a:rPr lang="ro-RO" sz="1700" dirty="0">
+                          <a:effectLst/>
+                        </a:rPr>
+                        <a:t>C0205263</a:t>
+                      </a:r>
+                      <a:endParaRPr lang="ro-RO" sz="1700" dirty="0">
+                        <a:solidFill>
+                          <a:srgbClr val="000000"/>
+                        </a:solidFill>
+                        <a:effectLst/>
+                        <a:latin typeface="Times New Roman" panose="02020603050405020304" pitchFamily="18" charset="0"/>
+                        <a:ea typeface="Times New Roman" panose="02020603050405020304" pitchFamily="18" charset="0"/>
+                        <a:cs typeface="Times New Roman" panose="02020603050405020304" pitchFamily="18" charset="0"/>
+                      </a:endParaRPr>
+                    </a:p>
+                  </a:txBody>
+                  <a:tcPr marL="97336" marR="97336" marT="0" marB="0"/>
+                </a:tc>
+                <a:tc>
+                  <a:txBody>
+                    <a:bodyPr/>
+                    <a:lstStyle/>
+                    <a:p>
+                      <a:pPr marL="0" marR="229870" indent="0" algn="just">
+                        <a:lnSpc>
+                          <a:spcPct val="152000"/>
+                        </a:lnSpc>
+                        <a:spcBef>
+                          <a:spcPts val="0"/>
+                        </a:spcBef>
+                        <a:spcAft>
+                          <a:spcPts val="0"/>
+                        </a:spcAft>
+                      </a:pPr>
+                      <a:r>
+                        <a:rPr lang="ro-RO" sz="1700">
+                          <a:effectLst/>
+                        </a:rPr>
+                        <a:t>C0235280</a:t>
+                      </a:r>
+                      <a:endParaRPr lang="ro-RO" sz="1700">
+                        <a:solidFill>
+                          <a:srgbClr val="000000"/>
+                        </a:solidFill>
+                        <a:effectLst/>
+                        <a:latin typeface="Times New Roman" panose="02020603050405020304" pitchFamily="18" charset="0"/>
+                        <a:ea typeface="Times New Roman" panose="02020603050405020304" pitchFamily="18" charset="0"/>
+                        <a:cs typeface="Times New Roman" panose="02020603050405020304" pitchFamily="18" charset="0"/>
+                      </a:endParaRPr>
+                    </a:p>
+                  </a:txBody>
+                  <a:tcPr marL="97336" marR="97336" marT="0" marB="0"/>
+                </a:tc>
+                <a:tc>
+                  <a:txBody>
+                    <a:bodyPr/>
+                    <a:lstStyle/>
+                    <a:p>
+                      <a:pPr marL="0" marR="229870" indent="0" algn="just">
+                        <a:lnSpc>
+                          <a:spcPct val="152000"/>
+                        </a:lnSpc>
+                        <a:spcBef>
+                          <a:spcPts val="0"/>
+                        </a:spcBef>
+                        <a:spcAft>
+                          <a:spcPts val="0"/>
+                        </a:spcAft>
+                      </a:pPr>
+                      <a:r>
+                        <a:rPr lang="ro-RO" sz="1700" dirty="0">
+                          <a:effectLst/>
+                        </a:rPr>
+                        <a:t>C0348016</a:t>
+                      </a:r>
+                      <a:endParaRPr lang="ro-RO" sz="1700" dirty="0">
+                        <a:solidFill>
+                          <a:srgbClr val="000000"/>
+                        </a:solidFill>
+                        <a:effectLst/>
+                        <a:latin typeface="Times New Roman" panose="02020603050405020304" pitchFamily="18" charset="0"/>
+                        <a:ea typeface="Times New Roman" panose="02020603050405020304" pitchFamily="18" charset="0"/>
+                        <a:cs typeface="Times New Roman" panose="02020603050405020304" pitchFamily="18" charset="0"/>
+                      </a:endParaRPr>
+                    </a:p>
+                  </a:txBody>
+                  <a:tcPr marL="97336" marR="97336" marT="0" marB="0"/>
+                </a:tc>
+                <a:tc>
+                  <a:txBody>
+                    <a:bodyPr/>
+                    <a:lstStyle/>
+                    <a:p>
+                      <a:pPr marL="0" marR="229870" indent="0" algn="just">
+                        <a:lnSpc>
+                          <a:spcPct val="152000"/>
+                        </a:lnSpc>
+                        <a:spcBef>
+                          <a:spcPts val="0"/>
+                        </a:spcBef>
+                        <a:spcAft>
+                          <a:spcPts val="25"/>
+                        </a:spcAft>
+                      </a:pPr>
+                      <a:r>
+                        <a:rPr lang="ro-RO" sz="1700" dirty="0">
+                          <a:effectLst/>
+                        </a:rPr>
+                        <a:t>-</a:t>
+                      </a:r>
+                      <a:endParaRPr lang="ro-RO" sz="1700" dirty="0">
+                        <a:solidFill>
+                          <a:srgbClr val="000000"/>
+                        </a:solidFill>
+                        <a:effectLst/>
+                        <a:latin typeface="Times New Roman" panose="02020603050405020304" pitchFamily="18" charset="0"/>
+                        <a:ea typeface="Times New Roman" panose="02020603050405020304" pitchFamily="18" charset="0"/>
+                        <a:cs typeface="Times New Roman" panose="02020603050405020304" pitchFamily="18" charset="0"/>
+                      </a:endParaRPr>
+                    </a:p>
+                  </a:txBody>
+                  <a:tcPr marL="97336" marR="97336" marT="0" marB="0"/>
+                </a:tc>
+                <a:extLst>
+                  <a:ext uri="{0D108BD9-81ED-4DB2-BD59-A6C34878D82A}">
+                    <a16:rowId xmlns:a16="http://schemas.microsoft.com/office/drawing/2014/main" val="1690058103"/>
+                  </a:ext>
+                </a:extLst>
+              </a:tr>
+            </a:tbl>
+          </a:graphicData>
+        </a:graphic>
+      </p:graphicFrame>
+      <p:sp>
+        <p:nvSpPr>
+          <p:cNvPr id="19" name="Arrow: Curved Right 18">
+            <a:extLst>
+              <a:ext uri="{FF2B5EF4-FFF2-40B4-BE49-F238E27FC236}">
+                <a16:creationId xmlns:a16="http://schemas.microsoft.com/office/drawing/2014/main" id="{4D019511-C39D-47A7-B436-6FC71C8B71F0}"/>
+              </a:ext>
+            </a:extLst>
+          </p:cNvPr>
+          <p:cNvSpPr/>
+          <p:nvPr/>
+        </p:nvSpPr>
+        <p:spPr>
+          <a:xfrm>
+            <a:off x="624527" y="2502326"/>
+            <a:ext cx="1713391" cy="2342731"/>
+          </a:xfrm>
+          <a:prstGeom prst="curvedRightArrow">
+            <a:avLst>
+              <a:gd name="adj1" fmla="val 4993"/>
+              <a:gd name="adj2" fmla="val 50000"/>
+              <a:gd name="adj3" fmla="val 11010"/>
+            </a:avLst>
+          </a:prstGeom>
+          <a:solidFill>
+            <a:schemeClr val="accent5">
+              <a:lumMod val="60000"/>
+              <a:lumOff val="40000"/>
+            </a:schemeClr>
+          </a:solidFill>
+        </p:spPr>
+        <p:style>
+          <a:lnRef idx="2">
+            <a:schemeClr val="accent1">
+              <a:shade val="50000"/>
+            </a:schemeClr>
+          </a:lnRef>
+          <a:fillRef idx="1">
+            <a:schemeClr val="accent1"/>
+          </a:fillRef>
+          <a:effectRef idx="0">
+            <a:schemeClr val="accent1"/>
+          </a:effectRef>
+          <a:fontRef idx="minor">
+            <a:schemeClr val="lt1"/>
+          </a:fontRef>
+        </p:style>
+        <p:txBody>
+          <a:bodyPr rtlCol="0" anchor="ctr"/>
+          <a:lstStyle/>
+          <a:p>
+            <a:pPr algn="ctr"/>
+            <a:endParaRPr lang="ro-RO">
+              <a:solidFill>
+                <a:schemeClr val="tx1"/>
+              </a:solidFill>
+            </a:endParaRPr>
+          </a:p>
+        </p:txBody>
+      </p:sp>
+      <p:graphicFrame>
+        <p:nvGraphicFramePr>
+          <p:cNvPr id="20" name="Table 19">
+            <a:extLst>
+              <a:ext uri="{FF2B5EF4-FFF2-40B4-BE49-F238E27FC236}">
+                <a16:creationId xmlns:a16="http://schemas.microsoft.com/office/drawing/2014/main" id="{EF2EA268-FB8F-42BE-9CA8-611F437B0A1B}"/>
+              </a:ext>
+            </a:extLst>
+          </p:cNvPr>
+          <p:cNvGraphicFramePr>
+            <a:graphicFrameLocks noGrp="1"/>
+          </p:cNvGraphicFramePr>
+          <p:nvPr>
+            <p:extLst>
+              <p:ext uri="{D42A27DB-BD31-4B8C-83A1-F6EECF244321}">
+                <p14:modId xmlns:p14="http://schemas.microsoft.com/office/powerpoint/2010/main" val="1178548508"/>
+              </p:ext>
+            </p:extLst>
+          </p:nvPr>
+        </p:nvGraphicFramePr>
+        <p:xfrm>
+          <a:off x="2377446" y="5439907"/>
+          <a:ext cx="8860072" cy="697016"/>
+        </p:xfrm>
+        <a:graphic>
+          <a:graphicData uri="http://schemas.openxmlformats.org/drawingml/2006/table">
+            <a:tbl>
+              <a:tblPr firstRow="1" firstCol="1" bandRow="1">
+                <a:tableStyleId>{BC89EF96-8CEA-46FF-86C4-4CE0E7609802}</a:tableStyleId>
+              </a:tblPr>
+              <a:tblGrid>
+                <a:gridCol w="1751399">
+                  <a:extLst>
+                    <a:ext uri="{9D8B030D-6E8A-4147-A177-3AD203B41FA5}">
+                      <a16:colId xmlns:a16="http://schemas.microsoft.com/office/drawing/2014/main" val="4084990383"/>
+                    </a:ext>
+                  </a:extLst>
+                </a:gridCol>
+                <a:gridCol w="1765495">
+                  <a:extLst>
+                    <a:ext uri="{9D8B030D-6E8A-4147-A177-3AD203B41FA5}">
+                      <a16:colId xmlns:a16="http://schemas.microsoft.com/office/drawing/2014/main" val="3679664393"/>
+                    </a:ext>
+                  </a:extLst>
+                </a:gridCol>
+                <a:gridCol w="1838617">
+                  <a:extLst>
+                    <a:ext uri="{9D8B030D-6E8A-4147-A177-3AD203B41FA5}">
+                      <a16:colId xmlns:a16="http://schemas.microsoft.com/office/drawing/2014/main" val="2067793623"/>
+                    </a:ext>
+                  </a:extLst>
+                </a:gridCol>
+                <a:gridCol w="1732018">
+                  <a:extLst>
+                    <a:ext uri="{9D8B030D-6E8A-4147-A177-3AD203B41FA5}">
+                      <a16:colId xmlns:a16="http://schemas.microsoft.com/office/drawing/2014/main" val="3606018667"/>
+                    </a:ext>
+                  </a:extLst>
+                </a:gridCol>
+                <a:gridCol w="1772543">
+                  <a:extLst>
+                    <a:ext uri="{9D8B030D-6E8A-4147-A177-3AD203B41FA5}">
+                      <a16:colId xmlns:a16="http://schemas.microsoft.com/office/drawing/2014/main" val="2382566175"/>
+                    </a:ext>
+                  </a:extLst>
+                </a:gridCol>
+              </a:tblGrid>
+              <a:tr h="697016">
+                <a:tc>
+                  <a:txBody>
+                    <a:bodyPr/>
+                    <a:lstStyle/>
+                    <a:p>
+                      <a:pPr marL="0" marR="229870" indent="0" algn="just">
+                        <a:lnSpc>
+                          <a:spcPct val="152000"/>
+                        </a:lnSpc>
+                        <a:spcBef>
+                          <a:spcPts val="0"/>
+                        </a:spcBef>
+                        <a:spcAft>
+                          <a:spcPts val="25"/>
+                        </a:spcAft>
+                      </a:pPr>
+                      <a:r>
+                        <a:rPr lang="ro-RO" sz="1700" dirty="0">
+                          <a:effectLst/>
+                        </a:rPr>
+                        <a:t>Concepte</a:t>
+                      </a:r>
+                      <a:endParaRPr lang="ro-RO" sz="1700" dirty="0">
+                        <a:solidFill>
+                          <a:srgbClr val="000000"/>
+                        </a:solidFill>
+                        <a:effectLst/>
+                        <a:latin typeface="Times New Roman" panose="02020603050405020304" pitchFamily="18" charset="0"/>
+                        <a:ea typeface="Times New Roman" panose="02020603050405020304" pitchFamily="18" charset="0"/>
+                        <a:cs typeface="Times New Roman" panose="02020603050405020304" pitchFamily="18" charset="0"/>
+                      </a:endParaRPr>
+                    </a:p>
+                  </a:txBody>
+                  <a:tcPr marL="95146" marR="95146" marT="0" marB="0"/>
+                </a:tc>
+                <a:tc>
+                  <a:txBody>
+                    <a:bodyPr/>
+                    <a:lstStyle/>
+                    <a:p>
+                      <a:pPr marL="0" marR="229870" indent="0" algn="just">
+                        <a:lnSpc>
+                          <a:spcPct val="152000"/>
+                        </a:lnSpc>
+                        <a:spcBef>
+                          <a:spcPts val="0"/>
+                        </a:spcBef>
+                        <a:spcAft>
+                          <a:spcPts val="25"/>
+                        </a:spcAft>
+                      </a:pPr>
+                      <a:r>
+                        <a:rPr lang="ro-RO" sz="1700" b="0" dirty="0" err="1">
+                          <a:effectLst/>
+                        </a:rPr>
+                        <a:t>Azithromycin</a:t>
+                      </a:r>
+                      <a:endParaRPr lang="ro-RO" sz="1700" b="0" dirty="0">
+                        <a:solidFill>
+                          <a:srgbClr val="000000"/>
+                        </a:solidFill>
+                        <a:effectLst/>
+                        <a:latin typeface="Times New Roman" panose="02020603050405020304" pitchFamily="18" charset="0"/>
+                        <a:ea typeface="Times New Roman" panose="02020603050405020304" pitchFamily="18" charset="0"/>
+                        <a:cs typeface="Times New Roman" panose="02020603050405020304" pitchFamily="18" charset="0"/>
+                      </a:endParaRPr>
+                    </a:p>
+                  </a:txBody>
+                  <a:tcPr marL="95146" marR="95146" marT="0" marB="0"/>
+                </a:tc>
+                <a:tc>
+                  <a:txBody>
+                    <a:bodyPr/>
+                    <a:lstStyle/>
+                    <a:p>
+                      <a:pPr marL="0" marR="229870" indent="0" algn="just">
+                        <a:lnSpc>
+                          <a:spcPct val="152000"/>
+                        </a:lnSpc>
+                        <a:spcBef>
+                          <a:spcPts val="0"/>
+                        </a:spcBef>
+                        <a:spcAft>
+                          <a:spcPts val="25"/>
+                        </a:spcAft>
+                      </a:pPr>
+                      <a:r>
+                        <a:rPr lang="ro-RO" sz="1700" b="0" dirty="0">
+                          <a:effectLst/>
+                        </a:rPr>
+                        <a:t>Induce (</a:t>
+                      </a:r>
+                      <a:r>
+                        <a:rPr lang="ro-RO" sz="1700" b="0" dirty="0" err="1">
+                          <a:effectLst/>
+                        </a:rPr>
+                        <a:t>action</a:t>
+                      </a:r>
+                      <a:r>
+                        <a:rPr lang="ro-RO" sz="1700" b="0" dirty="0">
+                          <a:effectLst/>
+                        </a:rPr>
+                        <a:t>)</a:t>
+                      </a:r>
+                      <a:endParaRPr lang="ro-RO" sz="1700" b="0" dirty="0">
+                        <a:solidFill>
+                          <a:srgbClr val="000000"/>
+                        </a:solidFill>
+                        <a:effectLst/>
+                        <a:latin typeface="Times New Roman" panose="02020603050405020304" pitchFamily="18" charset="0"/>
+                        <a:ea typeface="Times New Roman" panose="02020603050405020304" pitchFamily="18" charset="0"/>
+                        <a:cs typeface="Times New Roman" panose="02020603050405020304" pitchFamily="18" charset="0"/>
+                      </a:endParaRPr>
+                    </a:p>
+                  </a:txBody>
+                  <a:tcPr marL="95146" marR="95146" marT="0" marB="0"/>
+                </a:tc>
+                <a:tc>
+                  <a:txBody>
+                    <a:bodyPr/>
+                    <a:lstStyle/>
+                    <a:p>
+                      <a:pPr marL="0" marR="229870" indent="0" algn="just">
+                        <a:lnSpc>
+                          <a:spcPct val="152000"/>
+                        </a:lnSpc>
+                        <a:spcBef>
+                          <a:spcPts val="0"/>
+                        </a:spcBef>
+                        <a:spcAft>
+                          <a:spcPts val="25"/>
+                        </a:spcAft>
+                      </a:pPr>
+                      <a:r>
+                        <a:rPr lang="ro-RO" sz="1700" b="0" dirty="0" err="1">
+                          <a:effectLst/>
+                        </a:rPr>
+                        <a:t>Ototoxicity</a:t>
+                      </a:r>
+                      <a:endParaRPr lang="ro-RO" sz="1700" b="0" dirty="0">
+                        <a:solidFill>
+                          <a:srgbClr val="000000"/>
+                        </a:solidFill>
+                        <a:effectLst/>
+                        <a:latin typeface="Times New Roman" panose="02020603050405020304" pitchFamily="18" charset="0"/>
+                        <a:ea typeface="Times New Roman" panose="02020603050405020304" pitchFamily="18" charset="0"/>
+                        <a:cs typeface="Times New Roman" panose="02020603050405020304" pitchFamily="18" charset="0"/>
+                      </a:endParaRPr>
+                    </a:p>
+                  </a:txBody>
+                  <a:tcPr marL="95146" marR="95146" marT="0" marB="0"/>
+                </a:tc>
+                <a:tc>
+                  <a:txBody>
+                    <a:bodyPr/>
+                    <a:lstStyle/>
+                    <a:p>
+                      <a:pPr marL="0" marR="229870" indent="0" algn="just">
+                        <a:lnSpc>
+                          <a:spcPct val="152000"/>
+                        </a:lnSpc>
+                        <a:spcBef>
+                          <a:spcPts val="0"/>
+                        </a:spcBef>
+                        <a:spcAft>
+                          <a:spcPts val="25"/>
+                        </a:spcAft>
+                      </a:pPr>
+                      <a:r>
+                        <a:rPr lang="ro-RO" sz="1700" b="0" dirty="0" err="1">
+                          <a:effectLst/>
+                        </a:rPr>
+                        <a:t>Intravenous</a:t>
+                      </a:r>
+                      <a:endParaRPr lang="ro-RO" sz="1700" b="0" dirty="0">
+                        <a:solidFill>
+                          <a:srgbClr val="000000"/>
+                        </a:solidFill>
+                        <a:effectLst/>
+                        <a:latin typeface="Times New Roman" panose="02020603050405020304" pitchFamily="18" charset="0"/>
+                        <a:ea typeface="Times New Roman" panose="02020603050405020304" pitchFamily="18" charset="0"/>
+                        <a:cs typeface="Times New Roman" panose="02020603050405020304" pitchFamily="18" charset="0"/>
+                      </a:endParaRPr>
+                    </a:p>
+                  </a:txBody>
+                  <a:tcPr marL="95146" marR="95146" marT="0" marB="0"/>
+                </a:tc>
+                <a:extLst>
+                  <a:ext uri="{0D108BD9-81ED-4DB2-BD59-A6C34878D82A}">
+                    <a16:rowId xmlns:a16="http://schemas.microsoft.com/office/drawing/2014/main" val="4020953612"/>
+                  </a:ext>
+                </a:extLst>
+              </a:tr>
+            </a:tbl>
+          </a:graphicData>
+        </a:graphic>
+      </p:graphicFrame>
+      <p:sp>
+        <p:nvSpPr>
+          <p:cNvPr id="21" name="Arrow: Curved Right 20">
+            <a:extLst>
+              <a:ext uri="{FF2B5EF4-FFF2-40B4-BE49-F238E27FC236}">
+                <a16:creationId xmlns:a16="http://schemas.microsoft.com/office/drawing/2014/main" id="{0AF1B29C-08F7-4AE6-A6BD-360C491F9C81}"/>
+              </a:ext>
+            </a:extLst>
+          </p:cNvPr>
+          <p:cNvSpPr/>
+          <p:nvPr/>
+        </p:nvSpPr>
+        <p:spPr>
+          <a:xfrm>
+            <a:off x="557441" y="3204367"/>
+            <a:ext cx="1713391" cy="3031146"/>
+          </a:xfrm>
+          <a:prstGeom prst="curvedRightArrow">
+            <a:avLst>
+              <a:gd name="adj1" fmla="val 4993"/>
+              <a:gd name="adj2" fmla="val 50000"/>
+              <a:gd name="adj3" fmla="val 11010"/>
+            </a:avLst>
+          </a:prstGeom>
+          <a:solidFill>
+            <a:schemeClr val="accent5">
+              <a:lumMod val="20000"/>
+              <a:lumOff val="80000"/>
+            </a:schemeClr>
+          </a:solidFill>
+        </p:spPr>
+        <p:style>
+          <a:lnRef idx="2">
+            <a:schemeClr val="accent1">
+              <a:shade val="50000"/>
+            </a:schemeClr>
+          </a:lnRef>
+          <a:fillRef idx="1">
+            <a:schemeClr val="accent1"/>
+          </a:fillRef>
+          <a:effectRef idx="0">
+            <a:schemeClr val="accent1"/>
+          </a:effectRef>
+          <a:fontRef idx="minor">
+            <a:schemeClr val="lt1"/>
+          </a:fontRef>
+        </p:style>
+        <p:txBody>
+          <a:bodyPr rtlCol="0" anchor="ctr"/>
+          <a:lstStyle/>
+          <a:p>
+            <a:pPr algn="ctr"/>
+            <a:endParaRPr lang="ro-RO">
+              <a:solidFill>
+                <a:schemeClr val="tx1"/>
+              </a:solidFill>
+            </a:endParaRPr>
+          </a:p>
+        </p:txBody>
+      </p:sp>
+      <p:sp>
+        <p:nvSpPr>
+          <p:cNvPr id="25" name="TextBox 24">
+            <a:extLst>
+              <a:ext uri="{FF2B5EF4-FFF2-40B4-BE49-F238E27FC236}">
+                <a16:creationId xmlns:a16="http://schemas.microsoft.com/office/drawing/2014/main" id="{E0BC4C72-82E5-43A6-8A9A-7FA5498C0A24}"/>
+              </a:ext>
+            </a:extLst>
+          </p:cNvPr>
+          <p:cNvSpPr txBox="1"/>
+          <p:nvPr/>
+        </p:nvSpPr>
+        <p:spPr>
+          <a:xfrm>
+            <a:off x="6834437" y="1840754"/>
+            <a:ext cx="1001493" cy="338554"/>
+          </a:xfrm>
+          <a:prstGeom prst="rect">
+            <a:avLst/>
+          </a:prstGeom>
+          <a:noFill/>
+        </p:spPr>
+        <p:txBody>
+          <a:bodyPr wrap="none" rtlCol="0">
+            <a:spAutoFit/>
+          </a:bodyPr>
+          <a:lstStyle/>
+          <a:p>
+            <a:r>
+              <a:rPr lang="ro-RO" sz="1600" i="1" dirty="0" err="1"/>
+              <a:t>Metamap</a:t>
+            </a:r>
+            <a:endParaRPr lang="ro-RO" sz="1600" i="1" dirty="0"/>
+          </a:p>
+        </p:txBody>
+      </p:sp>
+      <p:sp>
+        <p:nvSpPr>
+          <p:cNvPr id="26" name="Title 1">
+            <a:extLst>
+              <a:ext uri="{FF2B5EF4-FFF2-40B4-BE49-F238E27FC236}">
+                <a16:creationId xmlns:a16="http://schemas.microsoft.com/office/drawing/2014/main" id="{E27D7122-FF50-4A7A-962E-08C16F277D66}"/>
+              </a:ext>
+            </a:extLst>
+          </p:cNvPr>
+          <p:cNvSpPr txBox="1">
+            <a:spLocks/>
+          </p:cNvSpPr>
+          <p:nvPr/>
+        </p:nvSpPr>
+        <p:spPr>
+          <a:xfrm>
+            <a:off x="838200" y="201088"/>
+            <a:ext cx="10515600" cy="1325563"/>
           </a:xfrm>
           <a:prstGeom prst="rect">
             <a:avLst/>
           </a:prstGeom>
         </p:spPr>
-      </p:pic>
+        <p:txBody>
+          <a:bodyPr vert="horz" lIns="91440" tIns="45720" rIns="91440" bIns="45720" rtlCol="0" anchor="ctr">
+            <a:normAutofit/>
+          </a:bodyPr>
+          <a:lstStyle>
+            <a:lvl1pPr algn="l" defTabSz="914400" rtl="0" eaLnBrk="1" latinLnBrk="0" hangingPunct="1">
+              <a:lnSpc>
+                <a:spcPct val="90000"/>
+              </a:lnSpc>
+              <a:spcBef>
+                <a:spcPct val="0"/>
+              </a:spcBef>
+              <a:buNone/>
+              <a:defRPr sz="4400" kern="1200">
+                <a:solidFill>
+                  <a:schemeClr val="tx1"/>
+                </a:solidFill>
+                <a:latin typeface="+mj-lt"/>
+                <a:ea typeface="+mj-ea"/>
+                <a:cs typeface="+mj-cs"/>
+              </a:defRPr>
+            </a:lvl1pPr>
+          </a:lstStyle>
+          <a:p>
+            <a:pPr algn="ctr"/>
+            <a:r>
+              <a:rPr lang="ro-RO" dirty="0" err="1"/>
+              <a:t>Metamap</a:t>
+            </a:r>
+            <a:endParaRPr lang="ro-RO" dirty="0"/>
+          </a:p>
+        </p:txBody>
+      </p:sp>
     </p:spTree>
     <p:extLst>
       <p:ext uri="{BB962C8B-B14F-4D97-AF65-F5344CB8AC3E}">
-        <p14:creationId xmlns:p14="http://schemas.microsoft.com/office/powerpoint/2010/main" val="1339908207"/>
+        <p14:creationId xmlns:p14="http://schemas.microsoft.com/office/powerpoint/2010/main" val="1387060434"/>
       </p:ext>
     </p:extLst>
   </p:cSld>
   <p:clrMapOvr>
     <a:masterClrMapping/>
   </p:clrMapOvr>
-  <mc:AlternateContent xmlns:mc="http://schemas.openxmlformats.org/markup-compatibility/2006">
-    <mc:Choice xmlns:p14="http://schemas.microsoft.com/office/powerpoint/2010/main" Requires="p14">
-      <p:transition spd="med" p14:dur="700">
-        <p:fade/>
-      </p:transition>
-    </mc:Choice>
-    <mc:Fallback>
-      <p:transition spd="med">
-        <p:fade/>
-      </p:transition>
-    </mc:Fallback>
-  </mc:AlternateContent>
 </p:sld>
 </file>
 
@@ -8540,7 +13101,7 @@
           <p:cNvPr id="2" name="Title 1">
             <a:extLst>
               <a:ext uri="{FF2B5EF4-FFF2-40B4-BE49-F238E27FC236}">
-                <a16:creationId xmlns:a16="http://schemas.microsoft.com/office/drawing/2014/main" id="{8F1FE0B0-6A2D-4F60-9C95-EE60C5DF76FA}"/>
+                <a16:creationId xmlns:a16="http://schemas.microsoft.com/office/drawing/2014/main" id="{03450632-4162-4B85-B675-52F18DD720E2}"/>
               </a:ext>
             </a:extLst>
           </p:cNvPr>
@@ -8556,18 +13117,12 @@
           <a:bodyPr/>
           <a:lstStyle/>
           <a:p>
-            <a:r>
-              <a:rPr lang="ro-RO" dirty="0"/>
-              <a:t>Rezultate </a:t>
-            </a:r>
+            <a:pPr algn="ctr"/>
             <a:r>
               <a:rPr lang="ro-RO" dirty="0" err="1"/>
-              <a:t>Bayes</a:t>
-            </a:r>
-            <a:r>
-              <a:rPr lang="ro-RO" dirty="0"/>
-              <a:t> Naiv</a:t>
-            </a:r>
+              <a:t>Wordnet</a:t>
+            </a:r>
+            <a:endParaRPr lang="ro-RO" dirty="0"/>
           </a:p>
         </p:txBody>
       </p:sp>
@@ -8576,7 +13131,7 @@
           <p:cNvPr id="5" name="Content Placeholder 4">
             <a:extLst>
               <a:ext uri="{FF2B5EF4-FFF2-40B4-BE49-F238E27FC236}">
-                <a16:creationId xmlns:a16="http://schemas.microsoft.com/office/drawing/2014/main" id="{E31825CD-DBA1-4934-880A-81230D05A741}"/>
+                <a16:creationId xmlns:a16="http://schemas.microsoft.com/office/drawing/2014/main" id="{7667AA75-0D69-48A1-A942-234FB1D4998F}"/>
               </a:ext>
             </a:extLst>
           </p:cNvPr>
@@ -8587,72 +13142,44 @@
             <p:ph idx="1"/>
             <p:extLst>
               <p:ext uri="{D42A27DB-BD31-4B8C-83A1-F6EECF244321}">
-                <p14:modId xmlns:p14="http://schemas.microsoft.com/office/powerpoint/2010/main" val="2414275408"/>
+                <p14:modId xmlns:p14="http://schemas.microsoft.com/office/powerpoint/2010/main" val="3610906041"/>
               </p:ext>
             </p:extLst>
           </p:nvPr>
         </p:nvGraphicFramePr>
         <p:xfrm>
-          <a:off x="838200" y="1644016"/>
-          <a:ext cx="10302239" cy="4499858"/>
+          <a:off x="1612796" y="1825625"/>
+          <a:ext cx="8699214" cy="371602"/>
         </p:xfrm>
         <a:graphic>
           <a:graphicData uri="http://schemas.openxmlformats.org/drawingml/2006/table">
             <a:tbl>
               <a:tblPr firstRow="1" firstCol="1" bandRow="1">
-                <a:tableStyleId>{5C22544A-7EE6-4342-B048-85BDC9FD1C3A}</a:tableStyleId>
+                <a:tableStyleId>{BC89EF96-8CEA-46FF-86C4-4CE0E7609802}</a:tableStyleId>
               </a:tblPr>
               <a:tblGrid>
-                <a:gridCol w="1805098">
+                <a:gridCol w="2044369">
                   <a:extLst>
                     <a:ext uri="{9D8B030D-6E8A-4147-A177-3AD203B41FA5}">
-                      <a16:colId xmlns:a16="http://schemas.microsoft.com/office/drawing/2014/main" val="428290697"/>
+                      <a16:colId xmlns:a16="http://schemas.microsoft.com/office/drawing/2014/main" val="3935609428"/>
                     </a:ext>
                   </a:extLst>
                 </a:gridCol>
-                <a:gridCol w="1469057">
+                <a:gridCol w="6654845">
                   <a:extLst>
                     <a:ext uri="{9D8B030D-6E8A-4147-A177-3AD203B41FA5}">
-                      <a16:colId xmlns:a16="http://schemas.microsoft.com/office/drawing/2014/main" val="2954530179"/>
-                    </a:ext>
-                  </a:extLst>
-                </a:gridCol>
-                <a:gridCol w="1572150">
-                  <a:extLst>
-                    <a:ext uri="{9D8B030D-6E8A-4147-A177-3AD203B41FA5}">
-                      <a16:colId xmlns:a16="http://schemas.microsoft.com/office/drawing/2014/main" val="1928845076"/>
-                    </a:ext>
-                  </a:extLst>
-                </a:gridCol>
-                <a:gridCol w="1953787">
-                  <a:extLst>
-                    <a:ext uri="{9D8B030D-6E8A-4147-A177-3AD203B41FA5}">
-                      <a16:colId xmlns:a16="http://schemas.microsoft.com/office/drawing/2014/main" val="1026186654"/>
-                    </a:ext>
-                  </a:extLst>
-                </a:gridCol>
-                <a:gridCol w="1953787">
-                  <a:extLst>
-                    <a:ext uri="{9D8B030D-6E8A-4147-A177-3AD203B41FA5}">
-                      <a16:colId xmlns:a16="http://schemas.microsoft.com/office/drawing/2014/main" val="4218357912"/>
-                    </a:ext>
-                  </a:extLst>
-                </a:gridCol>
-                <a:gridCol w="1548360">
-                  <a:extLst>
-                    <a:ext uri="{9D8B030D-6E8A-4147-A177-3AD203B41FA5}">
-                      <a16:colId xmlns:a16="http://schemas.microsoft.com/office/drawing/2014/main" val="3192771585"/>
+                      <a16:colId xmlns:a16="http://schemas.microsoft.com/office/drawing/2014/main" val="1824168898"/>
                     </a:ext>
                   </a:extLst>
                 </a:gridCol>
               </a:tblGrid>
-              <a:tr h="693057">
-                <a:tc rowSpan="2">
+              <a:tr h="365125">
+                <a:tc>
                   <a:txBody>
                     <a:bodyPr/>
                     <a:lstStyle/>
                     <a:p>
-                      <a:pPr marL="71755" marR="229870" indent="0" algn="ctr">
+                      <a:pPr marL="0" marR="229870" indent="450850" algn="ctr">
                         <a:lnSpc>
                           <a:spcPct val="152000"/>
                         </a:lnSpc>
@@ -8664,12 +13191,182 @@
                         </a:spcAft>
                       </a:pPr>
                       <a:r>
-                        <a:rPr lang="ro-RO" sz="2400">
-                          <a:effectLst/>
-                        </a:rPr>
-                        <a:t>Bayes Naiv</a:t>
-                      </a:r>
-                      <a:endParaRPr lang="ro-RO" sz="2400">
+                        <a:rPr lang="ro-RO" sz="1800" b="1" i="0" dirty="0">
+                          <a:solidFill>
+                            <a:srgbClr val="000000"/>
+                          </a:solidFill>
+                          <a:effectLst/>
+                          <a:latin typeface="Times New Roman" panose="02020603050405020304" pitchFamily="18" charset="0"/>
+                          <a:ea typeface="Times New Roman" panose="02020603050405020304" pitchFamily="18" charset="0"/>
+                          <a:cs typeface="Times New Roman" panose="02020603050405020304" pitchFamily="18" charset="0"/>
+                        </a:rPr>
+                        <a:t>Input</a:t>
+                      </a:r>
+                    </a:p>
+                  </a:txBody>
+                  <a:tcPr marL="101034" marR="101034" marT="0" marB="0"/>
+                </a:tc>
+                <a:tc>
+                  <a:txBody>
+                    <a:bodyPr/>
+                    <a:lstStyle/>
+                    <a:p>
+                      <a:pPr marL="0" marR="229870" indent="450850" algn="ctr">
+                        <a:lnSpc>
+                          <a:spcPct val="152000"/>
+                        </a:lnSpc>
+                        <a:spcBef>
+                          <a:spcPts val="0"/>
+                        </a:spcBef>
+                        <a:spcAft>
+                          <a:spcPts val="25"/>
+                        </a:spcAft>
+                      </a:pPr>
+                      <a:r>
+                        <a:rPr lang="ro-RO" sz="1800" b="0" kern="1200" dirty="0" err="1">
+                          <a:solidFill>
+                            <a:schemeClr val="tx1"/>
+                          </a:solidFill>
+                          <a:effectLst/>
+                          <a:latin typeface="+mn-lt"/>
+                          <a:ea typeface="+mn-ea"/>
+                          <a:cs typeface="+mn-cs"/>
+                        </a:rPr>
+                        <a:t>Pravastatin</a:t>
+                      </a:r>
+                      <a:r>
+                        <a:rPr lang="ro-RO" sz="1800" b="0" kern="1200" dirty="0">
+                          <a:solidFill>
+                            <a:schemeClr val="tx1"/>
+                          </a:solidFill>
+                          <a:effectLst/>
+                          <a:latin typeface="+mn-lt"/>
+                          <a:ea typeface="+mn-ea"/>
+                          <a:cs typeface="+mn-cs"/>
+                        </a:rPr>
+                        <a:t> </a:t>
+                      </a:r>
+                      <a:r>
+                        <a:rPr lang="ro-RO" sz="1800" b="0" kern="1200" dirty="0" err="1">
+                          <a:solidFill>
+                            <a:schemeClr val="tx1"/>
+                          </a:solidFill>
+                          <a:effectLst/>
+                          <a:latin typeface="+mn-lt"/>
+                          <a:ea typeface="+mn-ea"/>
+                          <a:cs typeface="+mn-cs"/>
+                        </a:rPr>
+                        <a:t>is</a:t>
+                      </a:r>
+                      <a:r>
+                        <a:rPr lang="ro-RO" sz="1800" b="0" kern="1200" dirty="0">
+                          <a:solidFill>
+                            <a:schemeClr val="tx1"/>
+                          </a:solidFill>
+                          <a:effectLst/>
+                          <a:latin typeface="+mn-lt"/>
+                          <a:ea typeface="+mn-ea"/>
+                          <a:cs typeface="+mn-cs"/>
+                        </a:rPr>
+                        <a:t> </a:t>
+                      </a:r>
+                      <a:r>
+                        <a:rPr lang="ro-RO" sz="1800" b="0" kern="1200" dirty="0" err="1">
+                          <a:solidFill>
+                            <a:schemeClr val="tx1"/>
+                          </a:solidFill>
+                          <a:effectLst/>
+                          <a:latin typeface="+mn-lt"/>
+                          <a:ea typeface="+mn-ea"/>
+                          <a:cs typeface="+mn-cs"/>
+                        </a:rPr>
+                        <a:t>associated</a:t>
+                      </a:r>
+                      <a:r>
+                        <a:rPr lang="ro-RO" sz="1800" b="0" kern="1200" dirty="0">
+                          <a:solidFill>
+                            <a:schemeClr val="tx1"/>
+                          </a:solidFill>
+                          <a:effectLst/>
+                          <a:latin typeface="+mn-lt"/>
+                          <a:ea typeface="+mn-ea"/>
+                          <a:cs typeface="+mn-cs"/>
+                        </a:rPr>
+                        <a:t> </a:t>
+                      </a:r>
+                      <a:r>
+                        <a:rPr lang="ro-RO" sz="1800" b="0" kern="1200" dirty="0" err="1">
+                          <a:solidFill>
+                            <a:schemeClr val="tx1"/>
+                          </a:solidFill>
+                          <a:effectLst/>
+                          <a:latin typeface="+mn-lt"/>
+                          <a:ea typeface="+mn-ea"/>
+                          <a:cs typeface="+mn-cs"/>
+                        </a:rPr>
+                        <a:t>with</a:t>
+                      </a:r>
+                      <a:r>
+                        <a:rPr lang="ro-RO" sz="1800" b="0" kern="1200" dirty="0">
+                          <a:solidFill>
+                            <a:schemeClr val="tx1"/>
+                          </a:solidFill>
+                          <a:effectLst/>
+                          <a:latin typeface="+mn-lt"/>
+                          <a:ea typeface="+mn-ea"/>
+                          <a:cs typeface="+mn-cs"/>
+                        </a:rPr>
+                        <a:t> </a:t>
+                      </a:r>
+                      <a:r>
+                        <a:rPr lang="ro-RO" sz="1800" b="0" kern="1200" dirty="0" err="1">
+                          <a:solidFill>
+                            <a:schemeClr val="tx1"/>
+                          </a:solidFill>
+                          <a:effectLst/>
+                          <a:latin typeface="+mn-lt"/>
+                          <a:ea typeface="+mn-ea"/>
+                          <a:cs typeface="+mn-cs"/>
+                        </a:rPr>
+                        <a:t>myotonia</a:t>
+                      </a:r>
+                      <a:r>
+                        <a:rPr lang="ro-RO" sz="1800" b="0" kern="1200" dirty="0">
+                          <a:solidFill>
+                            <a:schemeClr val="tx1"/>
+                          </a:solidFill>
+                          <a:effectLst/>
+                          <a:latin typeface="+mn-lt"/>
+                          <a:ea typeface="+mn-ea"/>
+                          <a:cs typeface="+mn-cs"/>
+                        </a:rPr>
+                        <a:t> in </a:t>
+                      </a:r>
+                      <a:r>
+                        <a:rPr lang="ro-RO" sz="1800" b="0" kern="1200" dirty="0" err="1">
+                          <a:solidFill>
+                            <a:schemeClr val="tx1"/>
+                          </a:solidFill>
+                          <a:effectLst/>
+                          <a:latin typeface="+mn-lt"/>
+                          <a:ea typeface="+mn-ea"/>
+                          <a:cs typeface="+mn-cs"/>
+                        </a:rPr>
+                        <a:t>animals</a:t>
+                      </a:r>
+                      <a:r>
+                        <a:rPr lang="ro-RO" sz="1800" b="0" kern="1200" dirty="0">
+                          <a:solidFill>
+                            <a:schemeClr val="tx1"/>
+                          </a:solidFill>
+                          <a:effectLst/>
+                          <a:latin typeface="+mn-lt"/>
+                          <a:ea typeface="+mn-ea"/>
+                          <a:cs typeface="+mn-cs"/>
+                        </a:rPr>
+                        <a:t>.</a:t>
+                      </a:r>
+                      <a:endParaRPr lang="ro-RO" sz="1800" b="0" i="1" dirty="0">
                         <a:solidFill>
                           <a:srgbClr val="000000"/>
                         </a:solidFill>
@@ -8680,756 +13377,11 @@
                       </a:endParaRPr>
                     </a:p>
                   </a:txBody>
-                  <a:tcPr marL="117796" marR="117796" marT="58898" marB="58898" vert="vert270" anchor="ctr"/>
-                </a:tc>
-                <a:tc gridSpan="4">
-                  <a:txBody>
-                    <a:bodyPr/>
-                    <a:lstStyle/>
-                    <a:p>
-                      <a:pPr marL="0" marR="229870" indent="0" algn="ctr">
-                        <a:lnSpc>
-                          <a:spcPct val="152000"/>
-                        </a:lnSpc>
-                        <a:spcBef>
-                          <a:spcPts val="0"/>
-                        </a:spcBef>
-                        <a:spcAft>
-                          <a:spcPts val="25"/>
-                        </a:spcAft>
-                      </a:pPr>
-                      <a:r>
-                        <a:rPr lang="ro-RO" sz="2400">
-                          <a:effectLst/>
-                        </a:rPr>
-                        <a:t>Caracteristici</a:t>
-                      </a:r>
-                      <a:endParaRPr lang="ro-RO" sz="2400">
-                        <a:solidFill>
-                          <a:srgbClr val="000000"/>
-                        </a:solidFill>
-                        <a:effectLst/>
-                        <a:latin typeface="Times New Roman" panose="02020603050405020304" pitchFamily="18" charset="0"/>
-                        <a:ea typeface="Times New Roman" panose="02020603050405020304" pitchFamily="18" charset="0"/>
-                        <a:cs typeface="Times New Roman" panose="02020603050405020304" pitchFamily="18" charset="0"/>
-                      </a:endParaRPr>
-                    </a:p>
-                  </a:txBody>
-                  <a:tcPr marL="117796" marR="117796" marT="58898" marB="58898" anchor="ctr"/>
-                </a:tc>
-                <a:tc hMerge="1">
-                  <a:txBody>
-                    <a:bodyPr/>
-                    <a:lstStyle/>
-                    <a:p>
-                      <a:endParaRPr lang="ro-RO"/>
-                    </a:p>
-                  </a:txBody>
-                  <a:tcPr/>
-                </a:tc>
-                <a:tc hMerge="1">
-                  <a:txBody>
-                    <a:bodyPr/>
-                    <a:lstStyle/>
-                    <a:p>
-                      <a:endParaRPr lang="ro-RO"/>
-                    </a:p>
-                  </a:txBody>
-                  <a:tcPr/>
-                </a:tc>
-                <a:tc hMerge="1">
-                  <a:txBody>
-                    <a:bodyPr/>
-                    <a:lstStyle/>
-                    <a:p>
-                      <a:endParaRPr lang="ro-RO"/>
-                    </a:p>
-                  </a:txBody>
-                  <a:tcPr/>
-                </a:tc>
-                <a:tc>
-                  <a:txBody>
-                    <a:bodyPr/>
-                    <a:lstStyle/>
-                    <a:p>
-                      <a:pPr marL="0" marR="229870" indent="0" algn="ctr">
-                        <a:lnSpc>
-                          <a:spcPct val="152000"/>
-                        </a:lnSpc>
-                        <a:spcBef>
-                          <a:spcPts val="0"/>
-                        </a:spcBef>
-                        <a:spcAft>
-                          <a:spcPts val="25"/>
-                        </a:spcAft>
-                      </a:pPr>
-                      <a:r>
-                        <a:rPr lang="ro-RO" sz="2400">
-                          <a:effectLst/>
-                        </a:rPr>
-                        <a:t> </a:t>
-                      </a:r>
-                      <a:endParaRPr lang="ro-RO" sz="2400">
-                        <a:solidFill>
-                          <a:srgbClr val="000000"/>
-                        </a:solidFill>
-                        <a:effectLst/>
-                        <a:latin typeface="Times New Roman" panose="02020603050405020304" pitchFamily="18" charset="0"/>
-                        <a:ea typeface="Times New Roman" panose="02020603050405020304" pitchFamily="18" charset="0"/>
-                        <a:cs typeface="Times New Roman" panose="02020603050405020304" pitchFamily="18" charset="0"/>
-                      </a:endParaRPr>
-                    </a:p>
-                  </a:txBody>
-                  <a:tcPr marL="140698" marR="140698" marT="0" marB="0" anchor="ctr"/>
+                  <a:tcPr marL="101034" marR="101034" marT="0" marB="0"/>
                 </a:tc>
                 <a:extLst>
                   <a:ext uri="{0D108BD9-81ED-4DB2-BD59-A6C34878D82A}">
-                    <a16:rowId xmlns:a16="http://schemas.microsoft.com/office/drawing/2014/main" val="1679545563"/>
-                  </a:ext>
-                </a:extLst>
-              </a:tr>
-              <a:tr h="1649167">
-                <a:tc vMerge="1">
-                  <a:txBody>
-                    <a:bodyPr/>
-                    <a:lstStyle/>
-                    <a:p>
-                      <a:endParaRPr lang="ro-RO"/>
-                    </a:p>
-                  </a:txBody>
-                  <a:tcPr/>
-                </a:tc>
-                <a:tc>
-                  <a:txBody>
-                    <a:bodyPr/>
-                    <a:lstStyle/>
-                    <a:p>
-                      <a:pPr marL="0" marR="229870" indent="0" algn="ctr">
-                        <a:lnSpc>
-                          <a:spcPct val="152000"/>
-                        </a:lnSpc>
-                        <a:spcBef>
-                          <a:spcPts val="0"/>
-                        </a:spcBef>
-                        <a:spcAft>
-                          <a:spcPts val="25"/>
-                        </a:spcAft>
-                      </a:pPr>
-                      <a:r>
-                        <a:rPr lang="ro-RO" sz="2400">
-                          <a:effectLst/>
-                        </a:rPr>
-                        <a:t>n-grame</a:t>
-                      </a:r>
-                      <a:endParaRPr lang="ro-RO" sz="2400">
-                        <a:solidFill>
-                          <a:srgbClr val="000000"/>
-                        </a:solidFill>
-                        <a:effectLst/>
-                        <a:latin typeface="Times New Roman" panose="02020603050405020304" pitchFamily="18" charset="0"/>
-                        <a:ea typeface="Times New Roman" panose="02020603050405020304" pitchFamily="18" charset="0"/>
-                        <a:cs typeface="Times New Roman" panose="02020603050405020304" pitchFamily="18" charset="0"/>
-                      </a:endParaRPr>
-                    </a:p>
-                  </a:txBody>
-                  <a:tcPr marL="140698" marR="140698" marT="0" marB="0" anchor="ctr"/>
-                </a:tc>
-                <a:tc>
-                  <a:txBody>
-                    <a:bodyPr/>
-                    <a:lstStyle/>
-                    <a:p>
-                      <a:pPr marL="0" marR="229870" indent="0" algn="ctr">
-                        <a:lnSpc>
-                          <a:spcPct val="152000"/>
-                        </a:lnSpc>
-                        <a:spcBef>
-                          <a:spcPts val="0"/>
-                        </a:spcBef>
-                        <a:spcAft>
-                          <a:spcPts val="25"/>
-                        </a:spcAft>
-                      </a:pPr>
-                      <a:r>
-                        <a:rPr lang="ro-RO" sz="2400">
-                          <a:effectLst/>
-                        </a:rPr>
-                        <a:t>+ Tf-idf UMLS</a:t>
-                      </a:r>
-                      <a:endParaRPr lang="ro-RO" sz="2400">
-                        <a:solidFill>
-                          <a:srgbClr val="000000"/>
-                        </a:solidFill>
-                        <a:effectLst/>
-                        <a:latin typeface="Times New Roman" panose="02020603050405020304" pitchFamily="18" charset="0"/>
-                        <a:ea typeface="Times New Roman" panose="02020603050405020304" pitchFamily="18" charset="0"/>
-                        <a:cs typeface="Times New Roman" panose="02020603050405020304" pitchFamily="18" charset="0"/>
-                      </a:endParaRPr>
-                    </a:p>
-                  </a:txBody>
-                  <a:tcPr marL="140698" marR="140698" marT="0" marB="0" anchor="ctr"/>
-                </a:tc>
-                <a:tc>
-                  <a:txBody>
-                    <a:bodyPr/>
-                    <a:lstStyle/>
-                    <a:p>
-                      <a:pPr marL="0" marR="229870" indent="0" algn="ctr">
-                        <a:lnSpc>
-                          <a:spcPct val="152000"/>
-                        </a:lnSpc>
-                        <a:spcBef>
-                          <a:spcPts val="0"/>
-                        </a:spcBef>
-                        <a:spcAft>
-                          <a:spcPts val="25"/>
-                        </a:spcAft>
-                      </a:pPr>
-                      <a:r>
-                        <a:rPr lang="ro-RO" sz="2400">
-                          <a:effectLst/>
-                        </a:rPr>
-                        <a:t>+ Tf-idf sinonime</a:t>
-                      </a:r>
-                      <a:endParaRPr lang="ro-RO" sz="2400">
-                        <a:solidFill>
-                          <a:srgbClr val="000000"/>
-                        </a:solidFill>
-                        <a:effectLst/>
-                        <a:latin typeface="Times New Roman" panose="02020603050405020304" pitchFamily="18" charset="0"/>
-                        <a:ea typeface="Times New Roman" panose="02020603050405020304" pitchFamily="18" charset="0"/>
-                        <a:cs typeface="Times New Roman" panose="02020603050405020304" pitchFamily="18" charset="0"/>
-                      </a:endParaRPr>
-                    </a:p>
-                  </a:txBody>
-                  <a:tcPr marL="140698" marR="140698" marT="0" marB="0" anchor="ctr"/>
-                </a:tc>
-                <a:tc>
-                  <a:txBody>
-                    <a:bodyPr/>
-                    <a:lstStyle/>
-                    <a:p>
-                      <a:pPr marL="0" marR="229870" indent="0" algn="ctr">
-                        <a:lnSpc>
-                          <a:spcPct val="152000"/>
-                        </a:lnSpc>
-                        <a:spcBef>
-                          <a:spcPts val="0"/>
-                        </a:spcBef>
-                        <a:spcAft>
-                          <a:spcPts val="25"/>
-                        </a:spcAft>
-                      </a:pPr>
-                      <a:r>
-                        <a:rPr lang="ro-RO" sz="2400">
-                          <a:effectLst/>
-                        </a:rPr>
-                        <a:t>+ Alte</a:t>
-                      </a:r>
-                    </a:p>
-                    <a:p>
-                      <a:pPr marL="0" marR="229870" indent="0" algn="ctr">
-                        <a:lnSpc>
-                          <a:spcPct val="152000"/>
-                        </a:lnSpc>
-                        <a:spcBef>
-                          <a:spcPts val="0"/>
-                        </a:spcBef>
-                        <a:spcAft>
-                          <a:spcPts val="25"/>
-                        </a:spcAft>
-                      </a:pPr>
-                      <a:r>
-                        <a:rPr lang="ro-RO" sz="2400">
-                          <a:effectLst/>
-                        </a:rPr>
-                        <a:t>caracteristici</a:t>
-                      </a:r>
-                      <a:endParaRPr lang="ro-RO" sz="2400">
-                        <a:solidFill>
-                          <a:srgbClr val="000000"/>
-                        </a:solidFill>
-                        <a:effectLst/>
-                        <a:latin typeface="Times New Roman" panose="02020603050405020304" pitchFamily="18" charset="0"/>
-                        <a:ea typeface="Times New Roman" panose="02020603050405020304" pitchFamily="18" charset="0"/>
-                        <a:cs typeface="Times New Roman" panose="02020603050405020304" pitchFamily="18" charset="0"/>
-                      </a:endParaRPr>
-                    </a:p>
-                  </a:txBody>
-                  <a:tcPr marL="140698" marR="140698" marT="0" marB="0" anchor="ctr"/>
-                </a:tc>
-                <a:tc>
-                  <a:txBody>
-                    <a:bodyPr/>
-                    <a:lstStyle/>
-                    <a:p>
-                      <a:pPr marL="0" marR="229870" indent="0" algn="ctr">
-                        <a:lnSpc>
-                          <a:spcPct val="152000"/>
-                        </a:lnSpc>
-                        <a:spcBef>
-                          <a:spcPts val="0"/>
-                        </a:spcBef>
-                        <a:spcAft>
-                          <a:spcPts val="25"/>
-                        </a:spcAft>
-                      </a:pPr>
-                      <a:r>
-                        <a:rPr lang="ro-RO" sz="2400">
-                          <a:effectLst/>
-                        </a:rPr>
-                        <a:t>+ SMOTE</a:t>
-                      </a:r>
-                      <a:endParaRPr lang="ro-RO" sz="2400">
-                        <a:solidFill>
-                          <a:srgbClr val="000000"/>
-                        </a:solidFill>
-                        <a:effectLst/>
-                        <a:latin typeface="Times New Roman" panose="02020603050405020304" pitchFamily="18" charset="0"/>
-                        <a:ea typeface="Times New Roman" panose="02020603050405020304" pitchFamily="18" charset="0"/>
-                        <a:cs typeface="Times New Roman" panose="02020603050405020304" pitchFamily="18" charset="0"/>
-                      </a:endParaRPr>
-                    </a:p>
-                  </a:txBody>
-                  <a:tcPr marL="140698" marR="140698" marT="0" marB="0" anchor="ctr"/>
-                </a:tc>
-                <a:extLst>
-                  <a:ext uri="{0D108BD9-81ED-4DB2-BD59-A6C34878D82A}">
-                    <a16:rowId xmlns:a16="http://schemas.microsoft.com/office/drawing/2014/main" val="2428553608"/>
-                  </a:ext>
-                </a:extLst>
-              </a:tr>
-              <a:tr h="1078817">
-                <a:tc>
-                  <a:txBody>
-                    <a:bodyPr/>
-                    <a:lstStyle/>
-                    <a:p>
-                      <a:pPr marL="0" marR="229870" indent="0" algn="ctr">
-                        <a:lnSpc>
-                          <a:spcPct val="152000"/>
-                        </a:lnSpc>
-                        <a:spcBef>
-                          <a:spcPts val="0"/>
-                        </a:spcBef>
-                        <a:spcAft>
-                          <a:spcPts val="25"/>
-                        </a:spcAft>
-                      </a:pPr>
-                      <a:r>
-                        <a:rPr lang="ro-RO" sz="2400">
-                          <a:effectLst/>
-                        </a:rPr>
-                        <a:t>Acuratețe</a:t>
-                      </a:r>
-                      <a:endParaRPr lang="ro-RO" sz="2400">
-                        <a:solidFill>
-                          <a:srgbClr val="000000"/>
-                        </a:solidFill>
-                        <a:effectLst/>
-                        <a:latin typeface="Times New Roman" panose="02020603050405020304" pitchFamily="18" charset="0"/>
-                        <a:ea typeface="Times New Roman" panose="02020603050405020304" pitchFamily="18" charset="0"/>
-                        <a:cs typeface="Times New Roman" panose="02020603050405020304" pitchFamily="18" charset="0"/>
-                      </a:endParaRPr>
-                    </a:p>
-                  </a:txBody>
-                  <a:tcPr marL="140698" marR="140698" marT="0" marB="0" anchor="ctr"/>
-                </a:tc>
-                <a:tc>
-                  <a:txBody>
-                    <a:bodyPr/>
-                    <a:lstStyle/>
-                    <a:p>
-                      <a:pPr marL="0" marR="229870" indent="0" algn="ctr">
-                        <a:lnSpc>
-                          <a:spcPct val="152000"/>
-                        </a:lnSpc>
-                        <a:spcBef>
-                          <a:spcPts val="0"/>
-                        </a:spcBef>
-                        <a:spcAft>
-                          <a:spcPts val="25"/>
-                        </a:spcAft>
-                      </a:pPr>
-                      <a:r>
-                        <a:rPr lang="ro-RO" sz="2400">
-                          <a:effectLst/>
-                        </a:rPr>
-                        <a:t>0.8469</a:t>
-                      </a:r>
-                      <a:endParaRPr lang="ro-RO" sz="2400">
-                        <a:solidFill>
-                          <a:srgbClr val="000000"/>
-                        </a:solidFill>
-                        <a:effectLst/>
-                        <a:latin typeface="Times New Roman" panose="02020603050405020304" pitchFamily="18" charset="0"/>
-                        <a:ea typeface="Times New Roman" panose="02020603050405020304" pitchFamily="18" charset="0"/>
-                        <a:cs typeface="Times New Roman" panose="02020603050405020304" pitchFamily="18" charset="0"/>
-                      </a:endParaRPr>
-                    </a:p>
-                  </a:txBody>
-                  <a:tcPr marL="140698" marR="140698" marT="0" marB="0" anchor="ctr"/>
-                </a:tc>
-                <a:tc>
-                  <a:txBody>
-                    <a:bodyPr/>
-                    <a:lstStyle/>
-                    <a:p>
-                      <a:pPr marL="0" marR="229870" indent="0" algn="ctr">
-                        <a:lnSpc>
-                          <a:spcPct val="152000"/>
-                        </a:lnSpc>
-                        <a:spcBef>
-                          <a:spcPts val="0"/>
-                        </a:spcBef>
-                        <a:spcAft>
-                          <a:spcPts val="25"/>
-                        </a:spcAft>
-                      </a:pPr>
-                      <a:r>
-                        <a:rPr lang="ro-RO" sz="2400">
-                          <a:effectLst/>
-                        </a:rPr>
-                        <a:t>0.8688</a:t>
-                      </a:r>
-                      <a:endParaRPr lang="ro-RO" sz="2400">
-                        <a:solidFill>
-                          <a:srgbClr val="000000"/>
-                        </a:solidFill>
-                        <a:effectLst/>
-                        <a:latin typeface="Times New Roman" panose="02020603050405020304" pitchFamily="18" charset="0"/>
-                        <a:ea typeface="Times New Roman" panose="02020603050405020304" pitchFamily="18" charset="0"/>
-                        <a:cs typeface="Times New Roman" panose="02020603050405020304" pitchFamily="18" charset="0"/>
-                      </a:endParaRPr>
-                    </a:p>
-                  </a:txBody>
-                  <a:tcPr marL="140698" marR="140698" marT="0" marB="0" anchor="ctr"/>
-                </a:tc>
-                <a:tc>
-                  <a:txBody>
-                    <a:bodyPr/>
-                    <a:lstStyle/>
-                    <a:p>
-                      <a:pPr marL="0" marR="229870" indent="0" algn="ctr">
-                        <a:lnSpc>
-                          <a:spcPct val="152000"/>
-                        </a:lnSpc>
-                        <a:spcBef>
-                          <a:spcPts val="0"/>
-                        </a:spcBef>
-                        <a:spcAft>
-                          <a:spcPts val="25"/>
-                        </a:spcAft>
-                      </a:pPr>
-                      <a:r>
-                        <a:rPr lang="ro-RO" sz="2400">
-                          <a:effectLst/>
-                        </a:rPr>
-                        <a:t>0.8742</a:t>
-                      </a:r>
-                      <a:endParaRPr lang="ro-RO" sz="2400">
-                        <a:solidFill>
-                          <a:srgbClr val="000000"/>
-                        </a:solidFill>
-                        <a:effectLst/>
-                        <a:latin typeface="Times New Roman" panose="02020603050405020304" pitchFamily="18" charset="0"/>
-                        <a:ea typeface="Times New Roman" panose="02020603050405020304" pitchFamily="18" charset="0"/>
-                        <a:cs typeface="Times New Roman" panose="02020603050405020304" pitchFamily="18" charset="0"/>
-                      </a:endParaRPr>
-                    </a:p>
-                  </a:txBody>
-                  <a:tcPr marL="140698" marR="140698" marT="0" marB="0" anchor="ctr"/>
-                </a:tc>
-                <a:tc>
-                  <a:txBody>
-                    <a:bodyPr/>
-                    <a:lstStyle/>
-                    <a:p>
-                      <a:pPr marL="0" marR="229870" indent="0" algn="ctr">
-                        <a:lnSpc>
-                          <a:spcPct val="152000"/>
-                        </a:lnSpc>
-                        <a:spcBef>
-                          <a:spcPts val="0"/>
-                        </a:spcBef>
-                        <a:spcAft>
-                          <a:spcPts val="25"/>
-                        </a:spcAft>
-                      </a:pPr>
-                      <a:r>
-                        <a:rPr lang="ro-RO" sz="2400">
-                          <a:effectLst/>
-                        </a:rPr>
-                        <a:t>0.8795</a:t>
-                      </a:r>
-                      <a:endParaRPr lang="ro-RO" sz="2400">
-                        <a:solidFill>
-                          <a:srgbClr val="000000"/>
-                        </a:solidFill>
-                        <a:effectLst/>
-                        <a:latin typeface="Times New Roman" panose="02020603050405020304" pitchFamily="18" charset="0"/>
-                        <a:ea typeface="Times New Roman" panose="02020603050405020304" pitchFamily="18" charset="0"/>
-                        <a:cs typeface="Times New Roman" panose="02020603050405020304" pitchFamily="18" charset="0"/>
-                      </a:endParaRPr>
-                    </a:p>
-                  </a:txBody>
-                  <a:tcPr marL="140698" marR="140698" marT="0" marB="0" anchor="ctr"/>
-                </a:tc>
-                <a:tc>
-                  <a:txBody>
-                    <a:bodyPr/>
-                    <a:lstStyle/>
-                    <a:p>
-                      <a:pPr marL="0" marR="229870" indent="0" algn="ctr">
-                        <a:lnSpc>
-                          <a:spcPct val="152000"/>
-                        </a:lnSpc>
-                        <a:spcBef>
-                          <a:spcPts val="0"/>
-                        </a:spcBef>
-                        <a:spcAft>
-                          <a:spcPts val="25"/>
-                        </a:spcAft>
-                      </a:pPr>
-                      <a:r>
-                        <a:rPr lang="ro-RO" sz="2400">
-                          <a:effectLst/>
-                        </a:rPr>
-                        <a:t>0.9103</a:t>
-                      </a:r>
-                      <a:endParaRPr lang="ro-RO" sz="2400">
-                        <a:solidFill>
-                          <a:srgbClr val="000000"/>
-                        </a:solidFill>
-                        <a:effectLst/>
-                        <a:latin typeface="Times New Roman" panose="02020603050405020304" pitchFamily="18" charset="0"/>
-                        <a:ea typeface="Times New Roman" panose="02020603050405020304" pitchFamily="18" charset="0"/>
-                        <a:cs typeface="Times New Roman" panose="02020603050405020304" pitchFamily="18" charset="0"/>
-                      </a:endParaRPr>
-                    </a:p>
-                  </a:txBody>
-                  <a:tcPr marL="140698" marR="140698" marT="0" marB="0" anchor="ctr"/>
-                </a:tc>
-                <a:extLst>
-                  <a:ext uri="{0D108BD9-81ED-4DB2-BD59-A6C34878D82A}">
-                    <a16:rowId xmlns:a16="http://schemas.microsoft.com/office/drawing/2014/main" val="2470737842"/>
-                  </a:ext>
-                </a:extLst>
-              </a:tr>
-              <a:tr h="1078817">
-                <a:tc>
-                  <a:txBody>
-                    <a:bodyPr/>
-                    <a:lstStyle/>
-                    <a:p>
-                      <a:pPr marL="0" marR="229870" indent="0" algn="ctr">
-                        <a:lnSpc>
-                          <a:spcPct val="152000"/>
-                        </a:lnSpc>
-                        <a:spcBef>
-                          <a:spcPts val="0"/>
-                        </a:spcBef>
-                        <a:spcAft>
-                          <a:spcPts val="25"/>
-                        </a:spcAft>
-                      </a:pPr>
-                      <a:r>
-                        <a:rPr lang="ro-RO" sz="2400">
-                          <a:effectLst/>
-                        </a:rPr>
-                        <a:t>F1-score</a:t>
-                      </a:r>
-                      <a:endParaRPr lang="ro-RO" sz="2400">
-                        <a:solidFill>
-                          <a:srgbClr val="000000"/>
-                        </a:solidFill>
-                        <a:effectLst/>
-                        <a:latin typeface="Times New Roman" panose="02020603050405020304" pitchFamily="18" charset="0"/>
-                        <a:ea typeface="Times New Roman" panose="02020603050405020304" pitchFamily="18" charset="0"/>
-                        <a:cs typeface="Times New Roman" panose="02020603050405020304" pitchFamily="18" charset="0"/>
-                      </a:endParaRPr>
-                    </a:p>
-                  </a:txBody>
-                  <a:tcPr marL="140698" marR="140698" marT="0" marB="0" anchor="ctr"/>
-                </a:tc>
-                <a:tc>
-                  <a:txBody>
-                    <a:bodyPr/>
-                    <a:lstStyle/>
-                    <a:p>
-                      <a:pPr marL="0" marR="229870" indent="0" algn="ctr">
-                        <a:lnSpc>
-                          <a:spcPct val="152000"/>
-                        </a:lnSpc>
-                        <a:spcBef>
-                          <a:spcPts val="0"/>
-                        </a:spcBef>
-                        <a:spcAft>
-                          <a:spcPts val="25"/>
-                        </a:spcAft>
-                      </a:pPr>
-                      <a:r>
-                        <a:rPr lang="ro-RO" sz="2400">
-                          <a:effectLst/>
-                        </a:rPr>
-                        <a:t>0.8508</a:t>
-                      </a:r>
-                      <a:endParaRPr lang="ro-RO" sz="2400">
-                        <a:solidFill>
-                          <a:srgbClr val="000000"/>
-                        </a:solidFill>
-                        <a:effectLst/>
-                        <a:latin typeface="Times New Roman" panose="02020603050405020304" pitchFamily="18" charset="0"/>
-                        <a:ea typeface="Times New Roman" panose="02020603050405020304" pitchFamily="18" charset="0"/>
-                        <a:cs typeface="Times New Roman" panose="02020603050405020304" pitchFamily="18" charset="0"/>
-                      </a:endParaRPr>
-                    </a:p>
-                  </a:txBody>
-                  <a:tcPr marL="140698" marR="140698" marT="0" marB="0" anchor="ctr"/>
-                </a:tc>
-                <a:tc>
-                  <a:txBody>
-                    <a:bodyPr/>
-                    <a:lstStyle/>
-                    <a:p>
-                      <a:pPr marL="0" marR="229870" indent="0" algn="ctr">
-                        <a:lnSpc>
-                          <a:spcPct val="152000"/>
-                        </a:lnSpc>
-                        <a:spcBef>
-                          <a:spcPts val="0"/>
-                        </a:spcBef>
-                        <a:spcAft>
-                          <a:spcPts val="25"/>
-                        </a:spcAft>
-                      </a:pPr>
-                      <a:r>
-                        <a:rPr lang="ro-RO" sz="2400">
-                          <a:effectLst/>
-                        </a:rPr>
-                        <a:t>0.8632</a:t>
-                      </a:r>
-                      <a:endParaRPr lang="ro-RO" sz="2400">
-                        <a:solidFill>
-                          <a:srgbClr val="000000"/>
-                        </a:solidFill>
-                        <a:effectLst/>
-                        <a:latin typeface="Times New Roman" panose="02020603050405020304" pitchFamily="18" charset="0"/>
-                        <a:ea typeface="Times New Roman" panose="02020603050405020304" pitchFamily="18" charset="0"/>
-                        <a:cs typeface="Times New Roman" panose="02020603050405020304" pitchFamily="18" charset="0"/>
-                      </a:endParaRPr>
-                    </a:p>
-                  </a:txBody>
-                  <a:tcPr marL="140698" marR="140698" marT="0" marB="0" anchor="ctr"/>
-                </a:tc>
-                <a:tc>
-                  <a:txBody>
-                    <a:bodyPr/>
-                    <a:lstStyle/>
-                    <a:p>
-                      <a:pPr marL="0" marR="229870" indent="0" algn="ctr">
-                        <a:lnSpc>
-                          <a:spcPct val="152000"/>
-                        </a:lnSpc>
-                        <a:spcBef>
-                          <a:spcPts val="0"/>
-                        </a:spcBef>
-                        <a:spcAft>
-                          <a:spcPts val="25"/>
-                        </a:spcAft>
-                      </a:pPr>
-                      <a:r>
-                        <a:rPr lang="ro-RO" sz="2400">
-                          <a:effectLst/>
-                        </a:rPr>
-                        <a:t>0.8738</a:t>
-                      </a:r>
-                      <a:endParaRPr lang="ro-RO" sz="2400">
-                        <a:solidFill>
-                          <a:srgbClr val="000000"/>
-                        </a:solidFill>
-                        <a:effectLst/>
-                        <a:latin typeface="Times New Roman" panose="02020603050405020304" pitchFamily="18" charset="0"/>
-                        <a:ea typeface="Times New Roman" panose="02020603050405020304" pitchFamily="18" charset="0"/>
-                        <a:cs typeface="Times New Roman" panose="02020603050405020304" pitchFamily="18" charset="0"/>
-                      </a:endParaRPr>
-                    </a:p>
-                  </a:txBody>
-                  <a:tcPr marL="140698" marR="140698" marT="0" marB="0" anchor="ctr"/>
-                </a:tc>
-                <a:tc>
-                  <a:txBody>
-                    <a:bodyPr/>
-                    <a:lstStyle/>
-                    <a:p>
-                      <a:pPr marL="0" marR="229870" indent="0" algn="ctr">
-                        <a:lnSpc>
-                          <a:spcPct val="152000"/>
-                        </a:lnSpc>
-                        <a:spcBef>
-                          <a:spcPts val="0"/>
-                        </a:spcBef>
-                        <a:spcAft>
-                          <a:spcPts val="25"/>
-                        </a:spcAft>
-                      </a:pPr>
-                      <a:r>
-                        <a:rPr lang="ro-RO" sz="2400">
-                          <a:effectLst/>
-                        </a:rPr>
-                        <a:t>0.8744</a:t>
-                      </a:r>
-                      <a:endParaRPr lang="ro-RO" sz="2400">
-                        <a:solidFill>
-                          <a:srgbClr val="000000"/>
-                        </a:solidFill>
-                        <a:effectLst/>
-                        <a:latin typeface="Times New Roman" panose="02020603050405020304" pitchFamily="18" charset="0"/>
-                        <a:ea typeface="Times New Roman" panose="02020603050405020304" pitchFamily="18" charset="0"/>
-                        <a:cs typeface="Times New Roman" panose="02020603050405020304" pitchFamily="18" charset="0"/>
-                      </a:endParaRPr>
-                    </a:p>
-                  </a:txBody>
-                  <a:tcPr marL="140698" marR="140698" marT="0" marB="0" anchor="ctr"/>
-                </a:tc>
-                <a:tc>
-                  <a:txBody>
-                    <a:bodyPr/>
-                    <a:lstStyle/>
-                    <a:p>
-                      <a:pPr marL="0" marR="229870" indent="0" algn="ctr">
-                        <a:lnSpc>
-                          <a:spcPct val="152000"/>
-                        </a:lnSpc>
-                        <a:spcBef>
-                          <a:spcPts val="0"/>
-                        </a:spcBef>
-                        <a:spcAft>
-                          <a:spcPts val="25"/>
-                        </a:spcAft>
-                      </a:pPr>
-                      <a:r>
-                        <a:rPr lang="ro-RO" sz="2400" dirty="0">
-                          <a:effectLst/>
-                        </a:rPr>
-                        <a:t>0.9054</a:t>
-                      </a:r>
-                      <a:endParaRPr lang="ro-RO" sz="2400" dirty="0">
-                        <a:solidFill>
-                          <a:srgbClr val="000000"/>
-                        </a:solidFill>
-                        <a:effectLst/>
-                        <a:latin typeface="Times New Roman" panose="02020603050405020304" pitchFamily="18" charset="0"/>
-                        <a:ea typeface="Times New Roman" panose="02020603050405020304" pitchFamily="18" charset="0"/>
-                        <a:cs typeface="Times New Roman" panose="02020603050405020304" pitchFamily="18" charset="0"/>
-                      </a:endParaRPr>
-                    </a:p>
-                  </a:txBody>
-                  <a:tcPr marL="140698" marR="140698" marT="0" marB="0" anchor="ctr"/>
-                </a:tc>
-                <a:extLst>
-                  <a:ext uri="{0D108BD9-81ED-4DB2-BD59-A6C34878D82A}">
-                    <a16:rowId xmlns:a16="http://schemas.microsoft.com/office/drawing/2014/main" val="2595452288"/>
+                    <a16:rowId xmlns:a16="http://schemas.microsoft.com/office/drawing/2014/main" val="296541695"/>
                   </a:ext>
                 </a:extLst>
               </a:tr>
@@ -9442,7 +13394,7 @@
           <p:cNvPr id="4" name="Slide Number Placeholder 3">
             <a:extLst>
               <a:ext uri="{FF2B5EF4-FFF2-40B4-BE49-F238E27FC236}">
-                <a16:creationId xmlns:a16="http://schemas.microsoft.com/office/drawing/2014/main" id="{2CA96FF6-66E7-4F03-A2E7-68FA127ECF85}"/>
+                <a16:creationId xmlns:a16="http://schemas.microsoft.com/office/drawing/2014/main" id="{BAE63692-9752-4EDB-9A7E-AF0A6A18E5F3}"/>
               </a:ext>
             </a:extLst>
           </p:cNvPr>
@@ -9466,10 +13418,1584 @@
           </a:p>
         </p:txBody>
       </p:sp>
+      <p:graphicFrame>
+        <p:nvGraphicFramePr>
+          <p:cNvPr id="6" name="Table 5">
+            <a:extLst>
+              <a:ext uri="{FF2B5EF4-FFF2-40B4-BE49-F238E27FC236}">
+                <a16:creationId xmlns:a16="http://schemas.microsoft.com/office/drawing/2014/main" id="{EFA10109-E528-43AE-A96D-7F6D2E47724C}"/>
+              </a:ext>
+            </a:extLst>
+          </p:cNvPr>
+          <p:cNvGraphicFramePr>
+            <a:graphicFrameLocks noGrp="1"/>
+          </p:cNvGraphicFramePr>
+          <p:nvPr>
+            <p:extLst>
+              <p:ext uri="{D42A27DB-BD31-4B8C-83A1-F6EECF244321}">
+                <p14:modId xmlns:p14="http://schemas.microsoft.com/office/powerpoint/2010/main" val="977357791"/>
+              </p:ext>
+            </p:extLst>
+          </p:nvPr>
+        </p:nvGraphicFramePr>
+        <p:xfrm>
+          <a:off x="1612796" y="2733528"/>
+          <a:ext cx="8699214" cy="371602"/>
+        </p:xfrm>
+        <a:graphic>
+          <a:graphicData uri="http://schemas.openxmlformats.org/drawingml/2006/table">
+            <a:tbl>
+              <a:tblPr firstRow="1" firstCol="1" bandRow="1">
+                <a:tableStyleId>{BC89EF96-8CEA-46FF-86C4-4CE0E7609802}</a:tableStyleId>
+              </a:tblPr>
+              <a:tblGrid>
+                <a:gridCol w="1507622">
+                  <a:extLst>
+                    <a:ext uri="{9D8B030D-6E8A-4147-A177-3AD203B41FA5}">
+                      <a16:colId xmlns:a16="http://schemas.microsoft.com/office/drawing/2014/main" val="3589579249"/>
+                    </a:ext>
+                  </a:extLst>
+                </a:gridCol>
+                <a:gridCol w="1133891">
+                  <a:extLst>
+                    <a:ext uri="{9D8B030D-6E8A-4147-A177-3AD203B41FA5}">
+                      <a16:colId xmlns:a16="http://schemas.microsoft.com/office/drawing/2014/main" val="3018345414"/>
+                    </a:ext>
+                  </a:extLst>
+                </a:gridCol>
+                <a:gridCol w="1292636">
+                  <a:extLst>
+                    <a:ext uri="{9D8B030D-6E8A-4147-A177-3AD203B41FA5}">
+                      <a16:colId xmlns:a16="http://schemas.microsoft.com/office/drawing/2014/main" val="3212763008"/>
+                    </a:ext>
+                  </a:extLst>
+                </a:gridCol>
+                <a:gridCol w="1230952">
+                  <a:extLst>
+                    <a:ext uri="{9D8B030D-6E8A-4147-A177-3AD203B41FA5}">
+                      <a16:colId xmlns:a16="http://schemas.microsoft.com/office/drawing/2014/main" val="1198313661"/>
+                    </a:ext>
+                  </a:extLst>
+                </a:gridCol>
+                <a:gridCol w="1417818">
+                  <a:extLst>
+                    <a:ext uri="{9D8B030D-6E8A-4147-A177-3AD203B41FA5}">
+                      <a16:colId xmlns:a16="http://schemas.microsoft.com/office/drawing/2014/main" val="1083949218"/>
+                    </a:ext>
+                  </a:extLst>
+                </a:gridCol>
+                <a:gridCol w="1138427">
+                  <a:extLst>
+                    <a:ext uri="{9D8B030D-6E8A-4147-A177-3AD203B41FA5}">
+                      <a16:colId xmlns:a16="http://schemas.microsoft.com/office/drawing/2014/main" val="1725617126"/>
+                    </a:ext>
+                  </a:extLst>
+                </a:gridCol>
+                <a:gridCol w="977868">
+                  <a:extLst>
+                    <a:ext uri="{9D8B030D-6E8A-4147-A177-3AD203B41FA5}">
+                      <a16:colId xmlns:a16="http://schemas.microsoft.com/office/drawing/2014/main" val="2215049012"/>
+                    </a:ext>
+                  </a:extLst>
+                </a:gridCol>
+              </a:tblGrid>
+              <a:tr h="371602">
+                <a:tc>
+                  <a:txBody>
+                    <a:bodyPr/>
+                    <a:lstStyle/>
+                    <a:p>
+                      <a:pPr marL="0" marR="229870" indent="0" algn="just">
+                        <a:lnSpc>
+                          <a:spcPct val="152000"/>
+                        </a:lnSpc>
+                        <a:spcBef>
+                          <a:spcPts val="0"/>
+                        </a:spcBef>
+                        <a:spcAft>
+                          <a:spcPts val="25"/>
+                        </a:spcAft>
+                      </a:pPr>
+                      <a:r>
+                        <a:rPr lang="ro-RO" sz="1600" b="0" dirty="0" err="1">
+                          <a:effectLst/>
+                        </a:rPr>
+                        <a:t>pravastatin</a:t>
+                      </a:r>
+                      <a:endParaRPr lang="ro-RO" sz="1600" b="0" dirty="0">
+                        <a:solidFill>
+                          <a:srgbClr val="000000"/>
+                        </a:solidFill>
+                        <a:effectLst/>
+                        <a:latin typeface="Times New Roman" panose="02020603050405020304" pitchFamily="18" charset="0"/>
+                        <a:ea typeface="Times New Roman" panose="02020603050405020304" pitchFamily="18" charset="0"/>
+                        <a:cs typeface="Times New Roman" panose="02020603050405020304" pitchFamily="18" charset="0"/>
+                      </a:endParaRPr>
+                    </a:p>
+                  </a:txBody>
+                  <a:tcPr marL="68580" marR="68580" marT="0" marB="0"/>
+                </a:tc>
+                <a:tc>
+                  <a:txBody>
+                    <a:bodyPr/>
+                    <a:lstStyle/>
+                    <a:p>
+                      <a:pPr marL="0" marR="229870" indent="0" algn="just">
+                        <a:lnSpc>
+                          <a:spcPct val="152000"/>
+                        </a:lnSpc>
+                        <a:spcBef>
+                          <a:spcPts val="0"/>
+                        </a:spcBef>
+                        <a:spcAft>
+                          <a:spcPts val="25"/>
+                        </a:spcAft>
+                      </a:pPr>
+                      <a:r>
+                        <a:rPr lang="ro-RO" sz="1600" b="0" dirty="0" err="1">
+                          <a:effectLst/>
+                        </a:rPr>
+                        <a:t>is</a:t>
+                      </a:r>
+                      <a:endParaRPr lang="ro-RO" sz="1600" b="0" dirty="0">
+                        <a:solidFill>
+                          <a:srgbClr val="000000"/>
+                        </a:solidFill>
+                        <a:effectLst/>
+                        <a:latin typeface="Times New Roman" panose="02020603050405020304" pitchFamily="18" charset="0"/>
+                        <a:ea typeface="Times New Roman" panose="02020603050405020304" pitchFamily="18" charset="0"/>
+                        <a:cs typeface="Times New Roman" panose="02020603050405020304" pitchFamily="18" charset="0"/>
+                      </a:endParaRPr>
+                    </a:p>
+                  </a:txBody>
+                  <a:tcPr marL="68580" marR="68580" marT="0" marB="0"/>
+                </a:tc>
+                <a:tc>
+                  <a:txBody>
+                    <a:bodyPr/>
+                    <a:lstStyle/>
+                    <a:p>
+                      <a:pPr marL="0" marR="229870" indent="0" algn="just">
+                        <a:lnSpc>
+                          <a:spcPct val="152000"/>
+                        </a:lnSpc>
+                        <a:spcBef>
+                          <a:spcPts val="0"/>
+                        </a:spcBef>
+                        <a:spcAft>
+                          <a:spcPts val="25"/>
+                        </a:spcAft>
+                      </a:pPr>
+                      <a:r>
+                        <a:rPr lang="ro-RO" sz="1600" b="0">
+                          <a:effectLst/>
+                        </a:rPr>
+                        <a:t>associ</a:t>
+                      </a:r>
+                      <a:endParaRPr lang="ro-RO" sz="1600" b="0">
+                        <a:solidFill>
+                          <a:srgbClr val="000000"/>
+                        </a:solidFill>
+                        <a:effectLst/>
+                        <a:latin typeface="Times New Roman" panose="02020603050405020304" pitchFamily="18" charset="0"/>
+                        <a:ea typeface="Times New Roman" panose="02020603050405020304" pitchFamily="18" charset="0"/>
+                        <a:cs typeface="Times New Roman" panose="02020603050405020304" pitchFamily="18" charset="0"/>
+                      </a:endParaRPr>
+                    </a:p>
+                  </a:txBody>
+                  <a:tcPr marL="68580" marR="68580" marT="0" marB="0"/>
+                </a:tc>
+                <a:tc>
+                  <a:txBody>
+                    <a:bodyPr/>
+                    <a:lstStyle/>
+                    <a:p>
+                      <a:pPr marL="0" marR="229870" indent="0" algn="just">
+                        <a:lnSpc>
+                          <a:spcPct val="152000"/>
+                        </a:lnSpc>
+                        <a:spcBef>
+                          <a:spcPts val="0"/>
+                        </a:spcBef>
+                        <a:spcAft>
+                          <a:spcPts val="25"/>
+                        </a:spcAft>
+                      </a:pPr>
+                      <a:r>
+                        <a:rPr lang="ro-RO" sz="1600" b="0">
+                          <a:effectLst/>
+                        </a:rPr>
+                        <a:t>with</a:t>
+                      </a:r>
+                      <a:endParaRPr lang="ro-RO" sz="1600" b="0">
+                        <a:solidFill>
+                          <a:srgbClr val="000000"/>
+                        </a:solidFill>
+                        <a:effectLst/>
+                        <a:latin typeface="Times New Roman" panose="02020603050405020304" pitchFamily="18" charset="0"/>
+                        <a:ea typeface="Times New Roman" panose="02020603050405020304" pitchFamily="18" charset="0"/>
+                        <a:cs typeface="Times New Roman" panose="02020603050405020304" pitchFamily="18" charset="0"/>
+                      </a:endParaRPr>
+                    </a:p>
+                  </a:txBody>
+                  <a:tcPr marL="68580" marR="68580" marT="0" marB="0"/>
+                </a:tc>
+                <a:tc>
+                  <a:txBody>
+                    <a:bodyPr/>
+                    <a:lstStyle/>
+                    <a:p>
+                      <a:pPr marL="0" marR="229870" indent="0" algn="just">
+                        <a:lnSpc>
+                          <a:spcPct val="152000"/>
+                        </a:lnSpc>
+                        <a:spcBef>
+                          <a:spcPts val="0"/>
+                        </a:spcBef>
+                        <a:spcAft>
+                          <a:spcPts val="25"/>
+                        </a:spcAft>
+                      </a:pPr>
+                      <a:r>
+                        <a:rPr lang="ro-RO" sz="1600" b="0">
+                          <a:effectLst/>
+                        </a:rPr>
+                        <a:t>myotonia</a:t>
+                      </a:r>
+                      <a:endParaRPr lang="ro-RO" sz="1600" b="0">
+                        <a:solidFill>
+                          <a:srgbClr val="000000"/>
+                        </a:solidFill>
+                        <a:effectLst/>
+                        <a:latin typeface="Times New Roman" panose="02020603050405020304" pitchFamily="18" charset="0"/>
+                        <a:ea typeface="Times New Roman" panose="02020603050405020304" pitchFamily="18" charset="0"/>
+                        <a:cs typeface="Times New Roman" panose="02020603050405020304" pitchFamily="18" charset="0"/>
+                      </a:endParaRPr>
+                    </a:p>
+                  </a:txBody>
+                  <a:tcPr marL="68580" marR="68580" marT="0" marB="0"/>
+                </a:tc>
+                <a:tc>
+                  <a:txBody>
+                    <a:bodyPr/>
+                    <a:lstStyle/>
+                    <a:p>
+                      <a:pPr marL="0" marR="229870" indent="0" algn="just">
+                        <a:lnSpc>
+                          <a:spcPct val="152000"/>
+                        </a:lnSpc>
+                        <a:spcBef>
+                          <a:spcPts val="0"/>
+                        </a:spcBef>
+                        <a:spcAft>
+                          <a:spcPts val="25"/>
+                        </a:spcAft>
+                      </a:pPr>
+                      <a:r>
+                        <a:rPr lang="ro-RO" sz="1600" b="0">
+                          <a:effectLst/>
+                        </a:rPr>
+                        <a:t>in</a:t>
+                      </a:r>
+                      <a:endParaRPr lang="ro-RO" sz="1600" b="0">
+                        <a:solidFill>
+                          <a:srgbClr val="000000"/>
+                        </a:solidFill>
+                        <a:effectLst/>
+                        <a:latin typeface="Times New Roman" panose="02020603050405020304" pitchFamily="18" charset="0"/>
+                        <a:ea typeface="Times New Roman" panose="02020603050405020304" pitchFamily="18" charset="0"/>
+                        <a:cs typeface="Times New Roman" panose="02020603050405020304" pitchFamily="18" charset="0"/>
+                      </a:endParaRPr>
+                    </a:p>
+                  </a:txBody>
+                  <a:tcPr marL="68580" marR="68580" marT="0" marB="0"/>
+                </a:tc>
+                <a:tc>
+                  <a:txBody>
+                    <a:bodyPr/>
+                    <a:lstStyle/>
+                    <a:p>
+                      <a:pPr marL="0" marR="229870" indent="0" algn="just">
+                        <a:lnSpc>
+                          <a:spcPct val="152000"/>
+                        </a:lnSpc>
+                        <a:spcBef>
+                          <a:spcPts val="0"/>
+                        </a:spcBef>
+                        <a:spcAft>
+                          <a:spcPts val="25"/>
+                        </a:spcAft>
+                      </a:pPr>
+                      <a:r>
+                        <a:rPr lang="ro-RO" sz="1600" b="0" dirty="0">
+                          <a:effectLst/>
+                        </a:rPr>
+                        <a:t>anim</a:t>
+                      </a:r>
+                      <a:endParaRPr lang="ro-RO" sz="1600" b="0" dirty="0">
+                        <a:solidFill>
+                          <a:srgbClr val="000000"/>
+                        </a:solidFill>
+                        <a:effectLst/>
+                        <a:latin typeface="Times New Roman" panose="02020603050405020304" pitchFamily="18" charset="0"/>
+                        <a:ea typeface="Times New Roman" panose="02020603050405020304" pitchFamily="18" charset="0"/>
+                        <a:cs typeface="Times New Roman" panose="02020603050405020304" pitchFamily="18" charset="0"/>
+                      </a:endParaRPr>
+                    </a:p>
+                  </a:txBody>
+                  <a:tcPr marL="68580" marR="68580" marT="0" marB="0"/>
+                </a:tc>
+                <a:extLst>
+                  <a:ext uri="{0D108BD9-81ED-4DB2-BD59-A6C34878D82A}">
+                    <a16:rowId xmlns:a16="http://schemas.microsoft.com/office/drawing/2014/main" val="2481623799"/>
+                  </a:ext>
+                </a:extLst>
+              </a:tr>
+            </a:tbl>
+          </a:graphicData>
+        </a:graphic>
+      </p:graphicFrame>
+      <p:sp>
+        <p:nvSpPr>
+          <p:cNvPr id="7" name="Arrow: Down 6">
+            <a:extLst>
+              <a:ext uri="{FF2B5EF4-FFF2-40B4-BE49-F238E27FC236}">
+                <a16:creationId xmlns:a16="http://schemas.microsoft.com/office/drawing/2014/main" id="{B08CA680-F757-4199-9FB1-0BFE213C3A0B}"/>
+              </a:ext>
+            </a:extLst>
+          </p:cNvPr>
+          <p:cNvSpPr/>
+          <p:nvPr/>
+        </p:nvSpPr>
+        <p:spPr>
+          <a:xfrm>
+            <a:off x="6012533" y="2200222"/>
+            <a:ext cx="313454" cy="533306"/>
+          </a:xfrm>
+          <a:prstGeom prst="downArrow">
+            <a:avLst>
+              <a:gd name="adj1" fmla="val 23626"/>
+              <a:gd name="adj2" fmla="val 36813"/>
+            </a:avLst>
+          </a:prstGeom>
+          <a:solidFill>
+            <a:schemeClr val="accent5">
+              <a:lumMod val="20000"/>
+              <a:lumOff val="80000"/>
+            </a:schemeClr>
+          </a:solidFill>
+        </p:spPr>
+        <p:style>
+          <a:lnRef idx="2">
+            <a:schemeClr val="accent1">
+              <a:shade val="50000"/>
+            </a:schemeClr>
+          </a:lnRef>
+          <a:fillRef idx="1">
+            <a:schemeClr val="accent1"/>
+          </a:fillRef>
+          <a:effectRef idx="0">
+            <a:schemeClr val="accent1"/>
+          </a:effectRef>
+          <a:fontRef idx="minor">
+            <a:schemeClr val="lt1"/>
+          </a:fontRef>
+        </p:style>
+        <p:txBody>
+          <a:bodyPr rtlCol="0" anchor="ctr"/>
+          <a:lstStyle/>
+          <a:p>
+            <a:pPr algn="ctr"/>
+            <a:endParaRPr lang="ro-RO"/>
+          </a:p>
+        </p:txBody>
+      </p:sp>
+      <p:sp>
+        <p:nvSpPr>
+          <p:cNvPr id="8" name="TextBox 7">
+            <a:extLst>
+              <a:ext uri="{FF2B5EF4-FFF2-40B4-BE49-F238E27FC236}">
+                <a16:creationId xmlns:a16="http://schemas.microsoft.com/office/drawing/2014/main" id="{ACCCB966-8A73-4762-A4B6-F8D5AF90381E}"/>
+              </a:ext>
+            </a:extLst>
+          </p:cNvPr>
+          <p:cNvSpPr txBox="1"/>
+          <p:nvPr/>
+        </p:nvSpPr>
+        <p:spPr>
+          <a:xfrm>
+            <a:off x="5126121" y="2230424"/>
+            <a:ext cx="2086277" cy="338554"/>
+          </a:xfrm>
+          <a:prstGeom prst="rect">
+            <a:avLst/>
+          </a:prstGeom>
+          <a:noFill/>
+        </p:spPr>
+        <p:txBody>
+          <a:bodyPr wrap="none" rtlCol="0">
+            <a:spAutoFit/>
+          </a:bodyPr>
+          <a:lstStyle/>
+          <a:p>
+            <a:r>
+              <a:rPr lang="ro-RO" sz="1600" i="1" dirty="0" err="1"/>
+              <a:t>Tokenizare</a:t>
+            </a:r>
+            <a:r>
+              <a:rPr lang="ro-RO" sz="1600" i="1" dirty="0"/>
+              <a:t>    </a:t>
+            </a:r>
+            <a:r>
+              <a:rPr lang="ro-RO" sz="1600" i="1" dirty="0" err="1"/>
+              <a:t>Stemming</a:t>
+            </a:r>
+            <a:endParaRPr lang="ro-RO" sz="1600" i="1" dirty="0"/>
+          </a:p>
+        </p:txBody>
+      </p:sp>
+      <p:graphicFrame>
+        <p:nvGraphicFramePr>
+          <p:cNvPr id="10" name="Table 9">
+            <a:extLst>
+              <a:ext uri="{FF2B5EF4-FFF2-40B4-BE49-F238E27FC236}">
+                <a16:creationId xmlns:a16="http://schemas.microsoft.com/office/drawing/2014/main" id="{14884E6C-C5D3-45A8-A1E2-98861BE56A52}"/>
+              </a:ext>
+            </a:extLst>
+          </p:cNvPr>
+          <p:cNvGraphicFramePr>
+            <a:graphicFrameLocks noGrp="1"/>
+          </p:cNvGraphicFramePr>
+          <p:nvPr>
+            <p:extLst>
+              <p:ext uri="{D42A27DB-BD31-4B8C-83A1-F6EECF244321}">
+                <p14:modId xmlns:p14="http://schemas.microsoft.com/office/powerpoint/2010/main" val="4231590649"/>
+              </p:ext>
+            </p:extLst>
+          </p:nvPr>
+        </p:nvGraphicFramePr>
+        <p:xfrm>
+          <a:off x="838200" y="3665372"/>
+          <a:ext cx="10348665" cy="365125"/>
+        </p:xfrm>
+        <a:graphic>
+          <a:graphicData uri="http://schemas.openxmlformats.org/drawingml/2006/table">
+            <a:tbl>
+              <a:tblPr firstRow="1" firstCol="1" bandRow="1">
+                <a:tableStyleId>{BC89EF96-8CEA-46FF-86C4-4CE0E7609802}</a:tableStyleId>
+              </a:tblPr>
+              <a:tblGrid>
+                <a:gridCol w="2320441">
+                  <a:extLst>
+                    <a:ext uri="{9D8B030D-6E8A-4147-A177-3AD203B41FA5}">
+                      <a16:colId xmlns:a16="http://schemas.microsoft.com/office/drawing/2014/main" val="3589579249"/>
+                    </a:ext>
+                  </a:extLst>
+                </a:gridCol>
+                <a:gridCol w="1111988">
+                  <a:extLst>
+                    <a:ext uri="{9D8B030D-6E8A-4147-A177-3AD203B41FA5}">
+                      <a16:colId xmlns:a16="http://schemas.microsoft.com/office/drawing/2014/main" val="3018345414"/>
+                    </a:ext>
+                  </a:extLst>
+                </a:gridCol>
+                <a:gridCol w="1841162">
+                  <a:extLst>
+                    <a:ext uri="{9D8B030D-6E8A-4147-A177-3AD203B41FA5}">
+                      <a16:colId xmlns:a16="http://schemas.microsoft.com/office/drawing/2014/main" val="3212763008"/>
+                    </a:ext>
+                  </a:extLst>
+                </a:gridCol>
+                <a:gridCol w="2398276">
+                  <a:extLst>
+                    <a:ext uri="{9D8B030D-6E8A-4147-A177-3AD203B41FA5}">
+                      <a16:colId xmlns:a16="http://schemas.microsoft.com/office/drawing/2014/main" val="1083949218"/>
+                    </a:ext>
+                  </a:extLst>
+                </a:gridCol>
+                <a:gridCol w="2676798">
+                  <a:extLst>
+                    <a:ext uri="{9D8B030D-6E8A-4147-A177-3AD203B41FA5}">
+                      <a16:colId xmlns:a16="http://schemas.microsoft.com/office/drawing/2014/main" val="2215049012"/>
+                    </a:ext>
+                  </a:extLst>
+                </a:gridCol>
+              </a:tblGrid>
+              <a:tr h="365125">
+                <a:tc>
+                  <a:txBody>
+                    <a:bodyPr/>
+                    <a:lstStyle/>
+                    <a:p>
+                      <a:pPr marL="0" marR="229870" indent="0" algn="just">
+                        <a:lnSpc>
+                          <a:spcPct val="152000"/>
+                        </a:lnSpc>
+                        <a:spcBef>
+                          <a:spcPts val="0"/>
+                        </a:spcBef>
+                        <a:spcAft>
+                          <a:spcPts val="25"/>
+                        </a:spcAft>
+                      </a:pPr>
+                      <a:r>
+                        <a:rPr lang="ro-RO" sz="1600" b="0" dirty="0" err="1">
+                          <a:effectLst/>
+                        </a:rPr>
+                        <a:t>pravastatin</a:t>
+                      </a:r>
+                      <a:r>
+                        <a:rPr lang="ro-RO" sz="1600" b="0" dirty="0">
+                          <a:effectLst/>
+                        </a:rPr>
+                        <a:t> (</a:t>
+                      </a:r>
+                      <a:r>
+                        <a:rPr lang="ro-RO" sz="1600" b="0" i="1" dirty="0" err="1">
+                          <a:effectLst/>
+                        </a:rPr>
+                        <a:t>sustantiv</a:t>
+                      </a:r>
+                      <a:r>
+                        <a:rPr lang="ro-RO" sz="1600" b="0" dirty="0">
+                          <a:effectLst/>
+                        </a:rPr>
+                        <a:t>)</a:t>
+                      </a:r>
+                      <a:endParaRPr lang="ro-RO" sz="1600" b="0" dirty="0">
+                        <a:solidFill>
+                          <a:srgbClr val="000000"/>
+                        </a:solidFill>
+                        <a:effectLst/>
+                        <a:latin typeface="Times New Roman" panose="02020603050405020304" pitchFamily="18" charset="0"/>
+                        <a:ea typeface="Times New Roman" panose="02020603050405020304" pitchFamily="18" charset="0"/>
+                        <a:cs typeface="Times New Roman" panose="02020603050405020304" pitchFamily="18" charset="0"/>
+                      </a:endParaRPr>
+                    </a:p>
+                  </a:txBody>
+                  <a:tcPr marL="68580" marR="68580" marT="0" marB="0"/>
+                </a:tc>
+                <a:tc>
+                  <a:txBody>
+                    <a:bodyPr/>
+                    <a:lstStyle/>
+                    <a:p>
+                      <a:pPr marL="0" marR="229870" indent="0" algn="just">
+                        <a:lnSpc>
+                          <a:spcPct val="152000"/>
+                        </a:lnSpc>
+                        <a:spcBef>
+                          <a:spcPts val="0"/>
+                        </a:spcBef>
+                        <a:spcAft>
+                          <a:spcPts val="25"/>
+                        </a:spcAft>
+                      </a:pPr>
+                      <a:r>
+                        <a:rPr lang="ro-RO" sz="1600" b="0" dirty="0" err="1">
+                          <a:effectLst/>
+                        </a:rPr>
+                        <a:t>is</a:t>
+                      </a:r>
+                      <a:r>
+                        <a:rPr lang="ro-RO" sz="1600" b="0" dirty="0">
+                          <a:effectLst/>
+                        </a:rPr>
+                        <a:t> (</a:t>
+                      </a:r>
+                      <a:r>
+                        <a:rPr lang="ro-RO" sz="1600" b="0" i="1" dirty="0">
+                          <a:effectLst/>
+                        </a:rPr>
+                        <a:t>verb</a:t>
+                      </a:r>
+                      <a:r>
+                        <a:rPr lang="ro-RO" sz="1600" b="0" dirty="0">
+                          <a:effectLst/>
+                        </a:rPr>
+                        <a:t>)</a:t>
+                      </a:r>
+                      <a:endParaRPr lang="ro-RO" sz="1600" b="0" dirty="0">
+                        <a:solidFill>
+                          <a:srgbClr val="000000"/>
+                        </a:solidFill>
+                        <a:effectLst/>
+                        <a:latin typeface="Times New Roman" panose="02020603050405020304" pitchFamily="18" charset="0"/>
+                        <a:ea typeface="Times New Roman" panose="02020603050405020304" pitchFamily="18" charset="0"/>
+                        <a:cs typeface="Times New Roman" panose="02020603050405020304" pitchFamily="18" charset="0"/>
+                      </a:endParaRPr>
+                    </a:p>
+                  </a:txBody>
+                  <a:tcPr marL="68580" marR="68580" marT="0" marB="0"/>
+                </a:tc>
+                <a:tc>
+                  <a:txBody>
+                    <a:bodyPr/>
+                    <a:lstStyle/>
+                    <a:p>
+                      <a:pPr marL="0" marR="229870" indent="0" algn="just">
+                        <a:lnSpc>
+                          <a:spcPct val="152000"/>
+                        </a:lnSpc>
+                        <a:spcBef>
+                          <a:spcPts val="0"/>
+                        </a:spcBef>
+                        <a:spcAft>
+                          <a:spcPts val="25"/>
+                        </a:spcAft>
+                      </a:pPr>
+                      <a:r>
+                        <a:rPr lang="ro-RO" sz="1600" b="0" dirty="0" err="1">
+                          <a:effectLst/>
+                        </a:rPr>
+                        <a:t>associ</a:t>
+                      </a:r>
+                      <a:r>
+                        <a:rPr lang="ro-RO" sz="1600" b="0" dirty="0">
+                          <a:effectLst/>
+                        </a:rPr>
+                        <a:t> (</a:t>
+                      </a:r>
+                      <a:r>
+                        <a:rPr lang="ro-RO" sz="1600" b="0" i="1" dirty="0">
+                          <a:effectLst/>
+                        </a:rPr>
+                        <a:t>adjectiv</a:t>
+                      </a:r>
+                      <a:r>
+                        <a:rPr lang="ro-RO" sz="1600" b="0" dirty="0">
+                          <a:effectLst/>
+                        </a:rPr>
+                        <a:t>)</a:t>
+                      </a:r>
+                      <a:endParaRPr lang="ro-RO" sz="1600" b="0" dirty="0">
+                        <a:solidFill>
+                          <a:srgbClr val="000000"/>
+                        </a:solidFill>
+                        <a:effectLst/>
+                        <a:latin typeface="Times New Roman" panose="02020603050405020304" pitchFamily="18" charset="0"/>
+                        <a:ea typeface="Times New Roman" panose="02020603050405020304" pitchFamily="18" charset="0"/>
+                        <a:cs typeface="Times New Roman" panose="02020603050405020304" pitchFamily="18" charset="0"/>
+                      </a:endParaRPr>
+                    </a:p>
+                  </a:txBody>
+                  <a:tcPr marL="68580" marR="68580" marT="0" marB="0"/>
+                </a:tc>
+                <a:tc>
+                  <a:txBody>
+                    <a:bodyPr/>
+                    <a:lstStyle/>
+                    <a:p>
+                      <a:pPr marL="0" marR="229870" indent="0" algn="just">
+                        <a:lnSpc>
+                          <a:spcPct val="152000"/>
+                        </a:lnSpc>
+                        <a:spcBef>
+                          <a:spcPts val="0"/>
+                        </a:spcBef>
+                        <a:spcAft>
+                          <a:spcPts val="25"/>
+                        </a:spcAft>
+                      </a:pPr>
+                      <a:r>
+                        <a:rPr lang="ro-RO" sz="1600" b="0" dirty="0" err="1">
+                          <a:effectLst/>
+                        </a:rPr>
+                        <a:t>myotonia</a:t>
+                      </a:r>
+                      <a:r>
+                        <a:rPr lang="ro-RO" sz="1600" b="0" dirty="0">
+                          <a:effectLst/>
+                        </a:rPr>
+                        <a:t> (</a:t>
+                      </a:r>
+                      <a:r>
+                        <a:rPr lang="ro-RO" sz="1600" b="0" i="1" dirty="0">
+                          <a:effectLst/>
+                        </a:rPr>
+                        <a:t>substantiv</a:t>
+                      </a:r>
+                      <a:r>
+                        <a:rPr lang="ro-RO" sz="1600" b="0" dirty="0">
+                          <a:effectLst/>
+                        </a:rPr>
+                        <a:t>)</a:t>
+                      </a:r>
+                      <a:endParaRPr lang="ro-RO" sz="1600" b="0" dirty="0">
+                        <a:solidFill>
+                          <a:srgbClr val="000000"/>
+                        </a:solidFill>
+                        <a:effectLst/>
+                        <a:latin typeface="Times New Roman" panose="02020603050405020304" pitchFamily="18" charset="0"/>
+                        <a:ea typeface="Times New Roman" panose="02020603050405020304" pitchFamily="18" charset="0"/>
+                        <a:cs typeface="Times New Roman" panose="02020603050405020304" pitchFamily="18" charset="0"/>
+                      </a:endParaRPr>
+                    </a:p>
+                  </a:txBody>
+                  <a:tcPr marL="68580" marR="68580" marT="0" marB="0"/>
+                </a:tc>
+                <a:tc>
+                  <a:txBody>
+                    <a:bodyPr/>
+                    <a:lstStyle/>
+                    <a:p>
+                      <a:pPr marL="0" marR="229870" indent="0" algn="just">
+                        <a:lnSpc>
+                          <a:spcPct val="152000"/>
+                        </a:lnSpc>
+                        <a:spcBef>
+                          <a:spcPts val="0"/>
+                        </a:spcBef>
+                        <a:spcAft>
+                          <a:spcPts val="25"/>
+                        </a:spcAft>
+                      </a:pPr>
+                      <a:r>
+                        <a:rPr lang="ro-RO" sz="1600" b="0" dirty="0">
+                          <a:effectLst/>
+                        </a:rPr>
+                        <a:t>anim (</a:t>
+                      </a:r>
+                      <a:r>
+                        <a:rPr lang="ro-RO" sz="1600" b="0" i="1" dirty="0">
+                          <a:effectLst/>
+                        </a:rPr>
+                        <a:t>substantiv</a:t>
+                      </a:r>
+                      <a:r>
+                        <a:rPr lang="ro-RO" sz="1600" b="0" dirty="0">
+                          <a:effectLst/>
+                        </a:rPr>
+                        <a:t>)</a:t>
+                      </a:r>
+                      <a:endParaRPr lang="ro-RO" sz="1600" b="0" dirty="0">
+                        <a:solidFill>
+                          <a:srgbClr val="000000"/>
+                        </a:solidFill>
+                        <a:effectLst/>
+                        <a:latin typeface="Times New Roman" panose="02020603050405020304" pitchFamily="18" charset="0"/>
+                        <a:ea typeface="Times New Roman" panose="02020603050405020304" pitchFamily="18" charset="0"/>
+                        <a:cs typeface="Times New Roman" panose="02020603050405020304" pitchFamily="18" charset="0"/>
+                      </a:endParaRPr>
+                    </a:p>
+                  </a:txBody>
+                  <a:tcPr marL="68580" marR="68580" marT="0" marB="0"/>
+                </a:tc>
+                <a:extLst>
+                  <a:ext uri="{0D108BD9-81ED-4DB2-BD59-A6C34878D82A}">
+                    <a16:rowId xmlns:a16="http://schemas.microsoft.com/office/drawing/2014/main" val="2481623799"/>
+                  </a:ext>
+                </a:extLst>
+              </a:tr>
+            </a:tbl>
+          </a:graphicData>
+        </a:graphic>
+      </p:graphicFrame>
+      <p:sp>
+        <p:nvSpPr>
+          <p:cNvPr id="11" name="Arrow: Down 10">
+            <a:extLst>
+              <a:ext uri="{FF2B5EF4-FFF2-40B4-BE49-F238E27FC236}">
+                <a16:creationId xmlns:a16="http://schemas.microsoft.com/office/drawing/2014/main" id="{3ED3485F-933A-4A54-8718-5F6481491D7B}"/>
+              </a:ext>
+            </a:extLst>
+          </p:cNvPr>
+          <p:cNvSpPr/>
+          <p:nvPr/>
+        </p:nvSpPr>
+        <p:spPr>
+          <a:xfrm>
+            <a:off x="6012533" y="3114583"/>
+            <a:ext cx="313454" cy="533306"/>
+          </a:xfrm>
+          <a:prstGeom prst="downArrow">
+            <a:avLst>
+              <a:gd name="adj1" fmla="val 23626"/>
+              <a:gd name="adj2" fmla="val 36813"/>
+            </a:avLst>
+          </a:prstGeom>
+          <a:solidFill>
+            <a:schemeClr val="accent5">
+              <a:lumMod val="20000"/>
+              <a:lumOff val="80000"/>
+            </a:schemeClr>
+          </a:solidFill>
+        </p:spPr>
+        <p:style>
+          <a:lnRef idx="2">
+            <a:schemeClr val="accent1">
+              <a:shade val="50000"/>
+            </a:schemeClr>
+          </a:lnRef>
+          <a:fillRef idx="1">
+            <a:schemeClr val="accent1"/>
+          </a:fillRef>
+          <a:effectRef idx="0">
+            <a:schemeClr val="accent1"/>
+          </a:effectRef>
+          <a:fontRef idx="minor">
+            <a:schemeClr val="lt1"/>
+          </a:fontRef>
+        </p:style>
+        <p:txBody>
+          <a:bodyPr rtlCol="0" anchor="ctr"/>
+          <a:lstStyle/>
+          <a:p>
+            <a:pPr algn="ctr"/>
+            <a:endParaRPr lang="ro-RO"/>
+          </a:p>
+        </p:txBody>
+      </p:sp>
+      <p:sp>
+        <p:nvSpPr>
+          <p:cNvPr id="13" name="TextBox 12">
+            <a:extLst>
+              <a:ext uri="{FF2B5EF4-FFF2-40B4-BE49-F238E27FC236}">
+                <a16:creationId xmlns:a16="http://schemas.microsoft.com/office/drawing/2014/main" id="{B1D31C19-F8D8-4588-8BAA-6C4CDF297633}"/>
+              </a:ext>
+            </a:extLst>
+          </p:cNvPr>
+          <p:cNvSpPr txBox="1"/>
+          <p:nvPr/>
+        </p:nvSpPr>
+        <p:spPr>
+          <a:xfrm>
+            <a:off x="2404996" y="3151188"/>
+            <a:ext cx="8575829" cy="338554"/>
+          </a:xfrm>
+          <a:prstGeom prst="rect">
+            <a:avLst/>
+          </a:prstGeom>
+          <a:noFill/>
+        </p:spPr>
+        <p:txBody>
+          <a:bodyPr wrap="square" rtlCol="0">
+            <a:spAutoFit/>
+          </a:bodyPr>
+          <a:lstStyle/>
+          <a:p>
+            <a:r>
+              <a:rPr lang="ro-RO" sz="1600" i="1" dirty="0"/>
+              <a:t>Filtrarea rezultatelor în funcție de partea de    propoziție (substantiv, verb și adjectiv)</a:t>
+            </a:r>
+          </a:p>
+        </p:txBody>
+      </p:sp>
+      <p:sp>
+        <p:nvSpPr>
+          <p:cNvPr id="16" name="Arrow: Down 15">
+            <a:extLst>
+              <a:ext uri="{FF2B5EF4-FFF2-40B4-BE49-F238E27FC236}">
+                <a16:creationId xmlns:a16="http://schemas.microsoft.com/office/drawing/2014/main" id="{F69E9ABC-1968-46CD-BB65-C405B66095A1}"/>
+              </a:ext>
+            </a:extLst>
+          </p:cNvPr>
+          <p:cNvSpPr/>
+          <p:nvPr/>
+        </p:nvSpPr>
+        <p:spPr>
+          <a:xfrm>
+            <a:off x="5965250" y="4030497"/>
+            <a:ext cx="313454" cy="533306"/>
+          </a:xfrm>
+          <a:prstGeom prst="downArrow">
+            <a:avLst>
+              <a:gd name="adj1" fmla="val 23626"/>
+              <a:gd name="adj2" fmla="val 36813"/>
+            </a:avLst>
+          </a:prstGeom>
+          <a:solidFill>
+            <a:schemeClr val="accent5">
+              <a:lumMod val="20000"/>
+              <a:lumOff val="80000"/>
+            </a:schemeClr>
+          </a:solidFill>
+        </p:spPr>
+        <p:style>
+          <a:lnRef idx="2">
+            <a:schemeClr val="accent1">
+              <a:shade val="50000"/>
+            </a:schemeClr>
+          </a:lnRef>
+          <a:fillRef idx="1">
+            <a:schemeClr val="accent1"/>
+          </a:fillRef>
+          <a:effectRef idx="0">
+            <a:schemeClr val="accent1"/>
+          </a:effectRef>
+          <a:fontRef idx="minor">
+            <a:schemeClr val="lt1"/>
+          </a:fontRef>
+        </p:style>
+        <p:txBody>
+          <a:bodyPr rtlCol="0" anchor="ctr"/>
+          <a:lstStyle/>
+          <a:p>
+            <a:pPr algn="ctr"/>
+            <a:endParaRPr lang="ro-RO"/>
+          </a:p>
+        </p:txBody>
+      </p:sp>
+      <p:sp>
+        <p:nvSpPr>
+          <p:cNvPr id="17" name="TextBox 16">
+            <a:extLst>
+              <a:ext uri="{FF2B5EF4-FFF2-40B4-BE49-F238E27FC236}">
+                <a16:creationId xmlns:a16="http://schemas.microsoft.com/office/drawing/2014/main" id="{5CBCD448-2199-4E55-8B14-3848AC78E848}"/>
+              </a:ext>
+            </a:extLst>
+          </p:cNvPr>
+          <p:cNvSpPr txBox="1"/>
+          <p:nvPr/>
+        </p:nvSpPr>
+        <p:spPr>
+          <a:xfrm>
+            <a:off x="6121977" y="4105149"/>
+            <a:ext cx="2725426" cy="338554"/>
+          </a:xfrm>
+          <a:prstGeom prst="rect">
+            <a:avLst/>
+          </a:prstGeom>
+          <a:noFill/>
+        </p:spPr>
+        <p:txBody>
+          <a:bodyPr wrap="none" rtlCol="0">
+            <a:spAutoFit/>
+          </a:bodyPr>
+          <a:lstStyle/>
+          <a:p>
+            <a:r>
+              <a:rPr lang="ro-RO" sz="1600" i="1" dirty="0" err="1"/>
+              <a:t>WordNet</a:t>
+            </a:r>
+            <a:r>
+              <a:rPr lang="ro-RO" sz="1600" i="1" dirty="0"/>
+              <a:t> (aflarea sinonimelor)</a:t>
+            </a:r>
+          </a:p>
+        </p:txBody>
+      </p:sp>
+      <p:graphicFrame>
+        <p:nvGraphicFramePr>
+          <p:cNvPr id="18" name="Table 17">
+            <a:extLst>
+              <a:ext uri="{FF2B5EF4-FFF2-40B4-BE49-F238E27FC236}">
+                <a16:creationId xmlns:a16="http://schemas.microsoft.com/office/drawing/2014/main" id="{A26C05EB-C34B-446F-AD12-77F50E2E7BA8}"/>
+              </a:ext>
+            </a:extLst>
+          </p:cNvPr>
+          <p:cNvGraphicFramePr>
+            <a:graphicFrameLocks noGrp="1"/>
+          </p:cNvGraphicFramePr>
+          <p:nvPr>
+            <p:extLst>
+              <p:ext uri="{D42A27DB-BD31-4B8C-83A1-F6EECF244321}">
+                <p14:modId xmlns:p14="http://schemas.microsoft.com/office/powerpoint/2010/main" val="3389225596"/>
+              </p:ext>
+            </p:extLst>
+          </p:nvPr>
+        </p:nvGraphicFramePr>
+        <p:xfrm>
+          <a:off x="838200" y="4573361"/>
+          <a:ext cx="10348666" cy="1132203"/>
+        </p:xfrm>
+        <a:graphic>
+          <a:graphicData uri="http://schemas.openxmlformats.org/drawingml/2006/table">
+            <a:tbl>
+              <a:tblPr firstRow="1" firstCol="1" bandRow="1">
+                <a:tableStyleId>{BC89EF96-8CEA-46FF-86C4-4CE0E7609802}</a:tableStyleId>
+              </a:tblPr>
+              <a:tblGrid>
+                <a:gridCol w="2199805">
+                  <a:extLst>
+                    <a:ext uri="{9D8B030D-6E8A-4147-A177-3AD203B41FA5}">
+                      <a16:colId xmlns:a16="http://schemas.microsoft.com/office/drawing/2014/main" val="830310950"/>
+                    </a:ext>
+                  </a:extLst>
+                </a:gridCol>
+                <a:gridCol w="2113281">
+                  <a:extLst>
+                    <a:ext uri="{9D8B030D-6E8A-4147-A177-3AD203B41FA5}">
+                      <a16:colId xmlns:a16="http://schemas.microsoft.com/office/drawing/2014/main" val="1405852811"/>
+                    </a:ext>
+                  </a:extLst>
+                </a:gridCol>
+                <a:gridCol w="1590483">
+                  <a:extLst>
+                    <a:ext uri="{9D8B030D-6E8A-4147-A177-3AD203B41FA5}">
+                      <a16:colId xmlns:a16="http://schemas.microsoft.com/office/drawing/2014/main" val="483708261"/>
+                    </a:ext>
+                  </a:extLst>
+                </a:gridCol>
+                <a:gridCol w="2142705">
+                  <a:extLst>
+                    <a:ext uri="{9D8B030D-6E8A-4147-A177-3AD203B41FA5}">
+                      <a16:colId xmlns:a16="http://schemas.microsoft.com/office/drawing/2014/main" val="2048955678"/>
+                    </a:ext>
+                  </a:extLst>
+                </a:gridCol>
+                <a:gridCol w="2302392">
+                  <a:extLst>
+                    <a:ext uri="{9D8B030D-6E8A-4147-A177-3AD203B41FA5}">
+                      <a16:colId xmlns:a16="http://schemas.microsoft.com/office/drawing/2014/main" val="2424244834"/>
+                    </a:ext>
+                  </a:extLst>
+                </a:gridCol>
+              </a:tblGrid>
+              <a:tr h="334045">
+                <a:tc>
+                  <a:txBody>
+                    <a:bodyPr/>
+                    <a:lstStyle/>
+                    <a:p>
+                      <a:pPr marL="0" marR="229870" indent="0" algn="just">
+                        <a:lnSpc>
+                          <a:spcPct val="152000"/>
+                        </a:lnSpc>
+                        <a:spcBef>
+                          <a:spcPts val="0"/>
+                        </a:spcBef>
+                        <a:spcAft>
+                          <a:spcPts val="25"/>
+                        </a:spcAft>
+                      </a:pPr>
+                      <a:r>
+                        <a:rPr lang="ro-RO" sz="1600" b="0" dirty="0" err="1">
+                          <a:effectLst/>
+                        </a:rPr>
+                        <a:t>Pravachol</a:t>
+                      </a:r>
+                      <a:endParaRPr lang="ro-RO" sz="1600" b="0" dirty="0">
+                        <a:solidFill>
+                          <a:srgbClr val="000000"/>
+                        </a:solidFill>
+                        <a:effectLst/>
+                        <a:latin typeface="Times New Roman" panose="02020603050405020304" pitchFamily="18" charset="0"/>
+                        <a:ea typeface="Times New Roman" panose="02020603050405020304" pitchFamily="18" charset="0"/>
+                        <a:cs typeface="Times New Roman" panose="02020603050405020304" pitchFamily="18" charset="0"/>
+                      </a:endParaRPr>
+                    </a:p>
+                  </a:txBody>
+                  <a:tcPr marL="68580" marR="68580" marT="0" marB="0"/>
+                </a:tc>
+                <a:tc>
+                  <a:txBody>
+                    <a:bodyPr/>
+                    <a:lstStyle/>
+                    <a:p>
+                      <a:pPr marL="0" marR="229870" indent="0" algn="just">
+                        <a:lnSpc>
+                          <a:spcPct val="152000"/>
+                        </a:lnSpc>
+                        <a:spcBef>
+                          <a:spcPts val="0"/>
+                        </a:spcBef>
+                        <a:spcAft>
+                          <a:spcPts val="25"/>
+                        </a:spcAft>
+                      </a:pPr>
+                      <a:r>
+                        <a:rPr lang="ro-RO" sz="1600" b="0" dirty="0" err="1">
+                          <a:effectLst/>
+                        </a:rPr>
+                        <a:t>pravastatin</a:t>
+                      </a:r>
+                      <a:endParaRPr lang="ro-RO" sz="1600" b="0" dirty="0">
+                        <a:solidFill>
+                          <a:srgbClr val="000000"/>
+                        </a:solidFill>
+                        <a:effectLst/>
+                        <a:latin typeface="Times New Roman" panose="02020603050405020304" pitchFamily="18" charset="0"/>
+                        <a:ea typeface="Times New Roman" panose="02020603050405020304" pitchFamily="18" charset="0"/>
+                        <a:cs typeface="Times New Roman" panose="02020603050405020304" pitchFamily="18" charset="0"/>
+                      </a:endParaRPr>
+                    </a:p>
+                  </a:txBody>
+                  <a:tcPr marL="68580" marR="68580" marT="0" marB="0"/>
+                </a:tc>
+                <a:tc>
+                  <a:txBody>
+                    <a:bodyPr/>
+                    <a:lstStyle/>
+                    <a:p>
+                      <a:pPr marL="0" marR="229870" indent="0" algn="just">
+                        <a:lnSpc>
+                          <a:spcPct val="152000"/>
+                        </a:lnSpc>
+                        <a:spcBef>
+                          <a:spcPts val="0"/>
+                        </a:spcBef>
+                        <a:spcAft>
+                          <a:spcPts val="25"/>
+                        </a:spcAft>
+                      </a:pPr>
+                      <a:r>
+                        <a:rPr lang="ro-RO" sz="1600" b="0" dirty="0" err="1">
+                          <a:effectLst/>
+                        </a:rPr>
+                        <a:t>be</a:t>
+                      </a:r>
+                      <a:endParaRPr lang="ro-RO" sz="1600" b="0" dirty="0">
+                        <a:solidFill>
+                          <a:srgbClr val="000000"/>
+                        </a:solidFill>
+                        <a:effectLst/>
+                        <a:latin typeface="Times New Roman" panose="02020603050405020304" pitchFamily="18" charset="0"/>
+                        <a:ea typeface="Times New Roman" panose="02020603050405020304" pitchFamily="18" charset="0"/>
+                        <a:cs typeface="Times New Roman" panose="02020603050405020304" pitchFamily="18" charset="0"/>
+                      </a:endParaRPr>
+                    </a:p>
+                  </a:txBody>
+                  <a:tcPr marL="68580" marR="68580" marT="0" marB="0"/>
+                </a:tc>
+                <a:tc>
+                  <a:txBody>
+                    <a:bodyPr/>
+                    <a:lstStyle/>
+                    <a:p>
+                      <a:pPr marL="0" marR="229870" indent="0" algn="just">
+                        <a:lnSpc>
+                          <a:spcPct val="152000"/>
+                        </a:lnSpc>
+                        <a:spcBef>
+                          <a:spcPts val="0"/>
+                        </a:spcBef>
+                        <a:spcAft>
+                          <a:spcPts val="25"/>
+                        </a:spcAft>
+                      </a:pPr>
+                      <a:r>
+                        <a:rPr lang="ro-RO" sz="1600" b="0" dirty="0" err="1">
+                          <a:effectLst/>
+                        </a:rPr>
+                        <a:t>personify</a:t>
+                      </a:r>
+                      <a:endParaRPr lang="ro-RO" sz="1600" b="0" dirty="0">
+                        <a:solidFill>
+                          <a:srgbClr val="000000"/>
+                        </a:solidFill>
+                        <a:effectLst/>
+                        <a:latin typeface="Times New Roman" panose="02020603050405020304" pitchFamily="18" charset="0"/>
+                        <a:ea typeface="Times New Roman" panose="02020603050405020304" pitchFamily="18" charset="0"/>
+                        <a:cs typeface="Times New Roman" panose="02020603050405020304" pitchFamily="18" charset="0"/>
+                      </a:endParaRPr>
+                    </a:p>
+                  </a:txBody>
+                  <a:tcPr marL="68580" marR="68580" marT="0" marB="0"/>
+                </a:tc>
+                <a:tc>
+                  <a:txBody>
+                    <a:bodyPr/>
+                    <a:lstStyle/>
+                    <a:p>
+                      <a:pPr marL="0" marR="229870" indent="0" algn="just">
+                        <a:lnSpc>
+                          <a:spcPct val="152000"/>
+                        </a:lnSpc>
+                        <a:spcBef>
+                          <a:spcPts val="0"/>
+                        </a:spcBef>
+                        <a:spcAft>
+                          <a:spcPts val="25"/>
+                        </a:spcAft>
+                      </a:pPr>
+                      <a:r>
+                        <a:rPr lang="ro-RO" sz="1600" b="0" dirty="0">
+                          <a:effectLst/>
+                        </a:rPr>
+                        <a:t>constitute</a:t>
+                      </a:r>
+                      <a:endParaRPr lang="ro-RO" sz="1600" b="0" dirty="0">
+                        <a:solidFill>
+                          <a:srgbClr val="000000"/>
+                        </a:solidFill>
+                        <a:effectLst/>
+                        <a:latin typeface="Times New Roman" panose="02020603050405020304" pitchFamily="18" charset="0"/>
+                        <a:ea typeface="Times New Roman" panose="02020603050405020304" pitchFamily="18" charset="0"/>
+                        <a:cs typeface="Times New Roman" panose="02020603050405020304" pitchFamily="18" charset="0"/>
+                      </a:endParaRPr>
+                    </a:p>
+                  </a:txBody>
+                  <a:tcPr marL="68580" marR="68580" marT="0" marB="0"/>
+                </a:tc>
+                <a:extLst>
+                  <a:ext uri="{0D108BD9-81ED-4DB2-BD59-A6C34878D82A}">
+                    <a16:rowId xmlns:a16="http://schemas.microsoft.com/office/drawing/2014/main" val="1007954856"/>
+                  </a:ext>
+                </a:extLst>
+              </a:tr>
+              <a:tr h="399079">
+                <a:tc>
+                  <a:txBody>
+                    <a:bodyPr/>
+                    <a:lstStyle/>
+                    <a:p>
+                      <a:pPr marL="0" marR="229870" indent="0" algn="just">
+                        <a:lnSpc>
+                          <a:spcPct val="152000"/>
+                        </a:lnSpc>
+                        <a:spcBef>
+                          <a:spcPts val="0"/>
+                        </a:spcBef>
+                        <a:spcAft>
+                          <a:spcPts val="25"/>
+                        </a:spcAft>
+                      </a:pPr>
+                      <a:r>
+                        <a:rPr lang="ro-RO" sz="1600" b="0" dirty="0">
+                          <a:effectLst/>
+                        </a:rPr>
+                        <a:t>cost</a:t>
+                      </a:r>
+                      <a:endParaRPr lang="ro-RO" sz="1600" b="0" dirty="0">
+                        <a:solidFill>
+                          <a:srgbClr val="000000"/>
+                        </a:solidFill>
+                        <a:effectLst/>
+                        <a:latin typeface="Times New Roman" panose="02020603050405020304" pitchFamily="18" charset="0"/>
+                        <a:ea typeface="Times New Roman" panose="02020603050405020304" pitchFamily="18" charset="0"/>
+                        <a:cs typeface="Times New Roman" panose="02020603050405020304" pitchFamily="18" charset="0"/>
+                      </a:endParaRPr>
+                    </a:p>
+                  </a:txBody>
+                  <a:tcPr marL="68580" marR="68580" marT="0" marB="0"/>
+                </a:tc>
+                <a:tc>
+                  <a:txBody>
+                    <a:bodyPr/>
+                    <a:lstStyle/>
+                    <a:p>
+                      <a:pPr marL="0" marR="229870" indent="0" algn="just">
+                        <a:lnSpc>
+                          <a:spcPct val="152000"/>
+                        </a:lnSpc>
+                        <a:spcBef>
+                          <a:spcPts val="0"/>
+                        </a:spcBef>
+                        <a:spcAft>
+                          <a:spcPts val="25"/>
+                        </a:spcAft>
+                      </a:pPr>
+                      <a:r>
+                        <a:rPr lang="ro-RO" sz="1600" b="0" dirty="0" err="1">
+                          <a:effectLst/>
+                        </a:rPr>
+                        <a:t>make_up</a:t>
+                      </a:r>
+                      <a:endParaRPr lang="ro-RO" sz="1600" b="0" dirty="0">
+                        <a:solidFill>
+                          <a:srgbClr val="000000"/>
+                        </a:solidFill>
+                        <a:effectLst/>
+                        <a:latin typeface="Times New Roman" panose="02020603050405020304" pitchFamily="18" charset="0"/>
+                        <a:ea typeface="Times New Roman" panose="02020603050405020304" pitchFamily="18" charset="0"/>
+                        <a:cs typeface="Times New Roman" panose="02020603050405020304" pitchFamily="18" charset="0"/>
+                      </a:endParaRPr>
+                    </a:p>
+                  </a:txBody>
+                  <a:tcPr marL="68580" marR="68580" marT="0" marB="0"/>
+                </a:tc>
+                <a:tc>
+                  <a:txBody>
+                    <a:bodyPr/>
+                    <a:lstStyle/>
+                    <a:p>
+                      <a:pPr marL="0" marR="229870" indent="0" algn="just">
+                        <a:lnSpc>
+                          <a:spcPct val="152000"/>
+                        </a:lnSpc>
+                        <a:spcBef>
+                          <a:spcPts val="0"/>
+                        </a:spcBef>
+                        <a:spcAft>
+                          <a:spcPts val="25"/>
+                        </a:spcAft>
+                      </a:pPr>
+                      <a:r>
+                        <a:rPr lang="ro-RO" sz="1600" b="0" dirty="0" err="1">
+                          <a:effectLst/>
+                        </a:rPr>
+                        <a:t>embody</a:t>
+                      </a:r>
+                      <a:endParaRPr lang="ro-RO" sz="1600" b="0" dirty="0">
+                        <a:solidFill>
+                          <a:srgbClr val="000000"/>
+                        </a:solidFill>
+                        <a:effectLst/>
+                        <a:latin typeface="Times New Roman" panose="02020603050405020304" pitchFamily="18" charset="0"/>
+                        <a:ea typeface="Times New Roman" panose="02020603050405020304" pitchFamily="18" charset="0"/>
+                        <a:cs typeface="Times New Roman" panose="02020603050405020304" pitchFamily="18" charset="0"/>
+                      </a:endParaRPr>
+                    </a:p>
+                  </a:txBody>
+                  <a:tcPr marL="68580" marR="68580" marT="0" marB="0"/>
+                </a:tc>
+                <a:tc>
+                  <a:txBody>
+                    <a:bodyPr/>
+                    <a:lstStyle/>
+                    <a:p>
+                      <a:pPr marL="0" marR="229870" indent="0" algn="just">
+                        <a:lnSpc>
+                          <a:spcPct val="152000"/>
+                        </a:lnSpc>
+                        <a:spcBef>
+                          <a:spcPts val="0"/>
+                        </a:spcBef>
+                        <a:spcAft>
+                          <a:spcPts val="25"/>
+                        </a:spcAft>
+                      </a:pPr>
+                      <a:r>
+                        <a:rPr lang="ro-RO" sz="1600" b="0" dirty="0">
+                          <a:effectLst/>
+                        </a:rPr>
+                        <a:t>exist</a:t>
+                      </a:r>
+                      <a:endParaRPr lang="ro-RO" sz="1600" b="0" dirty="0">
+                        <a:solidFill>
+                          <a:srgbClr val="000000"/>
+                        </a:solidFill>
+                        <a:effectLst/>
+                        <a:latin typeface="Times New Roman" panose="02020603050405020304" pitchFamily="18" charset="0"/>
+                        <a:ea typeface="Times New Roman" panose="02020603050405020304" pitchFamily="18" charset="0"/>
+                        <a:cs typeface="Times New Roman" panose="02020603050405020304" pitchFamily="18" charset="0"/>
+                      </a:endParaRPr>
+                    </a:p>
+                  </a:txBody>
+                  <a:tcPr marL="68580" marR="68580" marT="0" marB="0"/>
+                </a:tc>
+                <a:tc>
+                  <a:txBody>
+                    <a:bodyPr/>
+                    <a:lstStyle/>
+                    <a:p>
+                      <a:pPr marL="0" marR="229870" indent="0" algn="just">
+                        <a:lnSpc>
+                          <a:spcPct val="152000"/>
+                        </a:lnSpc>
+                        <a:spcBef>
+                          <a:spcPts val="0"/>
+                        </a:spcBef>
+                        <a:spcAft>
+                          <a:spcPts val="25"/>
+                        </a:spcAft>
+                      </a:pPr>
+                      <a:r>
+                        <a:rPr lang="ro-RO" sz="1600" b="0" dirty="0" err="1">
+                          <a:effectLst/>
+                        </a:rPr>
+                        <a:t>equal</a:t>
+                      </a:r>
+                      <a:endParaRPr lang="ro-RO" sz="1600" b="0" dirty="0">
+                        <a:solidFill>
+                          <a:srgbClr val="000000"/>
+                        </a:solidFill>
+                        <a:effectLst/>
+                        <a:latin typeface="Times New Roman" panose="02020603050405020304" pitchFamily="18" charset="0"/>
+                        <a:ea typeface="Times New Roman" panose="02020603050405020304" pitchFamily="18" charset="0"/>
+                        <a:cs typeface="Times New Roman" panose="02020603050405020304" pitchFamily="18" charset="0"/>
+                      </a:endParaRPr>
+                    </a:p>
+                  </a:txBody>
+                  <a:tcPr marL="68580" marR="68580" marT="0" marB="0"/>
+                </a:tc>
+                <a:extLst>
+                  <a:ext uri="{0D108BD9-81ED-4DB2-BD59-A6C34878D82A}">
+                    <a16:rowId xmlns:a16="http://schemas.microsoft.com/office/drawing/2014/main" val="3688897879"/>
+                  </a:ext>
+                </a:extLst>
+              </a:tr>
+              <a:tr h="399079">
+                <a:tc>
+                  <a:txBody>
+                    <a:bodyPr/>
+                    <a:lstStyle/>
+                    <a:p>
+                      <a:pPr marL="0" marR="229870" indent="0" algn="just">
+                        <a:lnSpc>
+                          <a:spcPct val="152000"/>
+                        </a:lnSpc>
+                        <a:spcBef>
+                          <a:spcPts val="0"/>
+                        </a:spcBef>
+                        <a:spcAft>
+                          <a:spcPts val="25"/>
+                        </a:spcAft>
+                      </a:pPr>
+                      <a:r>
+                        <a:rPr lang="ro-RO" sz="1600" b="0" dirty="0" err="1">
+                          <a:effectLst/>
+                        </a:rPr>
+                        <a:t>represent</a:t>
+                      </a:r>
+                      <a:endParaRPr lang="ro-RO" sz="1600" b="0" dirty="0">
+                        <a:solidFill>
+                          <a:srgbClr val="000000"/>
+                        </a:solidFill>
+                        <a:effectLst/>
+                        <a:latin typeface="Times New Roman" panose="02020603050405020304" pitchFamily="18" charset="0"/>
+                        <a:ea typeface="Times New Roman" panose="02020603050405020304" pitchFamily="18" charset="0"/>
+                        <a:cs typeface="Times New Roman" panose="02020603050405020304" pitchFamily="18" charset="0"/>
+                      </a:endParaRPr>
+                    </a:p>
+                  </a:txBody>
+                  <a:tcPr marL="68580" marR="68580" marT="0" marB="0"/>
+                </a:tc>
+                <a:tc>
+                  <a:txBody>
+                    <a:bodyPr/>
+                    <a:lstStyle/>
+                    <a:p>
+                      <a:pPr marL="0" marR="229870" indent="0" algn="just">
+                        <a:lnSpc>
+                          <a:spcPct val="152000"/>
+                        </a:lnSpc>
+                        <a:spcBef>
+                          <a:spcPts val="0"/>
+                        </a:spcBef>
+                        <a:spcAft>
+                          <a:spcPts val="25"/>
+                        </a:spcAft>
+                      </a:pPr>
+                      <a:r>
+                        <a:rPr lang="ro-RO" sz="1600" b="0" dirty="0" err="1">
+                          <a:effectLst/>
+                        </a:rPr>
+                        <a:t>follow</a:t>
+                      </a:r>
+                      <a:endParaRPr lang="ro-RO" sz="1600" b="0" dirty="0">
+                        <a:solidFill>
+                          <a:srgbClr val="000000"/>
+                        </a:solidFill>
+                        <a:effectLst/>
+                        <a:latin typeface="Times New Roman" panose="02020603050405020304" pitchFamily="18" charset="0"/>
+                        <a:ea typeface="Times New Roman" panose="02020603050405020304" pitchFamily="18" charset="0"/>
+                        <a:cs typeface="Times New Roman" panose="02020603050405020304" pitchFamily="18" charset="0"/>
+                      </a:endParaRPr>
+                    </a:p>
+                  </a:txBody>
+                  <a:tcPr marL="68580" marR="68580" marT="0" marB="0"/>
+                </a:tc>
+                <a:tc>
+                  <a:txBody>
+                    <a:bodyPr/>
+                    <a:lstStyle/>
+                    <a:p>
+                      <a:pPr marL="0" marR="229870" indent="0" algn="just">
+                        <a:lnSpc>
+                          <a:spcPct val="152000"/>
+                        </a:lnSpc>
+                        <a:spcBef>
+                          <a:spcPts val="0"/>
+                        </a:spcBef>
+                        <a:spcAft>
+                          <a:spcPts val="25"/>
+                        </a:spcAft>
+                      </a:pPr>
+                      <a:r>
+                        <a:rPr lang="ro-RO" sz="1600" b="0" dirty="0" err="1">
+                          <a:effectLst/>
+                        </a:rPr>
+                        <a:t>comprise</a:t>
+                      </a:r>
+                      <a:endParaRPr lang="ro-RO" sz="1600" b="0" dirty="0">
+                        <a:solidFill>
+                          <a:srgbClr val="000000"/>
+                        </a:solidFill>
+                        <a:effectLst/>
+                        <a:latin typeface="Times New Roman" panose="02020603050405020304" pitchFamily="18" charset="0"/>
+                        <a:ea typeface="Times New Roman" panose="02020603050405020304" pitchFamily="18" charset="0"/>
+                        <a:cs typeface="Times New Roman" panose="02020603050405020304" pitchFamily="18" charset="0"/>
+                      </a:endParaRPr>
+                    </a:p>
+                  </a:txBody>
+                  <a:tcPr marL="68580" marR="68580" marT="0" marB="0"/>
+                </a:tc>
+                <a:tc>
+                  <a:txBody>
+                    <a:bodyPr/>
+                    <a:lstStyle/>
+                    <a:p>
+                      <a:pPr marL="0" marR="229870" indent="0" algn="just">
+                        <a:lnSpc>
+                          <a:spcPct val="152000"/>
+                        </a:lnSpc>
+                        <a:spcBef>
+                          <a:spcPts val="0"/>
+                        </a:spcBef>
+                        <a:spcAft>
+                          <a:spcPts val="25"/>
+                        </a:spcAft>
+                      </a:pPr>
+                      <a:r>
+                        <a:rPr lang="ro-RO" sz="1600" b="0" dirty="0">
+                          <a:effectLst/>
+                        </a:rPr>
+                        <a:t>live</a:t>
+                      </a:r>
+                      <a:endParaRPr lang="ro-RO" sz="1600" b="0" dirty="0">
+                        <a:solidFill>
+                          <a:srgbClr val="000000"/>
+                        </a:solidFill>
+                        <a:effectLst/>
+                        <a:latin typeface="Times New Roman" panose="02020603050405020304" pitchFamily="18" charset="0"/>
+                        <a:ea typeface="Times New Roman" panose="02020603050405020304" pitchFamily="18" charset="0"/>
+                        <a:cs typeface="Times New Roman" panose="02020603050405020304" pitchFamily="18" charset="0"/>
+                      </a:endParaRPr>
+                    </a:p>
+                  </a:txBody>
+                  <a:tcPr marL="68580" marR="68580" marT="0" marB="0"/>
+                </a:tc>
+                <a:tc>
+                  <a:txBody>
+                    <a:bodyPr/>
+                    <a:lstStyle/>
+                    <a:p>
+                      <a:pPr marL="0" marR="229870" indent="0" algn="just">
+                        <a:lnSpc>
+                          <a:spcPct val="152000"/>
+                        </a:lnSpc>
+                        <a:spcBef>
+                          <a:spcPts val="0"/>
+                        </a:spcBef>
+                        <a:spcAft>
+                          <a:spcPts val="25"/>
+                        </a:spcAft>
+                      </a:pPr>
+                      <a:r>
+                        <a:rPr lang="ro-RO" sz="1600" b="0" dirty="0" err="1">
+                          <a:effectLst/>
+                        </a:rPr>
+                        <a:t>myotonia</a:t>
+                      </a:r>
+                      <a:endParaRPr lang="ro-RO" sz="1600" b="0" dirty="0">
+                        <a:solidFill>
+                          <a:srgbClr val="000000"/>
+                        </a:solidFill>
+                        <a:effectLst/>
+                        <a:latin typeface="Times New Roman" panose="02020603050405020304" pitchFamily="18" charset="0"/>
+                        <a:ea typeface="Times New Roman" panose="02020603050405020304" pitchFamily="18" charset="0"/>
+                        <a:cs typeface="Times New Roman" panose="02020603050405020304" pitchFamily="18" charset="0"/>
+                      </a:endParaRPr>
+                    </a:p>
+                  </a:txBody>
+                  <a:tcPr marL="68580" marR="68580" marT="0" marB="0"/>
+                </a:tc>
+                <a:extLst>
+                  <a:ext uri="{0D108BD9-81ED-4DB2-BD59-A6C34878D82A}">
+                    <a16:rowId xmlns:a16="http://schemas.microsoft.com/office/drawing/2014/main" val="3060992169"/>
+                  </a:ext>
+                </a:extLst>
+              </a:tr>
+            </a:tbl>
+          </a:graphicData>
+        </a:graphic>
+      </p:graphicFrame>
     </p:spTree>
     <p:extLst>
       <p:ext uri="{BB962C8B-B14F-4D97-AF65-F5344CB8AC3E}">
-        <p14:creationId xmlns:p14="http://schemas.microsoft.com/office/powerpoint/2010/main" val="858420703"/>
+        <p14:creationId xmlns:p14="http://schemas.microsoft.com/office/powerpoint/2010/main" val="2203674455"/>
       </p:ext>
     </p:extLst>
   </p:cSld>

--- a/Prezentare licenta.pptx
+++ b/Prezentare licenta.pptx
@@ -5,7 +5,7 @@
     <p:sldMasterId id="2147483648" r:id="rId1"/>
   </p:sldMasterIdLst>
   <p:notesMasterIdLst>
-    <p:notesMasterId r:id="rId22"/>
+    <p:notesMasterId r:id="rId23"/>
   </p:notesMasterIdLst>
   <p:sldIdLst>
     <p:sldId id="256" r:id="rId2"/>
@@ -24,10 +24,11 @@
     <p:sldId id="273" r:id="rId15"/>
     <p:sldId id="266" r:id="rId16"/>
     <p:sldId id="274" r:id="rId17"/>
-    <p:sldId id="268" r:id="rId18"/>
-    <p:sldId id="269" r:id="rId19"/>
-    <p:sldId id="267" r:id="rId20"/>
-    <p:sldId id="275" r:id="rId21"/>
+    <p:sldId id="277" r:id="rId18"/>
+    <p:sldId id="268" r:id="rId19"/>
+    <p:sldId id="269" r:id="rId20"/>
+    <p:sldId id="267" r:id="rId21"/>
+    <p:sldId id="275" r:id="rId22"/>
   </p:sldIdLst>
   <p:sldSz cx="12192000" cy="6858000"/>
   <p:notesSz cx="6858000" cy="9144000"/>
@@ -216,7 +217,7 @@
           <a:p>
             <a:fld id="{322C17D7-6076-44DD-ACAD-8F556AE35154}" type="datetimeFigureOut">
               <a:rPr lang="ro-RO" smtClean="0"/>
-              <a:t>30.06.2019</a:t>
+              <a:t>01.07.2019</a:t>
             </a:fld>
             <a:endParaRPr lang="ro-RO"/>
           </a:p>
@@ -633,7 +634,7 @@
           <a:p>
             <a:fld id="{A928935D-A742-4938-A71C-FBA1F819090A}" type="datetime1">
               <a:rPr lang="ro-RO" smtClean="0"/>
-              <a:t>30.06.2019</a:t>
+              <a:t>01.07.2019</a:t>
             </a:fld>
             <a:endParaRPr lang="ro-RO"/>
           </a:p>
@@ -833,7 +834,7 @@
           <a:p>
             <a:fld id="{8F0EA1C3-5DDC-4169-814E-02DCDC690817}" type="datetime1">
               <a:rPr lang="ro-RO" smtClean="0"/>
-              <a:t>30.06.2019</a:t>
+              <a:t>01.07.2019</a:t>
             </a:fld>
             <a:endParaRPr lang="ro-RO"/>
           </a:p>
@@ -1043,7 +1044,7 @@
           <a:p>
             <a:fld id="{85565A63-E739-4B72-A13B-C4FCB39E8FB8}" type="datetime1">
               <a:rPr lang="ro-RO" smtClean="0"/>
-              <a:t>30.06.2019</a:t>
+              <a:t>01.07.2019</a:t>
             </a:fld>
             <a:endParaRPr lang="ro-RO"/>
           </a:p>
@@ -1243,7 +1244,7 @@
           <a:p>
             <a:fld id="{8FAAB8EF-E27E-41EE-9010-A67D851EA1C7}" type="datetime1">
               <a:rPr lang="ro-RO" smtClean="0"/>
-              <a:t>30.06.2019</a:t>
+              <a:t>01.07.2019</a:t>
             </a:fld>
             <a:endParaRPr lang="ro-RO"/>
           </a:p>
@@ -1519,7 +1520,7 @@
           <a:p>
             <a:fld id="{CD95EDC3-7D5D-4FD3-B12B-D3F16BEB7DC7}" type="datetime1">
               <a:rPr lang="ro-RO" smtClean="0"/>
-              <a:t>30.06.2019</a:t>
+              <a:t>01.07.2019</a:t>
             </a:fld>
             <a:endParaRPr lang="ro-RO"/>
           </a:p>
@@ -1787,7 +1788,7 @@
           <a:p>
             <a:fld id="{523FB8FC-9C0F-4BE4-99A4-3C0B2BA31B3D}" type="datetime1">
               <a:rPr lang="ro-RO" smtClean="0"/>
-              <a:t>30.06.2019</a:t>
+              <a:t>01.07.2019</a:t>
             </a:fld>
             <a:endParaRPr lang="ro-RO"/>
           </a:p>
@@ -2202,7 +2203,7 @@
           <a:p>
             <a:fld id="{CFF389D8-F18A-4D68-BCFC-2BE5954F14E0}" type="datetime1">
               <a:rPr lang="ro-RO" smtClean="0"/>
-              <a:t>30.06.2019</a:t>
+              <a:t>01.07.2019</a:t>
             </a:fld>
             <a:endParaRPr lang="ro-RO"/>
           </a:p>
@@ -2344,7 +2345,7 @@
           <a:p>
             <a:fld id="{25C35B28-83EE-403F-92EE-9B3BABDA39DD}" type="datetime1">
               <a:rPr lang="ro-RO" smtClean="0"/>
-              <a:t>30.06.2019</a:t>
+              <a:t>01.07.2019</a:t>
             </a:fld>
             <a:endParaRPr lang="ro-RO"/>
           </a:p>
@@ -2457,7 +2458,7 @@
           <a:p>
             <a:fld id="{168D45F0-F0E5-4FEF-8745-07273F7FD556}" type="datetime1">
               <a:rPr lang="ro-RO" smtClean="0"/>
-              <a:t>30.06.2019</a:t>
+              <a:t>01.07.2019</a:t>
             </a:fld>
             <a:endParaRPr lang="ro-RO"/>
           </a:p>
@@ -2770,7 +2771,7 @@
           <a:p>
             <a:fld id="{70DAB188-8C4E-46A0-A25A-E1A543BB1F38}" type="datetime1">
               <a:rPr lang="ro-RO" smtClean="0"/>
-              <a:t>30.06.2019</a:t>
+              <a:t>01.07.2019</a:t>
             </a:fld>
             <a:endParaRPr lang="ro-RO"/>
           </a:p>
@@ -3059,7 +3060,7 @@
           <a:p>
             <a:fld id="{B7478133-5D3F-43AD-893C-D0CAA8EB74BD}" type="datetime1">
               <a:rPr lang="ro-RO" smtClean="0"/>
-              <a:t>30.06.2019</a:t>
+              <a:t>01.07.2019</a:t>
             </a:fld>
             <a:endParaRPr lang="ro-RO"/>
           </a:p>
@@ -3302,7 +3303,7 @@
           <a:p>
             <a:fld id="{DDFCE4E0-6CFA-4193-8AD3-1447AB074F25}" type="datetime1">
               <a:rPr lang="ro-RO" smtClean="0"/>
-              <a:t>30.06.2019</a:t>
+              <a:t>01.07.2019</a:t>
             </a:fld>
             <a:endParaRPr lang="ro-RO"/>
           </a:p>
@@ -4529,8 +4530,8 @@
           </a:p>
         </p:txBody>
       </p:sp>
-      <mc:AlternateContent xmlns:mc="http://schemas.openxmlformats.org/markup-compatibility/2006">
-        <mc:Choice xmlns:a14="http://schemas.microsoft.com/office/drawing/2010/main" Requires="a14">
+      <mc:AlternateContent xmlns:mc="http://schemas.openxmlformats.org/markup-compatibility/2006" xmlns:a14="http://schemas.microsoft.com/office/drawing/2010/main">
+        <mc:Choice Requires="a14">
           <p:sp>
             <p:nvSpPr>
               <p:cNvPr id="3" name="Content Placeholder 2">
@@ -4575,93 +4576,129 @@
                 <a14:m>
                   <m:oMath xmlns:m="http://schemas.openxmlformats.org/officeDocument/2006/math">
                     <m:r>
-                      <a:rPr lang="ro-RO" i="1"/>
+                      <a:rPr lang="ro-RO" i="1">
+                        <a:latin typeface="Cambria Math" panose="02040503050406030204" pitchFamily="18" charset="0"/>
+                      </a:rPr>
                       <m:t>𝑝</m:t>
                     </m:r>
                     <m:d>
                       <m:dPr>
                         <m:endChr m:val="|"/>
                         <m:ctrlPr>
-                          <a:rPr lang="ro-RO" i="1"/>
+                          <a:rPr lang="ro-RO" i="1">
+                            <a:latin typeface="Cambria Math" panose="02040503050406030204" pitchFamily="18" charset="0"/>
+                          </a:rPr>
                         </m:ctrlPr>
                       </m:dPr>
                       <m:e>
                         <m:r>
-                          <a:rPr lang="ro-RO" i="1"/>
+                          <a:rPr lang="ro-RO" i="1">
+                            <a:latin typeface="Cambria Math" panose="02040503050406030204" pitchFamily="18" charset="0"/>
+                          </a:rPr>
                           <m:t>𝑥</m:t>
                         </m:r>
                         <m:r>
-                          <a:rPr lang="ro-RO" i="1"/>
+                          <a:rPr lang="ro-RO" i="1">
+                            <a:latin typeface="Cambria Math" panose="02040503050406030204" pitchFamily="18" charset="0"/>
+                          </a:rPr>
                           <m:t> </m:t>
                         </m:r>
                       </m:e>
                     </m:d>
                     <m:r>
-                      <a:rPr lang="ro-RO" i="1"/>
+                      <a:rPr lang="ro-RO" i="1">
+                        <a:latin typeface="Cambria Math" panose="02040503050406030204" pitchFamily="18" charset="0"/>
+                      </a:rPr>
                       <m:t> </m:t>
                     </m:r>
                     <m:r>
-                      <a:rPr lang="ro-RO" i="1"/>
+                      <a:rPr lang="ro-RO" i="1">
+                        <a:latin typeface="Cambria Math" panose="02040503050406030204" pitchFamily="18" charset="0"/>
+                      </a:rPr>
                       <m:t>𝑦</m:t>
                     </m:r>
                     <m:r>
-                      <a:rPr lang="ro-RO" i="1"/>
+                      <a:rPr lang="ro-RO" i="1">
+                        <a:latin typeface="Cambria Math" panose="02040503050406030204" pitchFamily="18" charset="0"/>
+                      </a:rPr>
                       <m:t>)= </m:t>
                     </m:r>
                     <m:f>
                       <m:fPr>
                         <m:ctrlPr>
-                          <a:rPr lang="ro-RO" i="1"/>
+                          <a:rPr lang="ro-RO" i="1">
+                            <a:latin typeface="Cambria Math" panose="02040503050406030204" pitchFamily="18" charset="0"/>
+                          </a:rPr>
                         </m:ctrlPr>
                       </m:fPr>
                       <m:num>
                         <m:r>
-                          <a:rPr lang="ro-RO" i="1"/>
+                          <a:rPr lang="ro-RO" i="1">
+                            <a:latin typeface="Cambria Math" panose="02040503050406030204" pitchFamily="18" charset="0"/>
+                          </a:rPr>
                           <m:t>𝑝</m:t>
                         </m:r>
                         <m:d>
                           <m:dPr>
                             <m:endChr m:val="|"/>
                             <m:ctrlPr>
-                              <a:rPr lang="ro-RO" i="1"/>
+                              <a:rPr lang="ro-RO" i="1">
+                                <a:latin typeface="Cambria Math" panose="02040503050406030204" pitchFamily="18" charset="0"/>
+                              </a:rPr>
                             </m:ctrlPr>
                           </m:dPr>
                           <m:e>
                             <m:r>
-                              <a:rPr lang="ro-RO" i="1"/>
+                              <a:rPr lang="ro-RO" i="1">
+                                <a:latin typeface="Cambria Math" panose="02040503050406030204" pitchFamily="18" charset="0"/>
+                              </a:rPr>
                               <m:t>𝑦</m:t>
                             </m:r>
                             <m:r>
-                              <a:rPr lang="ro-RO" i="1"/>
+                              <a:rPr lang="ro-RO" i="1">
+                                <a:latin typeface="Cambria Math" panose="02040503050406030204" pitchFamily="18" charset="0"/>
+                              </a:rPr>
                               <m:t> </m:t>
                             </m:r>
                           </m:e>
                         </m:d>
                         <m:r>
-                          <a:rPr lang="ro-RO" i="1"/>
+                          <a:rPr lang="ro-RO" i="1">
+                            <a:latin typeface="Cambria Math" panose="02040503050406030204" pitchFamily="18" charset="0"/>
+                          </a:rPr>
                           <m:t> </m:t>
                         </m:r>
                         <m:r>
-                          <a:rPr lang="ro-RO" i="1"/>
+                          <a:rPr lang="ro-RO" i="1">
+                            <a:latin typeface="Cambria Math" panose="02040503050406030204" pitchFamily="18" charset="0"/>
+                          </a:rPr>
                           <m:t>𝑥</m:t>
                         </m:r>
                         <m:r>
-                          <a:rPr lang="ro-RO" i="1"/>
+                          <a:rPr lang="ro-RO" i="1">
+                            <a:latin typeface="Cambria Math" panose="02040503050406030204" pitchFamily="18" charset="0"/>
+                          </a:rPr>
                           <m:t>)</m:t>
                         </m:r>
                         <m:r>
-                          <a:rPr lang="ro-RO" i="1"/>
+                          <a:rPr lang="ro-RO" i="1">
+                            <a:latin typeface="Cambria Math" panose="02040503050406030204" pitchFamily="18" charset="0"/>
+                          </a:rPr>
                           <m:t>𝑝</m:t>
                         </m:r>
                         <m:d>
                           <m:dPr>
                             <m:ctrlPr>
-                              <a:rPr lang="ro-RO" i="1"/>
+                              <a:rPr lang="ro-RO" i="1">
+                                <a:latin typeface="Cambria Math" panose="02040503050406030204" pitchFamily="18" charset="0"/>
+                              </a:rPr>
                             </m:ctrlPr>
                           </m:dPr>
                           <m:e>
                             <m:r>
-                              <a:rPr lang="ro-RO" i="1"/>
+                              <a:rPr lang="ro-RO" i="1">
+                                <a:latin typeface="Cambria Math" panose="02040503050406030204" pitchFamily="18" charset="0"/>
+                              </a:rPr>
                               <m:t>𝑥</m:t>
                             </m:r>
                           </m:e>
@@ -4669,19 +4706,27 @@
                       </m:num>
                       <m:den>
                         <m:r>
-                          <a:rPr lang="ro-RO" i="1"/>
+                          <a:rPr lang="ro-RO" i="1">
+                            <a:latin typeface="Cambria Math" panose="02040503050406030204" pitchFamily="18" charset="0"/>
+                          </a:rPr>
                           <m:t>𝑝</m:t>
                         </m:r>
                         <m:r>
-                          <a:rPr lang="ro-RO" i="1"/>
+                          <a:rPr lang="ro-RO" i="1">
+                            <a:latin typeface="Cambria Math" panose="02040503050406030204" pitchFamily="18" charset="0"/>
+                          </a:rPr>
                           <m:t>(</m:t>
                         </m:r>
                         <m:r>
-                          <a:rPr lang="ro-RO" i="1"/>
+                          <a:rPr lang="ro-RO" i="1">
+                            <a:latin typeface="Cambria Math" panose="02040503050406030204" pitchFamily="18" charset="0"/>
+                          </a:rPr>
                           <m:t>𝑦</m:t>
                         </m:r>
                         <m:r>
-                          <a:rPr lang="ro-RO" i="1"/>
+                          <a:rPr lang="ro-RO" i="1">
+                            <a:latin typeface="Cambria Math" panose="02040503050406030204" pitchFamily="18" charset="0"/>
+                          </a:rPr>
                           <m:t>)</m:t>
                         </m:r>
                       </m:den>
@@ -4697,18 +4742,24 @@
                       <m:accPr>
                         <m:chr m:val="̂"/>
                         <m:ctrlPr>
-                          <a:rPr lang="ro-RO" i="1"/>
+                          <a:rPr lang="ro-RO" i="1">
+                            <a:latin typeface="Cambria Math" panose="02040503050406030204" pitchFamily="18" charset="0"/>
+                          </a:rPr>
                         </m:ctrlPr>
                       </m:accPr>
                       <m:e>
                         <m:r>
-                          <a:rPr lang="ro-RO" i="1"/>
+                          <a:rPr lang="ro-RO" i="1">
+                            <a:latin typeface="Cambria Math" panose="02040503050406030204" pitchFamily="18" charset="0"/>
+                          </a:rPr>
                           <m:t>𝑐</m:t>
                         </m:r>
                       </m:e>
                     </m:acc>
                     <m:r>
-                      <a:rPr lang="ro-RO"/>
+                      <a:rPr lang="ro-RO">
+                        <a:latin typeface="Cambria Math" panose="02040503050406030204" pitchFamily="18" charset="0"/>
+                      </a:rPr>
                       <m:t>=</m:t>
                     </m:r>
                     <m:m>
@@ -4722,13 +4773,17 @@
                           </m:mc>
                         </m:mcs>
                         <m:ctrlPr>
-                          <a:rPr lang="ro-RO" i="1"/>
+                          <a:rPr lang="ro-RO" i="1">
+                            <a:latin typeface="Cambria Math" panose="02040503050406030204" pitchFamily="18" charset="0"/>
+                          </a:rPr>
                         </m:ctrlPr>
                       </m:mPr>
                       <m:mr>
                         <m:e>
                           <m:r>
-                            <a:rPr lang="ro-RO" i="1"/>
+                            <a:rPr lang="ro-RO" i="1">
+                              <a:latin typeface="Cambria Math" panose="02040503050406030204" pitchFamily="18" charset="0"/>
+                            </a:rPr>
                             <m:t>𝑎𝑟𝑔𝑚𝑎𝑥</m:t>
                           </m:r>
                         </m:e>
@@ -4736,60 +4791,84 @@
                       <m:mr>
                         <m:e>
                           <m:r>
-                            <a:rPr lang="ro-RO" i="1"/>
+                            <a:rPr lang="ro-RO" i="1">
+                              <a:latin typeface="Cambria Math" panose="02040503050406030204" pitchFamily="18" charset="0"/>
+                            </a:rPr>
                             <m:t>𝑐</m:t>
                           </m:r>
                           <m:r>
-                            <a:rPr lang="ro-RO" i="1"/>
+                            <a:rPr lang="ro-RO" i="1">
+                              <a:latin typeface="Cambria Math" panose="02040503050406030204" pitchFamily="18" charset="0"/>
+                            </a:rPr>
                             <m:t>∈</m:t>
                           </m:r>
                           <m:r>
-                            <a:rPr lang="ro-RO" i="1"/>
+                            <a:rPr lang="ro-RO" i="1">
+                              <a:latin typeface="Cambria Math" panose="02040503050406030204" pitchFamily="18" charset="0"/>
+                            </a:rPr>
                             <m:t>𝐶</m:t>
                           </m:r>
                         </m:e>
                       </m:mr>
                     </m:m>
                     <m:r>
-                      <a:rPr lang="ro-RO" i="1"/>
+                      <a:rPr lang="ro-RO" i="1">
+                        <a:latin typeface="Cambria Math" panose="02040503050406030204" pitchFamily="18" charset="0"/>
+                      </a:rPr>
                       <m:t> </m:t>
                     </m:r>
                     <m:r>
-                      <a:rPr lang="ro-RO" i="1"/>
+                      <a:rPr lang="ro-RO" i="1">
+                        <a:latin typeface="Cambria Math" panose="02040503050406030204" pitchFamily="18" charset="0"/>
+                      </a:rPr>
                       <m:t>𝑝</m:t>
                     </m:r>
                     <m:d>
                       <m:dPr>
                         <m:endChr m:val="|"/>
                         <m:ctrlPr>
-                          <a:rPr lang="ro-RO" i="1"/>
+                          <a:rPr lang="ro-RO" i="1">
+                            <a:latin typeface="Cambria Math" panose="02040503050406030204" pitchFamily="18" charset="0"/>
+                          </a:rPr>
                         </m:ctrlPr>
                       </m:dPr>
                       <m:e>
                         <m:r>
-                          <a:rPr lang="ro-RO" i="1"/>
+                          <a:rPr lang="ro-RO" i="1">
+                            <a:latin typeface="Cambria Math" panose="02040503050406030204" pitchFamily="18" charset="0"/>
+                          </a:rPr>
                           <m:t>𝑐</m:t>
                         </m:r>
                         <m:r>
-                          <a:rPr lang="ro-RO" i="1"/>
+                          <a:rPr lang="ro-RO" i="1">
+                            <a:latin typeface="Cambria Math" panose="02040503050406030204" pitchFamily="18" charset="0"/>
+                          </a:rPr>
                           <m:t> </m:t>
                         </m:r>
                       </m:e>
                     </m:d>
                     <m:r>
-                      <a:rPr lang="ro-RO" i="1"/>
+                      <a:rPr lang="ro-RO" i="1">
+                        <a:latin typeface="Cambria Math" panose="02040503050406030204" pitchFamily="18" charset="0"/>
+                      </a:rPr>
                       <m:t> </m:t>
                     </m:r>
                     <m:r>
-                      <a:rPr lang="ro-RO" i="1"/>
+                      <a:rPr lang="ro-RO" i="1">
+                        <a:latin typeface="Cambria Math" panose="02040503050406030204" pitchFamily="18" charset="0"/>
+                      </a:rPr>
                       <m:t>𝑑</m:t>
                     </m:r>
                     <m:r>
-                      <a:rPr lang="ro-RO" i="1"/>
+                      <a:rPr lang="ro-RO" i="1">
+                        <a:latin typeface="Cambria Math" panose="02040503050406030204" pitchFamily="18" charset="0"/>
+                      </a:rPr>
                       <m:t>)</m:t>
                     </m:r>
                     <m:r>
-                      <a:rPr lang="ro-RO"/>
+                      <a:rPr lang="ro-RO">
+                        <a:latin typeface="Cambria Math" panose="02040503050406030204" pitchFamily="18" charset="0"/>
+                      </a:rPr>
                       <m:t>=</m:t>
                     </m:r>
                     <m:m>
@@ -4803,13 +4882,17 @@
                           </m:mc>
                         </m:mcs>
                         <m:ctrlPr>
-                          <a:rPr lang="ro-RO" i="1"/>
+                          <a:rPr lang="ro-RO" i="1">
+                            <a:latin typeface="Cambria Math" panose="02040503050406030204" pitchFamily="18" charset="0"/>
+                          </a:rPr>
                         </m:ctrlPr>
                       </m:mPr>
                       <m:mr>
                         <m:e>
                           <m:r>
-                            <a:rPr lang="ro-RO" i="1"/>
+                            <a:rPr lang="ro-RO" i="1">
+                              <a:latin typeface="Cambria Math" panose="02040503050406030204" pitchFamily="18" charset="0"/>
+                            </a:rPr>
                             <m:t>𝑎𝑟𝑔𝑚𝑎𝑥</m:t>
                           </m:r>
                         </m:e>
@@ -4817,15 +4900,21 @@
                       <m:mr>
                         <m:e>
                           <m:r>
-                            <a:rPr lang="ro-RO" i="1"/>
+                            <a:rPr lang="ro-RO" i="1">
+                              <a:latin typeface="Cambria Math" panose="02040503050406030204" pitchFamily="18" charset="0"/>
+                            </a:rPr>
                             <m:t>𝑐</m:t>
                           </m:r>
                           <m:r>
-                            <a:rPr lang="ro-RO" i="1"/>
+                            <a:rPr lang="ro-RO" i="1">
+                              <a:latin typeface="Cambria Math" panose="02040503050406030204" pitchFamily="18" charset="0"/>
+                            </a:rPr>
                             <m:t>∈</m:t>
                           </m:r>
                           <m:r>
-                            <a:rPr lang="ro-RO" i="1"/>
+                            <a:rPr lang="ro-RO" i="1">
+                              <a:latin typeface="Cambria Math" panose="02040503050406030204" pitchFamily="18" charset="0"/>
+                            </a:rPr>
                             <m:t>𝐶</m:t>
                           </m:r>
                         </m:e>
@@ -4834,57 +4923,79 @@
                     <m:f>
                       <m:fPr>
                         <m:ctrlPr>
-                          <a:rPr lang="ro-RO" i="1"/>
+                          <a:rPr lang="ro-RO" i="1">
+                            <a:latin typeface="Cambria Math" panose="02040503050406030204" pitchFamily="18" charset="0"/>
+                          </a:rPr>
                         </m:ctrlPr>
                       </m:fPr>
                       <m:num>
                         <m:r>
-                          <a:rPr lang="ro-RO" i="1"/>
+                          <a:rPr lang="ro-RO" i="1">
+                            <a:latin typeface="Cambria Math" panose="02040503050406030204" pitchFamily="18" charset="0"/>
+                          </a:rPr>
                           <m:t>𝑝</m:t>
                         </m:r>
                         <m:d>
                           <m:dPr>
                             <m:endChr m:val="|"/>
                             <m:ctrlPr>
-                              <a:rPr lang="ro-RO" i="1"/>
+                              <a:rPr lang="ro-RO" i="1">
+                                <a:latin typeface="Cambria Math" panose="02040503050406030204" pitchFamily="18" charset="0"/>
+                              </a:rPr>
                             </m:ctrlPr>
                           </m:dPr>
                           <m:e>
                             <m:r>
-                              <a:rPr lang="ro-RO" i="1"/>
+                              <a:rPr lang="ro-RO" i="1">
+                                <a:latin typeface="Cambria Math" panose="02040503050406030204" pitchFamily="18" charset="0"/>
+                              </a:rPr>
                               <m:t>𝑑</m:t>
                             </m:r>
                             <m:r>
-                              <a:rPr lang="ro-RO" i="1"/>
+                              <a:rPr lang="ro-RO" i="1">
+                                <a:latin typeface="Cambria Math" panose="02040503050406030204" pitchFamily="18" charset="0"/>
+                              </a:rPr>
                               <m:t> </m:t>
                             </m:r>
                           </m:e>
                         </m:d>
                         <m:r>
-                          <a:rPr lang="ro-RO" i="1"/>
+                          <a:rPr lang="ro-RO" i="1">
+                            <a:latin typeface="Cambria Math" panose="02040503050406030204" pitchFamily="18" charset="0"/>
+                          </a:rPr>
                           <m:t> </m:t>
                         </m:r>
                         <m:r>
-                          <a:rPr lang="ro-RO" i="1"/>
+                          <a:rPr lang="ro-RO" i="1">
+                            <a:latin typeface="Cambria Math" panose="02040503050406030204" pitchFamily="18" charset="0"/>
+                          </a:rPr>
                           <m:t>𝑐</m:t>
                         </m:r>
                         <m:r>
-                          <a:rPr lang="ro-RO" i="1"/>
+                          <a:rPr lang="ro-RO" i="1">
+                            <a:latin typeface="Cambria Math" panose="02040503050406030204" pitchFamily="18" charset="0"/>
+                          </a:rPr>
                           <m:t>)</m:t>
                         </m:r>
                         <m:r>
-                          <a:rPr lang="ro-RO" i="1"/>
+                          <a:rPr lang="ro-RO" i="1">
+                            <a:latin typeface="Cambria Math" panose="02040503050406030204" pitchFamily="18" charset="0"/>
+                          </a:rPr>
                           <m:t>𝑝</m:t>
                         </m:r>
                         <m:d>
                           <m:dPr>
                             <m:ctrlPr>
-                              <a:rPr lang="ro-RO" i="1"/>
+                              <a:rPr lang="ro-RO" i="1">
+                                <a:latin typeface="Cambria Math" panose="02040503050406030204" pitchFamily="18" charset="0"/>
+                              </a:rPr>
                             </m:ctrlPr>
                           </m:dPr>
                           <m:e>
                             <m:r>
-                              <a:rPr lang="ro-RO" i="1"/>
+                              <a:rPr lang="ro-RO" i="1">
+                                <a:latin typeface="Cambria Math" panose="02040503050406030204" pitchFamily="18" charset="0"/>
+                              </a:rPr>
                               <m:t>𝑐</m:t>
                             </m:r>
                           </m:e>
@@ -4892,19 +5003,27 @@
                       </m:num>
                       <m:den>
                         <m:r>
-                          <a:rPr lang="ro-RO" i="1"/>
+                          <a:rPr lang="ro-RO" i="1">
+                            <a:latin typeface="Cambria Math" panose="02040503050406030204" pitchFamily="18" charset="0"/>
+                          </a:rPr>
                           <m:t>𝑝</m:t>
                         </m:r>
                         <m:r>
-                          <a:rPr lang="ro-RO" i="1"/>
+                          <a:rPr lang="ro-RO" i="1">
+                            <a:latin typeface="Cambria Math" panose="02040503050406030204" pitchFamily="18" charset="0"/>
+                          </a:rPr>
                           <m:t>(</m:t>
                         </m:r>
                         <m:r>
-                          <a:rPr lang="ro-RO" i="1"/>
+                          <a:rPr lang="ro-RO" i="1">
+                            <a:latin typeface="Cambria Math" panose="02040503050406030204" pitchFamily="18" charset="0"/>
+                          </a:rPr>
                           <m:t>𝑑</m:t>
                         </m:r>
                         <m:r>
-                          <a:rPr lang="ro-RO" i="1"/>
+                          <a:rPr lang="ro-RO" i="1">
+                            <a:latin typeface="Cambria Math" panose="02040503050406030204" pitchFamily="18" charset="0"/>
+                          </a:rPr>
                           <m:t>)</m:t>
                         </m:r>
                       </m:den>
@@ -4924,18 +5043,24 @@
                       <m:accPr>
                         <m:chr m:val="̂"/>
                         <m:ctrlPr>
-                          <a:rPr lang="ro-RO" i="1"/>
+                          <a:rPr lang="ro-RO" i="1">
+                            <a:latin typeface="Cambria Math" panose="02040503050406030204" pitchFamily="18" charset="0"/>
+                          </a:rPr>
                         </m:ctrlPr>
                       </m:accPr>
                       <m:e>
                         <m:r>
-                          <a:rPr lang="ro-RO" i="1"/>
+                          <a:rPr lang="ro-RO" i="1">
+                            <a:latin typeface="Cambria Math" panose="02040503050406030204" pitchFamily="18" charset="0"/>
+                          </a:rPr>
                           <m:t>𝑐</m:t>
                         </m:r>
                       </m:e>
                     </m:acc>
                     <m:r>
-                      <a:rPr lang="ro-RO"/>
+                      <a:rPr lang="ro-RO">
+                        <a:latin typeface="Cambria Math" panose="02040503050406030204" pitchFamily="18" charset="0"/>
+                      </a:rPr>
                       <m:t>=</m:t>
                     </m:r>
                     <m:m>
@@ -4949,13 +5074,17 @@
                           </m:mc>
                         </m:mcs>
                         <m:ctrlPr>
-                          <a:rPr lang="ro-RO" i="1"/>
+                          <a:rPr lang="ro-RO" i="1">
+                            <a:latin typeface="Cambria Math" panose="02040503050406030204" pitchFamily="18" charset="0"/>
+                          </a:rPr>
                         </m:ctrlPr>
                       </m:mPr>
                       <m:mr>
                         <m:e>
                           <m:r>
-                            <a:rPr lang="ro-RO" i="1"/>
+                            <a:rPr lang="ro-RO" i="1">
+                              <a:latin typeface="Cambria Math" panose="02040503050406030204" pitchFamily="18" charset="0"/>
+                            </a:rPr>
                             <m:t>𝑎𝑟𝑔𝑚𝑎𝑥</m:t>
                           </m:r>
                         </m:e>
@@ -4963,15 +5092,21 @@
                       <m:mr>
                         <m:e>
                           <m:r>
-                            <a:rPr lang="ro-RO" i="1"/>
+                            <a:rPr lang="ro-RO" i="1">
+                              <a:latin typeface="Cambria Math" panose="02040503050406030204" pitchFamily="18" charset="0"/>
+                            </a:rPr>
                             <m:t>𝑐</m:t>
                           </m:r>
                           <m:r>
-                            <a:rPr lang="ro-RO" i="1"/>
+                            <a:rPr lang="ro-RO" i="1">
+                              <a:latin typeface="Cambria Math" panose="02040503050406030204" pitchFamily="18" charset="0"/>
+                            </a:rPr>
                             <m:t>∈</m:t>
                           </m:r>
                           <m:r>
-                            <a:rPr lang="ro-RO" i="1"/>
+                            <a:rPr lang="ro-RO" i="1">
+                              <a:latin typeface="Cambria Math" panose="02040503050406030204" pitchFamily="18" charset="0"/>
+                            </a:rPr>
                             <m:t>𝐶</m:t>
                           </m:r>
                         </m:e>
@@ -4980,7 +5115,9 @@
                     <m:limUpp>
                       <m:limUppPr>
                         <m:ctrlPr>
-                          <a:rPr lang="ro-RO" i="1"/>
+                          <a:rPr lang="ro-RO" i="1">
+                            <a:latin typeface="Cambria Math" panose="02040503050406030204" pitchFamily="18" charset="0"/>
+                          </a:rPr>
                         </m:ctrlPr>
                       </m:limUppPr>
                       <m:e>
@@ -4990,107 +5127,145 @@
                             <m:pos m:val="top"/>
                             <m:vertJc m:val="bot"/>
                             <m:ctrlPr>
-                              <a:rPr lang="ro-RO" i="1"/>
+                              <a:rPr lang="ro-RO" i="1">
+                                <a:latin typeface="Cambria Math" panose="02040503050406030204" pitchFamily="18" charset="0"/>
+                              </a:rPr>
                             </m:ctrlPr>
                           </m:groupChrPr>
                           <m:e>
                             <m:r>
-                              <a:rPr lang="ro-RO" i="1"/>
+                              <a:rPr lang="ro-RO" i="1">
+                                <a:latin typeface="Cambria Math" panose="02040503050406030204" pitchFamily="18" charset="0"/>
+                              </a:rPr>
                               <m:t> </m:t>
                             </m:r>
                             <m:r>
-                              <a:rPr lang="ro-RO" i="1"/>
+                              <a:rPr lang="ro-RO" i="1">
+                                <a:latin typeface="Cambria Math" panose="02040503050406030204" pitchFamily="18" charset="0"/>
+                              </a:rPr>
                               <m:t>𝑝</m:t>
                             </m:r>
                             <m:d>
                               <m:dPr>
                                 <m:endChr m:val="|"/>
                                 <m:ctrlPr>
-                                  <a:rPr lang="ro-RO" i="1"/>
+                                  <a:rPr lang="ro-RO" i="1">
+                                    <a:latin typeface="Cambria Math" panose="02040503050406030204" pitchFamily="18" charset="0"/>
+                                  </a:rPr>
                                 </m:ctrlPr>
                               </m:dPr>
                               <m:e>
                                 <m:sSub>
                                   <m:sSubPr>
                                     <m:ctrlPr>
-                                      <a:rPr lang="ro-RO" i="1"/>
+                                      <a:rPr lang="ro-RO" i="1">
+                                        <a:latin typeface="Cambria Math" panose="02040503050406030204" pitchFamily="18" charset="0"/>
+                                      </a:rPr>
                                     </m:ctrlPr>
                                   </m:sSubPr>
                                   <m:e>
                                     <m:r>
-                                      <a:rPr lang="ro-RO" i="1"/>
+                                      <a:rPr lang="ro-RO" i="1">
+                                        <a:latin typeface="Cambria Math" panose="02040503050406030204" pitchFamily="18" charset="0"/>
+                                      </a:rPr>
                                       <m:t>𝑓</m:t>
                                     </m:r>
                                   </m:e>
                                   <m:sub>
                                     <m:r>
-                                      <a:rPr lang="ro-RO" i="1"/>
+                                      <a:rPr lang="ro-RO" i="1">
+                                        <a:latin typeface="Cambria Math" panose="02040503050406030204" pitchFamily="18" charset="0"/>
+                                      </a:rPr>
                                       <m:t>1</m:t>
                                     </m:r>
                                   </m:sub>
                                 </m:sSub>
                                 <m:r>
-                                  <a:rPr lang="ro-RO" i="1"/>
+                                  <a:rPr lang="ro-RO" i="1">
+                                    <a:latin typeface="Cambria Math" panose="02040503050406030204" pitchFamily="18" charset="0"/>
+                                  </a:rPr>
                                   <m:t>, </m:t>
                                 </m:r>
                                 <m:sSub>
                                   <m:sSubPr>
                                     <m:ctrlPr>
-                                      <a:rPr lang="ro-RO" i="1"/>
+                                      <a:rPr lang="ro-RO" i="1">
+                                        <a:latin typeface="Cambria Math" panose="02040503050406030204" pitchFamily="18" charset="0"/>
+                                      </a:rPr>
                                     </m:ctrlPr>
                                   </m:sSubPr>
                                   <m:e>
                                     <m:r>
-                                      <a:rPr lang="ro-RO" i="1"/>
+                                      <a:rPr lang="ro-RO" i="1">
+                                        <a:latin typeface="Cambria Math" panose="02040503050406030204" pitchFamily="18" charset="0"/>
+                                      </a:rPr>
                                       <m:t>𝑓</m:t>
                                     </m:r>
                                   </m:e>
                                   <m:sub>
                                     <m:r>
-                                      <a:rPr lang="ro-RO" i="1"/>
+                                      <a:rPr lang="ro-RO" i="1">
+                                        <a:latin typeface="Cambria Math" panose="02040503050406030204" pitchFamily="18" charset="0"/>
+                                      </a:rPr>
                                       <m:t>2</m:t>
                                     </m:r>
                                   </m:sub>
                                 </m:sSub>
                                 <m:r>
-                                  <a:rPr lang="ro-RO" i="1"/>
+                                  <a:rPr lang="ro-RO" i="1">
+                                    <a:latin typeface="Cambria Math" panose="02040503050406030204" pitchFamily="18" charset="0"/>
+                                  </a:rPr>
                                   <m:t>,⋯,</m:t>
                                 </m:r>
                                 <m:sSub>
                                   <m:sSubPr>
                                     <m:ctrlPr>
-                                      <a:rPr lang="ro-RO" i="1"/>
+                                      <a:rPr lang="ro-RO" i="1">
+                                        <a:latin typeface="Cambria Math" panose="02040503050406030204" pitchFamily="18" charset="0"/>
+                                      </a:rPr>
                                     </m:ctrlPr>
                                   </m:sSubPr>
                                   <m:e>
                                     <m:r>
-                                      <a:rPr lang="ro-RO" i="1"/>
+                                      <a:rPr lang="ro-RO" i="1">
+                                        <a:latin typeface="Cambria Math" panose="02040503050406030204" pitchFamily="18" charset="0"/>
+                                      </a:rPr>
                                       <m:t>𝑓</m:t>
                                     </m:r>
                                   </m:e>
                                   <m:sub>
                                     <m:r>
-                                      <a:rPr lang="ro-RO" i="1"/>
+                                      <a:rPr lang="ro-RO" i="1">
+                                        <a:latin typeface="Cambria Math" panose="02040503050406030204" pitchFamily="18" charset="0"/>
+                                      </a:rPr>
                                       <m:t>𝑛</m:t>
                                     </m:r>
                                   </m:sub>
                                 </m:sSub>
                                 <m:r>
-                                  <a:rPr lang="ro-RO" i="1"/>
+                                  <a:rPr lang="ro-RO" i="1">
+                                    <a:latin typeface="Cambria Math" panose="02040503050406030204" pitchFamily="18" charset="0"/>
+                                  </a:rPr>
                                   <m:t> </m:t>
                                 </m:r>
                               </m:e>
                             </m:d>
                             <m:r>
-                              <a:rPr lang="ro-RO" i="1"/>
+                              <a:rPr lang="ro-RO" i="1">
+                                <a:latin typeface="Cambria Math" panose="02040503050406030204" pitchFamily="18" charset="0"/>
+                              </a:rPr>
                               <m:t> </m:t>
                             </m:r>
                             <m:r>
-                              <a:rPr lang="ro-RO" i="1"/>
+                              <a:rPr lang="ro-RO" i="1">
+                                <a:latin typeface="Cambria Math" panose="02040503050406030204" pitchFamily="18" charset="0"/>
+                              </a:rPr>
                               <m:t>𝑐</m:t>
                             </m:r>
                             <m:r>
-                              <a:rPr lang="ro-RO" i="1"/>
+                              <a:rPr lang="ro-RO" i="1">
+                                <a:latin typeface="Cambria Math" panose="02040503050406030204" pitchFamily="18" charset="0"/>
+                              </a:rPr>
                               <m:t>)</m:t>
                             </m:r>
                           </m:e>
@@ -5098,19 +5273,25 @@
                       </m:e>
                       <m:lim>
                         <m:r>
-                          <a:rPr lang="ro-RO" i="1"/>
+                          <a:rPr lang="ro-RO" i="1">
+                            <a:latin typeface="Cambria Math" panose="02040503050406030204" pitchFamily="18" charset="0"/>
+                          </a:rPr>
                           <m:t>𝑙𝑖𝑘𝑒𝑙𝑖h𝑜𝑜𝑑</m:t>
                         </m:r>
                       </m:lim>
                     </m:limUpp>
                     <m:r>
-                      <a:rPr lang="ro-RO" i="1"/>
+                      <a:rPr lang="ro-RO" i="1">
+                        <a:latin typeface="Cambria Math" panose="02040503050406030204" pitchFamily="18" charset="0"/>
+                      </a:rPr>
                       <m:t> </m:t>
                     </m:r>
                     <m:limUpp>
                       <m:limUppPr>
                         <m:ctrlPr>
-                          <a:rPr lang="ro-RO" i="1"/>
+                          <a:rPr lang="ro-RO" i="1">
+                            <a:latin typeface="Cambria Math" panose="02040503050406030204" pitchFamily="18" charset="0"/>
+                          </a:rPr>
                         </m:ctrlPr>
                       </m:limUppPr>
                       <m:e>
@@ -5120,23 +5301,31 @@
                             <m:pos m:val="top"/>
                             <m:vertJc m:val="bot"/>
                             <m:ctrlPr>
-                              <a:rPr lang="ro-RO" i="1"/>
+                              <a:rPr lang="ro-RO" i="1">
+                                <a:latin typeface="Cambria Math" panose="02040503050406030204" pitchFamily="18" charset="0"/>
+                              </a:rPr>
                             </m:ctrlPr>
                           </m:groupChrPr>
                           <m:e>
                             <m:r>
-                              <a:rPr lang="ro-RO" i="1"/>
+                              <a:rPr lang="ro-RO" i="1">
+                                <a:latin typeface="Cambria Math" panose="02040503050406030204" pitchFamily="18" charset="0"/>
+                              </a:rPr>
                               <m:t>𝑝</m:t>
                             </m:r>
                             <m:d>
                               <m:dPr>
                                 <m:ctrlPr>
-                                  <a:rPr lang="ro-RO" i="1"/>
+                                  <a:rPr lang="ro-RO" i="1">
+                                    <a:latin typeface="Cambria Math" panose="02040503050406030204" pitchFamily="18" charset="0"/>
+                                  </a:rPr>
                                 </m:ctrlPr>
                               </m:dPr>
                               <m:e>
                                 <m:r>
-                                  <a:rPr lang="ro-RO" i="1"/>
+                                  <a:rPr lang="ro-RO" i="1">
+                                    <a:latin typeface="Cambria Math" panose="02040503050406030204" pitchFamily="18" charset="0"/>
+                                  </a:rPr>
                                   <m:t>𝑐</m:t>
                                 </m:r>
                               </m:e>
@@ -5146,15 +5335,21 @@
                       </m:e>
                       <m:lim>
                         <m:r>
-                          <a:rPr lang="ro-RO" i="1"/>
+                          <a:rPr lang="ro-RO" i="1">
+                            <a:latin typeface="Cambria Math" panose="02040503050406030204" pitchFamily="18" charset="0"/>
+                          </a:rPr>
                           <m:t>𝑎</m:t>
                         </m:r>
                         <m:r>
-                          <a:rPr lang="ro-RO" i="1"/>
+                          <a:rPr lang="ro-RO" i="1">
+                            <a:latin typeface="Cambria Math" panose="02040503050406030204" pitchFamily="18" charset="0"/>
+                          </a:rPr>
                           <m:t> </m:t>
                         </m:r>
                         <m:r>
-                          <a:rPr lang="ro-RO" i="1"/>
+                          <a:rPr lang="ro-RO" i="1">
+                            <a:latin typeface="Cambria Math" panose="02040503050406030204" pitchFamily="18" charset="0"/>
+                          </a:rPr>
                           <m:t>𝑝𝑟𝑖𝑜𝑟𝑖</m:t>
                         </m:r>
                       </m:lim>
@@ -5173,24 +5368,32 @@
                     <m:sSub>
                       <m:sSubPr>
                         <m:ctrlPr>
-                          <a:rPr lang="ro-RO" i="1"/>
+                          <a:rPr lang="ro-RO" i="1">
+                            <a:latin typeface="Cambria Math" panose="02040503050406030204" pitchFamily="18" charset="0"/>
+                          </a:rPr>
                         </m:ctrlPr>
                       </m:sSubPr>
                       <m:e>
                         <m:r>
-                          <a:rPr lang="ro-RO" i="1"/>
+                          <a:rPr lang="ro-RO" i="1">
+                            <a:latin typeface="Cambria Math" panose="02040503050406030204" pitchFamily="18" charset="0"/>
+                          </a:rPr>
                           <m:t>𝑐</m:t>
                         </m:r>
                       </m:e>
                       <m:sub>
                         <m:r>
-                          <a:rPr lang="ro-RO" i="1"/>
+                          <a:rPr lang="ro-RO" i="1">
+                            <a:latin typeface="Cambria Math" panose="02040503050406030204" pitchFamily="18" charset="0"/>
+                          </a:rPr>
                           <m:t>𝑁𝐵</m:t>
                         </m:r>
                       </m:sub>
                     </m:sSub>
                     <m:r>
-                      <a:rPr lang="ro-RO" i="1"/>
+                      <a:rPr lang="ro-RO" i="1">
+                        <a:latin typeface="Cambria Math" panose="02040503050406030204" pitchFamily="18" charset="0"/>
+                      </a:rPr>
                       <m:t>=</m:t>
                     </m:r>
                     <m:m>
@@ -5204,13 +5407,17 @@
                           </m:mc>
                         </m:mcs>
                         <m:ctrlPr>
-                          <a:rPr lang="ro-RO" i="1"/>
+                          <a:rPr lang="ro-RO" i="1">
+                            <a:latin typeface="Cambria Math" panose="02040503050406030204" pitchFamily="18" charset="0"/>
+                          </a:rPr>
                         </m:ctrlPr>
                       </m:mPr>
                       <m:mr>
                         <m:e>
                           <m:r>
-                            <a:rPr lang="ro-RO" i="1"/>
+                            <a:rPr lang="ro-RO" i="1">
+                              <a:latin typeface="Cambria Math" panose="02040503050406030204" pitchFamily="18" charset="0"/>
+                            </a:rPr>
                             <m:t>𝑎𝑟𝑔𝑚𝑎𝑥</m:t>
                           </m:r>
                         </m:e>
@@ -5218,33 +5425,45 @@
                       <m:mr>
                         <m:e>
                           <m:r>
-                            <a:rPr lang="ro-RO" i="1"/>
+                            <a:rPr lang="ro-RO" i="1">
+                              <a:latin typeface="Cambria Math" panose="02040503050406030204" pitchFamily="18" charset="0"/>
+                            </a:rPr>
                             <m:t>𝑐</m:t>
                           </m:r>
                           <m:r>
-                            <a:rPr lang="ro-RO" i="1"/>
+                            <a:rPr lang="ro-RO" i="1">
+                              <a:latin typeface="Cambria Math" panose="02040503050406030204" pitchFamily="18" charset="0"/>
+                            </a:rPr>
                             <m:t>∈</m:t>
                           </m:r>
                           <m:r>
-                            <a:rPr lang="ro-RO" i="1"/>
+                            <a:rPr lang="ro-RO" i="1">
+                              <a:latin typeface="Cambria Math" panose="02040503050406030204" pitchFamily="18" charset="0"/>
+                            </a:rPr>
                             <m:t>𝐶</m:t>
                           </m:r>
                         </m:e>
                       </m:mr>
                     </m:m>
                     <m:r>
-                      <a:rPr lang="ro-RO" i="1"/>
+                      <a:rPr lang="ro-RO" i="1">
+                        <a:latin typeface="Cambria Math" panose="02040503050406030204" pitchFamily="18" charset="0"/>
+                      </a:rPr>
                       <m:t>𝑝</m:t>
                     </m:r>
                     <m:d>
                       <m:dPr>
                         <m:ctrlPr>
-                          <a:rPr lang="ro-RO" i="1"/>
+                          <a:rPr lang="ro-RO" i="1">
+                            <a:latin typeface="Cambria Math" panose="02040503050406030204" pitchFamily="18" charset="0"/>
+                          </a:rPr>
                         </m:ctrlPr>
                       </m:dPr>
                       <m:e>
                         <m:r>
-                          <a:rPr lang="ro-RO" i="1"/>
+                          <a:rPr lang="ro-RO" i="1">
+                            <a:latin typeface="Cambria Math" panose="02040503050406030204" pitchFamily="18" charset="0"/>
+                          </a:rPr>
                           <m:t>𝑐</m:t>
                         </m:r>
                       </m:e>
@@ -5255,61 +5474,85 @@
                         <m:limLoc m:val="undOvr"/>
                         <m:supHide m:val="on"/>
                         <m:ctrlPr>
-                          <a:rPr lang="ro-RO" i="1"/>
+                          <a:rPr lang="ro-RO" i="1">
+                            <a:latin typeface="Cambria Math" panose="02040503050406030204" pitchFamily="18" charset="0"/>
+                          </a:rPr>
                         </m:ctrlPr>
                       </m:naryPr>
                       <m:sub>
                         <m:r>
-                          <a:rPr lang="ro-RO" i="1"/>
+                          <a:rPr lang="ro-RO" i="1">
+                            <a:latin typeface="Cambria Math" panose="02040503050406030204" pitchFamily="18" charset="0"/>
+                          </a:rPr>
                           <m:t>𝑓</m:t>
                         </m:r>
                         <m:r>
-                          <a:rPr lang="ro-RO" i="1"/>
+                          <a:rPr lang="ro-RO" i="1">
+                            <a:latin typeface="Cambria Math" panose="02040503050406030204" pitchFamily="18" charset="0"/>
+                          </a:rPr>
                           <m:t>∈</m:t>
                         </m:r>
                         <m:r>
-                          <a:rPr lang="ro-RO" i="1"/>
+                          <a:rPr lang="ro-RO" i="1">
+                            <a:latin typeface="Cambria Math" panose="02040503050406030204" pitchFamily="18" charset="0"/>
+                          </a:rPr>
                           <m:t>𝐹</m:t>
                         </m:r>
                       </m:sub>
                       <m:sup/>
                       <m:e>
                         <m:r>
-                          <a:rPr lang="ro-RO" i="1"/>
+                          <a:rPr lang="ro-RO" i="1">
+                            <a:latin typeface="Cambria Math" panose="02040503050406030204" pitchFamily="18" charset="0"/>
+                          </a:rPr>
                           <m:t> </m:t>
                         </m:r>
                         <m:r>
-                          <a:rPr lang="ro-RO" i="1"/>
+                          <a:rPr lang="ro-RO" i="1">
+                            <a:latin typeface="Cambria Math" panose="02040503050406030204" pitchFamily="18" charset="0"/>
+                          </a:rPr>
                           <m:t>𝑝</m:t>
                         </m:r>
                         <m:d>
                           <m:dPr>
                             <m:endChr m:val="|"/>
                             <m:ctrlPr>
-                              <a:rPr lang="ro-RO" i="1"/>
+                              <a:rPr lang="ro-RO" i="1">
+                                <a:latin typeface="Cambria Math" panose="02040503050406030204" pitchFamily="18" charset="0"/>
+                              </a:rPr>
                             </m:ctrlPr>
                           </m:dPr>
                           <m:e>
                             <m:r>
-                              <a:rPr lang="ro-RO" i="1"/>
+                              <a:rPr lang="ro-RO" i="1">
+                                <a:latin typeface="Cambria Math" panose="02040503050406030204" pitchFamily="18" charset="0"/>
+                              </a:rPr>
                               <m:t>𝑓</m:t>
                             </m:r>
                             <m:r>
-                              <a:rPr lang="ro-RO" i="1"/>
+                              <a:rPr lang="ro-RO" i="1">
+                                <a:latin typeface="Cambria Math" panose="02040503050406030204" pitchFamily="18" charset="0"/>
+                              </a:rPr>
                               <m:t> </m:t>
                             </m:r>
                           </m:e>
                         </m:d>
                         <m:r>
-                          <a:rPr lang="ro-RO" i="1"/>
+                          <a:rPr lang="ro-RO" i="1">
+                            <a:latin typeface="Cambria Math" panose="02040503050406030204" pitchFamily="18" charset="0"/>
+                          </a:rPr>
                           <m:t> </m:t>
                         </m:r>
                         <m:r>
-                          <a:rPr lang="ro-RO" i="1"/>
+                          <a:rPr lang="ro-RO" i="1">
+                            <a:latin typeface="Cambria Math" panose="02040503050406030204" pitchFamily="18" charset="0"/>
+                          </a:rPr>
                           <m:t>𝑐</m:t>
                         </m:r>
                         <m:r>
-                          <a:rPr lang="ro-RO" i="1"/>
+                          <a:rPr lang="ro-RO" i="1">
+                            <a:latin typeface="Cambria Math" panose="02040503050406030204" pitchFamily="18" charset="0"/>
+                          </a:rPr>
                           <m:t>)</m:t>
                         </m:r>
                       </m:e>
@@ -5324,7 +5567,7 @@
             </p:txBody>
           </p:sp>
         </mc:Choice>
-        <mc:Fallback>
+        <mc:Fallback xmlns="">
           <p:sp>
             <p:nvSpPr>
               <p:cNvPr id="3" name="Content Placeholder 2">
@@ -5403,13 +5646,13 @@
   <p:clrMapOvr>
     <a:masterClrMapping/>
   </p:clrMapOvr>
-  <mc:AlternateContent xmlns:mc="http://schemas.openxmlformats.org/markup-compatibility/2006">
-    <mc:Choice xmlns:p14="http://schemas.microsoft.com/office/powerpoint/2010/main" Requires="p14">
+  <mc:AlternateContent xmlns:mc="http://schemas.openxmlformats.org/markup-compatibility/2006" xmlns:p14="http://schemas.microsoft.com/office/powerpoint/2010/main">
+    <mc:Choice Requires="p14">
       <p:transition spd="med" p14:dur="700">
         <p:fade/>
       </p:transition>
     </mc:Choice>
-    <mc:Fallback>
+    <mc:Fallback xmlns="">
       <p:transition spd="med">
         <p:fade/>
       </p:transition>
@@ -6883,13 +7126,13 @@
   <p:clrMapOvr>
     <a:masterClrMapping/>
   </p:clrMapOvr>
-  <mc:AlternateContent xmlns:mc="http://schemas.openxmlformats.org/markup-compatibility/2006">
-    <mc:Choice xmlns:p14="http://schemas.microsoft.com/office/powerpoint/2010/main" Requires="p14">
+  <mc:AlternateContent xmlns:mc="http://schemas.openxmlformats.org/markup-compatibility/2006" xmlns:p14="http://schemas.microsoft.com/office/powerpoint/2010/main">
+    <mc:Choice Requires="p14">
       <p:transition spd="med" p14:dur="700">
         <p:fade/>
       </p:transition>
     </mc:Choice>
-    <mc:Fallback>
+    <mc:Fallback xmlns="">
       <p:transition spd="med">
         <p:fade/>
       </p:transition>
@@ -7945,39 +8188,552 @@
           </a:p>
         </p:txBody>
       </p:sp>
-      <p:sp>
-        <p:nvSpPr>
-          <p:cNvPr id="3" name="Content Placeholder 2">
-            <a:extLst>
-              <a:ext uri="{FF2B5EF4-FFF2-40B4-BE49-F238E27FC236}">
-                <a16:creationId xmlns:a16="http://schemas.microsoft.com/office/drawing/2014/main" id="{3D9A54E3-E332-42ED-BE0D-2E6A1B46DB9B}"/>
-              </a:ext>
-            </a:extLst>
-          </p:cNvPr>
-          <p:cNvSpPr>
-            <a:spLocks noGrp="1"/>
-          </p:cNvSpPr>
-          <p:nvPr>
-            <p:ph idx="1"/>
-          </p:nvPr>
-        </p:nvSpPr>
-        <p:spPr>
-          <a:xfrm>
-            <a:off x="838200" y="1598691"/>
-            <a:ext cx="10515600" cy="819921"/>
-          </a:xfrm>
-        </p:spPr>
-        <p:txBody>
-          <a:bodyPr/>
-          <a:lstStyle/>
-          <a:p>
-            <a:r>
-              <a:rPr lang="ro-RO" dirty="0"/>
-              <a:t>Inspirate din structura și funcționarea creierului uman	</a:t>
-            </a:r>
-          </a:p>
-        </p:txBody>
-      </p:sp>
+      <mc:AlternateContent xmlns:mc="http://schemas.openxmlformats.org/markup-compatibility/2006">
+        <mc:Choice xmlns:a14="http://schemas.microsoft.com/office/drawing/2010/main" Requires="a14">
+          <p:sp>
+            <p:nvSpPr>
+              <p:cNvPr id="3" name="Content Placeholder 2">
+                <a:extLst>
+                  <a:ext uri="{FF2B5EF4-FFF2-40B4-BE49-F238E27FC236}">
+                    <a16:creationId xmlns:a16="http://schemas.microsoft.com/office/drawing/2014/main" id="{3D9A54E3-E332-42ED-BE0D-2E6A1B46DB9B}"/>
+                  </a:ext>
+                </a:extLst>
+              </p:cNvPr>
+              <p:cNvSpPr>
+                <a:spLocks noGrp="1"/>
+              </p:cNvSpPr>
+              <p:nvPr>
+                <p:ph idx="1"/>
+              </p:nvPr>
+            </p:nvSpPr>
+            <p:spPr>
+              <a:xfrm>
+                <a:off x="838200" y="1598691"/>
+                <a:ext cx="10515600" cy="4757659"/>
+              </a:xfrm>
+            </p:spPr>
+            <p:txBody>
+              <a:bodyPr>
+                <a:normAutofit lnSpcReduction="10000"/>
+              </a:bodyPr>
+              <a:lstStyle/>
+              <a:p>
+                <a:r>
+                  <a:rPr lang="ro-RO" dirty="0"/>
+                  <a:t>Inspirate din structura și funcționarea creierului uman</a:t>
+                </a:r>
+              </a:p>
+              <a:p>
+                <a:r>
+                  <a:rPr lang="ro-RO" dirty="0"/>
+                  <a:t>O rețea neuronală este formată din trei mari algoritmi:</a:t>
+                </a:r>
+              </a:p>
+              <a:p>
+                <a:pPr lvl="1"/>
+                <a:r>
+                  <a:rPr lang="ro-RO" dirty="0" err="1"/>
+                  <a:t>Feed</a:t>
+                </a:r>
+                <a:r>
+                  <a:rPr lang="ro-RO" dirty="0"/>
+                  <a:t> </a:t>
+                </a:r>
+                <a:r>
+                  <a:rPr lang="ro-RO" dirty="0" err="1"/>
+                  <a:t>Forward</a:t>
+                </a:r>
+                <a:r>
+                  <a:rPr lang="ro-RO" dirty="0"/>
+                  <a:t>: </a:t>
+                </a:r>
+                <a14:m>
+                  <m:oMath xmlns:m="http://schemas.openxmlformats.org/officeDocument/2006/math">
+                    <m:r>
+                      <a:rPr lang="ro-RO" i="1">
+                        <a:latin typeface="Cambria Math" panose="02040503050406030204" pitchFamily="18" charset="0"/>
+                      </a:rPr>
+                      <m:t>𝑧</m:t>
+                    </m:r>
+                    <m:r>
+                      <a:rPr lang="ro-RO" i="1">
+                        <a:latin typeface="Cambria Math" panose="02040503050406030204" pitchFamily="18" charset="0"/>
+                      </a:rPr>
+                      <m:t>=</m:t>
+                    </m:r>
+                    <m:nary>
+                      <m:naryPr>
+                        <m:chr m:val="∑"/>
+                        <m:supHide m:val="on"/>
+                        <m:ctrlPr>
+                          <a:rPr lang="ro-RO" i="1">
+                            <a:latin typeface="Cambria Math" panose="02040503050406030204" pitchFamily="18" charset="0"/>
+                          </a:rPr>
+                        </m:ctrlPr>
+                      </m:naryPr>
+                      <m:sub>
+                        <m:r>
+                          <a:rPr lang="ro-RO" i="1">
+                            <a:latin typeface="Cambria Math" panose="02040503050406030204" pitchFamily="18" charset="0"/>
+                          </a:rPr>
+                          <m:t>𝑖</m:t>
+                        </m:r>
+                      </m:sub>
+                      <m:sup/>
+                      <m:e>
+                        <m:sSub>
+                          <m:sSubPr>
+                            <m:ctrlPr>
+                              <a:rPr lang="ro-RO" i="1">
+                                <a:latin typeface="Cambria Math" panose="02040503050406030204" pitchFamily="18" charset="0"/>
+                              </a:rPr>
+                            </m:ctrlPr>
+                          </m:sSubPr>
+                          <m:e>
+                            <m:r>
+                              <a:rPr lang="ro-RO" i="1">
+                                <a:latin typeface="Cambria Math" panose="02040503050406030204" pitchFamily="18" charset="0"/>
+                              </a:rPr>
+                              <m:t>𝑤</m:t>
+                            </m:r>
+                          </m:e>
+                          <m:sub>
+                            <m:r>
+                              <a:rPr lang="ro-RO" i="1">
+                                <a:latin typeface="Cambria Math" panose="02040503050406030204" pitchFamily="18" charset="0"/>
+                              </a:rPr>
+                              <m:t>𝑖</m:t>
+                            </m:r>
+                          </m:sub>
+                        </m:sSub>
+                      </m:e>
+                    </m:nary>
+                    <m:sSub>
+                      <m:sSubPr>
+                        <m:ctrlPr>
+                          <a:rPr lang="ro-RO" i="1">
+                            <a:latin typeface="Cambria Math" panose="02040503050406030204" pitchFamily="18" charset="0"/>
+                          </a:rPr>
+                        </m:ctrlPr>
+                      </m:sSubPr>
+                      <m:e>
+                        <m:r>
+                          <a:rPr lang="ro-RO" i="1">
+                            <a:latin typeface="Cambria Math" panose="02040503050406030204" pitchFamily="18" charset="0"/>
+                          </a:rPr>
+                          <m:t>𝑥</m:t>
+                        </m:r>
+                      </m:e>
+                      <m:sub>
+                        <m:r>
+                          <a:rPr lang="ro-RO" i="1">
+                            <a:latin typeface="Cambria Math" panose="02040503050406030204" pitchFamily="18" charset="0"/>
+                          </a:rPr>
+                          <m:t>𝑖</m:t>
+                        </m:r>
+                      </m:sub>
+                    </m:sSub>
+                    <m:r>
+                      <a:rPr lang="ro-RO" i="1">
+                        <a:latin typeface="Cambria Math" panose="02040503050406030204" pitchFamily="18" charset="0"/>
+                      </a:rPr>
+                      <m:t>+</m:t>
+                    </m:r>
+                    <m:r>
+                      <a:rPr lang="ro-RO" i="1">
+                        <a:latin typeface="Cambria Math" panose="02040503050406030204" pitchFamily="18" charset="0"/>
+                      </a:rPr>
+                      <m:t>𝑏</m:t>
+                    </m:r>
+                  </m:oMath>
+                </a14:m>
+                <a:endParaRPr lang="ro-RO" dirty="0"/>
+              </a:p>
+              <a:p>
+                <a:pPr lvl="1"/>
+                <a:r>
+                  <a:rPr lang="ro-RO" dirty="0"/>
+                  <a:t>Gradient </a:t>
+                </a:r>
+                <a:r>
+                  <a:rPr lang="ro-RO" dirty="0" err="1"/>
+                  <a:t>Descent</a:t>
+                </a:r>
+                <a:r>
+                  <a:rPr lang="ro-RO" dirty="0"/>
+                  <a:t> care se folosește de o funcție de cost pentru a minimiza eroare:</a:t>
+                </a:r>
+              </a:p>
+              <a:p>
+                <a:pPr lvl="2"/>
+                <a:r>
+                  <a:rPr lang="ro-RO" dirty="0"/>
+                  <a:t>Cross </a:t>
+                </a:r>
+                <a:r>
+                  <a:rPr lang="ro-RO" dirty="0" err="1"/>
+                  <a:t>Entropy</a:t>
+                </a:r>
+                <a:r>
+                  <a:rPr lang="ro-RO" dirty="0"/>
+                  <a:t>: </a:t>
+                </a:r>
+                <a14:m>
+                  <m:oMath xmlns:m="http://schemas.openxmlformats.org/officeDocument/2006/math">
+                    <m:r>
+                      <a:rPr lang="ro-RO" i="1"/>
+                      <m:t>𝐶</m:t>
+                    </m:r>
+                    <m:d>
+                      <m:dPr>
+                        <m:ctrlPr>
+                          <a:rPr lang="ro-RO" i="1"/>
+                        </m:ctrlPr>
+                      </m:dPr>
+                      <m:e>
+                        <m:r>
+                          <a:rPr lang="ro-RO" i="1"/>
+                          <m:t>𝑤</m:t>
+                        </m:r>
+                        <m:r>
+                          <a:rPr lang="ro-RO" i="1"/>
+                          <m:t>,</m:t>
+                        </m:r>
+                        <m:r>
+                          <a:rPr lang="ro-RO" i="1"/>
+                          <m:t>𝑏</m:t>
+                        </m:r>
+                      </m:e>
+                    </m:d>
+                    <m:r>
+                      <a:rPr lang="ro-RO" i="1"/>
+                      <m:t>=</m:t>
+                    </m:r>
+                    <m:f>
+                      <m:fPr>
+                        <m:ctrlPr>
+                          <a:rPr lang="ro-RO" i="1"/>
+                        </m:ctrlPr>
+                      </m:fPr>
+                      <m:num>
+                        <m:r>
+                          <a:rPr lang="ro-RO" i="1"/>
+                          <m:t>−1</m:t>
+                        </m:r>
+                      </m:num>
+                      <m:den>
+                        <m:r>
+                          <a:rPr lang="ro-RO" i="1"/>
+                          <m:t>𝑛</m:t>
+                        </m:r>
+                      </m:den>
+                    </m:f>
+                    <m:nary>
+                      <m:naryPr>
+                        <m:chr m:val="∑"/>
+                        <m:supHide m:val="on"/>
+                        <m:ctrlPr>
+                          <a:rPr lang="ro-RO" i="1"/>
+                        </m:ctrlPr>
+                      </m:naryPr>
+                      <m:sub>
+                        <m:r>
+                          <a:rPr lang="ro-RO" i="1"/>
+                          <m:t>𝑥</m:t>
+                        </m:r>
+                      </m:sub>
+                      <m:sup/>
+                      <m:e>
+                        <m:d>
+                          <m:dPr>
+                            <m:begChr m:val="["/>
+                            <m:endChr m:val="]"/>
+                            <m:ctrlPr>
+                              <a:rPr lang="ro-RO" i="1"/>
+                            </m:ctrlPr>
+                          </m:dPr>
+                          <m:e>
+                            <m:r>
+                              <a:rPr lang="ro-RO" i="1"/>
+                              <m:t>𝑡𝑙𝑛𝑦</m:t>
+                            </m:r>
+                            <m:r>
+                              <a:rPr lang="ro-RO" i="1"/>
+                              <m:t>+</m:t>
+                            </m:r>
+                            <m:d>
+                              <m:dPr>
+                                <m:ctrlPr>
+                                  <a:rPr lang="ro-RO" i="1"/>
+                                </m:ctrlPr>
+                              </m:dPr>
+                              <m:e>
+                                <m:r>
+                                  <a:rPr lang="ro-RO" i="1"/>
+                                  <m:t>1−</m:t>
+                                </m:r>
+                                <m:r>
+                                  <a:rPr lang="ro-RO" i="1"/>
+                                  <m:t>𝑡</m:t>
+                                </m:r>
+                              </m:e>
+                            </m:d>
+                            <m:r>
+                              <a:rPr lang="ro-RO" i="1"/>
+                              <m:t>𝑙𝑛</m:t>
+                            </m:r>
+                            <m:d>
+                              <m:dPr>
+                                <m:ctrlPr>
+                                  <a:rPr lang="ro-RO" i="1"/>
+                                </m:ctrlPr>
+                              </m:dPr>
+                              <m:e>
+                                <m:r>
+                                  <a:rPr lang="ro-RO" i="1"/>
+                                  <m:t>1−</m:t>
+                                </m:r>
+                                <m:r>
+                                  <a:rPr lang="ro-RO" i="1"/>
+                                  <m:t>𝑦</m:t>
+                                </m:r>
+                              </m:e>
+                            </m:d>
+                          </m:e>
+                        </m:d>
+                      </m:e>
+                    </m:nary>
+                  </m:oMath>
+                </a14:m>
+                <a:endParaRPr lang="ro-RO" dirty="0"/>
+              </a:p>
+              <a:p>
+                <a:pPr lvl="1"/>
+                <a:r>
+                  <a:rPr lang="ro-RO" dirty="0" err="1"/>
+                  <a:t>Backprobagation</a:t>
+                </a:r>
+                <a:endParaRPr lang="ro-RO" dirty="0"/>
+              </a:p>
+              <a:p>
+                <a:r>
+                  <a:rPr lang="ro-RO" dirty="0"/>
+                  <a:t>Fiecare valoare a neuronului trece printr-o funcție de activare:</a:t>
+                </a:r>
+              </a:p>
+              <a:p>
+                <a:pPr lvl="1"/>
+                <a:r>
+                  <a:rPr lang="ro-RO" dirty="0"/>
+                  <a:t>Sigmoid: </a:t>
+                </a:r>
+                <a14:m>
+                  <m:oMath xmlns:m="http://schemas.openxmlformats.org/officeDocument/2006/math">
+                    <m:r>
+                      <a:rPr lang="ro-RO" i="1"/>
+                      <m:t>𝜎</m:t>
+                    </m:r>
+                    <m:d>
+                      <m:dPr>
+                        <m:ctrlPr>
+                          <a:rPr lang="ro-RO" i="1"/>
+                        </m:ctrlPr>
+                      </m:dPr>
+                      <m:e>
+                        <m:r>
+                          <a:rPr lang="ro-RO" i="1"/>
+                          <m:t>𝑧</m:t>
+                        </m:r>
+                      </m:e>
+                    </m:d>
+                    <m:r>
+                      <a:rPr lang="ro-RO" i="1"/>
+                      <m:t>=</m:t>
+                    </m:r>
+                    <m:f>
+                      <m:fPr>
+                        <m:ctrlPr>
+                          <a:rPr lang="ro-RO" i="1"/>
+                        </m:ctrlPr>
+                      </m:fPr>
+                      <m:num>
+                        <m:r>
+                          <a:rPr lang="ro-RO" i="1"/>
+                          <m:t>1</m:t>
+                        </m:r>
+                      </m:num>
+                      <m:den>
+                        <m:r>
+                          <a:rPr lang="ro-RO" i="1"/>
+                          <m:t>1+</m:t>
+                        </m:r>
+                        <m:sSup>
+                          <m:sSupPr>
+                            <m:ctrlPr>
+                              <a:rPr lang="ro-RO" i="1"/>
+                            </m:ctrlPr>
+                          </m:sSupPr>
+                          <m:e>
+                            <m:r>
+                              <a:rPr lang="ro-RO" i="1"/>
+                              <m:t>𝑒</m:t>
+                            </m:r>
+                          </m:e>
+                          <m:sup>
+                            <m:r>
+                              <a:rPr lang="ro-RO" i="1"/>
+                              <m:t>−</m:t>
+                            </m:r>
+                            <m:r>
+                              <a:rPr lang="ro-RO" i="1"/>
+                              <m:t>𝑧</m:t>
+                            </m:r>
+                          </m:sup>
+                        </m:sSup>
+                      </m:den>
+                    </m:f>
+                  </m:oMath>
+                </a14:m>
+                <a:endParaRPr lang="ro-RO" dirty="0"/>
+              </a:p>
+              <a:p>
+                <a:pPr lvl="1"/>
+                <a:r>
+                  <a:rPr lang="ro-RO" dirty="0" err="1"/>
+                  <a:t>Relu</a:t>
+                </a:r>
+                <a:r>
+                  <a:rPr lang="ro-RO" dirty="0"/>
+                  <a:t>: </a:t>
+                </a:r>
+                <a14:m>
+                  <m:oMath xmlns:m="http://schemas.openxmlformats.org/officeDocument/2006/math">
+                    <m:r>
+                      <a:rPr lang="ro-RO" i="1"/>
+                      <m:t>𝜎</m:t>
+                    </m:r>
+                    <m:d>
+                      <m:dPr>
+                        <m:ctrlPr>
+                          <a:rPr lang="ro-RO" i="1"/>
+                        </m:ctrlPr>
+                      </m:dPr>
+                      <m:e>
+                        <m:r>
+                          <a:rPr lang="ro-RO" i="1"/>
+                          <m:t>𝑧</m:t>
+                        </m:r>
+                      </m:e>
+                    </m:d>
+                    <m:r>
+                      <a:rPr lang="ro-RO" i="1"/>
+                      <m:t>=</m:t>
+                    </m:r>
+                    <m:d>
+                      <m:dPr>
+                        <m:begChr m:val="{"/>
+                        <m:endChr m:val=""/>
+                        <m:ctrlPr>
+                          <a:rPr lang="ro-RO" i="1"/>
+                        </m:ctrlPr>
+                      </m:dPr>
+                      <m:e>
+                        <m:eqArr>
+                          <m:eqArrPr>
+                            <m:ctrlPr>
+                              <a:rPr lang="ro-RO" i="1"/>
+                            </m:ctrlPr>
+                          </m:eqArrPr>
+                          <m:e>
+                            <m:r>
+                              <a:rPr lang="ro-RO" i="1"/>
+                              <m:t>0,</m:t>
+                            </m:r>
+                            <m:r>
+                              <a:rPr lang="ro-RO" i="1"/>
+                              <m:t>𝑖𝑓𝑧</m:t>
+                            </m:r>
+                            <m:r>
+                              <a:rPr lang="ro-RO" i="1"/>
+                              <m:t>&lt;0</m:t>
+                            </m:r>
+                          </m:e>
+                          <m:e>
+                            <m:r>
+                              <a:rPr lang="ro-RO" i="1"/>
+                              <m:t>1,</m:t>
+                            </m:r>
+                            <m:r>
+                              <a:rPr lang="ro-RO" i="1"/>
+                              <m:t>𝑖𝑓𝑥</m:t>
+                            </m:r>
+                            <m:r>
+                              <a:rPr lang="ro-RO" i="1"/>
+                              <m:t>≥0</m:t>
+                            </m:r>
+                          </m:e>
+                        </m:eqArr>
+                      </m:e>
+                    </m:d>
+                  </m:oMath>
+                </a14:m>
+                <a:endParaRPr lang="ro-RO" dirty="0"/>
+              </a:p>
+              <a:p>
+                <a:pPr lvl="1"/>
+                <a:endParaRPr lang="ro-RO" dirty="0"/>
+              </a:p>
+              <a:p>
+                <a:pPr lvl="1"/>
+                <a:endParaRPr lang="ro-RO" dirty="0"/>
+              </a:p>
+            </p:txBody>
+          </p:sp>
+        </mc:Choice>
+        <mc:Fallback>
+          <p:sp>
+            <p:nvSpPr>
+              <p:cNvPr id="3" name="Content Placeholder 2">
+                <a:extLst>
+                  <a:ext uri="{FF2B5EF4-FFF2-40B4-BE49-F238E27FC236}">
+                    <a16:creationId xmlns:a16="http://schemas.microsoft.com/office/drawing/2014/main" id="{3D9A54E3-E332-42ED-BE0D-2E6A1B46DB9B}"/>
+                  </a:ext>
+                </a:extLst>
+              </p:cNvPr>
+              <p:cNvSpPr>
+                <a:spLocks noGrp="1" noRot="1" noChangeAspect="1" noMove="1" noResize="1" noEditPoints="1" noAdjustHandles="1" noChangeArrowheads="1" noChangeShapeType="1" noTextEdit="1"/>
+              </p:cNvSpPr>
+              <p:nvPr>
+                <p:ph idx="1"/>
+              </p:nvPr>
+            </p:nvSpPr>
+            <p:spPr>
+              <a:xfrm>
+                <a:off x="838200" y="1598691"/>
+                <a:ext cx="10515600" cy="4757659"/>
+              </a:xfrm>
+              <a:blipFill>
+                <a:blip r:embed="rId2"/>
+                <a:stretch>
+                  <a:fillRect l="-1043" t="-2817"/>
+                </a:stretch>
+              </a:blipFill>
+            </p:spPr>
+            <p:txBody>
+              <a:bodyPr/>
+              <a:lstStyle/>
+              <a:p>
+                <a:r>
+                  <a:rPr lang="ro-RO">
+                    <a:noFill/>
+                  </a:rPr>
+                  <a:t> </a:t>
+                </a:r>
+              </a:p>
+            </p:txBody>
+          </p:sp>
+        </mc:Fallback>
+      </mc:AlternateContent>
       <p:sp>
         <p:nvSpPr>
           <p:cNvPr id="4" name="Slide Number Placeholder 3">
@@ -8007,19 +8763,120 @@
           </a:p>
         </p:txBody>
       </p:sp>
+    </p:spTree>
+    <p:extLst>
+      <p:ext uri="{BB962C8B-B14F-4D97-AF65-F5344CB8AC3E}">
+        <p14:creationId xmlns:p14="http://schemas.microsoft.com/office/powerpoint/2010/main" val="717192630"/>
+      </p:ext>
+    </p:extLst>
+  </p:cSld>
+  <p:clrMapOvr>
+    <a:masterClrMapping/>
+  </p:clrMapOvr>
+  <mc:AlternateContent xmlns:mc="http://schemas.openxmlformats.org/markup-compatibility/2006" xmlns:p14="http://schemas.microsoft.com/office/powerpoint/2010/main">
+    <mc:Choice Requires="p14">
+      <p:transition spd="med" p14:dur="700">
+        <p:fade/>
+      </p:transition>
+    </mc:Choice>
+    <mc:Fallback xmlns="">
+      <p:transition spd="med">
+        <p:fade/>
+      </p:transition>
+    </mc:Fallback>
+  </mc:AlternateContent>
+</p:sld>
+</file>
+
+<file path=ppt/slides/slide17.xml><?xml version="1.0" encoding="utf-8"?>
+<p:sld xmlns:a="http://schemas.openxmlformats.org/drawingml/2006/main" xmlns:r="http://schemas.openxmlformats.org/officeDocument/2006/relationships" xmlns:p="http://schemas.openxmlformats.org/presentationml/2006/main">
+  <p:cSld>
+    <p:spTree>
+      <p:nvGrpSpPr>
+        <p:cNvPr id="1" name=""/>
+        <p:cNvGrpSpPr/>
+        <p:nvPr/>
+      </p:nvGrpSpPr>
+      <p:grpSpPr>
+        <a:xfrm>
+          <a:off x="0" y="0"/>
+          <a:ext cx="0" cy="0"/>
+          <a:chOff x="0" y="0"/>
+          <a:chExt cx="0" cy="0"/>
+        </a:xfrm>
+      </p:grpSpPr>
+      <p:sp>
+        <p:nvSpPr>
+          <p:cNvPr id="2" name="Title 1">
+            <a:extLst>
+              <a:ext uri="{FF2B5EF4-FFF2-40B4-BE49-F238E27FC236}">
+                <a16:creationId xmlns:a16="http://schemas.microsoft.com/office/drawing/2014/main" id="{7CD0561C-CA5D-4545-94AA-FB998E4600F9}"/>
+              </a:ext>
+            </a:extLst>
+          </p:cNvPr>
+          <p:cNvSpPr>
+            <a:spLocks noGrp="1"/>
+          </p:cNvSpPr>
+          <p:nvPr>
+            <p:ph type="title"/>
+          </p:nvPr>
+        </p:nvSpPr>
+        <p:spPr/>
+        <p:txBody>
+          <a:bodyPr/>
+          <a:lstStyle/>
+          <a:p>
+            <a:r>
+              <a:rPr lang="ro-RO" dirty="0"/>
+              <a:t>Rețele neuronale</a:t>
+            </a:r>
+          </a:p>
+        </p:txBody>
+      </p:sp>
+      <p:sp>
+        <p:nvSpPr>
+          <p:cNvPr id="4" name="Slide Number Placeholder 3">
+            <a:extLst>
+              <a:ext uri="{FF2B5EF4-FFF2-40B4-BE49-F238E27FC236}">
+                <a16:creationId xmlns:a16="http://schemas.microsoft.com/office/drawing/2014/main" id="{A2153619-468C-4341-A483-DF144DE8EF7A}"/>
+              </a:ext>
+            </a:extLst>
+          </p:cNvPr>
+          <p:cNvSpPr>
+            <a:spLocks noGrp="1"/>
+          </p:cNvSpPr>
+          <p:nvPr>
+            <p:ph type="sldNum" sz="quarter" idx="12"/>
+          </p:nvPr>
+        </p:nvSpPr>
+        <p:spPr/>
+        <p:txBody>
+          <a:bodyPr/>
+          <a:lstStyle/>
+          <a:p>
+            <a:fld id="{1913962F-8FD5-44E8-BFBA-6E9B0BAD2192}" type="slidenum">
+              <a:rPr lang="ro-RO" smtClean="0"/>
+              <a:t>17</a:t>
+            </a:fld>
+            <a:endParaRPr lang="ro-RO"/>
+          </a:p>
+        </p:txBody>
+      </p:sp>
       <p:pic>
         <p:nvPicPr>
-          <p:cNvPr id="8" name="Picture 7">
+          <p:cNvPr id="5" name="Content Placeholder 4">
             <a:extLst>
               <a:ext uri="{FF2B5EF4-FFF2-40B4-BE49-F238E27FC236}">
-                <a16:creationId xmlns:a16="http://schemas.microsoft.com/office/drawing/2014/main" id="{E41544BF-052C-4CA5-953A-4067E14F2A20}"/>
+                <a16:creationId xmlns:a16="http://schemas.microsoft.com/office/drawing/2014/main" id="{305CA39E-683E-451E-A486-25537548DEA1}"/>
               </a:ext>
             </a:extLst>
           </p:cNvPr>
           <p:cNvPicPr>
-            <a:picLocks noChangeAspect="1"/>
+            <a:picLocks noGrp="1" noChangeAspect="1"/>
           </p:cNvPicPr>
-          <p:nvPr/>
+          <p:nvPr>
+            <p:ph idx="1"/>
+          </p:nvPr>
         </p:nvPicPr>
         <p:blipFill>
           <a:blip r:embed="rId2">
@@ -8035,8 +8892,8 @@
         </p:blipFill>
         <p:spPr>
           <a:xfrm>
-            <a:off x="2087732" y="2373777"/>
-            <a:ext cx="8016536" cy="3982573"/>
+            <a:off x="3060157" y="1574437"/>
+            <a:ext cx="6071685" cy="4604360"/>
           </a:xfrm>
           <a:prstGeom prst="rect">
             <a:avLst/>
@@ -8045,10 +8902,10 @@
       </p:pic>
       <p:sp>
         <p:nvSpPr>
-          <p:cNvPr id="9" name="Rectangle 8">
+          <p:cNvPr id="6" name="Rectangle 5">
             <a:extLst>
               <a:ext uri="{FF2B5EF4-FFF2-40B4-BE49-F238E27FC236}">
-                <a16:creationId xmlns:a16="http://schemas.microsoft.com/office/drawing/2014/main" id="{A7F6A89F-5F0C-4E73-9DBE-FE875B83E9E9}"/>
+                <a16:creationId xmlns:a16="http://schemas.microsoft.com/office/drawing/2014/main" id="{0B49B4CA-BE0C-4198-8FAF-2216928B051C}"/>
               </a:ext>
             </a:extLst>
           </p:cNvPr>
@@ -8057,8 +8914,8 @@
         </p:nvSpPr>
         <p:spPr>
           <a:xfrm>
-            <a:off x="2175029" y="2947386"/>
-            <a:ext cx="514905" cy="177554"/>
+            <a:off x="3060157" y="2228295"/>
+            <a:ext cx="517544" cy="221942"/>
           </a:xfrm>
           <a:prstGeom prst="rect">
             <a:avLst/>
@@ -8097,10 +8954,10 @@
       </p:sp>
       <p:sp>
         <p:nvSpPr>
-          <p:cNvPr id="10" name="Rectangle 9">
+          <p:cNvPr id="7" name="Rectangle 6">
             <a:extLst>
               <a:ext uri="{FF2B5EF4-FFF2-40B4-BE49-F238E27FC236}">
-                <a16:creationId xmlns:a16="http://schemas.microsoft.com/office/drawing/2014/main" id="{78935592-6188-4ACE-8C9C-4A6517E61474}"/>
+                <a16:creationId xmlns:a16="http://schemas.microsoft.com/office/drawing/2014/main" id="{1B84C3C0-00BA-43B4-9A65-A829E6BE08F0}"/>
               </a:ext>
             </a:extLst>
           </p:cNvPr>
@@ -8109,8 +8966,8 @@
         </p:nvSpPr>
         <p:spPr>
           <a:xfrm>
-            <a:off x="2069976" y="3858740"/>
-            <a:ext cx="699857" cy="177554"/>
+            <a:off x="3060157" y="3318029"/>
+            <a:ext cx="517544" cy="221942"/>
           </a:xfrm>
           <a:prstGeom prst="rect">
             <a:avLst/>
@@ -8149,10 +9006,10 @@
       </p:sp>
       <p:sp>
         <p:nvSpPr>
-          <p:cNvPr id="11" name="Rectangle 10">
+          <p:cNvPr id="8" name="Rectangle 7">
             <a:extLst>
               <a:ext uri="{FF2B5EF4-FFF2-40B4-BE49-F238E27FC236}">
-                <a16:creationId xmlns:a16="http://schemas.microsoft.com/office/drawing/2014/main" id="{6B7A4691-A7E2-4483-94B3-9C1AA2FDFF69}"/>
+                <a16:creationId xmlns:a16="http://schemas.microsoft.com/office/drawing/2014/main" id="{0B9669D1-4947-4023-A441-757555BAAC03}"/>
               </a:ext>
             </a:extLst>
           </p:cNvPr>
@@ -8161,8 +9018,8 @@
         </p:nvSpPr>
         <p:spPr>
           <a:xfrm>
-            <a:off x="2222376" y="4011140"/>
-            <a:ext cx="699857" cy="177554"/>
+            <a:off x="3147454" y="2206101"/>
+            <a:ext cx="517544" cy="221942"/>
           </a:xfrm>
           <a:prstGeom prst="rect">
             <a:avLst/>
@@ -8201,10 +9058,10 @@
       </p:sp>
       <p:sp>
         <p:nvSpPr>
-          <p:cNvPr id="12" name="Rectangle 11">
+          <p:cNvPr id="9" name="Rectangle 8">
             <a:extLst>
               <a:ext uri="{FF2B5EF4-FFF2-40B4-BE49-F238E27FC236}">
-                <a16:creationId xmlns:a16="http://schemas.microsoft.com/office/drawing/2014/main" id="{9DA0EAF5-8466-4481-AAFA-E9EAB6F020E7}"/>
+                <a16:creationId xmlns:a16="http://schemas.microsoft.com/office/drawing/2014/main" id="{D77F41F6-D5A5-4FE0-826B-9C23B64CBF46}"/>
               </a:ext>
             </a:extLst>
           </p:cNvPr>
@@ -8213,8 +9070,8 @@
         </p:nvSpPr>
         <p:spPr>
           <a:xfrm>
-            <a:off x="2087732" y="4869252"/>
-            <a:ext cx="699857" cy="177554"/>
+            <a:off x="2953785" y="4452151"/>
+            <a:ext cx="517544" cy="221942"/>
           </a:xfrm>
           <a:prstGeom prst="rect">
             <a:avLst/>
@@ -8253,10 +9110,10 @@
       </p:sp>
       <p:sp>
         <p:nvSpPr>
-          <p:cNvPr id="13" name="Rectangle 12">
+          <p:cNvPr id="10" name="Rectangle 9">
             <a:extLst>
               <a:ext uri="{FF2B5EF4-FFF2-40B4-BE49-F238E27FC236}">
-                <a16:creationId xmlns:a16="http://schemas.microsoft.com/office/drawing/2014/main" id="{AFF76364-E870-41CC-AD57-473174A01FA9}"/>
+                <a16:creationId xmlns:a16="http://schemas.microsoft.com/office/drawing/2014/main" id="{88C4A34F-A646-4B89-B130-04CBAD2FC64D}"/>
               </a:ext>
             </a:extLst>
           </p:cNvPr>
@@ -8265,8 +9122,8 @@
         </p:nvSpPr>
         <p:spPr>
           <a:xfrm>
-            <a:off x="7910743" y="3816251"/>
-            <a:ext cx="699857" cy="177554"/>
+            <a:off x="7519706" y="3249597"/>
+            <a:ext cx="517544" cy="221942"/>
           </a:xfrm>
           <a:prstGeom prst="rect">
             <a:avLst/>
@@ -8306,7 +9163,7 @@
     </p:spTree>
     <p:extLst>
       <p:ext uri="{BB962C8B-B14F-4D97-AF65-F5344CB8AC3E}">
-        <p14:creationId xmlns:p14="http://schemas.microsoft.com/office/powerpoint/2010/main" val="717192630"/>
+        <p14:creationId xmlns:p14="http://schemas.microsoft.com/office/powerpoint/2010/main" val="2928447054"/>
       </p:ext>
     </p:extLst>
   </p:cSld>
@@ -8328,7 +9185,7 @@
 </p:sld>
 </file>
 
-<file path=ppt/slides/slide17.xml><?xml version="1.0" encoding="utf-8"?>
+<file path=ppt/slides/slide18.xml><?xml version="1.0" encoding="utf-8"?>
 <p:sld xmlns:a="http://schemas.openxmlformats.org/drawingml/2006/main" xmlns:r="http://schemas.openxmlformats.org/officeDocument/2006/relationships" xmlns:p="http://schemas.openxmlformats.org/presentationml/2006/main">
   <p:cSld>
     <p:spTree>
@@ -8401,7 +9258,7 @@
           <a:p>
             <a:fld id="{1913962F-8FD5-44E8-BFBA-6E9B0BAD2192}" type="slidenum">
               <a:rPr lang="ro-RO" smtClean="0"/>
-              <a:t>17</a:t>
+              <a:t>18</a:t>
             </a:fld>
             <a:endParaRPr lang="ro-RO"/>
           </a:p>
@@ -8468,7 +9325,7 @@
 </p:sld>
 </file>
 
-<file path=ppt/slides/slide18.xml><?xml version="1.0" encoding="utf-8"?>
+<file path=ppt/slides/slide19.xml><?xml version="1.0" encoding="utf-8"?>
 <p:sld xmlns:a="http://schemas.openxmlformats.org/drawingml/2006/main" xmlns:r="http://schemas.openxmlformats.org/officeDocument/2006/relationships" xmlns:p="http://schemas.openxmlformats.org/presentationml/2006/main">
   <p:cSld>
     <p:spTree>
@@ -8589,7 +9446,7 @@
           <a:p>
             <a:fld id="{1913962F-8FD5-44E8-BFBA-6E9B0BAD2192}" type="slidenum">
               <a:rPr lang="ro-RO" smtClean="0"/>
-              <a:t>18</a:t>
+              <a:t>19</a:t>
             </a:fld>
             <a:endParaRPr lang="ro-RO"/>
           </a:p>
@@ -8620,7 +9477,183 @@
 </p:sld>
 </file>
 
-<file path=ppt/slides/slide19.xml><?xml version="1.0" encoding="utf-8"?>
+<file path=ppt/slides/slide2.xml><?xml version="1.0" encoding="utf-8"?>
+<p:sld xmlns:a="http://schemas.openxmlformats.org/drawingml/2006/main" xmlns:r="http://schemas.openxmlformats.org/officeDocument/2006/relationships" xmlns:p="http://schemas.openxmlformats.org/presentationml/2006/main">
+  <p:cSld>
+    <p:spTree>
+      <p:nvGrpSpPr>
+        <p:cNvPr id="1" name=""/>
+        <p:cNvGrpSpPr/>
+        <p:nvPr/>
+      </p:nvGrpSpPr>
+      <p:grpSpPr>
+        <a:xfrm>
+          <a:off x="0" y="0"/>
+          <a:ext cx="0" cy="0"/>
+          <a:chOff x="0" y="0"/>
+          <a:chExt cx="0" cy="0"/>
+        </a:xfrm>
+      </p:grpSpPr>
+      <p:sp>
+        <p:nvSpPr>
+          <p:cNvPr id="2" name="Title 1">
+            <a:extLst>
+              <a:ext uri="{FF2B5EF4-FFF2-40B4-BE49-F238E27FC236}">
+                <a16:creationId xmlns:a16="http://schemas.microsoft.com/office/drawing/2014/main" id="{98AA3D57-C7F0-4165-AD12-67295B115362}"/>
+              </a:ext>
+            </a:extLst>
+          </p:cNvPr>
+          <p:cNvSpPr>
+            <a:spLocks noGrp="1"/>
+          </p:cNvSpPr>
+          <p:nvPr>
+            <p:ph type="title"/>
+          </p:nvPr>
+        </p:nvSpPr>
+        <p:spPr/>
+        <p:txBody>
+          <a:bodyPr/>
+          <a:lstStyle/>
+          <a:p>
+            <a:r>
+              <a:rPr lang="ro-RO" dirty="0"/>
+              <a:t>Cuprins</a:t>
+            </a:r>
+          </a:p>
+        </p:txBody>
+      </p:sp>
+      <p:sp>
+        <p:nvSpPr>
+          <p:cNvPr id="3" name="Content Placeholder 2">
+            <a:extLst>
+              <a:ext uri="{FF2B5EF4-FFF2-40B4-BE49-F238E27FC236}">
+                <a16:creationId xmlns:a16="http://schemas.microsoft.com/office/drawing/2014/main" id="{8E4CC63C-9B75-4275-8ED0-2EDB611C7F35}"/>
+              </a:ext>
+            </a:extLst>
+          </p:cNvPr>
+          <p:cNvSpPr>
+            <a:spLocks noGrp="1"/>
+          </p:cNvSpPr>
+          <p:nvPr>
+            <p:ph idx="1"/>
+          </p:nvPr>
+        </p:nvSpPr>
+        <p:spPr/>
+        <p:txBody>
+          <a:bodyPr>
+            <a:normAutofit/>
+          </a:bodyPr>
+          <a:lstStyle/>
+          <a:p>
+            <a:r>
+              <a:rPr lang="ro-RO" dirty="0"/>
+              <a:t>Descrierea problemei</a:t>
+            </a:r>
+          </a:p>
+          <a:p>
+            <a:r>
+              <a:rPr lang="ro-RO" dirty="0"/>
+              <a:t>Preprocesarea datelor</a:t>
+            </a:r>
+          </a:p>
+          <a:p>
+            <a:r>
+              <a:rPr lang="ro-RO" dirty="0"/>
+              <a:t>Extragerea atributelor</a:t>
+            </a:r>
+          </a:p>
+          <a:p>
+            <a:r>
+              <a:rPr lang="en-US" dirty="0"/>
+              <a:t>Date</a:t>
+            </a:r>
+            <a:r>
+              <a:rPr lang="ro-RO" dirty="0"/>
+              <a:t> nebalansate</a:t>
+            </a:r>
+          </a:p>
+          <a:p>
+            <a:r>
+              <a:rPr lang="ro-RO" dirty="0"/>
+              <a:t>Metode de clasificare a datelor</a:t>
+            </a:r>
+          </a:p>
+          <a:p>
+            <a:r>
+              <a:rPr lang="ro-RO" dirty="0"/>
+              <a:t>Rezultate experimentale</a:t>
+            </a:r>
+            <a:endParaRPr lang="en-US" dirty="0"/>
+          </a:p>
+          <a:p>
+            <a:r>
+              <a:rPr lang="ro-RO" dirty="0"/>
+              <a:t>Concluzii</a:t>
+            </a:r>
+          </a:p>
+          <a:p>
+            <a:endParaRPr lang="ro-RO" dirty="0"/>
+          </a:p>
+          <a:p>
+            <a:endParaRPr lang="ro-RO" dirty="0"/>
+          </a:p>
+        </p:txBody>
+      </p:sp>
+      <p:sp>
+        <p:nvSpPr>
+          <p:cNvPr id="4" name="Slide Number Placeholder 3">
+            <a:extLst>
+              <a:ext uri="{FF2B5EF4-FFF2-40B4-BE49-F238E27FC236}">
+                <a16:creationId xmlns:a16="http://schemas.microsoft.com/office/drawing/2014/main" id="{8AE6EF17-0F2A-49EF-88C0-F53D21892486}"/>
+              </a:ext>
+            </a:extLst>
+          </p:cNvPr>
+          <p:cNvSpPr>
+            <a:spLocks noGrp="1"/>
+          </p:cNvSpPr>
+          <p:nvPr>
+            <p:ph type="sldNum" sz="quarter" idx="12"/>
+          </p:nvPr>
+        </p:nvSpPr>
+        <p:spPr/>
+        <p:txBody>
+          <a:bodyPr/>
+          <a:lstStyle/>
+          <a:p>
+            <a:fld id="{1913962F-8FD5-44E8-BFBA-6E9B0BAD2192}" type="slidenum">
+              <a:rPr lang="ro-RO" smtClean="0"/>
+              <a:t>2</a:t>
+            </a:fld>
+            <a:endParaRPr lang="ro-RO"/>
+          </a:p>
+        </p:txBody>
+      </p:sp>
+    </p:spTree>
+    <p:extLst>
+      <p:ext uri="{BB962C8B-B14F-4D97-AF65-F5344CB8AC3E}">
+        <p14:creationId xmlns:p14="http://schemas.microsoft.com/office/powerpoint/2010/main" val="3499854932"/>
+      </p:ext>
+    </p:extLst>
+  </p:cSld>
+  <p:clrMapOvr>
+    <a:masterClrMapping/>
+  </p:clrMapOvr>
+  <mc:AlternateContent xmlns:mc="http://schemas.openxmlformats.org/markup-compatibility/2006" xmlns:p14="http://schemas.microsoft.com/office/powerpoint/2010/main">
+    <mc:Choice Requires="p14">
+      <p:transition spd="med" p14:dur="700">
+        <p:fade/>
+      </p:transition>
+    </mc:Choice>
+    <mc:Fallback xmlns="">
+      <p:transition spd="med">
+        <p:fade/>
+      </p:transition>
+    </mc:Fallback>
+  </mc:AlternateContent>
+</p:sld>
+</file>
+
+<file path=ppt/slides/slide20.xml><?xml version="1.0" encoding="utf-8"?>
 <p:sld xmlns:a="http://schemas.openxmlformats.org/drawingml/2006/main" xmlns:r="http://schemas.openxmlformats.org/officeDocument/2006/relationships" xmlns:p="http://schemas.openxmlformats.org/presentationml/2006/main">
   <p:cSld>
     <p:spTree>
@@ -8688,7 +9721,7 @@
           <a:p>
             <a:fld id="{1913962F-8FD5-44E8-BFBA-6E9B0BAD2192}" type="slidenum">
               <a:rPr lang="ro-RO" smtClean="0"/>
-              <a:t>19</a:t>
+              <a:t>20</a:t>
             </a:fld>
             <a:endParaRPr lang="ro-RO"/>
           </a:p>
@@ -9596,183 +10629,7 @@
 </p:sld>
 </file>
 
-<file path=ppt/slides/slide2.xml><?xml version="1.0" encoding="utf-8"?>
-<p:sld xmlns:a="http://schemas.openxmlformats.org/drawingml/2006/main" xmlns:r="http://schemas.openxmlformats.org/officeDocument/2006/relationships" xmlns:p="http://schemas.openxmlformats.org/presentationml/2006/main">
-  <p:cSld>
-    <p:spTree>
-      <p:nvGrpSpPr>
-        <p:cNvPr id="1" name=""/>
-        <p:cNvGrpSpPr/>
-        <p:nvPr/>
-      </p:nvGrpSpPr>
-      <p:grpSpPr>
-        <a:xfrm>
-          <a:off x="0" y="0"/>
-          <a:ext cx="0" cy="0"/>
-          <a:chOff x="0" y="0"/>
-          <a:chExt cx="0" cy="0"/>
-        </a:xfrm>
-      </p:grpSpPr>
-      <p:sp>
-        <p:nvSpPr>
-          <p:cNvPr id="2" name="Title 1">
-            <a:extLst>
-              <a:ext uri="{FF2B5EF4-FFF2-40B4-BE49-F238E27FC236}">
-                <a16:creationId xmlns:a16="http://schemas.microsoft.com/office/drawing/2014/main" id="{98AA3D57-C7F0-4165-AD12-67295B115362}"/>
-              </a:ext>
-            </a:extLst>
-          </p:cNvPr>
-          <p:cNvSpPr>
-            <a:spLocks noGrp="1"/>
-          </p:cNvSpPr>
-          <p:nvPr>
-            <p:ph type="title"/>
-          </p:nvPr>
-        </p:nvSpPr>
-        <p:spPr/>
-        <p:txBody>
-          <a:bodyPr/>
-          <a:lstStyle/>
-          <a:p>
-            <a:r>
-              <a:rPr lang="ro-RO" dirty="0"/>
-              <a:t>Cuprins</a:t>
-            </a:r>
-          </a:p>
-        </p:txBody>
-      </p:sp>
-      <p:sp>
-        <p:nvSpPr>
-          <p:cNvPr id="3" name="Content Placeholder 2">
-            <a:extLst>
-              <a:ext uri="{FF2B5EF4-FFF2-40B4-BE49-F238E27FC236}">
-                <a16:creationId xmlns:a16="http://schemas.microsoft.com/office/drawing/2014/main" id="{8E4CC63C-9B75-4275-8ED0-2EDB611C7F35}"/>
-              </a:ext>
-            </a:extLst>
-          </p:cNvPr>
-          <p:cNvSpPr>
-            <a:spLocks noGrp="1"/>
-          </p:cNvSpPr>
-          <p:nvPr>
-            <p:ph idx="1"/>
-          </p:nvPr>
-        </p:nvSpPr>
-        <p:spPr/>
-        <p:txBody>
-          <a:bodyPr>
-            <a:normAutofit/>
-          </a:bodyPr>
-          <a:lstStyle/>
-          <a:p>
-            <a:r>
-              <a:rPr lang="ro-RO" dirty="0"/>
-              <a:t>Descrierea problemei</a:t>
-            </a:r>
-          </a:p>
-          <a:p>
-            <a:r>
-              <a:rPr lang="ro-RO" dirty="0"/>
-              <a:t>Preprocesarea datelor</a:t>
-            </a:r>
-          </a:p>
-          <a:p>
-            <a:r>
-              <a:rPr lang="ro-RO" dirty="0"/>
-              <a:t>Extragerea atributelor</a:t>
-            </a:r>
-          </a:p>
-          <a:p>
-            <a:r>
-              <a:rPr lang="en-US" dirty="0"/>
-              <a:t>Date</a:t>
-            </a:r>
-            <a:r>
-              <a:rPr lang="ro-RO" dirty="0"/>
-              <a:t> nebalansate</a:t>
-            </a:r>
-          </a:p>
-          <a:p>
-            <a:r>
-              <a:rPr lang="ro-RO" dirty="0"/>
-              <a:t>Metode de clasificare a datelor</a:t>
-            </a:r>
-          </a:p>
-          <a:p>
-            <a:r>
-              <a:rPr lang="ro-RO" dirty="0"/>
-              <a:t>Rezultate experimentale</a:t>
-            </a:r>
-            <a:endParaRPr lang="en-US" dirty="0"/>
-          </a:p>
-          <a:p>
-            <a:r>
-              <a:rPr lang="ro-RO" dirty="0"/>
-              <a:t>Concluzii</a:t>
-            </a:r>
-          </a:p>
-          <a:p>
-            <a:endParaRPr lang="ro-RO" dirty="0"/>
-          </a:p>
-          <a:p>
-            <a:endParaRPr lang="ro-RO" dirty="0"/>
-          </a:p>
-        </p:txBody>
-      </p:sp>
-      <p:sp>
-        <p:nvSpPr>
-          <p:cNvPr id="4" name="Slide Number Placeholder 3">
-            <a:extLst>
-              <a:ext uri="{FF2B5EF4-FFF2-40B4-BE49-F238E27FC236}">
-                <a16:creationId xmlns:a16="http://schemas.microsoft.com/office/drawing/2014/main" id="{8AE6EF17-0F2A-49EF-88C0-F53D21892486}"/>
-              </a:ext>
-            </a:extLst>
-          </p:cNvPr>
-          <p:cNvSpPr>
-            <a:spLocks noGrp="1"/>
-          </p:cNvSpPr>
-          <p:nvPr>
-            <p:ph type="sldNum" sz="quarter" idx="12"/>
-          </p:nvPr>
-        </p:nvSpPr>
-        <p:spPr/>
-        <p:txBody>
-          <a:bodyPr/>
-          <a:lstStyle/>
-          <a:p>
-            <a:fld id="{1913962F-8FD5-44E8-BFBA-6E9B0BAD2192}" type="slidenum">
-              <a:rPr lang="ro-RO" smtClean="0"/>
-              <a:t>2</a:t>
-            </a:fld>
-            <a:endParaRPr lang="ro-RO"/>
-          </a:p>
-        </p:txBody>
-      </p:sp>
-    </p:spTree>
-    <p:extLst>
-      <p:ext uri="{BB962C8B-B14F-4D97-AF65-F5344CB8AC3E}">
-        <p14:creationId xmlns:p14="http://schemas.microsoft.com/office/powerpoint/2010/main" val="3499854932"/>
-      </p:ext>
-    </p:extLst>
-  </p:cSld>
-  <p:clrMapOvr>
-    <a:masterClrMapping/>
-  </p:clrMapOvr>
-  <mc:AlternateContent xmlns:mc="http://schemas.openxmlformats.org/markup-compatibility/2006" xmlns:p14="http://schemas.microsoft.com/office/powerpoint/2010/main">
-    <mc:Choice Requires="p14">
-      <p:transition spd="med" p14:dur="700">
-        <p:fade/>
-      </p:transition>
-    </mc:Choice>
-    <mc:Fallback xmlns="">
-      <p:transition spd="med">
-        <p:fade/>
-      </p:transition>
-    </mc:Fallback>
-  </mc:AlternateContent>
-</p:sld>
-</file>
-
-<file path=ppt/slides/slide20.xml><?xml version="1.0" encoding="utf-8"?>
+<file path=ppt/slides/slide21.xml><?xml version="1.0" encoding="utf-8"?>
 <p:sld xmlns:a="http://schemas.openxmlformats.org/drawingml/2006/main" xmlns:r="http://schemas.openxmlformats.org/officeDocument/2006/relationships" xmlns:p="http://schemas.openxmlformats.org/presentationml/2006/main">
   <p:cSld>
     <p:spTree>
@@ -9876,7 +10733,7 @@
           <a:p>
             <a:fld id="{1913962F-8FD5-44E8-BFBA-6E9B0BAD2192}" type="slidenum">
               <a:rPr lang="ro-RO" smtClean="0"/>
-              <a:t>20</a:t>
+              <a:t>21</a:t>
             </a:fld>
             <a:endParaRPr lang="ro-RO"/>
           </a:p>
@@ -9892,13 +10749,13 @@
   <p:clrMapOvr>
     <a:masterClrMapping/>
   </p:clrMapOvr>
-  <mc:AlternateContent xmlns:mc="http://schemas.openxmlformats.org/markup-compatibility/2006">
-    <mc:Choice xmlns:p14="http://schemas.microsoft.com/office/powerpoint/2010/main" Requires="p14">
+  <mc:AlternateContent xmlns:mc="http://schemas.openxmlformats.org/markup-compatibility/2006" xmlns:p14="http://schemas.microsoft.com/office/powerpoint/2010/main">
+    <mc:Choice Requires="p14">
       <p:transition spd="med" p14:dur="700">
         <p:fade/>
       </p:transition>
     </mc:Choice>
-    <mc:Fallback>
+    <mc:Fallback xmlns="">
       <p:transition spd="med">
         <p:fade/>
       </p:transition>
@@ -10539,8 +11396,8 @@
           </a:p>
         </p:txBody>
       </p:sp>
-      <mc:AlternateContent xmlns:mc="http://schemas.openxmlformats.org/markup-compatibility/2006">
-        <mc:Choice xmlns:a14="http://schemas.microsoft.com/office/drawing/2010/main" Requires="a14">
+      <mc:AlternateContent xmlns:mc="http://schemas.openxmlformats.org/markup-compatibility/2006" xmlns:a14="http://schemas.microsoft.com/office/drawing/2010/main">
+        <mc:Choice Requires="a14">
           <p:sp>
             <p:nvSpPr>
               <p:cNvPr id="3" name="Content Placeholder 2">
@@ -10590,32 +11447,44 @@
                     <m:sSub>
                       <m:sSubPr>
                         <m:ctrlPr>
-                          <a:rPr lang="ro-RO" i="1"/>
+                          <a:rPr lang="ro-RO" i="1">
+                            <a:latin typeface="Cambria Math" panose="02040503050406030204" pitchFamily="18" charset="0"/>
+                          </a:rPr>
                         </m:ctrlPr>
                       </m:sSubPr>
                       <m:e>
                         <m:r>
-                          <a:rPr lang="ro-RO" i="1"/>
+                          <a:rPr lang="ro-RO" i="1">
+                            <a:latin typeface="Cambria Math" panose="02040503050406030204" pitchFamily="18" charset="0"/>
+                          </a:rPr>
                           <m:t>𝑡𝑓</m:t>
                         </m:r>
                       </m:e>
                       <m:sub>
                         <m:r>
-                          <a:rPr lang="ro-RO" i="1"/>
+                          <a:rPr lang="ro-RO" i="1">
+                            <a:latin typeface="Cambria Math" panose="02040503050406030204" pitchFamily="18" charset="0"/>
+                          </a:rPr>
                           <m:t>𝑡</m:t>
                         </m:r>
                         <m:r>
-                          <a:rPr lang="ro-RO" i="1"/>
+                          <a:rPr lang="ro-RO" i="1">
+                            <a:latin typeface="Cambria Math" panose="02040503050406030204" pitchFamily="18" charset="0"/>
+                          </a:rPr>
                           <m:t>,</m:t>
                         </m:r>
                         <m:r>
-                          <a:rPr lang="ro-RO" i="1"/>
+                          <a:rPr lang="ro-RO" i="1">
+                            <a:latin typeface="Cambria Math" panose="02040503050406030204" pitchFamily="18" charset="0"/>
+                          </a:rPr>
                           <m:t>𝑑</m:t>
                         </m:r>
                       </m:sub>
                     </m:sSub>
                     <m:r>
-                      <a:rPr lang="ro-RO" i="1"/>
+                      <a:rPr lang="ro-RO" i="1">
+                        <a:latin typeface="Cambria Math" panose="02040503050406030204" pitchFamily="18" charset="0"/>
+                      </a:rPr>
                       <m:t>=</m:t>
                     </m:r>
                     <m:d>
@@ -10623,122 +11492,170 @@
                         <m:begChr m:val="{"/>
                         <m:endChr m:val=""/>
                         <m:ctrlPr>
-                          <a:rPr lang="ro-RO" i="1"/>
+                          <a:rPr lang="ro-RO" i="1">
+                            <a:latin typeface="Cambria Math" panose="02040503050406030204" pitchFamily="18" charset="0"/>
+                          </a:rPr>
                         </m:ctrlPr>
                       </m:dPr>
                       <m:e>
                         <m:eqArr>
                           <m:eqArrPr>
                             <m:ctrlPr>
-                              <a:rPr lang="ro-RO" i="1"/>
+                              <a:rPr lang="ro-RO" i="1">
+                                <a:latin typeface="Cambria Math" panose="02040503050406030204" pitchFamily="18" charset="0"/>
+                              </a:rPr>
                             </m:ctrlPr>
                           </m:eqArrPr>
                           <m:e>
                             <m:r>
-                              <a:rPr lang="ro-RO" i="1"/>
+                              <a:rPr lang="ro-RO" i="1">
+                                <a:latin typeface="Cambria Math" panose="02040503050406030204" pitchFamily="18" charset="0"/>
+                              </a:rPr>
                               <m:t>1+</m:t>
                             </m:r>
                             <m:sSub>
                               <m:sSubPr>
                                 <m:ctrlPr>
-                                  <a:rPr lang="ro-RO" i="1"/>
+                                  <a:rPr lang="ro-RO" i="1">
+                                    <a:latin typeface="Cambria Math" panose="02040503050406030204" pitchFamily="18" charset="0"/>
+                                  </a:rPr>
                                 </m:ctrlPr>
                               </m:sSubPr>
                               <m:e>
                                 <m:r>
-                                  <a:rPr lang="ro-RO" i="1"/>
+                                  <a:rPr lang="ro-RO" i="1">
+                                    <a:latin typeface="Cambria Math" panose="02040503050406030204" pitchFamily="18" charset="0"/>
+                                  </a:rPr>
                                   <m:t>𝑙𝑜𝑔</m:t>
                                 </m:r>
                               </m:e>
                               <m:sub>
                                 <m:r>
-                                  <a:rPr lang="ro-RO" i="1"/>
+                                  <a:rPr lang="ro-RO" i="1">
+                                    <a:latin typeface="Cambria Math" panose="02040503050406030204" pitchFamily="18" charset="0"/>
+                                  </a:rPr>
                                   <m:t>10</m:t>
                                 </m:r>
                               </m:sub>
                             </m:sSub>
                             <m:r>
-                              <a:rPr lang="ro-RO" i="1"/>
+                              <a:rPr lang="ro-RO" i="1">
+                                <a:latin typeface="Cambria Math" panose="02040503050406030204" pitchFamily="18" charset="0"/>
+                              </a:rPr>
                               <m:t> </m:t>
                             </m:r>
                             <m:r>
-                              <a:rPr lang="ro-RO" i="1"/>
+                              <a:rPr lang="ro-RO" i="1">
+                                <a:latin typeface="Cambria Math" panose="02040503050406030204" pitchFamily="18" charset="0"/>
+                              </a:rPr>
                               <m:t>𝑐𝑜𝑢𝑛𝑡</m:t>
                             </m:r>
                             <m:d>
                               <m:dPr>
                                 <m:ctrlPr>
-                                  <a:rPr lang="ro-RO" i="1"/>
+                                  <a:rPr lang="ro-RO" i="1">
+                                    <a:latin typeface="Cambria Math" panose="02040503050406030204" pitchFamily="18" charset="0"/>
+                                  </a:rPr>
                                 </m:ctrlPr>
                               </m:dPr>
                               <m:e>
                                 <m:r>
-                                  <a:rPr lang="ro-RO" i="1"/>
+                                  <a:rPr lang="ro-RO" i="1">
+                                    <a:latin typeface="Cambria Math" panose="02040503050406030204" pitchFamily="18" charset="0"/>
+                                  </a:rPr>
                                   <m:t>𝑡</m:t>
                                 </m:r>
                                 <m:r>
-                                  <a:rPr lang="ro-RO" i="1"/>
+                                  <a:rPr lang="ro-RO" i="1">
+                                    <a:latin typeface="Cambria Math" panose="02040503050406030204" pitchFamily="18" charset="0"/>
+                                  </a:rPr>
                                   <m:t>,</m:t>
                                 </m:r>
                                 <m:r>
-                                  <a:rPr lang="ro-RO" i="1"/>
+                                  <a:rPr lang="ro-RO" i="1">
+                                    <a:latin typeface="Cambria Math" panose="02040503050406030204" pitchFamily="18" charset="0"/>
+                                  </a:rPr>
                                   <m:t>𝑑</m:t>
                                 </m:r>
                               </m:e>
                             </m:d>
                             <m:r>
-                              <a:rPr lang="ro-RO" i="1"/>
+                              <a:rPr lang="ro-RO" i="1">
+                                <a:latin typeface="Cambria Math" panose="02040503050406030204" pitchFamily="18" charset="0"/>
+                              </a:rPr>
                               <m:t>   , </m:t>
                             </m:r>
                             <m:r>
-                              <a:rPr lang="ro-RO" i="1"/>
+                              <a:rPr lang="ro-RO" i="1">
+                                <a:latin typeface="Cambria Math" panose="02040503050406030204" pitchFamily="18" charset="0"/>
+                              </a:rPr>
                               <m:t>𝑖𝑓</m:t>
                             </m:r>
                             <m:r>
-                              <a:rPr lang="ro-RO" i="1"/>
+                              <a:rPr lang="ro-RO" i="1">
+                                <a:latin typeface="Cambria Math" panose="02040503050406030204" pitchFamily="18" charset="0"/>
+                              </a:rPr>
                               <m:t> </m:t>
                             </m:r>
                             <m:r>
-                              <a:rPr lang="ro-RO" i="1"/>
+                              <a:rPr lang="ro-RO" i="1">
+                                <a:latin typeface="Cambria Math" panose="02040503050406030204" pitchFamily="18" charset="0"/>
+                              </a:rPr>
                               <m:t>𝑐𝑜𝑢𝑛𝑡</m:t>
                             </m:r>
                             <m:d>
                               <m:dPr>
                                 <m:ctrlPr>
-                                  <a:rPr lang="ro-RO" i="1"/>
+                                  <a:rPr lang="ro-RO" i="1">
+                                    <a:latin typeface="Cambria Math" panose="02040503050406030204" pitchFamily="18" charset="0"/>
+                                  </a:rPr>
                                 </m:ctrlPr>
                               </m:dPr>
                               <m:e>
                                 <m:r>
-                                  <a:rPr lang="ro-RO" i="1"/>
+                                  <a:rPr lang="ro-RO" i="1">
+                                    <a:latin typeface="Cambria Math" panose="02040503050406030204" pitchFamily="18" charset="0"/>
+                                  </a:rPr>
                                   <m:t>𝑡</m:t>
                                 </m:r>
                                 <m:r>
-                                  <a:rPr lang="ro-RO" i="1"/>
+                                  <a:rPr lang="ro-RO" i="1">
+                                    <a:latin typeface="Cambria Math" panose="02040503050406030204" pitchFamily="18" charset="0"/>
+                                  </a:rPr>
                                   <m:t>,</m:t>
                                 </m:r>
                                 <m:r>
-                                  <a:rPr lang="ro-RO" i="1"/>
+                                  <a:rPr lang="ro-RO" i="1">
+                                    <a:latin typeface="Cambria Math" panose="02040503050406030204" pitchFamily="18" charset="0"/>
+                                  </a:rPr>
                                   <m:t>𝑑</m:t>
                                 </m:r>
                               </m:e>
                             </m:d>
                             <m:r>
-                              <a:rPr lang="ro-RO" i="1"/>
+                              <a:rPr lang="ro-RO" i="1">
+                                <a:latin typeface="Cambria Math" panose="02040503050406030204" pitchFamily="18" charset="0"/>
+                              </a:rPr>
                               <m:t>&gt;0</m:t>
                             </m:r>
                           </m:e>
                           <m:e>
                             <m:r>
-                              <a:rPr lang="ro-RO" i="1"/>
+                              <a:rPr lang="ro-RO" i="1">
+                                <a:latin typeface="Cambria Math" panose="02040503050406030204" pitchFamily="18" charset="0"/>
+                              </a:rPr>
                               <m:t>0                             , </m:t>
                             </m:r>
                             <m:r>
-                              <a:rPr lang="ro-RO" i="1"/>
+                              <a:rPr lang="ro-RO" i="1">
+                                <a:latin typeface="Cambria Math" panose="02040503050406030204" pitchFamily="18" charset="0"/>
+                              </a:rPr>
                               <m:t>𝑜𝑡h𝑒𝑟𝑤𝑖𝑠𝑒</m:t>
                             </m:r>
                             <m:r>
-                              <a:rPr lang="ro-RO" i="1"/>
+                              <a:rPr lang="ro-RO" i="1">
+                                <a:latin typeface="Cambria Math" panose="02040503050406030204" pitchFamily="18" charset="0"/>
+                              </a:rPr>
                               <m:t>  </m:t>
                             </m:r>
                           </m:e>
@@ -10782,41 +11699,55 @@
                     <m:sSub>
                       <m:sSubPr>
                         <m:ctrlPr>
-                          <a:rPr lang="ro-RO" i="1"/>
+                          <a:rPr lang="ro-RO" i="1">
+                            <a:latin typeface="Cambria Math" panose="02040503050406030204" pitchFamily="18" charset="0"/>
+                          </a:rPr>
                         </m:ctrlPr>
                       </m:sSubPr>
                       <m:e>
                         <m:r>
-                          <a:rPr lang="ro-RO" i="1"/>
+                          <a:rPr lang="ro-RO" i="1">
+                            <a:latin typeface="Cambria Math" panose="02040503050406030204" pitchFamily="18" charset="0"/>
+                          </a:rPr>
                           <m:t>𝑖𝑑𝑓</m:t>
                         </m:r>
                       </m:e>
                       <m:sub>
                         <m:r>
-                          <a:rPr lang="ro-RO" i="1"/>
+                          <a:rPr lang="ro-RO" i="1">
+                            <a:latin typeface="Cambria Math" panose="02040503050406030204" pitchFamily="18" charset="0"/>
+                          </a:rPr>
                           <m:t>𝑡</m:t>
                         </m:r>
                       </m:sub>
                     </m:sSub>
                     <m:r>
-                      <a:rPr lang="ro-RO" i="1"/>
+                      <a:rPr lang="ro-RO" i="1">
+                        <a:latin typeface="Cambria Math" panose="02040503050406030204" pitchFamily="18" charset="0"/>
+                      </a:rPr>
                       <m:t>=</m:t>
                     </m:r>
                     <m:sSub>
                       <m:sSubPr>
                         <m:ctrlPr>
-                          <a:rPr lang="ro-RO" i="1"/>
+                          <a:rPr lang="ro-RO" i="1">
+                            <a:latin typeface="Cambria Math" panose="02040503050406030204" pitchFamily="18" charset="0"/>
+                          </a:rPr>
                         </m:ctrlPr>
                       </m:sSubPr>
                       <m:e>
                         <m:r>
-                          <a:rPr lang="ro-RO" i="1"/>
+                          <a:rPr lang="ro-RO" i="1">
+                            <a:latin typeface="Cambria Math" panose="02040503050406030204" pitchFamily="18" charset="0"/>
+                          </a:rPr>
                           <m:t>𝑙𝑜𝑔</m:t>
                         </m:r>
                       </m:e>
                       <m:sub>
                         <m:r>
-                          <a:rPr lang="ro-RO" i="1"/>
+                          <a:rPr lang="ro-RO" i="1">
+                            <a:latin typeface="Cambria Math" panose="02040503050406030204" pitchFamily="18" charset="0"/>
+                          </a:rPr>
                           <m:t>10</m:t>
                         </m:r>
                       </m:sub>
@@ -10824,19 +11755,25 @@
                     <m:d>
                       <m:dPr>
                         <m:ctrlPr>
-                          <a:rPr lang="ro-RO" i="1"/>
+                          <a:rPr lang="ro-RO" i="1">
+                            <a:latin typeface="Cambria Math" panose="02040503050406030204" pitchFamily="18" charset="0"/>
+                          </a:rPr>
                         </m:ctrlPr>
                       </m:dPr>
                       <m:e>
                         <m:f>
                           <m:fPr>
                             <m:ctrlPr>
-                              <a:rPr lang="ro-RO" i="1"/>
+                              <a:rPr lang="ro-RO" i="1">
+                                <a:latin typeface="Cambria Math" panose="02040503050406030204" pitchFamily="18" charset="0"/>
+                              </a:rPr>
                             </m:ctrlPr>
                           </m:fPr>
                           <m:num>
                             <m:r>
-                              <a:rPr lang="ro-RO" i="1"/>
+                              <a:rPr lang="ro-RO" i="1">
+                                <a:latin typeface="Cambria Math" panose="02040503050406030204" pitchFamily="18" charset="0"/>
+                              </a:rPr>
                               <m:t>𝑁</m:t>
                             </m:r>
                           </m:num>
@@ -10844,18 +11781,24 @@
                             <m:sSub>
                               <m:sSubPr>
                                 <m:ctrlPr>
-                                  <a:rPr lang="ro-RO" i="1"/>
+                                  <a:rPr lang="ro-RO" i="1">
+                                    <a:latin typeface="Cambria Math" panose="02040503050406030204" pitchFamily="18" charset="0"/>
+                                  </a:rPr>
                                 </m:ctrlPr>
                               </m:sSubPr>
                               <m:e>
                                 <m:r>
-                                  <a:rPr lang="ro-RO" i="1"/>
+                                  <a:rPr lang="ro-RO" i="1">
+                                    <a:latin typeface="Cambria Math" panose="02040503050406030204" pitchFamily="18" charset="0"/>
+                                  </a:rPr>
                                   <m:t>𝑑𝑓</m:t>
                                 </m:r>
                               </m:e>
                               <m:sub>
                                 <m:r>
-                                  <a:rPr lang="ro-RO" i="1"/>
+                                  <a:rPr lang="ro-RO" i="1">
+                                    <a:latin typeface="Cambria Math" panose="02040503050406030204" pitchFamily="18" charset="0"/>
+                                  </a:rPr>
                                   <m:t>𝑡</m:t>
                                 </m:r>
                               </m:sub>
@@ -10885,80 +11828,110 @@
                     <m:sSub>
                       <m:sSubPr>
                         <m:ctrlPr>
-                          <a:rPr lang="ro-RO" i="1"/>
+                          <a:rPr lang="ro-RO" i="1">
+                            <a:latin typeface="Cambria Math" panose="02040503050406030204" pitchFamily="18" charset="0"/>
+                          </a:rPr>
                         </m:ctrlPr>
                       </m:sSubPr>
                       <m:e>
                         <m:r>
-                          <a:rPr lang="ro-RO" i="1"/>
+                          <a:rPr lang="ro-RO" i="1">
+                            <a:latin typeface="Cambria Math" panose="02040503050406030204" pitchFamily="18" charset="0"/>
+                          </a:rPr>
                           <m:t>𝑤</m:t>
                         </m:r>
                       </m:e>
                       <m:sub>
                         <m:r>
-                          <a:rPr lang="ro-RO" i="1"/>
+                          <a:rPr lang="ro-RO" i="1">
+                            <a:latin typeface="Cambria Math" panose="02040503050406030204" pitchFamily="18" charset="0"/>
+                          </a:rPr>
                           <m:t>𝑡</m:t>
                         </m:r>
                         <m:r>
-                          <a:rPr lang="ro-RO" i="1"/>
+                          <a:rPr lang="ro-RO" i="1">
+                            <a:latin typeface="Cambria Math" panose="02040503050406030204" pitchFamily="18" charset="0"/>
+                          </a:rPr>
                           <m:t>,</m:t>
                         </m:r>
                         <m:r>
-                          <a:rPr lang="ro-RO" i="1"/>
+                          <a:rPr lang="ro-RO" i="1">
+                            <a:latin typeface="Cambria Math" panose="02040503050406030204" pitchFamily="18" charset="0"/>
+                          </a:rPr>
                           <m:t>𝑑</m:t>
                         </m:r>
                       </m:sub>
                     </m:sSub>
                     <m:r>
-                      <a:rPr lang="ro-RO" i="1"/>
+                      <a:rPr lang="ro-RO" i="1">
+                        <a:latin typeface="Cambria Math" panose="02040503050406030204" pitchFamily="18" charset="0"/>
+                      </a:rPr>
                       <m:t>=</m:t>
                     </m:r>
                     <m:sSub>
                       <m:sSubPr>
                         <m:ctrlPr>
-                          <a:rPr lang="ro-RO" i="1"/>
+                          <a:rPr lang="ro-RO" i="1">
+                            <a:latin typeface="Cambria Math" panose="02040503050406030204" pitchFamily="18" charset="0"/>
+                          </a:rPr>
                         </m:ctrlPr>
                       </m:sSubPr>
                       <m:e>
                         <m:r>
-                          <a:rPr lang="ro-RO" i="1"/>
+                          <a:rPr lang="ro-RO" i="1">
+                            <a:latin typeface="Cambria Math" panose="02040503050406030204" pitchFamily="18" charset="0"/>
+                          </a:rPr>
                           <m:t>𝑡𝑓</m:t>
                         </m:r>
                       </m:e>
                       <m:sub>
                         <m:r>
-                          <a:rPr lang="ro-RO" i="1"/>
+                          <a:rPr lang="ro-RO" i="1">
+                            <a:latin typeface="Cambria Math" panose="02040503050406030204" pitchFamily="18" charset="0"/>
+                          </a:rPr>
                           <m:t>𝑡</m:t>
                         </m:r>
                         <m:r>
-                          <a:rPr lang="ro-RO" i="1"/>
+                          <a:rPr lang="ro-RO" i="1">
+                            <a:latin typeface="Cambria Math" panose="02040503050406030204" pitchFamily="18" charset="0"/>
+                          </a:rPr>
                           <m:t>,</m:t>
                         </m:r>
                         <m:r>
-                          <a:rPr lang="ro-RO" i="1"/>
+                          <a:rPr lang="ro-RO" i="1">
+                            <a:latin typeface="Cambria Math" panose="02040503050406030204" pitchFamily="18" charset="0"/>
+                          </a:rPr>
                           <m:t>𝑑</m:t>
                         </m:r>
                       </m:sub>
                     </m:sSub>
                     <m:r>
-                      <a:rPr lang="ro-RO" i="1"/>
+                      <a:rPr lang="ro-RO" i="1">
+                        <a:latin typeface="Cambria Math" panose="02040503050406030204" pitchFamily="18" charset="0"/>
+                      </a:rPr>
                       <m:t>∗</m:t>
                     </m:r>
                     <m:sSub>
                       <m:sSubPr>
                         <m:ctrlPr>
-                          <a:rPr lang="ro-RO" i="1"/>
+                          <a:rPr lang="ro-RO" i="1">
+                            <a:latin typeface="Cambria Math" panose="02040503050406030204" pitchFamily="18" charset="0"/>
+                          </a:rPr>
                         </m:ctrlPr>
                       </m:sSubPr>
                       <m:e>
                         <m:r>
-                          <a:rPr lang="ro-RO" i="1"/>
+                          <a:rPr lang="ro-RO" i="1">
+                            <a:latin typeface="Cambria Math" panose="02040503050406030204" pitchFamily="18" charset="0"/>
+                          </a:rPr>
                           <m:t>𝑖𝑑𝑓</m:t>
                         </m:r>
                       </m:e>
                       <m:sub>
                         <m:r>
-                          <a:rPr lang="ro-RO" i="1"/>
+                          <a:rPr lang="ro-RO" i="1">
+                            <a:latin typeface="Cambria Math" panose="02040503050406030204" pitchFamily="18" charset="0"/>
+                          </a:rPr>
                           <m:t>𝑡</m:t>
                         </m:r>
                       </m:sub>
@@ -10974,7 +11947,7 @@
             </p:txBody>
           </p:sp>
         </mc:Choice>
-        <mc:Fallback>
+        <mc:Fallback xmlns="">
           <p:sp>
             <p:nvSpPr>
               <p:cNvPr id="3" name="Content Placeholder 2">
@@ -11053,13 +12026,13 @@
   <p:clrMapOvr>
     <a:masterClrMapping/>
   </p:clrMapOvr>
-  <mc:AlternateContent xmlns:mc="http://schemas.openxmlformats.org/markup-compatibility/2006">
-    <mc:Choice xmlns:p14="http://schemas.microsoft.com/office/powerpoint/2010/main" Requires="p14">
+  <mc:AlternateContent xmlns:mc="http://schemas.openxmlformats.org/markup-compatibility/2006" xmlns:p14="http://schemas.microsoft.com/office/powerpoint/2010/main">
+    <mc:Choice Requires="p14">
       <p:transition spd="med" p14:dur="700">
         <p:fade/>
       </p:transition>
     </mc:Choice>
-    <mc:Fallback>
+    <mc:Fallback xmlns="">
       <p:transition spd="med">
         <p:fade/>
       </p:transition>
@@ -11253,13 +12226,13 @@
   <p:clrMapOvr>
     <a:masterClrMapping/>
   </p:clrMapOvr>
-  <mc:AlternateContent xmlns:mc="http://schemas.openxmlformats.org/markup-compatibility/2006">
-    <mc:Choice xmlns:p14="http://schemas.microsoft.com/office/powerpoint/2010/main" Requires="p14">
+  <mc:AlternateContent xmlns:mc="http://schemas.openxmlformats.org/markup-compatibility/2006" xmlns:p14="http://schemas.microsoft.com/office/powerpoint/2010/main">
+    <mc:Choice Requires="p14">
       <p:transition spd="med" p14:dur="700">
         <p:fade/>
       </p:transition>
     </mc:Choice>
-    <mc:Fallback>
+    <mc:Fallback xmlns="">
       <p:transition spd="med">
         <p:fade/>
       </p:transition>
@@ -15002,13 +15975,13 @@
   <p:clrMapOvr>
     <a:masterClrMapping/>
   </p:clrMapOvr>
-  <mc:AlternateContent xmlns:mc="http://schemas.openxmlformats.org/markup-compatibility/2006">
-    <mc:Choice xmlns:p14="http://schemas.microsoft.com/office/powerpoint/2010/main" Requires="p14">
+  <mc:AlternateContent xmlns:mc="http://schemas.openxmlformats.org/markup-compatibility/2006" xmlns:p14="http://schemas.microsoft.com/office/powerpoint/2010/main">
+    <mc:Choice Requires="p14">
       <p:transition spd="med" p14:dur="700">
         <p:fade/>
       </p:transition>
     </mc:Choice>
-    <mc:Fallback>
+    <mc:Fallback xmlns="">
       <p:transition spd="med">
         <p:fade/>
       </p:transition>

--- a/Prezentare licenta.pptx
+++ b/Prezentare licenta.pptx
@@ -8188,8 +8188,8 @@
           </a:p>
         </p:txBody>
       </p:sp>
-      <mc:AlternateContent xmlns:mc="http://schemas.openxmlformats.org/markup-compatibility/2006">
-        <mc:Choice xmlns:a14="http://schemas.microsoft.com/office/drawing/2010/main" Requires="a14">
+      <mc:AlternateContent xmlns:mc="http://schemas.openxmlformats.org/markup-compatibility/2006" xmlns:a14="http://schemas.microsoft.com/office/drawing/2010/main">
+        <mc:Choice Requires="a14">
           <p:sp>
             <p:nvSpPr>
               <p:cNvPr id="3" name="Content Placeholder 2">
@@ -8381,49 +8381,67 @@
                 <a14:m>
                   <m:oMath xmlns:m="http://schemas.openxmlformats.org/officeDocument/2006/math">
                     <m:r>
-                      <a:rPr lang="ro-RO" i="1"/>
+                      <a:rPr lang="ro-RO" i="1">
+                        <a:latin typeface="Cambria Math" panose="02040503050406030204" pitchFamily="18" charset="0"/>
+                      </a:rPr>
                       <m:t>𝐶</m:t>
                     </m:r>
                     <m:d>
                       <m:dPr>
                         <m:ctrlPr>
-                          <a:rPr lang="ro-RO" i="1"/>
+                          <a:rPr lang="ro-RO" i="1">
+                            <a:latin typeface="Cambria Math" panose="02040503050406030204" pitchFamily="18" charset="0"/>
+                          </a:rPr>
                         </m:ctrlPr>
                       </m:dPr>
                       <m:e>
                         <m:r>
-                          <a:rPr lang="ro-RO" i="1"/>
+                          <a:rPr lang="ro-RO" i="1">
+                            <a:latin typeface="Cambria Math" panose="02040503050406030204" pitchFamily="18" charset="0"/>
+                          </a:rPr>
                           <m:t>𝑤</m:t>
                         </m:r>
                         <m:r>
-                          <a:rPr lang="ro-RO" i="1"/>
+                          <a:rPr lang="ro-RO" i="1">
+                            <a:latin typeface="Cambria Math" panose="02040503050406030204" pitchFamily="18" charset="0"/>
+                          </a:rPr>
                           <m:t>,</m:t>
                         </m:r>
                         <m:r>
-                          <a:rPr lang="ro-RO" i="1"/>
+                          <a:rPr lang="ro-RO" i="1">
+                            <a:latin typeface="Cambria Math" panose="02040503050406030204" pitchFamily="18" charset="0"/>
+                          </a:rPr>
                           <m:t>𝑏</m:t>
                         </m:r>
                       </m:e>
                     </m:d>
                     <m:r>
-                      <a:rPr lang="ro-RO" i="1"/>
+                      <a:rPr lang="ro-RO" i="1">
+                        <a:latin typeface="Cambria Math" panose="02040503050406030204" pitchFamily="18" charset="0"/>
+                      </a:rPr>
                       <m:t>=</m:t>
                     </m:r>
                     <m:f>
                       <m:fPr>
                         <m:ctrlPr>
-                          <a:rPr lang="ro-RO" i="1"/>
+                          <a:rPr lang="ro-RO" i="1">
+                            <a:latin typeface="Cambria Math" panose="02040503050406030204" pitchFamily="18" charset="0"/>
+                          </a:rPr>
                         </m:ctrlPr>
                       </m:fPr>
                       <m:num>
                         <m:r>
-                          <a:rPr lang="ro-RO" i="1"/>
+                          <a:rPr lang="ro-RO" i="1">
+                            <a:latin typeface="Cambria Math" panose="02040503050406030204" pitchFamily="18" charset="0"/>
+                          </a:rPr>
                           <m:t>−1</m:t>
                         </m:r>
                       </m:num>
                       <m:den>
                         <m:r>
-                          <a:rPr lang="ro-RO" i="1"/>
+                          <a:rPr lang="ro-RO" i="1">
+                            <a:latin typeface="Cambria Math" panose="02040503050406030204" pitchFamily="18" charset="0"/>
+                          </a:rPr>
                           <m:t>𝑛</m:t>
                         </m:r>
                       </m:den>
@@ -8433,12 +8451,16 @@
                         <m:chr m:val="∑"/>
                         <m:supHide m:val="on"/>
                         <m:ctrlPr>
-                          <a:rPr lang="ro-RO" i="1"/>
+                          <a:rPr lang="ro-RO" i="1">
+                            <a:latin typeface="Cambria Math" panose="02040503050406030204" pitchFamily="18" charset="0"/>
+                          </a:rPr>
                         </m:ctrlPr>
                       </m:naryPr>
                       <m:sub>
                         <m:r>
-                          <a:rPr lang="ro-RO" i="1"/>
+                          <a:rPr lang="ro-RO" i="1">
+                            <a:latin typeface="Cambria Math" panose="02040503050406030204" pitchFamily="18" charset="0"/>
+                          </a:rPr>
                           <m:t>𝑥</m:t>
                         </m:r>
                       </m:sub>
@@ -8449,52 +8471,72 @@
                             <m:begChr m:val="["/>
                             <m:endChr m:val="]"/>
                             <m:ctrlPr>
-                              <a:rPr lang="ro-RO" i="1"/>
+                              <a:rPr lang="ro-RO" i="1">
+                                <a:latin typeface="Cambria Math" panose="02040503050406030204" pitchFamily="18" charset="0"/>
+                              </a:rPr>
                             </m:ctrlPr>
                           </m:dPr>
                           <m:e>
                             <m:r>
-                              <a:rPr lang="ro-RO" i="1"/>
+                              <a:rPr lang="ro-RO" i="1">
+                                <a:latin typeface="Cambria Math" panose="02040503050406030204" pitchFamily="18" charset="0"/>
+                              </a:rPr>
                               <m:t>𝑡𝑙𝑛𝑦</m:t>
                             </m:r>
                             <m:r>
-                              <a:rPr lang="ro-RO" i="1"/>
+                              <a:rPr lang="ro-RO" i="1">
+                                <a:latin typeface="Cambria Math" panose="02040503050406030204" pitchFamily="18" charset="0"/>
+                              </a:rPr>
                               <m:t>+</m:t>
                             </m:r>
                             <m:d>
                               <m:dPr>
                                 <m:ctrlPr>
-                                  <a:rPr lang="ro-RO" i="1"/>
+                                  <a:rPr lang="ro-RO" i="1">
+                                    <a:latin typeface="Cambria Math" panose="02040503050406030204" pitchFamily="18" charset="0"/>
+                                  </a:rPr>
                                 </m:ctrlPr>
                               </m:dPr>
                               <m:e>
                                 <m:r>
-                                  <a:rPr lang="ro-RO" i="1"/>
+                                  <a:rPr lang="ro-RO" i="1">
+                                    <a:latin typeface="Cambria Math" panose="02040503050406030204" pitchFamily="18" charset="0"/>
+                                  </a:rPr>
                                   <m:t>1−</m:t>
                                 </m:r>
                                 <m:r>
-                                  <a:rPr lang="ro-RO" i="1"/>
+                                  <a:rPr lang="ro-RO" i="1">
+                                    <a:latin typeface="Cambria Math" panose="02040503050406030204" pitchFamily="18" charset="0"/>
+                                  </a:rPr>
                                   <m:t>𝑡</m:t>
                                 </m:r>
                               </m:e>
                             </m:d>
                             <m:r>
-                              <a:rPr lang="ro-RO" i="1"/>
+                              <a:rPr lang="ro-RO" i="1">
+                                <a:latin typeface="Cambria Math" panose="02040503050406030204" pitchFamily="18" charset="0"/>
+                              </a:rPr>
                               <m:t>𝑙𝑛</m:t>
                             </m:r>
                             <m:d>
                               <m:dPr>
                                 <m:ctrlPr>
-                                  <a:rPr lang="ro-RO" i="1"/>
+                                  <a:rPr lang="ro-RO" i="1">
+                                    <a:latin typeface="Cambria Math" panose="02040503050406030204" pitchFamily="18" charset="0"/>
+                                  </a:rPr>
                                 </m:ctrlPr>
                               </m:dPr>
                               <m:e>
                                 <m:r>
-                                  <a:rPr lang="ro-RO" i="1"/>
+                                  <a:rPr lang="ro-RO" i="1">
+                                    <a:latin typeface="Cambria Math" panose="02040503050406030204" pitchFamily="18" charset="0"/>
+                                  </a:rPr>
                                   <m:t>1−</m:t>
                                 </m:r>
                                 <m:r>
-                                  <a:rPr lang="ro-RO" i="1"/>
+                                  <a:rPr lang="ro-RO" i="1">
+                                    <a:latin typeface="Cambria Math" panose="02040503050406030204" pitchFamily="18" charset="0"/>
+                                  </a:rPr>
                                   <m:t>𝑦</m:t>
                                 </m:r>
                               </m:e>
@@ -8530,62 +8572,84 @@
                 <a14:m>
                   <m:oMath xmlns:m="http://schemas.openxmlformats.org/officeDocument/2006/math">
                     <m:r>
-                      <a:rPr lang="ro-RO" i="1"/>
+                      <a:rPr lang="ro-RO" i="1">
+                        <a:latin typeface="Cambria Math" panose="02040503050406030204" pitchFamily="18" charset="0"/>
+                      </a:rPr>
                       <m:t>𝜎</m:t>
                     </m:r>
                     <m:d>
                       <m:dPr>
                         <m:ctrlPr>
-                          <a:rPr lang="ro-RO" i="1"/>
+                          <a:rPr lang="ro-RO" i="1">
+                            <a:latin typeface="Cambria Math" panose="02040503050406030204" pitchFamily="18" charset="0"/>
+                          </a:rPr>
                         </m:ctrlPr>
                       </m:dPr>
                       <m:e>
                         <m:r>
-                          <a:rPr lang="ro-RO" i="1"/>
+                          <a:rPr lang="ro-RO" i="1">
+                            <a:latin typeface="Cambria Math" panose="02040503050406030204" pitchFamily="18" charset="0"/>
+                          </a:rPr>
                           <m:t>𝑧</m:t>
                         </m:r>
                       </m:e>
                     </m:d>
                     <m:r>
-                      <a:rPr lang="ro-RO" i="1"/>
+                      <a:rPr lang="ro-RO" i="1">
+                        <a:latin typeface="Cambria Math" panose="02040503050406030204" pitchFamily="18" charset="0"/>
+                      </a:rPr>
                       <m:t>=</m:t>
                     </m:r>
                     <m:f>
                       <m:fPr>
                         <m:ctrlPr>
-                          <a:rPr lang="ro-RO" i="1"/>
+                          <a:rPr lang="ro-RO" i="1">
+                            <a:latin typeface="Cambria Math" panose="02040503050406030204" pitchFamily="18" charset="0"/>
+                          </a:rPr>
                         </m:ctrlPr>
                       </m:fPr>
                       <m:num>
                         <m:r>
-                          <a:rPr lang="ro-RO" i="1"/>
+                          <a:rPr lang="ro-RO" i="1">
+                            <a:latin typeface="Cambria Math" panose="02040503050406030204" pitchFamily="18" charset="0"/>
+                          </a:rPr>
                           <m:t>1</m:t>
                         </m:r>
                       </m:num>
                       <m:den>
                         <m:r>
-                          <a:rPr lang="ro-RO" i="1"/>
+                          <a:rPr lang="ro-RO" i="1">
+                            <a:latin typeface="Cambria Math" panose="02040503050406030204" pitchFamily="18" charset="0"/>
+                          </a:rPr>
                           <m:t>1+</m:t>
                         </m:r>
                         <m:sSup>
                           <m:sSupPr>
                             <m:ctrlPr>
-                              <a:rPr lang="ro-RO" i="1"/>
+                              <a:rPr lang="ro-RO" i="1">
+                                <a:latin typeface="Cambria Math" panose="02040503050406030204" pitchFamily="18" charset="0"/>
+                              </a:rPr>
                             </m:ctrlPr>
                           </m:sSupPr>
                           <m:e>
                             <m:r>
-                              <a:rPr lang="ro-RO" i="1"/>
+                              <a:rPr lang="ro-RO" i="1">
+                                <a:latin typeface="Cambria Math" panose="02040503050406030204" pitchFamily="18" charset="0"/>
+                              </a:rPr>
                               <m:t>𝑒</m:t>
                             </m:r>
                           </m:e>
                           <m:sup>
                             <m:r>
-                              <a:rPr lang="ro-RO" i="1"/>
+                              <a:rPr lang="ro-RO" i="1">
+                                <a:latin typeface="Cambria Math" panose="02040503050406030204" pitchFamily="18" charset="0"/>
+                              </a:rPr>
                               <m:t>−</m:t>
                             </m:r>
                             <m:r>
-                              <a:rPr lang="ro-RO" i="1"/>
+                              <a:rPr lang="ro-RO" i="1">
+                                <a:latin typeface="Cambria Math" panose="02040503050406030204" pitchFamily="18" charset="0"/>
+                              </a:rPr>
                               <m:t>𝑧</m:t>
                             </m:r>
                           </m:sup>
@@ -8609,24 +8673,32 @@
                 <a14:m>
                   <m:oMath xmlns:m="http://schemas.openxmlformats.org/officeDocument/2006/math">
                     <m:r>
-                      <a:rPr lang="ro-RO" i="1"/>
+                      <a:rPr lang="ro-RO" i="1">
+                        <a:latin typeface="Cambria Math" panose="02040503050406030204" pitchFamily="18" charset="0"/>
+                      </a:rPr>
                       <m:t>𝜎</m:t>
                     </m:r>
                     <m:d>
                       <m:dPr>
                         <m:ctrlPr>
-                          <a:rPr lang="ro-RO" i="1"/>
+                          <a:rPr lang="ro-RO" i="1">
+                            <a:latin typeface="Cambria Math" panose="02040503050406030204" pitchFamily="18" charset="0"/>
+                          </a:rPr>
                         </m:ctrlPr>
                       </m:dPr>
                       <m:e>
                         <m:r>
-                          <a:rPr lang="ro-RO" i="1"/>
+                          <a:rPr lang="ro-RO" i="1">
+                            <a:latin typeface="Cambria Math" panose="02040503050406030204" pitchFamily="18" charset="0"/>
+                          </a:rPr>
                           <m:t>𝑧</m:t>
                         </m:r>
                       </m:e>
                     </m:d>
                     <m:r>
-                      <a:rPr lang="ro-RO" i="1"/>
+                      <a:rPr lang="ro-RO" i="1">
+                        <a:latin typeface="Cambria Math" panose="02040503050406030204" pitchFamily="18" charset="0"/>
+                      </a:rPr>
                       <m:t>=</m:t>
                     </m:r>
                     <m:d>
@@ -8634,41 +8706,57 @@
                         <m:begChr m:val="{"/>
                         <m:endChr m:val=""/>
                         <m:ctrlPr>
-                          <a:rPr lang="ro-RO" i="1"/>
+                          <a:rPr lang="ro-RO" i="1">
+                            <a:latin typeface="Cambria Math" panose="02040503050406030204" pitchFamily="18" charset="0"/>
+                          </a:rPr>
                         </m:ctrlPr>
                       </m:dPr>
                       <m:e>
                         <m:eqArr>
                           <m:eqArrPr>
                             <m:ctrlPr>
-                              <a:rPr lang="ro-RO" i="1"/>
+                              <a:rPr lang="ro-RO" i="1">
+                                <a:latin typeface="Cambria Math" panose="02040503050406030204" pitchFamily="18" charset="0"/>
+                              </a:rPr>
                             </m:ctrlPr>
                           </m:eqArrPr>
                           <m:e>
                             <m:r>
-                              <a:rPr lang="ro-RO" i="1"/>
+                              <a:rPr lang="ro-RO" i="1">
+                                <a:latin typeface="Cambria Math" panose="02040503050406030204" pitchFamily="18" charset="0"/>
+                              </a:rPr>
                               <m:t>0,</m:t>
                             </m:r>
                             <m:r>
-                              <a:rPr lang="ro-RO" i="1"/>
+                              <a:rPr lang="ro-RO" i="1">
+                                <a:latin typeface="Cambria Math" panose="02040503050406030204" pitchFamily="18" charset="0"/>
+                              </a:rPr>
                               <m:t>𝑖𝑓𝑧</m:t>
                             </m:r>
                             <m:r>
-                              <a:rPr lang="ro-RO" i="1"/>
+                              <a:rPr lang="ro-RO" i="1">
+                                <a:latin typeface="Cambria Math" panose="02040503050406030204" pitchFamily="18" charset="0"/>
+                              </a:rPr>
                               <m:t>&lt;0</m:t>
                             </m:r>
                           </m:e>
                           <m:e>
                             <m:r>
-                              <a:rPr lang="ro-RO" i="1"/>
+                              <a:rPr lang="ro-RO" i="1">
+                                <a:latin typeface="Cambria Math" panose="02040503050406030204" pitchFamily="18" charset="0"/>
+                              </a:rPr>
                               <m:t>1,</m:t>
                             </m:r>
                             <m:r>
-                              <a:rPr lang="ro-RO" i="1"/>
+                              <a:rPr lang="ro-RO" i="1">
+                                <a:latin typeface="Cambria Math" panose="02040503050406030204" pitchFamily="18" charset="0"/>
+                              </a:rPr>
                               <m:t>𝑖𝑓𝑥</m:t>
                             </m:r>
                             <m:r>
-                              <a:rPr lang="ro-RO" i="1"/>
+                              <a:rPr lang="ro-RO" i="1">
+                                <a:latin typeface="Cambria Math" panose="02040503050406030204" pitchFamily="18" charset="0"/>
+                              </a:rPr>
                               <m:t>≥0</m:t>
                             </m:r>
                           </m:e>
@@ -8690,7 +8778,7 @@
             </p:txBody>
           </p:sp>
         </mc:Choice>
-        <mc:Fallback>
+        <mc:Fallback xmlns="">
           <p:sp>
             <p:nvSpPr>
               <p:cNvPr id="3" name="Content Placeholder 2">
@@ -9170,13 +9258,13 @@
   <p:clrMapOvr>
     <a:masterClrMapping/>
   </p:clrMapOvr>
-  <mc:AlternateContent xmlns:mc="http://schemas.openxmlformats.org/markup-compatibility/2006">
-    <mc:Choice xmlns:p14="http://schemas.microsoft.com/office/powerpoint/2010/main" Requires="p14">
+  <mc:AlternateContent xmlns:mc="http://schemas.openxmlformats.org/markup-compatibility/2006" xmlns:p14="http://schemas.microsoft.com/office/powerpoint/2010/main">
+    <mc:Choice Requires="p14">
       <p:transition spd="med" p14:dur="700">
         <p:fade/>
       </p:transition>
     </mc:Choice>
-    <mc:Fallback>
+    <mc:Fallback xmlns="">
       <p:transition spd="med">
         <p:fade/>
       </p:transition>
@@ -11396,8 +11484,8 @@
           </a:p>
         </p:txBody>
       </p:sp>
-      <mc:AlternateContent xmlns:mc="http://schemas.openxmlformats.org/markup-compatibility/2006" xmlns:a14="http://schemas.microsoft.com/office/drawing/2010/main">
-        <mc:Choice Requires="a14">
+      <mc:AlternateContent xmlns:mc="http://schemas.openxmlformats.org/markup-compatibility/2006">
+        <mc:Choice xmlns:a14="http://schemas.microsoft.com/office/drawing/2010/main" Requires="a14">
           <p:sp>
             <p:nvSpPr>
               <p:cNvPr id="3" name="Content Placeholder 2">
@@ -11673,15 +11761,7 @@
               <a:p>
                 <a:r>
                   <a:rPr lang="ro-RO" dirty="0"/>
-                  <a:t>Invers </a:t>
-                </a:r>
-                <a:r>
-                  <a:rPr lang="ro-RO" dirty="0" err="1"/>
-                  <a:t>Term</a:t>
-                </a:r>
-                <a:r>
-                  <a:rPr lang="ro-RO" dirty="0"/>
-                  <a:t> </a:t>
+                  <a:t>Invers Document </a:t>
                 </a:r>
                 <a:r>
                   <a:rPr lang="ro-RO" dirty="0" err="1"/>
@@ -11689,7 +11769,7 @@
                 </a:r>
                 <a:r>
                   <a:rPr lang="ro-RO" dirty="0"/>
-                  <a:t> (TF-IDF)</a:t>
+                  <a:t> (IDF)</a:t>
                 </a:r>
               </a:p>
               <a:p>
@@ -11947,7 +12027,7 @@
             </p:txBody>
           </p:sp>
         </mc:Choice>
-        <mc:Fallback xmlns="">
+        <mc:Fallback>
           <p:sp>
             <p:nvSpPr>
               <p:cNvPr id="3" name="Content Placeholder 2">
@@ -14842,7 +14922,7 @@
           <p:nvPr>
             <p:extLst>
               <p:ext uri="{D42A27DB-BD31-4B8C-83A1-F6EECF244321}">
-                <p14:modId xmlns:p14="http://schemas.microsoft.com/office/powerpoint/2010/main" val="4231590649"/>
+                <p14:modId xmlns:p14="http://schemas.microsoft.com/office/powerpoint/2010/main" val="2291464001"/>
               </p:ext>
             </p:extLst>
           </p:nvPr>
@@ -14924,10 +15004,10 @@
                         <a:t> (</a:t>
                       </a:r>
                       <a:r>
-                        <a:rPr lang="ro-RO" sz="1600" b="0" i="1" dirty="0" err="1">
-                          <a:effectLst/>
-                        </a:rPr>
-                        <a:t>sustantiv</a:t>
+                        <a:rPr lang="ro-RO" sz="1600" b="0" i="1" dirty="0">
+                          <a:effectLst/>
+                        </a:rPr>
+                        <a:t>substantiv</a:t>
                       </a:r>
                       <a:r>
                         <a:rPr lang="ro-RO" sz="1600" b="0" dirty="0">
